--- a/persona et shéma de fonctionnement ecommerce.pptx
+++ b/persona et shéma de fonctionnement ecommerce.pptx
@@ -106,6 +106,11 @@
       </a:defRPr>
     </a:lvl9pPr>
   </p:defaultTextStyle>
+  <p:extLst>
+    <p:ext uri="{EFAFB233-063F-42B5-8137-9DF3F51BA10A}">
+      <p15:sldGuideLst xmlns:p15="http://schemas.microsoft.com/office/powerpoint/2012/main"/>
+    </p:ext>
+  </p:extLst>
 </p:presentation>
 </file>
 
@@ -258,7 +263,7 @@
               <a:rPr lang="fr-FR" smtClean="0"/>
               <a:t>07/05/2021</a:t>
             </a:fld>
-            <a:endParaRPr lang="fr-FR"/>
+            <a:endParaRPr lang="fr-FR" dirty="0"/>
           </a:p>
         </p:txBody>
       </p:sp>
@@ -283,7 +288,7 @@
           <a:bodyPr/>
           <a:lstStyle/>
           <a:p>
-            <a:endParaRPr lang="fr-FR"/>
+            <a:endParaRPr lang="fr-FR" dirty="0"/>
           </a:p>
         </p:txBody>
       </p:sp>
@@ -312,7 +317,7 @@
               <a:rPr lang="fr-FR" smtClean="0"/>
               <a:t>‹N°›</a:t>
             </a:fld>
-            <a:endParaRPr lang="fr-FR"/>
+            <a:endParaRPr lang="fr-FR" dirty="0"/>
           </a:p>
         </p:txBody>
       </p:sp>
@@ -456,7 +461,7 @@
               <a:rPr lang="fr-FR" smtClean="0"/>
               <a:t>07/05/2021</a:t>
             </a:fld>
-            <a:endParaRPr lang="fr-FR"/>
+            <a:endParaRPr lang="fr-FR" dirty="0"/>
           </a:p>
         </p:txBody>
       </p:sp>
@@ -481,7 +486,7 @@
           <a:bodyPr/>
           <a:lstStyle/>
           <a:p>
-            <a:endParaRPr lang="fr-FR"/>
+            <a:endParaRPr lang="fr-FR" dirty="0"/>
           </a:p>
         </p:txBody>
       </p:sp>
@@ -510,7 +515,7 @@
               <a:rPr lang="fr-FR" smtClean="0"/>
               <a:t>‹N°›</a:t>
             </a:fld>
-            <a:endParaRPr lang="fr-FR"/>
+            <a:endParaRPr lang="fr-FR" dirty="0"/>
           </a:p>
         </p:txBody>
       </p:sp>
@@ -664,7 +669,7 @@
               <a:rPr lang="fr-FR" smtClean="0"/>
               <a:t>07/05/2021</a:t>
             </a:fld>
-            <a:endParaRPr lang="fr-FR"/>
+            <a:endParaRPr lang="fr-FR" dirty="0"/>
           </a:p>
         </p:txBody>
       </p:sp>
@@ -689,7 +694,7 @@
           <a:bodyPr/>
           <a:lstStyle/>
           <a:p>
-            <a:endParaRPr lang="fr-FR"/>
+            <a:endParaRPr lang="fr-FR" dirty="0"/>
           </a:p>
         </p:txBody>
       </p:sp>
@@ -718,7 +723,7 @@
               <a:rPr lang="fr-FR" smtClean="0"/>
               <a:t>‹N°›</a:t>
             </a:fld>
-            <a:endParaRPr lang="fr-FR"/>
+            <a:endParaRPr lang="fr-FR" dirty="0"/>
           </a:p>
         </p:txBody>
       </p:sp>
@@ -862,7 +867,7 @@
               <a:rPr lang="fr-FR" smtClean="0"/>
               <a:t>07/05/2021</a:t>
             </a:fld>
-            <a:endParaRPr lang="fr-FR"/>
+            <a:endParaRPr lang="fr-FR" dirty="0"/>
           </a:p>
         </p:txBody>
       </p:sp>
@@ -887,7 +892,7 @@
           <a:bodyPr/>
           <a:lstStyle/>
           <a:p>
-            <a:endParaRPr lang="fr-FR"/>
+            <a:endParaRPr lang="fr-FR" dirty="0"/>
           </a:p>
         </p:txBody>
       </p:sp>
@@ -916,7 +921,7 @@
               <a:rPr lang="fr-FR" smtClean="0"/>
               <a:t>‹N°›</a:t>
             </a:fld>
-            <a:endParaRPr lang="fr-FR"/>
+            <a:endParaRPr lang="fr-FR" dirty="0"/>
           </a:p>
         </p:txBody>
       </p:sp>
@@ -1137,7 +1142,7 @@
               <a:rPr lang="fr-FR" smtClean="0"/>
               <a:t>07/05/2021</a:t>
             </a:fld>
-            <a:endParaRPr lang="fr-FR"/>
+            <a:endParaRPr lang="fr-FR" dirty="0"/>
           </a:p>
         </p:txBody>
       </p:sp>
@@ -1162,7 +1167,7 @@
           <a:bodyPr/>
           <a:lstStyle/>
           <a:p>
-            <a:endParaRPr lang="fr-FR"/>
+            <a:endParaRPr lang="fr-FR" dirty="0"/>
           </a:p>
         </p:txBody>
       </p:sp>
@@ -1191,7 +1196,7 @@
               <a:rPr lang="fr-FR" smtClean="0"/>
               <a:t>‹N°›</a:t>
             </a:fld>
-            <a:endParaRPr lang="fr-FR"/>
+            <a:endParaRPr lang="fr-FR" dirty="0"/>
           </a:p>
         </p:txBody>
       </p:sp>
@@ -1402,7 +1407,7 @@
               <a:rPr lang="fr-FR" smtClean="0"/>
               <a:t>07/05/2021</a:t>
             </a:fld>
-            <a:endParaRPr lang="fr-FR"/>
+            <a:endParaRPr lang="fr-FR" dirty="0"/>
           </a:p>
         </p:txBody>
       </p:sp>
@@ -1427,7 +1432,7 @@
           <a:bodyPr/>
           <a:lstStyle/>
           <a:p>
-            <a:endParaRPr lang="fr-FR"/>
+            <a:endParaRPr lang="fr-FR" dirty="0"/>
           </a:p>
         </p:txBody>
       </p:sp>
@@ -1456,7 +1461,7 @@
               <a:rPr lang="fr-FR" smtClean="0"/>
               <a:t>‹N°›</a:t>
             </a:fld>
-            <a:endParaRPr lang="fr-FR"/>
+            <a:endParaRPr lang="fr-FR" dirty="0"/>
           </a:p>
         </p:txBody>
       </p:sp>
@@ -1814,7 +1819,7 @@
               <a:rPr lang="fr-FR" smtClean="0"/>
               <a:t>07/05/2021</a:t>
             </a:fld>
-            <a:endParaRPr lang="fr-FR"/>
+            <a:endParaRPr lang="fr-FR" dirty="0"/>
           </a:p>
         </p:txBody>
       </p:sp>
@@ -1839,7 +1844,7 @@
           <a:bodyPr/>
           <a:lstStyle/>
           <a:p>
-            <a:endParaRPr lang="fr-FR"/>
+            <a:endParaRPr lang="fr-FR" dirty="0"/>
           </a:p>
         </p:txBody>
       </p:sp>
@@ -1868,7 +1873,7 @@
               <a:rPr lang="fr-FR" smtClean="0"/>
               <a:t>‹N°›</a:t>
             </a:fld>
-            <a:endParaRPr lang="fr-FR"/>
+            <a:endParaRPr lang="fr-FR" dirty="0"/>
           </a:p>
         </p:txBody>
       </p:sp>
@@ -1955,7 +1960,7 @@
               <a:rPr lang="fr-FR" smtClean="0"/>
               <a:t>07/05/2021</a:t>
             </a:fld>
-            <a:endParaRPr lang="fr-FR"/>
+            <a:endParaRPr lang="fr-FR" dirty="0"/>
           </a:p>
         </p:txBody>
       </p:sp>
@@ -1980,7 +1985,7 @@
           <a:bodyPr/>
           <a:lstStyle/>
           <a:p>
-            <a:endParaRPr lang="fr-FR"/>
+            <a:endParaRPr lang="fr-FR" dirty="0"/>
           </a:p>
         </p:txBody>
       </p:sp>
@@ -2009,7 +2014,7 @@
               <a:rPr lang="fr-FR" smtClean="0"/>
               <a:t>‹N°›</a:t>
             </a:fld>
-            <a:endParaRPr lang="fr-FR"/>
+            <a:endParaRPr lang="fr-FR" dirty="0"/>
           </a:p>
         </p:txBody>
       </p:sp>
@@ -2068,7 +2073,7 @@
               <a:rPr lang="fr-FR" smtClean="0"/>
               <a:t>07/05/2021</a:t>
             </a:fld>
-            <a:endParaRPr lang="fr-FR"/>
+            <a:endParaRPr lang="fr-FR" dirty="0"/>
           </a:p>
         </p:txBody>
       </p:sp>
@@ -2093,7 +2098,7 @@
           <a:bodyPr/>
           <a:lstStyle/>
           <a:p>
-            <a:endParaRPr lang="fr-FR"/>
+            <a:endParaRPr lang="fr-FR" dirty="0"/>
           </a:p>
         </p:txBody>
       </p:sp>
@@ -2122,7 +2127,7 @@
               <a:rPr lang="fr-FR" smtClean="0"/>
               <a:t>‹N°›</a:t>
             </a:fld>
-            <a:endParaRPr lang="fr-FR"/>
+            <a:endParaRPr lang="fr-FR" dirty="0"/>
           </a:p>
         </p:txBody>
       </p:sp>
@@ -2379,7 +2384,7 @@
               <a:rPr lang="fr-FR" smtClean="0"/>
               <a:t>07/05/2021</a:t>
             </a:fld>
-            <a:endParaRPr lang="fr-FR"/>
+            <a:endParaRPr lang="fr-FR" dirty="0"/>
           </a:p>
         </p:txBody>
       </p:sp>
@@ -2404,7 +2409,7 @@
           <a:bodyPr/>
           <a:lstStyle/>
           <a:p>
-            <a:endParaRPr lang="fr-FR"/>
+            <a:endParaRPr lang="fr-FR" dirty="0"/>
           </a:p>
         </p:txBody>
       </p:sp>
@@ -2433,7 +2438,7 @@
               <a:rPr lang="fr-FR" smtClean="0"/>
               <a:t>‹N°›</a:t>
             </a:fld>
-            <a:endParaRPr lang="fr-FR"/>
+            <a:endParaRPr lang="fr-FR" dirty="0"/>
           </a:p>
         </p:txBody>
       </p:sp>
@@ -2567,7 +2572,7 @@
             </a:lvl9pPr>
           </a:lstStyle>
           <a:p>
-            <a:endParaRPr lang="fr-FR"/>
+            <a:endParaRPr lang="fr-FR" dirty="0"/>
           </a:p>
         </p:txBody>
       </p:sp>
@@ -2667,7 +2672,7 @@
               <a:rPr lang="fr-FR" smtClean="0"/>
               <a:t>07/05/2021</a:t>
             </a:fld>
-            <a:endParaRPr lang="fr-FR"/>
+            <a:endParaRPr lang="fr-FR" dirty="0"/>
           </a:p>
         </p:txBody>
       </p:sp>
@@ -2692,7 +2697,7 @@
           <a:bodyPr/>
           <a:lstStyle/>
           <a:p>
-            <a:endParaRPr lang="fr-FR"/>
+            <a:endParaRPr lang="fr-FR" dirty="0"/>
           </a:p>
         </p:txBody>
       </p:sp>
@@ -2721,7 +2726,7 @@
               <a:rPr lang="fr-FR" smtClean="0"/>
               <a:t>‹N°›</a:t>
             </a:fld>
-            <a:endParaRPr lang="fr-FR"/>
+            <a:endParaRPr lang="fr-FR" dirty="0"/>
           </a:p>
         </p:txBody>
       </p:sp>
@@ -2908,7 +2913,7 @@
               <a:rPr lang="fr-FR" smtClean="0"/>
               <a:t>07/05/2021</a:t>
             </a:fld>
-            <a:endParaRPr lang="fr-FR"/>
+            <a:endParaRPr lang="fr-FR" dirty="0"/>
           </a:p>
         </p:txBody>
       </p:sp>
@@ -2951,7 +2956,7 @@
             </a:lvl1pPr>
           </a:lstStyle>
           <a:p>
-            <a:endParaRPr lang="fr-FR"/>
+            <a:endParaRPr lang="fr-FR" dirty="0"/>
           </a:p>
         </p:txBody>
       </p:sp>
@@ -2998,7 +3003,7 @@
               <a:rPr lang="fr-FR" smtClean="0"/>
               <a:t>‹N°›</a:t>
             </a:fld>
-            <a:endParaRPr lang="fr-FR"/>
+            <a:endParaRPr lang="fr-FR" dirty="0"/>
           </a:p>
         </p:txBody>
       </p:sp>
@@ -3371,28 +3376,15 @@
           <a:p>
             <a:r>
               <a:rPr lang="fr-FR" dirty="0"/>
-              <a:t>     </a:t>
-            </a:r>
-          </a:p>
-          <a:p>
-            <a:endParaRPr lang="fr-FR" dirty="0"/>
-          </a:p>
-          <a:p>
-            <a:r>
-              <a:rPr lang="fr-FR" sz="4800" dirty="0"/>
-              <a:t>     </a:t>
-            </a:r>
-            <a:r>
-              <a:rPr lang="fr-FR" sz="4800" b="1" dirty="0">
-                <a:latin typeface="Amasis MT Pro" panose="02040504050005020304" pitchFamily="18" charset="77"/>
-              </a:rPr>
-              <a:t>L</a:t>
-            </a:r>
+              <a:t>           </a:t>
+            </a:r>
+          </a:p>
+          <a:p>
             <a:r>
               <a:rPr lang="fr-FR" sz="4800" dirty="0">
                 <a:latin typeface="Amasis MT Pro" panose="02040504050005020304" pitchFamily="18" charset="77"/>
               </a:rPr>
-              <a:t>aurent</a:t>
+              <a:t>    Laurent</a:t>
             </a:r>
             <a:r>
               <a:rPr lang="fr-FR" sz="4800" b="1" dirty="0">
@@ -3405,10 +3397,10 @@
       </p:sp>
       <p:sp>
         <p:nvSpPr>
-          <p:cNvPr id="5" name="Rectangle 4">
-            <a:extLst>
-              <a:ext uri="{FF2B5EF4-FFF2-40B4-BE49-F238E27FC236}">
-                <a16:creationId xmlns:a16="http://schemas.microsoft.com/office/drawing/2014/main" id="{F14249CD-A2B2-B14A-98E4-FEE8014158B7}"/>
+          <p:cNvPr id="6" name="Rectangle : coins arrondis 5">
+            <a:extLst>
+              <a:ext uri="{FF2B5EF4-FFF2-40B4-BE49-F238E27FC236}">
+                <a16:creationId xmlns:a16="http://schemas.microsoft.com/office/drawing/2014/main" id="{E6D62620-C6B5-4748-A229-8425EB8E9BEB}"/>
               </a:ext>
             </a:extLst>
           </p:cNvPr>
@@ -3417,62 +3409,8 @@
         </p:nvSpPr>
         <p:spPr>
           <a:xfrm>
-            <a:off x="5051854" y="1334530"/>
-            <a:ext cx="2088292" cy="2310713"/>
-          </a:xfrm>
-          <a:prstGeom prst="rect">
-            <a:avLst/>
-          </a:prstGeom>
-          <a:noFill/>
-          <a:ln w="57150">
-            <a:solidFill>
-              <a:schemeClr val="accent6">
-                <a:lumMod val="75000"/>
-              </a:schemeClr>
-            </a:solidFill>
-          </a:ln>
-        </p:spPr>
-        <p:style>
-          <a:lnRef idx="2">
-            <a:schemeClr val="accent1">
-              <a:shade val="50000"/>
-            </a:schemeClr>
-          </a:lnRef>
-          <a:fillRef idx="1">
-            <a:schemeClr val="accent1"/>
-          </a:fillRef>
-          <a:effectRef idx="0">
-            <a:schemeClr val="accent1"/>
-          </a:effectRef>
-          <a:fontRef idx="minor">
-            <a:schemeClr val="lt1"/>
-          </a:fontRef>
-        </p:style>
-        <p:txBody>
-          <a:bodyPr rtlCol="0" anchor="ctr"/>
-          <a:lstStyle/>
-          <a:p>
-            <a:pPr algn="ctr"/>
-            <a:endParaRPr lang="fr-FR"/>
-          </a:p>
-        </p:txBody>
-      </p:sp>
-      <p:sp>
-        <p:nvSpPr>
-          <p:cNvPr id="6" name="Rectangle : coins arrondis 5">
-            <a:extLst>
-              <a:ext uri="{FF2B5EF4-FFF2-40B4-BE49-F238E27FC236}">
-                <a16:creationId xmlns:a16="http://schemas.microsoft.com/office/drawing/2014/main" id="{E6D62620-C6B5-4748-A229-8425EB8E9BEB}"/>
-              </a:ext>
-            </a:extLst>
-          </p:cNvPr>
-          <p:cNvSpPr/>
-          <p:nvPr/>
-        </p:nvSpPr>
-        <p:spPr>
-          <a:xfrm>
-            <a:off x="4065373" y="4003589"/>
-            <a:ext cx="4176584" cy="963827"/>
+            <a:off x="151967" y="5518270"/>
+            <a:ext cx="3422822" cy="1214861"/>
           </a:xfrm>
           <a:prstGeom prst="roundRect">
             <a:avLst/>
@@ -3508,7 +3446,12 @@
           <a:lstStyle/>
           <a:p>
             <a:pPr algn="ctr"/>
-            <a:endParaRPr lang="fr-FR"/>
+            <a:r>
+              <a:rPr lang="fr-FR" i="1" dirty="0">
+                <a:latin typeface="Amasis MT Pro" panose="02040504050005020304" pitchFamily="18" charset="77"/>
+              </a:rPr>
+              <a:t>« J’aime être efficace mais aussi produire de la qualité qui fidélise la clientèle mais aussi l’agrandit »</a:t>
+            </a:r>
           </a:p>
         </p:txBody>
       </p:sp>
@@ -3526,8 +3469,8 @@
         </p:nvSpPr>
         <p:spPr>
           <a:xfrm>
-            <a:off x="271849" y="4003589"/>
-            <a:ext cx="3422822" cy="2681416"/>
+            <a:off x="4281955" y="3495542"/>
+            <a:ext cx="3699996" cy="3237590"/>
           </a:xfrm>
           <a:prstGeom prst="roundRect">
             <a:avLst/>
@@ -3563,7 +3506,1889 @@
           <a:lstStyle/>
           <a:p>
             <a:pPr algn="ctr"/>
-            <a:endParaRPr lang="fr-FR"/>
+            <a:r>
+              <a:rPr lang="fr-FR" sz="1700" dirty="0">
+                <a:latin typeface="Amasis MT Pro" panose="02040504050005020304" pitchFamily="18" charset="77"/>
+              </a:rPr>
+              <a:t>Laurent est pizzaiolo depuis 3 ans dans une franchise OC Pizza. Il fait son métier par passion. Son objectif est de pouvoir à son tour ouvrir son propre resautant. Il aime optimiser son travail pour être plus efficace mais aussi produire de la qualité dans ses pizzas. Fan de sport il aime les soirées entre amis  et  en profite pour tester la concurrence via les appli spécialisées.</a:t>
+            </a:r>
+          </a:p>
+        </p:txBody>
+      </p:sp>
+      <p:sp>
+        <p:nvSpPr>
+          <p:cNvPr id="7" name="ZoneTexte 6">
+            <a:extLst>
+              <a:ext uri="{FF2B5EF4-FFF2-40B4-BE49-F238E27FC236}">
+                <a16:creationId xmlns:a16="http://schemas.microsoft.com/office/drawing/2014/main" id="{A25B5E69-4504-3745-97F6-76AE0466675A}"/>
+              </a:ext>
+            </a:extLst>
+          </p:cNvPr>
+          <p:cNvSpPr txBox="1"/>
+          <p:nvPr/>
+        </p:nvSpPr>
+        <p:spPr>
+          <a:xfrm>
+            <a:off x="585418" y="1155908"/>
+            <a:ext cx="2304448" cy="3046988"/>
+          </a:xfrm>
+          <a:prstGeom prst="rect">
+            <a:avLst/>
+          </a:prstGeom>
+          <a:noFill/>
+        </p:spPr>
+        <p:txBody>
+          <a:bodyPr wrap="square" numCol="2" rtlCol="0">
+            <a:spAutoFit/>
+          </a:bodyPr>
+          <a:lstStyle/>
+          <a:p>
+            <a:r>
+              <a:rPr lang="fr-FR" sz="1600" b="1" dirty="0">
+                <a:solidFill>
+                  <a:schemeClr val="accent6">
+                    <a:lumMod val="50000"/>
+                  </a:schemeClr>
+                </a:solidFill>
+                <a:latin typeface="Amasis MT Pro" panose="02040504050005020304" pitchFamily="18" charset="77"/>
+              </a:rPr>
+              <a:t>Age</a:t>
+            </a:r>
+          </a:p>
+          <a:p>
+            <a:r>
+              <a:rPr lang="fr-FR" sz="1600" b="1" dirty="0">
+                <a:solidFill>
+                  <a:schemeClr val="accent6">
+                    <a:lumMod val="50000"/>
+                  </a:schemeClr>
+                </a:solidFill>
+                <a:latin typeface="Amasis MT Pro" panose="02040504050005020304" pitchFamily="18" charset="77"/>
+              </a:rPr>
+              <a:t>Métier </a:t>
+            </a:r>
+          </a:p>
+          <a:p>
+            <a:r>
+              <a:rPr lang="fr-FR" sz="1600" b="1" dirty="0">
+                <a:solidFill>
+                  <a:schemeClr val="accent6">
+                    <a:lumMod val="50000"/>
+                  </a:schemeClr>
+                </a:solidFill>
+                <a:latin typeface="Amasis MT Pro" panose="02040504050005020304" pitchFamily="18" charset="77"/>
+              </a:rPr>
+              <a:t>Salaire </a:t>
+            </a:r>
+          </a:p>
+          <a:p>
+            <a:r>
+              <a:rPr lang="fr-FR" sz="1600" b="1" dirty="0">
+                <a:solidFill>
+                  <a:schemeClr val="accent6">
+                    <a:lumMod val="50000"/>
+                  </a:schemeClr>
+                </a:solidFill>
+                <a:latin typeface="Amasis MT Pro" panose="02040504050005020304" pitchFamily="18" charset="77"/>
+              </a:rPr>
+              <a:t>Situation</a:t>
+            </a:r>
+          </a:p>
+          <a:p>
+            <a:r>
+              <a:rPr lang="fr-FR" sz="1600" b="1" dirty="0">
+                <a:solidFill>
+                  <a:schemeClr val="accent6">
+                    <a:lumMod val="50000"/>
+                  </a:schemeClr>
+                </a:solidFill>
+                <a:latin typeface="Amasis MT Pro" panose="02040504050005020304" pitchFamily="18" charset="77"/>
+              </a:rPr>
+              <a:t>Ville </a:t>
+            </a:r>
+          </a:p>
+          <a:p>
+            <a:r>
+              <a:rPr lang="fr-FR" sz="1600" b="1" dirty="0">
+                <a:solidFill>
+                  <a:schemeClr val="accent6">
+                    <a:lumMod val="50000"/>
+                  </a:schemeClr>
+                </a:solidFill>
+                <a:latin typeface="Amasis MT Pro" panose="02040504050005020304" pitchFamily="18" charset="77"/>
+              </a:rPr>
+              <a:t>Caractère</a:t>
+            </a:r>
+          </a:p>
+          <a:p>
+            <a:endParaRPr lang="fr-FR" sz="1600" dirty="0">
+              <a:latin typeface="Amasis MT Pro" panose="02040504050005020304" pitchFamily="18" charset="77"/>
+            </a:endParaRPr>
+          </a:p>
+          <a:p>
+            <a:endParaRPr lang="fr-FR" sz="1600" dirty="0">
+              <a:latin typeface="Amasis MT Pro" panose="02040504050005020304" pitchFamily="18" charset="77"/>
+            </a:endParaRPr>
+          </a:p>
+          <a:p>
+            <a:endParaRPr lang="fr-FR" sz="1600" dirty="0">
+              <a:latin typeface="Amasis MT Pro" panose="02040504050005020304" pitchFamily="18" charset="77"/>
+            </a:endParaRPr>
+          </a:p>
+          <a:p>
+            <a:endParaRPr lang="fr-FR" sz="1600" dirty="0">
+              <a:latin typeface="Amasis MT Pro" panose="02040504050005020304" pitchFamily="18" charset="77"/>
+            </a:endParaRPr>
+          </a:p>
+          <a:p>
+            <a:endParaRPr lang="fr-FR" sz="1600" dirty="0">
+              <a:latin typeface="Amasis MT Pro" panose="02040504050005020304" pitchFamily="18" charset="77"/>
+            </a:endParaRPr>
+          </a:p>
+          <a:p>
+            <a:endParaRPr lang="fr-FR" sz="1600" dirty="0">
+              <a:latin typeface="Amasis MT Pro" panose="02040504050005020304" pitchFamily="18" charset="77"/>
+            </a:endParaRPr>
+          </a:p>
+          <a:p>
+            <a:r>
+              <a:rPr lang="fr-FR" sz="1600" dirty="0">
+                <a:latin typeface="Amasis MT Pro" panose="02040504050005020304" pitchFamily="18" charset="77"/>
+              </a:rPr>
+              <a:t>23 ans</a:t>
+            </a:r>
+          </a:p>
+          <a:p>
+            <a:r>
+              <a:rPr lang="fr-FR" sz="1600" dirty="0">
+                <a:latin typeface="Amasis MT Pro" panose="02040504050005020304" pitchFamily="18" charset="77"/>
+              </a:rPr>
+              <a:t>Pizzaiolo</a:t>
+            </a:r>
+          </a:p>
+          <a:p>
+            <a:r>
+              <a:rPr lang="fr-FR" sz="1600" dirty="0">
+                <a:latin typeface="Amasis MT Pro" panose="02040504050005020304" pitchFamily="18" charset="77"/>
+              </a:rPr>
+              <a:t>1460 €</a:t>
+            </a:r>
+          </a:p>
+          <a:p>
+            <a:r>
+              <a:rPr lang="fr-FR" sz="1600" dirty="0">
+                <a:latin typeface="Amasis MT Pro" panose="02040504050005020304" pitchFamily="18" charset="77"/>
+              </a:rPr>
+              <a:t>Célibataire</a:t>
+            </a:r>
+          </a:p>
+          <a:p>
+            <a:r>
+              <a:rPr lang="fr-FR" sz="1600" dirty="0">
+                <a:latin typeface="Amasis MT Pro" panose="02040504050005020304" pitchFamily="18" charset="77"/>
+              </a:rPr>
+              <a:t>Nanterre</a:t>
+            </a:r>
+          </a:p>
+          <a:p>
+            <a:r>
+              <a:rPr lang="fr-FR" sz="1600" dirty="0">
+                <a:latin typeface="Amasis MT Pro" panose="02040504050005020304" pitchFamily="18" charset="77"/>
+              </a:rPr>
+              <a:t>Dynamique</a:t>
+            </a:r>
+          </a:p>
+        </p:txBody>
+      </p:sp>
+      <p:sp>
+        <p:nvSpPr>
+          <p:cNvPr id="9" name="Rectangle : coins arrondis 8">
+            <a:extLst>
+              <a:ext uri="{FF2B5EF4-FFF2-40B4-BE49-F238E27FC236}">
+                <a16:creationId xmlns:a16="http://schemas.microsoft.com/office/drawing/2014/main" id="{2ED1C85D-1CD3-3248-81A3-163D6396F162}"/>
+              </a:ext>
+            </a:extLst>
+          </p:cNvPr>
+          <p:cNvSpPr/>
+          <p:nvPr/>
+        </p:nvSpPr>
+        <p:spPr>
+          <a:xfrm>
+            <a:off x="143513" y="2791898"/>
+            <a:ext cx="1107772" cy="352298"/>
+          </a:xfrm>
+          <a:prstGeom prst="roundRect">
+            <a:avLst/>
+          </a:prstGeom>
+          <a:solidFill>
+            <a:schemeClr val="accent6">
+              <a:lumMod val="75000"/>
+            </a:schemeClr>
+          </a:solidFill>
+          <a:ln>
+            <a:noFill/>
+          </a:ln>
+          <a:effectLst>
+            <a:outerShdw blurRad="50800" dist="133572" dir="2700000" algn="tl" rotWithShape="0">
+              <a:prstClr val="black">
+                <a:alpha val="40000"/>
+              </a:prstClr>
+            </a:outerShdw>
+          </a:effectLst>
+        </p:spPr>
+        <p:style>
+          <a:lnRef idx="2">
+            <a:schemeClr val="accent1">
+              <a:shade val="50000"/>
+            </a:schemeClr>
+          </a:lnRef>
+          <a:fillRef idx="1">
+            <a:schemeClr val="accent1"/>
+          </a:fillRef>
+          <a:effectRef idx="0">
+            <a:schemeClr val="accent1"/>
+          </a:effectRef>
+          <a:fontRef idx="minor">
+            <a:schemeClr val="lt1"/>
+          </a:fontRef>
+        </p:style>
+        <p:txBody>
+          <a:bodyPr rtlCol="0" anchor="ctr"/>
+          <a:lstStyle/>
+          <a:p>
+            <a:pPr algn="ctr"/>
+            <a:r>
+              <a:rPr lang="fr-FR" dirty="0">
+                <a:latin typeface="Amasis MT Pro" panose="02040504050005020304" pitchFamily="18" charset="77"/>
+              </a:rPr>
+              <a:t>Ordonné</a:t>
+            </a:r>
+          </a:p>
+        </p:txBody>
+      </p:sp>
+      <p:sp>
+        <p:nvSpPr>
+          <p:cNvPr id="10" name="Rectangle : coins arrondis 9">
+            <a:extLst>
+              <a:ext uri="{FF2B5EF4-FFF2-40B4-BE49-F238E27FC236}">
+                <a16:creationId xmlns:a16="http://schemas.microsoft.com/office/drawing/2014/main" id="{7293DED9-8BAD-8243-B042-8D8E489C3DEC}"/>
+              </a:ext>
+            </a:extLst>
+          </p:cNvPr>
+          <p:cNvSpPr/>
+          <p:nvPr/>
+        </p:nvSpPr>
+        <p:spPr>
+          <a:xfrm>
+            <a:off x="1301038" y="2791897"/>
+            <a:ext cx="1107772" cy="352297"/>
+          </a:xfrm>
+          <a:prstGeom prst="roundRect">
+            <a:avLst/>
+          </a:prstGeom>
+          <a:solidFill>
+            <a:schemeClr val="accent6">
+              <a:lumMod val="75000"/>
+            </a:schemeClr>
+          </a:solidFill>
+          <a:ln>
+            <a:noFill/>
+          </a:ln>
+          <a:effectLst>
+            <a:outerShdw blurRad="50800" dist="133572" dir="2700000" algn="tl" rotWithShape="0">
+              <a:prstClr val="black">
+                <a:alpha val="40000"/>
+              </a:prstClr>
+            </a:outerShdw>
+          </a:effectLst>
+        </p:spPr>
+        <p:style>
+          <a:lnRef idx="2">
+            <a:schemeClr val="accent1">
+              <a:shade val="50000"/>
+            </a:schemeClr>
+          </a:lnRef>
+          <a:fillRef idx="1">
+            <a:schemeClr val="accent1"/>
+          </a:fillRef>
+          <a:effectRef idx="0">
+            <a:schemeClr val="accent1"/>
+          </a:effectRef>
+          <a:fontRef idx="minor">
+            <a:schemeClr val="lt1"/>
+          </a:fontRef>
+        </p:style>
+        <p:txBody>
+          <a:bodyPr rtlCol="0" anchor="ctr"/>
+          <a:lstStyle/>
+          <a:p>
+            <a:pPr algn="ctr"/>
+            <a:r>
+              <a:rPr lang="fr-FR" dirty="0">
+                <a:latin typeface="Amasis MT Pro" panose="02040504050005020304" pitchFamily="18" charset="77"/>
+              </a:rPr>
+              <a:t>Sociable</a:t>
+            </a:r>
+          </a:p>
+        </p:txBody>
+      </p:sp>
+      <p:sp>
+        <p:nvSpPr>
+          <p:cNvPr id="11" name="Rectangle : coins arrondis 10">
+            <a:extLst>
+              <a:ext uri="{FF2B5EF4-FFF2-40B4-BE49-F238E27FC236}">
+                <a16:creationId xmlns:a16="http://schemas.microsoft.com/office/drawing/2014/main" id="{DD52DDF7-D802-394D-8F94-9C19943073F5}"/>
+              </a:ext>
+            </a:extLst>
+          </p:cNvPr>
+          <p:cNvSpPr/>
+          <p:nvPr/>
+        </p:nvSpPr>
+        <p:spPr>
+          <a:xfrm>
+            <a:off x="2458563" y="2791896"/>
+            <a:ext cx="1107772" cy="352297"/>
+          </a:xfrm>
+          <a:prstGeom prst="roundRect">
+            <a:avLst/>
+          </a:prstGeom>
+          <a:solidFill>
+            <a:schemeClr val="accent6">
+              <a:lumMod val="75000"/>
+            </a:schemeClr>
+          </a:solidFill>
+          <a:ln>
+            <a:noFill/>
+          </a:ln>
+          <a:effectLst>
+            <a:outerShdw blurRad="50800" dist="133572" dir="2700000" algn="tl" rotWithShape="0">
+              <a:prstClr val="black">
+                <a:alpha val="40000"/>
+              </a:prstClr>
+            </a:outerShdw>
+          </a:effectLst>
+        </p:spPr>
+        <p:style>
+          <a:lnRef idx="2">
+            <a:schemeClr val="accent1">
+              <a:shade val="50000"/>
+            </a:schemeClr>
+          </a:lnRef>
+          <a:fillRef idx="1">
+            <a:schemeClr val="accent1"/>
+          </a:fillRef>
+          <a:effectRef idx="0">
+            <a:schemeClr val="accent1"/>
+          </a:effectRef>
+          <a:fontRef idx="minor">
+            <a:schemeClr val="lt1"/>
+          </a:fontRef>
+        </p:style>
+        <p:txBody>
+          <a:bodyPr rtlCol="0" anchor="ctr"/>
+          <a:lstStyle/>
+          <a:p>
+            <a:pPr algn="ctr"/>
+            <a:r>
+              <a:rPr lang="fr-FR" dirty="0">
+                <a:latin typeface="Amasis MT Pro" panose="02040504050005020304" pitchFamily="18" charset="77"/>
+              </a:rPr>
+              <a:t>Sportif</a:t>
+            </a:r>
+          </a:p>
+        </p:txBody>
+      </p:sp>
+      <p:pic>
+        <p:nvPicPr>
+          <p:cNvPr id="13" name="Image 12" descr="Une image contenant personne, homme, intérieur&#10;&#10;Description générée automatiquement">
+            <a:extLst>
+              <a:ext uri="{FF2B5EF4-FFF2-40B4-BE49-F238E27FC236}">
+                <a16:creationId xmlns:a16="http://schemas.microsoft.com/office/drawing/2014/main" id="{D40F24B3-C485-A24E-9E58-54E8861604C9}"/>
+              </a:ext>
+            </a:extLst>
+          </p:cNvPr>
+          <p:cNvPicPr>
+            <a:picLocks noChangeAspect="1"/>
+          </p:cNvPicPr>
+          <p:nvPr/>
+        </p:nvPicPr>
+        <p:blipFill>
+          <a:blip r:embed="rId2"/>
+          <a:stretch>
+            <a:fillRect/>
+          </a:stretch>
+        </p:blipFill>
+        <p:spPr>
+          <a:xfrm>
+            <a:off x="535245" y="3356726"/>
+            <a:ext cx="2461510" cy="2033422"/>
+          </a:xfrm>
+          <a:prstGeom prst="rect">
+            <a:avLst/>
+          </a:prstGeom>
+          <a:ln w="57150">
+            <a:solidFill>
+              <a:schemeClr val="accent6">
+                <a:lumMod val="75000"/>
+              </a:schemeClr>
+            </a:solidFill>
+          </a:ln>
+        </p:spPr>
+      </p:pic>
+      <p:sp>
+        <p:nvSpPr>
+          <p:cNvPr id="14" name="ZoneTexte 13">
+            <a:extLst>
+              <a:ext uri="{FF2B5EF4-FFF2-40B4-BE49-F238E27FC236}">
+                <a16:creationId xmlns:a16="http://schemas.microsoft.com/office/drawing/2014/main" id="{0B95D981-3D2F-7C49-BCB8-44AA2C42AF31}"/>
+              </a:ext>
+            </a:extLst>
+          </p:cNvPr>
+          <p:cNvSpPr txBox="1"/>
+          <p:nvPr/>
+        </p:nvSpPr>
+        <p:spPr>
+          <a:xfrm>
+            <a:off x="4186260" y="1203839"/>
+            <a:ext cx="2007281" cy="369332"/>
+          </a:xfrm>
+          <a:prstGeom prst="rect">
+            <a:avLst/>
+          </a:prstGeom>
+          <a:noFill/>
+        </p:spPr>
+        <p:txBody>
+          <a:bodyPr wrap="none" rtlCol="0">
+            <a:spAutoFit/>
+          </a:bodyPr>
+          <a:lstStyle/>
+          <a:p>
+            <a:r>
+              <a:rPr lang="fr-FR" dirty="0">
+                <a:solidFill>
+                  <a:schemeClr val="accent6">
+                    <a:lumMod val="50000"/>
+                  </a:schemeClr>
+                </a:solidFill>
+                <a:latin typeface="Amasis MT Pro Medium" panose="02040504050005020304" pitchFamily="18" charset="77"/>
+              </a:rPr>
+              <a:t>Centre d’intérêt : </a:t>
+            </a:r>
+          </a:p>
+        </p:txBody>
+      </p:sp>
+      <p:sp>
+        <p:nvSpPr>
+          <p:cNvPr id="18" name="Rectangle : coins arrondis 17">
+            <a:extLst>
+              <a:ext uri="{FF2B5EF4-FFF2-40B4-BE49-F238E27FC236}">
+                <a16:creationId xmlns:a16="http://schemas.microsoft.com/office/drawing/2014/main" id="{56867BA1-B660-DE41-B6B8-25F66AFFCA35}"/>
+              </a:ext>
+            </a:extLst>
+          </p:cNvPr>
+          <p:cNvSpPr/>
+          <p:nvPr/>
+        </p:nvSpPr>
+        <p:spPr>
+          <a:xfrm>
+            <a:off x="4281955" y="1675519"/>
+            <a:ext cx="1846861" cy="354031"/>
+          </a:xfrm>
+          <a:prstGeom prst="roundRect">
+            <a:avLst/>
+          </a:prstGeom>
+          <a:solidFill>
+            <a:schemeClr val="accent6">
+              <a:lumMod val="75000"/>
+            </a:schemeClr>
+          </a:solidFill>
+          <a:ln>
+            <a:noFill/>
+          </a:ln>
+          <a:effectLst>
+            <a:outerShdw blurRad="50800" dist="162917" dir="2700000" algn="tl" rotWithShape="0">
+              <a:prstClr val="black">
+                <a:alpha val="40000"/>
+              </a:prstClr>
+            </a:outerShdw>
+          </a:effectLst>
+        </p:spPr>
+        <p:style>
+          <a:lnRef idx="2">
+            <a:schemeClr val="accent1">
+              <a:shade val="50000"/>
+            </a:schemeClr>
+          </a:lnRef>
+          <a:fillRef idx="1">
+            <a:schemeClr val="accent1"/>
+          </a:fillRef>
+          <a:effectRef idx="0">
+            <a:schemeClr val="accent1"/>
+          </a:effectRef>
+          <a:fontRef idx="minor">
+            <a:schemeClr val="lt1"/>
+          </a:fontRef>
+        </p:style>
+        <p:txBody>
+          <a:bodyPr rtlCol="0" anchor="ctr"/>
+          <a:lstStyle/>
+          <a:p>
+            <a:pPr algn="ctr"/>
+            <a:r>
+              <a:rPr lang="fr-FR" dirty="0">
+                <a:latin typeface="Amasis MT Pro" panose="02040504050005020304" pitchFamily="18" charset="77"/>
+              </a:rPr>
+              <a:t>Sport</a:t>
+            </a:r>
+          </a:p>
+        </p:txBody>
+      </p:sp>
+      <p:sp>
+        <p:nvSpPr>
+          <p:cNvPr id="19" name="Rectangle : coins arrondis 18">
+            <a:extLst>
+              <a:ext uri="{FF2B5EF4-FFF2-40B4-BE49-F238E27FC236}">
+                <a16:creationId xmlns:a16="http://schemas.microsoft.com/office/drawing/2014/main" id="{AA1402B9-1C05-3F48-94EB-2FA666AC7B0C}"/>
+              </a:ext>
+            </a:extLst>
+          </p:cNvPr>
+          <p:cNvSpPr/>
+          <p:nvPr/>
+        </p:nvSpPr>
+        <p:spPr>
+          <a:xfrm>
+            <a:off x="6000480" y="2205739"/>
+            <a:ext cx="1533813" cy="354031"/>
+          </a:xfrm>
+          <a:prstGeom prst="roundRect">
+            <a:avLst/>
+          </a:prstGeom>
+          <a:solidFill>
+            <a:schemeClr val="accent6">
+              <a:lumMod val="75000"/>
+            </a:schemeClr>
+          </a:solidFill>
+          <a:ln>
+            <a:noFill/>
+          </a:ln>
+          <a:effectLst>
+            <a:outerShdw blurRad="50800" dist="162917" dir="2700000" algn="tl" rotWithShape="0">
+              <a:prstClr val="black">
+                <a:alpha val="40000"/>
+              </a:prstClr>
+            </a:outerShdw>
+          </a:effectLst>
+        </p:spPr>
+        <p:style>
+          <a:lnRef idx="2">
+            <a:schemeClr val="accent1">
+              <a:shade val="50000"/>
+            </a:schemeClr>
+          </a:lnRef>
+          <a:fillRef idx="1">
+            <a:schemeClr val="accent1"/>
+          </a:fillRef>
+          <a:effectRef idx="0">
+            <a:schemeClr val="accent1"/>
+          </a:effectRef>
+          <a:fontRef idx="minor">
+            <a:schemeClr val="lt1"/>
+          </a:fontRef>
+        </p:style>
+        <p:txBody>
+          <a:bodyPr rtlCol="0" anchor="ctr"/>
+          <a:lstStyle/>
+          <a:p>
+            <a:pPr algn="ctr"/>
+            <a:r>
+              <a:rPr lang="fr-FR" dirty="0">
+                <a:latin typeface="Amasis MT Pro" panose="02040504050005020304" pitchFamily="18" charset="77"/>
+              </a:rPr>
+              <a:t>Gastronomie</a:t>
+            </a:r>
+          </a:p>
+        </p:txBody>
+      </p:sp>
+      <p:sp>
+        <p:nvSpPr>
+          <p:cNvPr id="20" name="Rectangle : coins arrondis 19">
+            <a:extLst>
+              <a:ext uri="{FF2B5EF4-FFF2-40B4-BE49-F238E27FC236}">
+                <a16:creationId xmlns:a16="http://schemas.microsoft.com/office/drawing/2014/main" id="{CC692F5A-A8E8-4E4B-8822-0021735CD93F}"/>
+              </a:ext>
+            </a:extLst>
+          </p:cNvPr>
+          <p:cNvSpPr/>
+          <p:nvPr/>
+        </p:nvSpPr>
+        <p:spPr>
+          <a:xfrm>
+            <a:off x="4297997" y="2846784"/>
+            <a:ext cx="1846861" cy="352297"/>
+          </a:xfrm>
+          <a:prstGeom prst="roundRect">
+            <a:avLst/>
+          </a:prstGeom>
+          <a:solidFill>
+            <a:schemeClr val="accent6">
+              <a:lumMod val="75000"/>
+            </a:schemeClr>
+          </a:solidFill>
+          <a:ln>
+            <a:noFill/>
+          </a:ln>
+          <a:effectLst>
+            <a:outerShdw blurRad="50800" dist="162917" dir="2700000" algn="tl" rotWithShape="0">
+              <a:prstClr val="black">
+                <a:alpha val="40000"/>
+              </a:prstClr>
+            </a:outerShdw>
+          </a:effectLst>
+        </p:spPr>
+        <p:style>
+          <a:lnRef idx="2">
+            <a:schemeClr val="accent1">
+              <a:shade val="50000"/>
+            </a:schemeClr>
+          </a:lnRef>
+          <a:fillRef idx="1">
+            <a:schemeClr val="accent1"/>
+          </a:fillRef>
+          <a:effectRef idx="0">
+            <a:schemeClr val="accent1"/>
+          </a:effectRef>
+          <a:fontRef idx="minor">
+            <a:schemeClr val="lt1"/>
+          </a:fontRef>
+        </p:style>
+        <p:txBody>
+          <a:bodyPr rtlCol="0" anchor="ctr"/>
+          <a:lstStyle/>
+          <a:p>
+            <a:pPr algn="ctr"/>
+            <a:r>
+              <a:rPr lang="fr-FR" dirty="0">
+                <a:latin typeface="Amasis MT Pro" panose="02040504050005020304" pitchFamily="18" charset="77"/>
+              </a:rPr>
+              <a:t>Voyage</a:t>
+            </a:r>
+          </a:p>
+        </p:txBody>
+      </p:sp>
+      <p:sp>
+        <p:nvSpPr>
+          <p:cNvPr id="21" name="Rectangle : coins arrondis 20">
+            <a:extLst>
+              <a:ext uri="{FF2B5EF4-FFF2-40B4-BE49-F238E27FC236}">
+                <a16:creationId xmlns:a16="http://schemas.microsoft.com/office/drawing/2014/main" id="{A63CE076-7784-8A43-A1AD-B3E597F67B58}"/>
+              </a:ext>
+            </a:extLst>
+          </p:cNvPr>
+          <p:cNvSpPr/>
+          <p:nvPr/>
+        </p:nvSpPr>
+        <p:spPr>
+          <a:xfrm>
+            <a:off x="4297997" y="2205739"/>
+            <a:ext cx="1432836" cy="354031"/>
+          </a:xfrm>
+          <a:prstGeom prst="roundRect">
+            <a:avLst/>
+          </a:prstGeom>
+          <a:solidFill>
+            <a:schemeClr val="accent6">
+              <a:lumMod val="75000"/>
+            </a:schemeClr>
+          </a:solidFill>
+          <a:ln>
+            <a:noFill/>
+          </a:ln>
+          <a:effectLst>
+            <a:outerShdw blurRad="50800" dist="162917" dir="2700000" algn="tl" rotWithShape="0">
+              <a:prstClr val="black">
+                <a:alpha val="40000"/>
+              </a:prstClr>
+            </a:outerShdw>
+          </a:effectLst>
+        </p:spPr>
+        <p:style>
+          <a:lnRef idx="2">
+            <a:schemeClr val="accent1">
+              <a:shade val="50000"/>
+            </a:schemeClr>
+          </a:lnRef>
+          <a:fillRef idx="1">
+            <a:schemeClr val="accent1"/>
+          </a:fillRef>
+          <a:effectRef idx="0">
+            <a:schemeClr val="accent1"/>
+          </a:effectRef>
+          <a:fontRef idx="minor">
+            <a:schemeClr val="lt1"/>
+          </a:fontRef>
+        </p:style>
+        <p:txBody>
+          <a:bodyPr rtlCol="0" anchor="ctr"/>
+          <a:lstStyle/>
+          <a:p>
+            <a:pPr algn="ctr"/>
+            <a:r>
+              <a:rPr lang="fr-FR" dirty="0">
+                <a:latin typeface="Amasis MT Pro" panose="02040504050005020304" pitchFamily="18" charset="77"/>
+              </a:rPr>
+              <a:t>Amis </a:t>
+            </a:r>
+          </a:p>
+        </p:txBody>
+      </p:sp>
+      <p:sp>
+        <p:nvSpPr>
+          <p:cNvPr id="22" name="ZoneTexte 21">
+            <a:extLst>
+              <a:ext uri="{FF2B5EF4-FFF2-40B4-BE49-F238E27FC236}">
+                <a16:creationId xmlns:a16="http://schemas.microsoft.com/office/drawing/2014/main" id="{4BC5E100-BA0B-B24E-BEF7-40DF02A00829}"/>
+              </a:ext>
+            </a:extLst>
+          </p:cNvPr>
+          <p:cNvSpPr txBox="1"/>
+          <p:nvPr/>
+        </p:nvSpPr>
+        <p:spPr>
+          <a:xfrm>
+            <a:off x="8486007" y="1302617"/>
+            <a:ext cx="1186543" cy="369332"/>
+          </a:xfrm>
+          <a:prstGeom prst="rect">
+            <a:avLst/>
+          </a:prstGeom>
+          <a:noFill/>
+        </p:spPr>
+        <p:txBody>
+          <a:bodyPr wrap="none" rtlCol="0">
+            <a:spAutoFit/>
+          </a:bodyPr>
+          <a:lstStyle/>
+          <a:p>
+            <a:r>
+              <a:rPr lang="fr-FR" dirty="0">
+                <a:solidFill>
+                  <a:schemeClr val="accent6">
+                    <a:lumMod val="50000"/>
+                  </a:schemeClr>
+                </a:solidFill>
+                <a:latin typeface="Amasis MT Pro Medium" panose="02040504050005020304" pitchFamily="18" charset="77"/>
+              </a:rPr>
+              <a:t>Attentes: </a:t>
+            </a:r>
+          </a:p>
+        </p:txBody>
+      </p:sp>
+      <p:sp>
+        <p:nvSpPr>
+          <p:cNvPr id="23" name="ZoneTexte 22">
+            <a:extLst>
+              <a:ext uri="{FF2B5EF4-FFF2-40B4-BE49-F238E27FC236}">
+                <a16:creationId xmlns:a16="http://schemas.microsoft.com/office/drawing/2014/main" id="{756D8887-B92B-0546-8EA2-5886F8A4AC7C}"/>
+              </a:ext>
+            </a:extLst>
+          </p:cNvPr>
+          <p:cNvSpPr txBox="1"/>
+          <p:nvPr/>
+        </p:nvSpPr>
+        <p:spPr>
+          <a:xfrm>
+            <a:off x="8486007" y="3310876"/>
+            <a:ext cx="1568827" cy="369332"/>
+          </a:xfrm>
+          <a:prstGeom prst="rect">
+            <a:avLst/>
+          </a:prstGeom>
+          <a:noFill/>
+        </p:spPr>
+        <p:txBody>
+          <a:bodyPr wrap="none" rtlCol="0">
+            <a:spAutoFit/>
+          </a:bodyPr>
+          <a:lstStyle/>
+          <a:p>
+            <a:r>
+              <a:rPr lang="fr-FR" dirty="0">
+                <a:solidFill>
+                  <a:schemeClr val="accent6">
+                    <a:lumMod val="50000"/>
+                  </a:schemeClr>
+                </a:solidFill>
+                <a:latin typeface="Amasis MT Pro Medium" panose="02040504050005020304" pitchFamily="18" charset="77"/>
+              </a:rPr>
+              <a:t>Technologie: </a:t>
+            </a:r>
+          </a:p>
+        </p:txBody>
+      </p:sp>
+      <p:sp>
+        <p:nvSpPr>
+          <p:cNvPr id="24" name="ZoneTexte 23">
+            <a:extLst>
+              <a:ext uri="{FF2B5EF4-FFF2-40B4-BE49-F238E27FC236}">
+                <a16:creationId xmlns:a16="http://schemas.microsoft.com/office/drawing/2014/main" id="{54B38F45-C4AC-1F4F-8D97-4DD373742979}"/>
+              </a:ext>
+            </a:extLst>
+          </p:cNvPr>
+          <p:cNvSpPr txBox="1"/>
+          <p:nvPr/>
+        </p:nvSpPr>
+        <p:spPr>
+          <a:xfrm>
+            <a:off x="8559163" y="5475167"/>
+            <a:ext cx="2582635" cy="369332"/>
+          </a:xfrm>
+          <a:prstGeom prst="rect">
+            <a:avLst/>
+          </a:prstGeom>
+          <a:noFill/>
+        </p:spPr>
+        <p:txBody>
+          <a:bodyPr wrap="square" rtlCol="0">
+            <a:spAutoFit/>
+          </a:bodyPr>
+          <a:lstStyle/>
+          <a:p>
+            <a:r>
+              <a:rPr lang="fr-FR" dirty="0">
+                <a:solidFill>
+                  <a:schemeClr val="accent6">
+                    <a:lumMod val="50000"/>
+                  </a:schemeClr>
+                </a:solidFill>
+                <a:latin typeface="Amasis MT Pro Medium" panose="02040504050005020304" pitchFamily="18" charset="77"/>
+              </a:rPr>
+              <a:t>Applications utilisées:  </a:t>
+            </a:r>
+          </a:p>
+        </p:txBody>
+      </p:sp>
+      <p:sp>
+        <p:nvSpPr>
+          <p:cNvPr id="25" name="ZoneTexte 24">
+            <a:extLst>
+              <a:ext uri="{FF2B5EF4-FFF2-40B4-BE49-F238E27FC236}">
+                <a16:creationId xmlns:a16="http://schemas.microsoft.com/office/drawing/2014/main" id="{6779C0BC-3843-B84C-9B01-F1854F029696}"/>
+              </a:ext>
+            </a:extLst>
+          </p:cNvPr>
+          <p:cNvSpPr txBox="1"/>
+          <p:nvPr/>
+        </p:nvSpPr>
+        <p:spPr>
+          <a:xfrm>
+            <a:off x="8486007" y="1633091"/>
+            <a:ext cx="907493" cy="307777"/>
+          </a:xfrm>
+          <a:prstGeom prst="rect">
+            <a:avLst/>
+          </a:prstGeom>
+          <a:noFill/>
+        </p:spPr>
+        <p:txBody>
+          <a:bodyPr wrap="none" rtlCol="0">
+            <a:spAutoFit/>
+          </a:bodyPr>
+          <a:lstStyle/>
+          <a:p>
+            <a:r>
+              <a:rPr lang="fr-FR" sz="1400" dirty="0">
+                <a:solidFill>
+                  <a:schemeClr val="bg2">
+                    <a:lumMod val="25000"/>
+                  </a:schemeClr>
+                </a:solidFill>
+                <a:latin typeface="Amasis MT Pro Medium" panose="02040504050005020304" pitchFamily="18" charset="77"/>
+              </a:rPr>
+              <a:t>Rapidité </a:t>
+            </a:r>
+          </a:p>
+        </p:txBody>
+      </p:sp>
+      <p:sp>
+        <p:nvSpPr>
+          <p:cNvPr id="26" name="ZoneTexte 25">
+            <a:extLst>
+              <a:ext uri="{FF2B5EF4-FFF2-40B4-BE49-F238E27FC236}">
+                <a16:creationId xmlns:a16="http://schemas.microsoft.com/office/drawing/2014/main" id="{EB2C1285-2CD0-5144-802E-88B65EA0E950}"/>
+              </a:ext>
+            </a:extLst>
+          </p:cNvPr>
+          <p:cNvSpPr txBox="1"/>
+          <p:nvPr/>
+        </p:nvSpPr>
+        <p:spPr>
+          <a:xfrm>
+            <a:off x="8486007" y="2356615"/>
+            <a:ext cx="953531" cy="307777"/>
+          </a:xfrm>
+          <a:prstGeom prst="rect">
+            <a:avLst/>
+          </a:prstGeom>
+          <a:noFill/>
+        </p:spPr>
+        <p:txBody>
+          <a:bodyPr wrap="none" rtlCol="0">
+            <a:spAutoFit/>
+          </a:bodyPr>
+          <a:lstStyle/>
+          <a:p>
+            <a:r>
+              <a:rPr lang="fr-FR" sz="1400" dirty="0">
+                <a:solidFill>
+                  <a:schemeClr val="bg2">
+                    <a:lumMod val="25000"/>
+                  </a:schemeClr>
+                </a:solidFill>
+                <a:latin typeface="Amasis MT Pro Medium" panose="02040504050005020304" pitchFamily="18" charset="77"/>
+              </a:rPr>
+              <a:t>Efficacité</a:t>
+            </a:r>
+          </a:p>
+        </p:txBody>
+      </p:sp>
+      <p:sp>
+        <p:nvSpPr>
+          <p:cNvPr id="27" name="Rectangle : coins arrondis 26">
+            <a:extLst>
+              <a:ext uri="{FF2B5EF4-FFF2-40B4-BE49-F238E27FC236}">
+                <a16:creationId xmlns:a16="http://schemas.microsoft.com/office/drawing/2014/main" id="{C9DD1385-64DD-FB44-83C9-206CBE5255E4}"/>
+              </a:ext>
+            </a:extLst>
+          </p:cNvPr>
+          <p:cNvSpPr/>
+          <p:nvPr/>
+        </p:nvSpPr>
+        <p:spPr>
+          <a:xfrm>
+            <a:off x="8542272" y="1949931"/>
+            <a:ext cx="3128478" cy="353204"/>
+          </a:xfrm>
+          <a:prstGeom prst="roundRect">
+            <a:avLst/>
+          </a:prstGeom>
+          <a:solidFill>
+            <a:schemeClr val="bg1">
+              <a:lumMod val="65000"/>
+            </a:schemeClr>
+          </a:solidFill>
+          <a:ln>
+            <a:noFill/>
+          </a:ln>
+        </p:spPr>
+        <p:style>
+          <a:lnRef idx="2">
+            <a:schemeClr val="accent1">
+              <a:shade val="50000"/>
+            </a:schemeClr>
+          </a:lnRef>
+          <a:fillRef idx="1">
+            <a:schemeClr val="accent1"/>
+          </a:fillRef>
+          <a:effectRef idx="0">
+            <a:schemeClr val="accent1"/>
+          </a:effectRef>
+          <a:fontRef idx="minor">
+            <a:schemeClr val="lt1"/>
+          </a:fontRef>
+        </p:style>
+        <p:txBody>
+          <a:bodyPr rtlCol="0" anchor="ctr"/>
+          <a:lstStyle/>
+          <a:p>
+            <a:pPr algn="ctr"/>
+            <a:endParaRPr lang="fr-FR" dirty="0"/>
+          </a:p>
+        </p:txBody>
+      </p:sp>
+      <p:sp>
+        <p:nvSpPr>
+          <p:cNvPr id="29" name="Rectangle : coins arrondis 28">
+            <a:extLst>
+              <a:ext uri="{FF2B5EF4-FFF2-40B4-BE49-F238E27FC236}">
+                <a16:creationId xmlns:a16="http://schemas.microsoft.com/office/drawing/2014/main" id="{5861D951-4C00-B64A-A100-FBC79CCC304F}"/>
+              </a:ext>
+            </a:extLst>
+          </p:cNvPr>
+          <p:cNvSpPr/>
+          <p:nvPr/>
+        </p:nvSpPr>
+        <p:spPr>
+          <a:xfrm>
+            <a:off x="10611971" y="1961661"/>
+            <a:ext cx="521076" cy="341473"/>
+          </a:xfrm>
+          <a:prstGeom prst="roundRect">
+            <a:avLst/>
+          </a:prstGeom>
+          <a:solidFill>
+            <a:schemeClr val="accent6">
+              <a:lumMod val="75000"/>
+            </a:schemeClr>
+          </a:solidFill>
+          <a:ln>
+            <a:noFill/>
+          </a:ln>
+        </p:spPr>
+        <p:style>
+          <a:lnRef idx="2">
+            <a:schemeClr val="accent1">
+              <a:shade val="50000"/>
+            </a:schemeClr>
+          </a:lnRef>
+          <a:fillRef idx="1">
+            <a:schemeClr val="accent1"/>
+          </a:fillRef>
+          <a:effectRef idx="0">
+            <a:schemeClr val="accent1"/>
+          </a:effectRef>
+          <a:fontRef idx="minor">
+            <a:schemeClr val="lt1"/>
+          </a:fontRef>
+        </p:style>
+        <p:txBody>
+          <a:bodyPr rtlCol="0" anchor="ctr"/>
+          <a:lstStyle/>
+          <a:p>
+            <a:pPr algn="ctr"/>
+            <a:endParaRPr lang="fr-FR" dirty="0"/>
+          </a:p>
+        </p:txBody>
+      </p:sp>
+      <p:sp>
+        <p:nvSpPr>
+          <p:cNvPr id="30" name="Rectangle : coins arrondis 29">
+            <a:extLst>
+              <a:ext uri="{FF2B5EF4-FFF2-40B4-BE49-F238E27FC236}">
+                <a16:creationId xmlns:a16="http://schemas.microsoft.com/office/drawing/2014/main" id="{C96CAA03-A83E-8E4D-A333-1C0622E2C19C}"/>
+              </a:ext>
+            </a:extLst>
+          </p:cNvPr>
+          <p:cNvSpPr/>
+          <p:nvPr/>
+        </p:nvSpPr>
+        <p:spPr>
+          <a:xfrm>
+            <a:off x="8542272" y="2679402"/>
+            <a:ext cx="3128478" cy="353204"/>
+          </a:xfrm>
+          <a:prstGeom prst="roundRect">
+            <a:avLst/>
+          </a:prstGeom>
+          <a:solidFill>
+            <a:schemeClr val="bg1">
+              <a:lumMod val="65000"/>
+            </a:schemeClr>
+          </a:solidFill>
+          <a:ln>
+            <a:noFill/>
+          </a:ln>
+        </p:spPr>
+        <p:style>
+          <a:lnRef idx="2">
+            <a:schemeClr val="accent1">
+              <a:shade val="50000"/>
+            </a:schemeClr>
+          </a:lnRef>
+          <a:fillRef idx="1">
+            <a:schemeClr val="accent1"/>
+          </a:fillRef>
+          <a:effectRef idx="0">
+            <a:schemeClr val="accent1"/>
+          </a:effectRef>
+          <a:fontRef idx="minor">
+            <a:schemeClr val="lt1"/>
+          </a:fontRef>
+        </p:style>
+        <p:txBody>
+          <a:bodyPr rtlCol="0" anchor="ctr"/>
+          <a:lstStyle/>
+          <a:p>
+            <a:pPr algn="ctr"/>
+            <a:endParaRPr lang="fr-FR" dirty="0"/>
+          </a:p>
+        </p:txBody>
+      </p:sp>
+      <p:sp>
+        <p:nvSpPr>
+          <p:cNvPr id="31" name="Rectangle : coins arrondis 30">
+            <a:extLst>
+              <a:ext uri="{FF2B5EF4-FFF2-40B4-BE49-F238E27FC236}">
+                <a16:creationId xmlns:a16="http://schemas.microsoft.com/office/drawing/2014/main" id="{8A483FAE-CCE9-1E4F-8534-EB6D0D8CC22A}"/>
+              </a:ext>
+            </a:extLst>
+          </p:cNvPr>
+          <p:cNvSpPr/>
+          <p:nvPr/>
+        </p:nvSpPr>
+        <p:spPr>
+          <a:xfrm>
+            <a:off x="10611971" y="2691132"/>
+            <a:ext cx="521076" cy="341473"/>
+          </a:xfrm>
+          <a:prstGeom prst="roundRect">
+            <a:avLst/>
+          </a:prstGeom>
+          <a:solidFill>
+            <a:schemeClr val="accent6">
+              <a:lumMod val="75000"/>
+            </a:schemeClr>
+          </a:solidFill>
+          <a:ln>
+            <a:noFill/>
+          </a:ln>
+        </p:spPr>
+        <p:style>
+          <a:lnRef idx="2">
+            <a:schemeClr val="accent1">
+              <a:shade val="50000"/>
+            </a:schemeClr>
+          </a:lnRef>
+          <a:fillRef idx="1">
+            <a:schemeClr val="accent1"/>
+          </a:fillRef>
+          <a:effectRef idx="0">
+            <a:schemeClr val="accent1"/>
+          </a:effectRef>
+          <a:fontRef idx="minor">
+            <a:schemeClr val="lt1"/>
+          </a:fontRef>
+        </p:style>
+        <p:txBody>
+          <a:bodyPr rtlCol="0" anchor="ctr"/>
+          <a:lstStyle/>
+          <a:p>
+            <a:pPr algn="ctr"/>
+            <a:endParaRPr lang="fr-FR" dirty="0"/>
+          </a:p>
+        </p:txBody>
+      </p:sp>
+      <p:sp>
+        <p:nvSpPr>
+          <p:cNvPr id="32" name="ZoneTexte 31">
+            <a:extLst>
+              <a:ext uri="{FF2B5EF4-FFF2-40B4-BE49-F238E27FC236}">
+                <a16:creationId xmlns:a16="http://schemas.microsoft.com/office/drawing/2014/main" id="{3243EED9-E5A7-BD4D-84AD-402A04AF6DF9}"/>
+              </a:ext>
+            </a:extLst>
+          </p:cNvPr>
+          <p:cNvSpPr txBox="1"/>
+          <p:nvPr/>
+        </p:nvSpPr>
+        <p:spPr>
+          <a:xfrm>
+            <a:off x="11341769" y="2662994"/>
+            <a:ext cx="300082" cy="369332"/>
+          </a:xfrm>
+          <a:prstGeom prst="rect">
+            <a:avLst/>
+          </a:prstGeom>
+          <a:noFill/>
+        </p:spPr>
+        <p:txBody>
+          <a:bodyPr wrap="none" rtlCol="0">
+            <a:spAutoFit/>
+          </a:bodyPr>
+          <a:lstStyle/>
+          <a:p>
+            <a:r>
+              <a:rPr lang="fr-FR" dirty="0"/>
+              <a:t>+</a:t>
+            </a:r>
+          </a:p>
+        </p:txBody>
+      </p:sp>
+      <p:sp>
+        <p:nvSpPr>
+          <p:cNvPr id="33" name="ZoneTexte 32">
+            <a:extLst>
+              <a:ext uri="{FF2B5EF4-FFF2-40B4-BE49-F238E27FC236}">
+                <a16:creationId xmlns:a16="http://schemas.microsoft.com/office/drawing/2014/main" id="{B5BFC3B7-2890-864B-B5B5-7B8EBF003FB1}"/>
+              </a:ext>
+            </a:extLst>
+          </p:cNvPr>
+          <p:cNvSpPr txBox="1"/>
+          <p:nvPr/>
+        </p:nvSpPr>
+        <p:spPr>
+          <a:xfrm>
+            <a:off x="8583225" y="2679476"/>
+            <a:ext cx="255198" cy="369332"/>
+          </a:xfrm>
+          <a:prstGeom prst="rect">
+            <a:avLst/>
+          </a:prstGeom>
+          <a:noFill/>
+        </p:spPr>
+        <p:txBody>
+          <a:bodyPr wrap="none" rtlCol="0">
+            <a:spAutoFit/>
+          </a:bodyPr>
+          <a:lstStyle/>
+          <a:p>
+            <a:r>
+              <a:rPr lang="fr-FR" dirty="0"/>
+              <a:t>-</a:t>
+            </a:r>
+          </a:p>
+        </p:txBody>
+      </p:sp>
+      <p:sp>
+        <p:nvSpPr>
+          <p:cNvPr id="34" name="ZoneTexte 33">
+            <a:extLst>
+              <a:ext uri="{FF2B5EF4-FFF2-40B4-BE49-F238E27FC236}">
+                <a16:creationId xmlns:a16="http://schemas.microsoft.com/office/drawing/2014/main" id="{0102194E-2DBA-E04C-B2C3-365ACCF52493}"/>
+              </a:ext>
+            </a:extLst>
+          </p:cNvPr>
+          <p:cNvSpPr txBox="1"/>
+          <p:nvPr/>
+        </p:nvSpPr>
+        <p:spPr>
+          <a:xfrm>
+            <a:off x="11349791" y="1933080"/>
+            <a:ext cx="300082" cy="369332"/>
+          </a:xfrm>
+          <a:prstGeom prst="rect">
+            <a:avLst/>
+          </a:prstGeom>
+          <a:noFill/>
+        </p:spPr>
+        <p:txBody>
+          <a:bodyPr wrap="none" rtlCol="0">
+            <a:spAutoFit/>
+          </a:bodyPr>
+          <a:lstStyle/>
+          <a:p>
+            <a:r>
+              <a:rPr lang="fr-FR" dirty="0"/>
+              <a:t>+</a:t>
+            </a:r>
+          </a:p>
+        </p:txBody>
+      </p:sp>
+      <p:sp>
+        <p:nvSpPr>
+          <p:cNvPr id="35" name="ZoneTexte 34">
+            <a:extLst>
+              <a:ext uri="{FF2B5EF4-FFF2-40B4-BE49-F238E27FC236}">
+                <a16:creationId xmlns:a16="http://schemas.microsoft.com/office/drawing/2014/main" id="{F1E414B6-8D44-834D-900A-A045AB46252D}"/>
+              </a:ext>
+            </a:extLst>
+          </p:cNvPr>
+          <p:cNvSpPr txBox="1"/>
+          <p:nvPr/>
+        </p:nvSpPr>
+        <p:spPr>
+          <a:xfrm>
+            <a:off x="8559163" y="1933522"/>
+            <a:ext cx="255198" cy="369332"/>
+          </a:xfrm>
+          <a:prstGeom prst="rect">
+            <a:avLst/>
+          </a:prstGeom>
+          <a:noFill/>
+        </p:spPr>
+        <p:txBody>
+          <a:bodyPr wrap="none" rtlCol="0">
+            <a:spAutoFit/>
+          </a:bodyPr>
+          <a:lstStyle/>
+          <a:p>
+            <a:r>
+              <a:rPr lang="fr-FR" dirty="0"/>
+              <a:t>-</a:t>
+            </a:r>
+          </a:p>
+        </p:txBody>
+      </p:sp>
+      <p:sp>
+        <p:nvSpPr>
+          <p:cNvPr id="36" name="ZoneTexte 35">
+            <a:extLst>
+              <a:ext uri="{FF2B5EF4-FFF2-40B4-BE49-F238E27FC236}">
+                <a16:creationId xmlns:a16="http://schemas.microsoft.com/office/drawing/2014/main" id="{B132589C-3BC6-2943-A525-7CD7FBD836CC}"/>
+              </a:ext>
+            </a:extLst>
+          </p:cNvPr>
+          <p:cNvSpPr txBox="1"/>
+          <p:nvPr/>
+        </p:nvSpPr>
+        <p:spPr>
+          <a:xfrm>
+            <a:off x="8534133" y="3632687"/>
+            <a:ext cx="886268" cy="307777"/>
+          </a:xfrm>
+          <a:prstGeom prst="rect">
+            <a:avLst/>
+          </a:prstGeom>
+          <a:noFill/>
+        </p:spPr>
+        <p:txBody>
+          <a:bodyPr wrap="none" rtlCol="0">
+            <a:spAutoFit/>
+          </a:bodyPr>
+          <a:lstStyle/>
+          <a:p>
+            <a:r>
+              <a:rPr lang="fr-FR" sz="1400" dirty="0">
+                <a:solidFill>
+                  <a:schemeClr val="bg2">
+                    <a:lumMod val="25000"/>
+                  </a:schemeClr>
+                </a:solidFill>
+                <a:latin typeface="Amasis MT Pro Medium" panose="02040504050005020304" pitchFamily="18" charset="77"/>
+              </a:rPr>
+              <a:t>Internet </a:t>
+            </a:r>
+          </a:p>
+        </p:txBody>
+      </p:sp>
+      <p:sp>
+        <p:nvSpPr>
+          <p:cNvPr id="37" name="ZoneTexte 36">
+            <a:extLst>
+              <a:ext uri="{FF2B5EF4-FFF2-40B4-BE49-F238E27FC236}">
+                <a16:creationId xmlns:a16="http://schemas.microsoft.com/office/drawing/2014/main" id="{B73029D1-1545-AF47-96CF-558F269B343D}"/>
+              </a:ext>
+            </a:extLst>
+          </p:cNvPr>
+          <p:cNvSpPr txBox="1"/>
+          <p:nvPr/>
+        </p:nvSpPr>
+        <p:spPr>
+          <a:xfrm>
+            <a:off x="8553861" y="4155380"/>
+            <a:ext cx="1170513" cy="307777"/>
+          </a:xfrm>
+          <a:prstGeom prst="rect">
+            <a:avLst/>
+          </a:prstGeom>
+          <a:noFill/>
+        </p:spPr>
+        <p:txBody>
+          <a:bodyPr wrap="none" rtlCol="0">
+            <a:spAutoFit/>
+          </a:bodyPr>
+          <a:lstStyle/>
+          <a:p>
+            <a:r>
+              <a:rPr lang="fr-FR" sz="1400" dirty="0">
+                <a:solidFill>
+                  <a:schemeClr val="bg2">
+                    <a:lumMod val="25000"/>
+                  </a:schemeClr>
+                </a:solidFill>
+                <a:latin typeface="Amasis MT Pro Medium" panose="02040504050005020304" pitchFamily="18" charset="77"/>
+              </a:rPr>
+              <a:t>App Mobile </a:t>
+            </a:r>
+          </a:p>
+        </p:txBody>
+      </p:sp>
+      <p:sp>
+        <p:nvSpPr>
+          <p:cNvPr id="38" name="ZoneTexte 37">
+            <a:extLst>
+              <a:ext uri="{FF2B5EF4-FFF2-40B4-BE49-F238E27FC236}">
+                <a16:creationId xmlns:a16="http://schemas.microsoft.com/office/drawing/2014/main" id="{CC18117A-2839-6347-8518-DD576845C841}"/>
+              </a:ext>
+            </a:extLst>
+          </p:cNvPr>
+          <p:cNvSpPr txBox="1"/>
+          <p:nvPr/>
+        </p:nvSpPr>
+        <p:spPr>
+          <a:xfrm>
+            <a:off x="8526230" y="4750925"/>
+            <a:ext cx="1574470" cy="307777"/>
+          </a:xfrm>
+          <a:prstGeom prst="rect">
+            <a:avLst/>
+          </a:prstGeom>
+          <a:noFill/>
+        </p:spPr>
+        <p:txBody>
+          <a:bodyPr wrap="none" rtlCol="0">
+            <a:spAutoFit/>
+          </a:bodyPr>
+          <a:lstStyle/>
+          <a:p>
+            <a:r>
+              <a:rPr lang="fr-FR" sz="1400" dirty="0">
+                <a:solidFill>
+                  <a:schemeClr val="bg2">
+                    <a:lumMod val="25000"/>
+                  </a:schemeClr>
+                </a:solidFill>
+                <a:latin typeface="Amasis MT Pro Medium" panose="02040504050005020304" pitchFamily="18" charset="77"/>
+              </a:rPr>
+              <a:t>Réseaux sociaux </a:t>
+            </a:r>
+          </a:p>
+        </p:txBody>
+      </p:sp>
+      <p:sp>
+        <p:nvSpPr>
+          <p:cNvPr id="39" name="Rectangle : coins arrondis 38">
+            <a:extLst>
+              <a:ext uri="{FF2B5EF4-FFF2-40B4-BE49-F238E27FC236}">
+                <a16:creationId xmlns:a16="http://schemas.microsoft.com/office/drawing/2014/main" id="{CF90F1AA-F1E3-E748-8E54-CB4B3AC27575}"/>
+              </a:ext>
+            </a:extLst>
+          </p:cNvPr>
+          <p:cNvSpPr/>
+          <p:nvPr/>
+        </p:nvSpPr>
+        <p:spPr>
+          <a:xfrm>
+            <a:off x="8552503" y="3957818"/>
+            <a:ext cx="3128478" cy="277162"/>
+          </a:xfrm>
+          <a:prstGeom prst="roundRect">
+            <a:avLst/>
+          </a:prstGeom>
+          <a:solidFill>
+            <a:schemeClr val="bg1">
+              <a:lumMod val="85000"/>
+            </a:schemeClr>
+          </a:solidFill>
+          <a:ln>
+            <a:noFill/>
+          </a:ln>
+        </p:spPr>
+        <p:style>
+          <a:lnRef idx="2">
+            <a:schemeClr val="accent1">
+              <a:shade val="50000"/>
+            </a:schemeClr>
+          </a:lnRef>
+          <a:fillRef idx="1">
+            <a:schemeClr val="accent1"/>
+          </a:fillRef>
+          <a:effectRef idx="0">
+            <a:schemeClr val="accent1"/>
+          </a:effectRef>
+          <a:fontRef idx="minor">
+            <a:schemeClr val="lt1"/>
+          </a:fontRef>
+        </p:style>
+        <p:txBody>
+          <a:bodyPr rtlCol="0" anchor="ctr"/>
+          <a:lstStyle/>
+          <a:p>
+            <a:pPr algn="ctr"/>
+            <a:endParaRPr lang="fr-FR" dirty="0"/>
+          </a:p>
+        </p:txBody>
+      </p:sp>
+      <p:sp>
+        <p:nvSpPr>
+          <p:cNvPr id="40" name="Rectangle : coins arrondis 39">
+            <a:extLst>
+              <a:ext uri="{FF2B5EF4-FFF2-40B4-BE49-F238E27FC236}">
+                <a16:creationId xmlns:a16="http://schemas.microsoft.com/office/drawing/2014/main" id="{03453B1D-132B-4640-BED1-3AD624592884}"/>
+              </a:ext>
+            </a:extLst>
+          </p:cNvPr>
+          <p:cNvSpPr/>
+          <p:nvPr/>
+        </p:nvSpPr>
+        <p:spPr>
+          <a:xfrm>
+            <a:off x="8559163" y="3952625"/>
+            <a:ext cx="1820079" cy="277162"/>
+          </a:xfrm>
+          <a:prstGeom prst="roundRect">
+            <a:avLst/>
+          </a:prstGeom>
+          <a:solidFill>
+            <a:schemeClr val="accent6">
+              <a:lumMod val="60000"/>
+              <a:lumOff val="40000"/>
+            </a:schemeClr>
+          </a:solidFill>
+          <a:ln>
+            <a:noFill/>
+          </a:ln>
+        </p:spPr>
+        <p:style>
+          <a:lnRef idx="2">
+            <a:schemeClr val="accent1">
+              <a:shade val="50000"/>
+            </a:schemeClr>
+          </a:lnRef>
+          <a:fillRef idx="1">
+            <a:schemeClr val="accent1"/>
+          </a:fillRef>
+          <a:effectRef idx="0">
+            <a:schemeClr val="accent1"/>
+          </a:effectRef>
+          <a:fontRef idx="minor">
+            <a:schemeClr val="lt1"/>
+          </a:fontRef>
+        </p:style>
+        <p:txBody>
+          <a:bodyPr rtlCol="0" anchor="ctr"/>
+          <a:lstStyle/>
+          <a:p>
+            <a:pPr algn="ctr"/>
+            <a:endParaRPr lang="fr-FR" dirty="0"/>
+          </a:p>
+        </p:txBody>
+      </p:sp>
+      <p:sp>
+        <p:nvSpPr>
+          <p:cNvPr id="41" name="Rectangle : coins arrondis 40">
+            <a:extLst>
+              <a:ext uri="{FF2B5EF4-FFF2-40B4-BE49-F238E27FC236}">
+                <a16:creationId xmlns:a16="http://schemas.microsoft.com/office/drawing/2014/main" id="{94058567-E2B2-824C-815E-8DDA0B09F7A0}"/>
+              </a:ext>
+            </a:extLst>
+          </p:cNvPr>
+          <p:cNvSpPr/>
+          <p:nvPr/>
+        </p:nvSpPr>
+        <p:spPr>
+          <a:xfrm>
+            <a:off x="8576565" y="4494338"/>
+            <a:ext cx="3128478" cy="277162"/>
+          </a:xfrm>
+          <a:prstGeom prst="roundRect">
+            <a:avLst/>
+          </a:prstGeom>
+          <a:solidFill>
+            <a:schemeClr val="bg1">
+              <a:lumMod val="85000"/>
+            </a:schemeClr>
+          </a:solidFill>
+          <a:ln>
+            <a:noFill/>
+          </a:ln>
+        </p:spPr>
+        <p:style>
+          <a:lnRef idx="2">
+            <a:schemeClr val="accent1">
+              <a:shade val="50000"/>
+            </a:schemeClr>
+          </a:lnRef>
+          <a:fillRef idx="1">
+            <a:schemeClr val="accent1"/>
+          </a:fillRef>
+          <a:effectRef idx="0">
+            <a:schemeClr val="accent1"/>
+          </a:effectRef>
+          <a:fontRef idx="minor">
+            <a:schemeClr val="lt1"/>
+          </a:fontRef>
+        </p:style>
+        <p:txBody>
+          <a:bodyPr rtlCol="0" anchor="ctr"/>
+          <a:lstStyle/>
+          <a:p>
+            <a:pPr algn="ctr"/>
+            <a:endParaRPr lang="fr-FR" dirty="0"/>
+          </a:p>
+        </p:txBody>
+      </p:sp>
+      <p:sp>
+        <p:nvSpPr>
+          <p:cNvPr id="42" name="Rectangle : coins arrondis 41">
+            <a:extLst>
+              <a:ext uri="{FF2B5EF4-FFF2-40B4-BE49-F238E27FC236}">
+                <a16:creationId xmlns:a16="http://schemas.microsoft.com/office/drawing/2014/main" id="{37A751CA-9F5F-DD4B-89F9-5EBCCA4E03E3}"/>
+              </a:ext>
+            </a:extLst>
+          </p:cNvPr>
+          <p:cNvSpPr/>
+          <p:nvPr/>
+        </p:nvSpPr>
+        <p:spPr>
+          <a:xfrm>
+            <a:off x="8583225" y="4489145"/>
+            <a:ext cx="2493556" cy="269138"/>
+          </a:xfrm>
+          <a:prstGeom prst="roundRect">
+            <a:avLst/>
+          </a:prstGeom>
+          <a:solidFill>
+            <a:schemeClr val="accent6">
+              <a:lumMod val="60000"/>
+              <a:lumOff val="40000"/>
+            </a:schemeClr>
+          </a:solidFill>
+          <a:ln>
+            <a:noFill/>
+          </a:ln>
+        </p:spPr>
+        <p:style>
+          <a:lnRef idx="2">
+            <a:schemeClr val="accent1">
+              <a:shade val="50000"/>
+            </a:schemeClr>
+          </a:lnRef>
+          <a:fillRef idx="1">
+            <a:schemeClr val="accent1"/>
+          </a:fillRef>
+          <a:effectRef idx="0">
+            <a:schemeClr val="accent1"/>
+          </a:effectRef>
+          <a:fontRef idx="minor">
+            <a:schemeClr val="lt1"/>
+          </a:fontRef>
+        </p:style>
+        <p:txBody>
+          <a:bodyPr rtlCol="0" anchor="ctr"/>
+          <a:lstStyle/>
+          <a:p>
+            <a:pPr algn="ctr"/>
+            <a:endParaRPr lang="fr-FR" dirty="0"/>
+          </a:p>
+        </p:txBody>
+      </p:sp>
+      <p:sp>
+        <p:nvSpPr>
+          <p:cNvPr id="43" name="Rectangle : coins arrondis 42">
+            <a:extLst>
+              <a:ext uri="{FF2B5EF4-FFF2-40B4-BE49-F238E27FC236}">
+                <a16:creationId xmlns:a16="http://schemas.microsoft.com/office/drawing/2014/main" id="{4B6A0ECF-90AA-8847-8027-1D77E40E7E2A}"/>
+              </a:ext>
+            </a:extLst>
+          </p:cNvPr>
+          <p:cNvSpPr/>
+          <p:nvPr/>
+        </p:nvSpPr>
+        <p:spPr>
+          <a:xfrm>
+            <a:off x="8583225" y="5032164"/>
+            <a:ext cx="3128478" cy="277162"/>
+          </a:xfrm>
+          <a:prstGeom prst="roundRect">
+            <a:avLst/>
+          </a:prstGeom>
+          <a:solidFill>
+            <a:schemeClr val="bg1">
+              <a:lumMod val="85000"/>
+            </a:schemeClr>
+          </a:solidFill>
+          <a:ln>
+            <a:noFill/>
+          </a:ln>
+        </p:spPr>
+        <p:style>
+          <a:lnRef idx="2">
+            <a:schemeClr val="accent1">
+              <a:shade val="50000"/>
+            </a:schemeClr>
+          </a:lnRef>
+          <a:fillRef idx="1">
+            <a:schemeClr val="accent1"/>
+          </a:fillRef>
+          <a:effectRef idx="0">
+            <a:schemeClr val="accent1"/>
+          </a:effectRef>
+          <a:fontRef idx="minor">
+            <a:schemeClr val="lt1"/>
+          </a:fontRef>
+        </p:style>
+        <p:txBody>
+          <a:bodyPr rtlCol="0" anchor="ctr"/>
+          <a:lstStyle/>
+          <a:p>
+            <a:pPr algn="ctr"/>
+            <a:endParaRPr lang="fr-FR" dirty="0"/>
+          </a:p>
+        </p:txBody>
+      </p:sp>
+      <p:sp>
+        <p:nvSpPr>
+          <p:cNvPr id="44" name="Rectangle : coins arrondis 43">
+            <a:extLst>
+              <a:ext uri="{FF2B5EF4-FFF2-40B4-BE49-F238E27FC236}">
+                <a16:creationId xmlns:a16="http://schemas.microsoft.com/office/drawing/2014/main" id="{55238D01-9EFF-194E-BA60-4C3A5CD1BFA7}"/>
+              </a:ext>
+            </a:extLst>
+          </p:cNvPr>
+          <p:cNvSpPr/>
+          <p:nvPr/>
+        </p:nvSpPr>
+        <p:spPr>
+          <a:xfrm>
+            <a:off x="8589885" y="5026971"/>
+            <a:ext cx="2584114" cy="277162"/>
+          </a:xfrm>
+          <a:prstGeom prst="roundRect">
+            <a:avLst/>
+          </a:prstGeom>
+          <a:solidFill>
+            <a:schemeClr val="accent6">
+              <a:lumMod val="60000"/>
+              <a:lumOff val="40000"/>
+            </a:schemeClr>
+          </a:solidFill>
+          <a:ln>
+            <a:noFill/>
+          </a:ln>
+        </p:spPr>
+        <p:style>
+          <a:lnRef idx="2">
+            <a:schemeClr val="accent1">
+              <a:shade val="50000"/>
+            </a:schemeClr>
+          </a:lnRef>
+          <a:fillRef idx="1">
+            <a:schemeClr val="accent1"/>
+          </a:fillRef>
+          <a:effectRef idx="0">
+            <a:schemeClr val="accent1"/>
+          </a:effectRef>
+          <a:fontRef idx="minor">
+            <a:schemeClr val="lt1"/>
+          </a:fontRef>
+        </p:style>
+        <p:txBody>
+          <a:bodyPr rtlCol="0" anchor="ctr"/>
+          <a:lstStyle/>
+          <a:p>
+            <a:pPr algn="ctr"/>
+            <a:endParaRPr lang="fr-FR" dirty="0"/>
+          </a:p>
+        </p:txBody>
+      </p:sp>
+      <p:sp>
+        <p:nvSpPr>
+          <p:cNvPr id="45" name="ZoneTexte 44">
+            <a:extLst>
+              <a:ext uri="{FF2B5EF4-FFF2-40B4-BE49-F238E27FC236}">
+                <a16:creationId xmlns:a16="http://schemas.microsoft.com/office/drawing/2014/main" id="{532B7FD0-77DD-D14F-AA98-9CDDD1DB801C}"/>
+              </a:ext>
+            </a:extLst>
+          </p:cNvPr>
+          <p:cNvSpPr txBox="1"/>
+          <p:nvPr/>
+        </p:nvSpPr>
+        <p:spPr>
+          <a:xfrm>
+            <a:off x="9844523" y="5827290"/>
+            <a:ext cx="1018227" cy="369332"/>
+          </a:xfrm>
+          <a:prstGeom prst="rect">
+            <a:avLst/>
+          </a:prstGeom>
+          <a:noFill/>
+          <a:effectLst>
+            <a:outerShdw blurRad="50800" dist="213453" dir="2700000" algn="tl" rotWithShape="0">
+              <a:prstClr val="black">
+                <a:alpha val="40000"/>
+              </a:prstClr>
+            </a:outerShdw>
+          </a:effectLst>
+        </p:spPr>
+        <p:txBody>
+          <a:bodyPr wrap="none" rtlCol="0">
+            <a:spAutoFit/>
+          </a:bodyPr>
+          <a:lstStyle/>
+          <a:p>
+            <a:r>
+              <a:rPr lang="fr-FR" i="1" dirty="0">
+                <a:latin typeface="Amasis MT Pro Medium" panose="02040504050005020304" pitchFamily="18" charset="77"/>
+              </a:rPr>
+              <a:t>Delivroo</a:t>
+            </a:r>
+          </a:p>
+        </p:txBody>
+      </p:sp>
+      <p:sp>
+        <p:nvSpPr>
+          <p:cNvPr id="46" name="ZoneTexte 45">
+            <a:extLst>
+              <a:ext uri="{FF2B5EF4-FFF2-40B4-BE49-F238E27FC236}">
+                <a16:creationId xmlns:a16="http://schemas.microsoft.com/office/drawing/2014/main" id="{5FC0B963-6604-9449-87F7-572544B92198}"/>
+              </a:ext>
+            </a:extLst>
+          </p:cNvPr>
+          <p:cNvSpPr txBox="1"/>
+          <p:nvPr/>
+        </p:nvSpPr>
+        <p:spPr>
+          <a:xfrm>
+            <a:off x="9111355" y="6215080"/>
+            <a:ext cx="1080680" cy="369332"/>
+          </a:xfrm>
+          <a:prstGeom prst="rect">
+            <a:avLst/>
+          </a:prstGeom>
+          <a:noFill/>
+          <a:effectLst>
+            <a:outerShdw blurRad="50800" dist="213453" dir="2700000" algn="tl" rotWithShape="0">
+              <a:prstClr val="black">
+                <a:alpha val="40000"/>
+              </a:prstClr>
+            </a:outerShdw>
+          </a:effectLst>
+        </p:spPr>
+        <p:txBody>
+          <a:bodyPr wrap="none" rtlCol="0">
+            <a:spAutoFit/>
+          </a:bodyPr>
+          <a:lstStyle/>
+          <a:p>
+            <a:r>
+              <a:rPr lang="fr-FR" i="1" dirty="0">
+                <a:latin typeface="Amasis MT Pro Medium" panose="02040504050005020304" pitchFamily="18" charset="77"/>
+              </a:rPr>
+              <a:t>UberEats</a:t>
+            </a:r>
+          </a:p>
+        </p:txBody>
+      </p:sp>
+      <p:sp>
+        <p:nvSpPr>
+          <p:cNvPr id="47" name="ZoneTexte 46">
+            <a:extLst>
+              <a:ext uri="{FF2B5EF4-FFF2-40B4-BE49-F238E27FC236}">
+                <a16:creationId xmlns:a16="http://schemas.microsoft.com/office/drawing/2014/main" id="{0FC864B2-9439-ED40-B1E0-3E973BEC6A94}"/>
+              </a:ext>
+            </a:extLst>
+          </p:cNvPr>
+          <p:cNvSpPr txBox="1"/>
+          <p:nvPr/>
+        </p:nvSpPr>
+        <p:spPr>
+          <a:xfrm>
+            <a:off x="10498703" y="6154428"/>
+            <a:ext cx="917174" cy="369332"/>
+          </a:xfrm>
+          <a:prstGeom prst="rect">
+            <a:avLst/>
+          </a:prstGeom>
+          <a:noFill/>
+          <a:effectLst>
+            <a:outerShdw blurRad="50800" dist="213453" dir="2700000" algn="tl" rotWithShape="0">
+              <a:prstClr val="black">
+                <a:alpha val="40000"/>
+              </a:prstClr>
+            </a:outerShdw>
+          </a:effectLst>
+        </p:spPr>
+        <p:txBody>
+          <a:bodyPr wrap="none" rtlCol="0">
+            <a:spAutoFit/>
+          </a:bodyPr>
+          <a:lstStyle/>
+          <a:p>
+            <a:r>
+              <a:rPr lang="fr-FR" i="1" dirty="0">
+                <a:latin typeface="Amasis MT Pro Medium" panose="02040504050005020304" pitchFamily="18" charset="77"/>
+              </a:rPr>
+              <a:t>JustEat</a:t>
+            </a:r>
           </a:p>
         </p:txBody>
       </p:sp>
@@ -3618,7 +5443,7 @@
             <a:avLst/>
           </a:prstGeom>
           <a:solidFill>
-            <a:srgbClr val="FFCB03"/>
+            <a:srgbClr val="0A84FF"/>
           </a:solidFill>
           <a:ln>
             <a:noFill/>
@@ -3646,15 +5471,34 @@
           <a:p>
             <a:pPr algn="ctr"/>
             <a:r>
-              <a:rPr lang="fr-FR" dirty="0"/>
+              <a:rPr lang="fr-FR" dirty="0">
+                <a:solidFill>
+                  <a:schemeClr val="tx1"/>
+                </a:solidFill>
+              </a:rPr>
               <a:t>PLATEFORME </a:t>
             </a:r>
           </a:p>
           <a:p>
             <a:pPr algn="ctr"/>
             <a:r>
-              <a:rPr lang="fr-FR" dirty="0"/>
+              <a:rPr lang="fr-FR" dirty="0">
+                <a:solidFill>
+                  <a:schemeClr val="tx1"/>
+                </a:solidFill>
+              </a:rPr>
               <a:t>SITE OC PIZZA </a:t>
+            </a:r>
+          </a:p>
+          <a:p>
+            <a:pPr algn="ctr"/>
+            <a:r>
+              <a:rPr lang="fr-FR" i="1" dirty="0">
+                <a:solidFill>
+                  <a:schemeClr val="tx1"/>
+                </a:solidFill>
+              </a:rPr>
+              <a:t>CMS e-commerce</a:t>
             </a:r>
           </a:p>
         </p:txBody>
@@ -3680,7 +5524,7 @@
             <a:avLst/>
           </a:prstGeom>
           <a:solidFill>
-            <a:srgbClr val="8DC09A"/>
+            <a:srgbClr val="0A84FF"/>
           </a:solidFill>
           <a:ln>
             <a:noFill/>
@@ -3735,7 +5579,7 @@
             <a:avLst/>
           </a:prstGeom>
           <a:solidFill>
-            <a:srgbClr val="E86800"/>
+            <a:srgbClr val="0A84FF"/>
           </a:solidFill>
           <a:ln>
             <a:noFill/>
@@ -3950,7 +5794,7 @@
             <a:avLst/>
           </a:prstGeom>
           <a:solidFill>
-            <a:srgbClr val="0070C0"/>
+            <a:schemeClr val="tx1"/>
           </a:solidFill>
           <a:ln>
             <a:noFill/>
@@ -3977,7 +5821,7 @@
           <a:lstStyle/>
           <a:p>
             <a:pPr algn="ctr"/>
-            <a:endParaRPr lang="fr-FR"/>
+            <a:endParaRPr lang="fr-FR" dirty="0"/>
           </a:p>
         </p:txBody>
       </p:sp>
@@ -4002,9 +5846,9 @@
             <a:avLst/>
           </a:prstGeom>
           <a:solidFill>
-            <a:srgbClr val="0070C0"/>
+            <a:schemeClr val="tx1"/>
           </a:solidFill>
-          <a:ln>
+          <a:ln w="19050">
             <a:noFill/>
           </a:ln>
         </p:spPr>
@@ -4029,7 +5873,7 @@
           <a:lstStyle/>
           <a:p>
             <a:pPr algn="ctr"/>
-            <a:endParaRPr lang="fr-FR"/>
+            <a:endParaRPr lang="fr-FR" dirty="0"/>
           </a:p>
         </p:txBody>
       </p:sp>
@@ -4054,7 +5898,7 @@
             <a:avLst/>
           </a:prstGeom>
           <a:solidFill>
-            <a:srgbClr val="0070C0"/>
+            <a:schemeClr val="tx1"/>
           </a:solidFill>
           <a:ln>
             <a:noFill/>
@@ -4081,7 +5925,7 @@
           <a:lstStyle/>
           <a:p>
             <a:pPr algn="ctr"/>
-            <a:endParaRPr lang="fr-FR"/>
+            <a:endParaRPr lang="fr-FR" dirty="0"/>
           </a:p>
         </p:txBody>
       </p:sp>
@@ -4106,7 +5950,7 @@
             <a:avLst/>
           </a:prstGeom>
           <a:solidFill>
-            <a:srgbClr val="0070C0"/>
+            <a:schemeClr val="tx1"/>
           </a:solidFill>
           <a:ln>
             <a:noFill/>
@@ -4133,7 +5977,7 @@
           <a:lstStyle/>
           <a:p>
             <a:pPr algn="ctr"/>
-            <a:endParaRPr lang="fr-FR"/>
+            <a:endParaRPr lang="fr-FR" dirty="0"/>
           </a:p>
         </p:txBody>
       </p:sp>
@@ -4367,14 +6211,14 @@
         </p:nvSpPr>
         <p:spPr>
           <a:xfrm>
-            <a:off x="8501063" y="728663"/>
+            <a:off x="8377880" y="755695"/>
             <a:ext cx="3328987" cy="646331"/>
           </a:xfrm>
           <a:prstGeom prst="rect">
             <a:avLst/>
           </a:prstGeom>
           <a:solidFill>
-            <a:srgbClr val="ED8E8C"/>
+            <a:srgbClr val="FF9F0A"/>
           </a:solidFill>
         </p:spPr>
         <p:txBody>
@@ -4436,7 +6280,7 @@
             </a:pPr>
             <a:r>
               <a:rPr lang="fr-FR" dirty="0"/>
-              <a:t>Envoie du détails de la commande </a:t>
+              <a:t>Envoi du détails de la commande </a:t>
             </a:r>
           </a:p>
           <a:p>
@@ -4510,13 +6354,13 @@
         <p:spPr>
           <a:xfrm>
             <a:off x="134044" y="227609"/>
-            <a:ext cx="3534514" cy="1754326"/>
+            <a:ext cx="3534514" cy="646331"/>
           </a:xfrm>
           <a:prstGeom prst="rect">
             <a:avLst/>
           </a:prstGeom>
           <a:solidFill>
-            <a:srgbClr val="ED8E8C"/>
+            <a:srgbClr val="FF9F0A"/>
           </a:solidFill>
         </p:spPr>
         <p:txBody>
@@ -4531,16 +6375,6 @@
             </a:pPr>
             <a:r>
               <a:rPr lang="fr-FR" dirty="0"/>
-              <a:t>Notification d’annulation de la commande sur la plateforme pour le client avec remboursement (paiement CB).</a:t>
-            </a:r>
-          </a:p>
-          <a:p>
-            <a:pPr marL="285750" indent="-285750">
-              <a:buFont typeface="Arial" panose="020B0604020202020204" pitchFamily="34" charset="0"/>
-              <a:buChar char="•"/>
-            </a:pPr>
-            <a:r>
-              <a:rPr lang="fr-FR" dirty="0"/>
               <a:t>Retrait de la commande aux exécutions en cours.</a:t>
             </a:r>
           </a:p>
@@ -4561,7 +6395,7 @@
         <p:spPr>
           <a:xfrm>
             <a:off x="8673671" y="4755311"/>
-            <a:ext cx="3328987" cy="1754326"/>
+            <a:ext cx="3328987" cy="1200329"/>
           </a:xfrm>
           <a:prstGeom prst="rect">
             <a:avLst/>
@@ -4588,9 +6422,43 @@
             </a:pPr>
             <a:r>
               <a:rPr lang="fr-FR" dirty="0"/>
-              <a:t>Envoie de la confirmation de commande.</a:t>
-            </a:r>
-          </a:p>
+              <a:t>Choix du monde de paiement : au retrait (sur place ou en livraison) ou CB carte bancaire ou carte ticket resto).</a:t>
+            </a:r>
+          </a:p>
+        </p:txBody>
+      </p:sp>
+      <p:sp>
+        <p:nvSpPr>
+          <p:cNvPr id="36" name="ZoneTexte 35">
+            <a:extLst>
+              <a:ext uri="{FF2B5EF4-FFF2-40B4-BE49-F238E27FC236}">
+                <a16:creationId xmlns:a16="http://schemas.microsoft.com/office/drawing/2014/main" id="{DC8B6CEE-F4D5-0544-B802-ADE7997688E2}"/>
+              </a:ext>
+            </a:extLst>
+          </p:cNvPr>
+          <p:cNvSpPr txBox="1"/>
+          <p:nvPr/>
+        </p:nvSpPr>
+        <p:spPr>
+          <a:xfrm>
+            <a:off x="169126" y="2129155"/>
+            <a:ext cx="3094212" cy="923330"/>
+          </a:xfrm>
+          <a:prstGeom prst="rect">
+            <a:avLst/>
+          </a:prstGeom>
+          <a:solidFill>
+            <a:srgbClr val="ED8E8C"/>
+          </a:solidFill>
+          <a:ln>
+            <a:noFill/>
+          </a:ln>
+        </p:spPr>
+        <p:txBody>
+          <a:bodyPr wrap="square" rtlCol="0">
+            <a:spAutoFit/>
+          </a:bodyPr>
+          <a:lstStyle/>
           <a:p>
             <a:pPr marL="285750" indent="-285750">
               <a:buFont typeface="Arial" panose="020B0604020202020204" pitchFamily="34" charset="0"/>
@@ -4598,17 +6466,20 @@
             </a:pPr>
             <a:r>
               <a:rPr lang="fr-FR" dirty="0"/>
-              <a:t>Choix du monde de paiement : sur place (espèce ticket resto) ou CB carte bancaire ou carte ticket resto).</a:t>
-            </a:r>
-          </a:p>
-        </p:txBody>
-      </p:sp>
-      <p:sp>
-        <p:nvSpPr>
-          <p:cNvPr id="36" name="ZoneTexte 35">
-            <a:extLst>
-              <a:ext uri="{FF2B5EF4-FFF2-40B4-BE49-F238E27FC236}">
-                <a16:creationId xmlns:a16="http://schemas.microsoft.com/office/drawing/2014/main" id="{DC8B6CEE-F4D5-0544-B802-ADE7997688E2}"/>
+              <a:t>Déduction des stocks des ingrédients utilisé </a:t>
+            </a:r>
+          </a:p>
+          <a:p>
+            <a:endParaRPr lang="fr-FR" dirty="0"/>
+          </a:p>
+        </p:txBody>
+      </p:sp>
+      <p:sp>
+        <p:nvSpPr>
+          <p:cNvPr id="37" name="ZoneTexte 36">
+            <a:extLst>
+              <a:ext uri="{FF2B5EF4-FFF2-40B4-BE49-F238E27FC236}">
+                <a16:creationId xmlns:a16="http://schemas.microsoft.com/office/drawing/2014/main" id="{71BB6A3A-BE67-4748-A902-24398FD41949}"/>
               </a:ext>
             </a:extLst>
           </p:cNvPr>
@@ -4617,10 +6488,381 @@
         </p:nvSpPr>
         <p:spPr>
           <a:xfrm>
-            <a:off x="169126" y="2129155"/>
-            <a:ext cx="3094212" cy="1477328"/>
+            <a:off x="246102" y="4754109"/>
+            <a:ext cx="3094212" cy="1754326"/>
           </a:xfrm>
           <a:prstGeom prst="rect">
+            <a:avLst/>
+          </a:prstGeom>
+          <a:solidFill>
+            <a:srgbClr val="ED8E8C"/>
+          </a:solidFill>
+          <a:ln>
+            <a:noFill/>
+          </a:ln>
+        </p:spPr>
+        <p:txBody>
+          <a:bodyPr wrap="square" rtlCol="0">
+            <a:spAutoFit/>
+          </a:bodyPr>
+          <a:lstStyle/>
+          <a:p>
+            <a:pPr marL="285750" indent="-285750">
+              <a:buFont typeface="Arial" panose="020B0604020202020204" pitchFamily="34" charset="0"/>
+              <a:buChar char="•"/>
+            </a:pPr>
+            <a:r>
+              <a:rPr lang="fr-FR" dirty="0"/>
+              <a:t>Retrait de la commande sur place.</a:t>
+            </a:r>
+          </a:p>
+          <a:p>
+            <a:pPr marL="285750" indent="-285750">
+              <a:buFont typeface="Arial" panose="020B0604020202020204" pitchFamily="34" charset="0"/>
+              <a:buChar char="•"/>
+            </a:pPr>
+            <a:r>
+              <a:rPr lang="fr-FR" dirty="0"/>
+              <a:t>Confirmation de livraison.</a:t>
+            </a:r>
+          </a:p>
+          <a:p>
+            <a:pPr marL="285750" indent="-285750">
+              <a:buFont typeface="Arial" panose="020B0604020202020204" pitchFamily="34" charset="0"/>
+              <a:buChar char="•"/>
+            </a:pPr>
+            <a:r>
+              <a:rPr lang="fr-FR" dirty="0"/>
+              <a:t>Enregistrement dans l’historique des commandes du client.</a:t>
+            </a:r>
+          </a:p>
+        </p:txBody>
+      </p:sp>
+      <p:cxnSp>
+        <p:nvCxnSpPr>
+          <p:cNvPr id="40" name="Connecteur droit avec flèche 39">
+            <a:extLst>
+              <a:ext uri="{FF2B5EF4-FFF2-40B4-BE49-F238E27FC236}">
+                <a16:creationId xmlns:a16="http://schemas.microsoft.com/office/drawing/2014/main" id="{F5906FE5-CD00-6940-95B0-689598F3BCFD}"/>
+              </a:ext>
+            </a:extLst>
+          </p:cNvPr>
+          <p:cNvCxnSpPr>
+            <a:cxnSpLocks/>
+          </p:cNvCxnSpPr>
+          <p:nvPr/>
+        </p:nvCxnSpPr>
+        <p:spPr>
+          <a:xfrm>
+            <a:off x="5918885" y="434916"/>
+            <a:ext cx="0" cy="285523"/>
+          </a:xfrm>
+          <a:prstGeom prst="straightConnector1">
+            <a:avLst/>
+          </a:prstGeom>
+          <a:ln w="28575">
+            <a:solidFill>
+              <a:schemeClr val="tx1"/>
+            </a:solidFill>
+            <a:tailEnd type="triangle"/>
+          </a:ln>
+        </p:spPr>
+        <p:style>
+          <a:lnRef idx="1">
+            <a:schemeClr val="accent1"/>
+          </a:lnRef>
+          <a:fillRef idx="0">
+            <a:schemeClr val="accent1"/>
+          </a:fillRef>
+          <a:effectRef idx="0">
+            <a:schemeClr val="accent1"/>
+          </a:effectRef>
+          <a:fontRef idx="minor">
+            <a:schemeClr val="tx1"/>
+          </a:fontRef>
+        </p:style>
+      </p:cxnSp>
+      <p:sp>
+        <p:nvSpPr>
+          <p:cNvPr id="39" name="Rectangle 38">
+            <a:extLst>
+              <a:ext uri="{FF2B5EF4-FFF2-40B4-BE49-F238E27FC236}">
+                <a16:creationId xmlns:a16="http://schemas.microsoft.com/office/drawing/2014/main" id="{FB6F5581-FBAB-BC4C-845D-34D12DEF85F6}"/>
+              </a:ext>
+            </a:extLst>
+          </p:cNvPr>
+          <p:cNvSpPr/>
+          <p:nvPr/>
+        </p:nvSpPr>
+        <p:spPr>
+          <a:xfrm>
+            <a:off x="3765731" y="115632"/>
+            <a:ext cx="4757713" cy="369332"/>
+          </a:xfrm>
+          <a:prstGeom prst="rect">
+            <a:avLst/>
+          </a:prstGeom>
+          <a:solidFill>
+            <a:srgbClr val="009D98"/>
+          </a:solidFill>
+          <a:ln>
+            <a:noFill/>
+          </a:ln>
+        </p:spPr>
+        <p:txBody>
+          <a:bodyPr wrap="none">
+            <a:spAutoFit/>
+          </a:bodyPr>
+          <a:lstStyle/>
+          <a:p>
+            <a:pPr marL="285750" indent="-285750">
+              <a:buFont typeface="Arial" panose="020B0604020202020204" pitchFamily="34" charset="0"/>
+              <a:buChar char="•"/>
+            </a:pPr>
+            <a:r>
+              <a:rPr lang="fr-FR" dirty="0"/>
+              <a:t>Notification client commande en préparation.</a:t>
+            </a:r>
+          </a:p>
+        </p:txBody>
+      </p:sp>
+      <p:sp>
+        <p:nvSpPr>
+          <p:cNvPr id="3" name="Rectangle 2">
+            <a:extLst>
+              <a:ext uri="{FF2B5EF4-FFF2-40B4-BE49-F238E27FC236}">
+                <a16:creationId xmlns:a16="http://schemas.microsoft.com/office/drawing/2014/main" id="{110D3DA9-AD6A-0242-BA22-946FDF2FE98F}"/>
+              </a:ext>
+            </a:extLst>
+          </p:cNvPr>
+          <p:cNvSpPr/>
+          <p:nvPr/>
+        </p:nvSpPr>
+        <p:spPr>
+          <a:xfrm>
+            <a:off x="169124" y="2772291"/>
+            <a:ext cx="3094213" cy="646331"/>
+          </a:xfrm>
+          <a:prstGeom prst="rect">
+            <a:avLst/>
+          </a:prstGeom>
+          <a:solidFill>
+            <a:srgbClr val="009D98"/>
+          </a:solidFill>
+        </p:spPr>
+        <p:txBody>
+          <a:bodyPr wrap="square">
+            <a:spAutoFit/>
+          </a:bodyPr>
+          <a:lstStyle/>
+          <a:p>
+            <a:pPr marL="285750" indent="-285750">
+              <a:buFont typeface="Arial" panose="020B0604020202020204" pitchFamily="34" charset="0"/>
+              <a:buChar char="•"/>
+            </a:pPr>
+            <a:r>
+              <a:rPr lang="fr-FR" dirty="0"/>
+              <a:t>Notification Commande prête.</a:t>
+            </a:r>
+          </a:p>
+        </p:txBody>
+      </p:sp>
+      <p:sp>
+        <p:nvSpPr>
+          <p:cNvPr id="15" name="Rectangle 14">
+            <a:extLst>
+              <a:ext uri="{FF2B5EF4-FFF2-40B4-BE49-F238E27FC236}">
+                <a16:creationId xmlns:a16="http://schemas.microsoft.com/office/drawing/2014/main" id="{904A9AC5-E52D-9B40-99DE-D45791C2BF57}"/>
+              </a:ext>
+            </a:extLst>
+          </p:cNvPr>
+          <p:cNvSpPr/>
+          <p:nvPr/>
+        </p:nvSpPr>
+        <p:spPr>
+          <a:xfrm>
+            <a:off x="241625" y="4114317"/>
+            <a:ext cx="3094213" cy="646331"/>
+          </a:xfrm>
+          <a:prstGeom prst="rect">
+            <a:avLst/>
+          </a:prstGeom>
+          <a:solidFill>
+            <a:srgbClr val="009D98"/>
+          </a:solidFill>
+        </p:spPr>
+        <p:txBody>
+          <a:bodyPr wrap="square">
+            <a:spAutoFit/>
+          </a:bodyPr>
+          <a:lstStyle/>
+          <a:p>
+            <a:pPr marL="285750" indent="-285750">
+              <a:buFont typeface="Arial" panose="020B0604020202020204" pitchFamily="34" charset="0"/>
+              <a:buChar char="•"/>
+            </a:pPr>
+            <a:r>
+              <a:rPr lang="fr-FR" dirty="0"/>
+              <a:t>Notification livraison en cours (si mode choisi).</a:t>
+            </a:r>
+          </a:p>
+        </p:txBody>
+      </p:sp>
+      <p:sp>
+        <p:nvSpPr>
+          <p:cNvPr id="16" name="Rectangle 15">
+            <a:extLst>
+              <a:ext uri="{FF2B5EF4-FFF2-40B4-BE49-F238E27FC236}">
+                <a16:creationId xmlns:a16="http://schemas.microsoft.com/office/drawing/2014/main" id="{BD0503D3-9BAB-3045-80C6-C94F1C1548AA}"/>
+              </a:ext>
+            </a:extLst>
+          </p:cNvPr>
+          <p:cNvSpPr/>
+          <p:nvPr/>
+        </p:nvSpPr>
+        <p:spPr>
+          <a:xfrm>
+            <a:off x="8673670" y="4119116"/>
+            <a:ext cx="3328987" cy="646331"/>
+          </a:xfrm>
+          <a:prstGeom prst="rect">
+            <a:avLst/>
+          </a:prstGeom>
+          <a:solidFill>
+            <a:srgbClr val="009D98"/>
+          </a:solidFill>
+        </p:spPr>
+        <p:txBody>
+          <a:bodyPr wrap="square">
+            <a:spAutoFit/>
+          </a:bodyPr>
+          <a:lstStyle/>
+          <a:p>
+            <a:pPr marL="285750" indent="-285750">
+              <a:buFont typeface="Arial" panose="020B0604020202020204" pitchFamily="34" charset="0"/>
+              <a:buChar char="•"/>
+            </a:pPr>
+            <a:r>
+              <a:rPr lang="fr-FR" dirty="0"/>
+              <a:t>Envoi de la confirmation de commande.</a:t>
+            </a:r>
+          </a:p>
+        </p:txBody>
+      </p:sp>
+      <p:sp>
+        <p:nvSpPr>
+          <p:cNvPr id="17" name="Rectangle 16">
+            <a:extLst>
+              <a:ext uri="{FF2B5EF4-FFF2-40B4-BE49-F238E27FC236}">
+                <a16:creationId xmlns:a16="http://schemas.microsoft.com/office/drawing/2014/main" id="{1EF6E6A8-C004-CA44-BB80-5264AD438081}"/>
+              </a:ext>
+            </a:extLst>
+          </p:cNvPr>
+          <p:cNvSpPr/>
+          <p:nvPr/>
+        </p:nvSpPr>
+        <p:spPr>
+          <a:xfrm>
+            <a:off x="136466" y="856814"/>
+            <a:ext cx="3534514" cy="1200329"/>
+          </a:xfrm>
+          <a:prstGeom prst="rect">
+            <a:avLst/>
+          </a:prstGeom>
+          <a:solidFill>
+            <a:srgbClr val="009D98"/>
+          </a:solidFill>
+        </p:spPr>
+        <p:txBody>
+          <a:bodyPr wrap="square">
+            <a:spAutoFit/>
+          </a:bodyPr>
+          <a:lstStyle/>
+          <a:p>
+            <a:pPr marL="285750" indent="-285750">
+              <a:buFont typeface="Arial" panose="020B0604020202020204" pitchFamily="34" charset="0"/>
+              <a:buChar char="•"/>
+            </a:pPr>
+            <a:r>
+              <a:rPr lang="fr-FR" dirty="0"/>
+              <a:t>Notification d’annulation de la commande sur la plateforme pour le client avec remboursement (paiement CB).</a:t>
+            </a:r>
+          </a:p>
+        </p:txBody>
+      </p:sp>
+      <p:sp>
+        <p:nvSpPr>
+          <p:cNvPr id="18" name="Rectangle : coins arrondis 17">
+            <a:extLst>
+              <a:ext uri="{FF2B5EF4-FFF2-40B4-BE49-F238E27FC236}">
+                <a16:creationId xmlns:a16="http://schemas.microsoft.com/office/drawing/2014/main" id="{B6990455-B236-CB43-AE99-CD4451FE7FD1}"/>
+              </a:ext>
+            </a:extLst>
+          </p:cNvPr>
+          <p:cNvSpPr/>
+          <p:nvPr/>
+        </p:nvSpPr>
+        <p:spPr>
+          <a:xfrm>
+            <a:off x="5880493" y="6549079"/>
+            <a:ext cx="567030" cy="193289"/>
+          </a:xfrm>
+          <a:prstGeom prst="roundRect">
+            <a:avLst/>
+          </a:prstGeom>
+          <a:solidFill>
+            <a:srgbClr val="009D98"/>
+          </a:solidFill>
+          <a:ln>
+            <a:noFill/>
+          </a:ln>
+        </p:spPr>
+        <p:style>
+          <a:lnRef idx="2">
+            <a:schemeClr val="accent1">
+              <a:shade val="50000"/>
+            </a:schemeClr>
+          </a:lnRef>
+          <a:fillRef idx="1">
+            <a:schemeClr val="accent1"/>
+          </a:fillRef>
+          <a:effectRef idx="0">
+            <a:schemeClr val="accent1"/>
+          </a:effectRef>
+          <a:fontRef idx="minor">
+            <a:schemeClr val="lt1"/>
+          </a:fontRef>
+        </p:style>
+        <p:txBody>
+          <a:bodyPr rtlCol="0" anchor="ctr"/>
+          <a:lstStyle/>
+          <a:p>
+            <a:pPr algn="ctr"/>
+            <a:r>
+              <a:rPr lang="fr-FR" sz="1200" dirty="0"/>
+              <a:t>info</a:t>
+            </a:r>
+          </a:p>
+        </p:txBody>
+      </p:sp>
+      <p:sp>
+        <p:nvSpPr>
+          <p:cNvPr id="19" name="Rectangle : coins arrondis 18">
+            <a:extLst>
+              <a:ext uri="{FF2B5EF4-FFF2-40B4-BE49-F238E27FC236}">
+                <a16:creationId xmlns:a16="http://schemas.microsoft.com/office/drawing/2014/main" id="{27C7939B-5CA3-1C48-B88A-A5B46AFCFDD0}"/>
+              </a:ext>
+            </a:extLst>
+          </p:cNvPr>
+          <p:cNvSpPr/>
+          <p:nvPr/>
+        </p:nvSpPr>
+        <p:spPr>
+          <a:xfrm>
+            <a:off x="6557964" y="6559255"/>
+            <a:ext cx="1855038" cy="222579"/>
+          </a:xfrm>
+          <a:prstGeom prst="roundRect">
             <a:avLst/>
           </a:prstGeom>
           <a:solidFill>
@@ -4633,163 +6875,103 @@
             <a:noFill/>
           </a:ln>
         </p:spPr>
-        <p:txBody>
-          <a:bodyPr wrap="square" rtlCol="0">
-            <a:spAutoFit/>
-          </a:bodyPr>
-          <a:lstStyle/>
-          <a:p>
-            <a:pPr marL="285750" indent="-285750">
-              <a:buFont typeface="Arial" panose="020B0604020202020204" pitchFamily="34" charset="0"/>
-              <a:buChar char="•"/>
-            </a:pPr>
-            <a:r>
-              <a:rPr lang="fr-FR" dirty="0"/>
-              <a:t>Déduction des stocks des ingrédients utilisé </a:t>
-            </a:r>
-          </a:p>
-          <a:p>
-            <a:pPr marL="285750" indent="-285750">
-              <a:buFont typeface="Arial" panose="020B0604020202020204" pitchFamily="34" charset="0"/>
-              <a:buChar char="•"/>
-            </a:pPr>
-            <a:r>
-              <a:rPr lang="fr-FR" dirty="0"/>
-              <a:t>Notification Commande prête.</a:t>
-            </a:r>
-          </a:p>
-          <a:p>
-            <a:endParaRPr lang="fr-FR" dirty="0"/>
-          </a:p>
-        </p:txBody>
-      </p:sp>
-      <p:sp>
-        <p:nvSpPr>
-          <p:cNvPr id="37" name="ZoneTexte 36">
-            <a:extLst>
-              <a:ext uri="{FF2B5EF4-FFF2-40B4-BE49-F238E27FC236}">
-                <a16:creationId xmlns:a16="http://schemas.microsoft.com/office/drawing/2014/main" id="{71BB6A3A-BE67-4748-A902-24398FD41949}"/>
-              </a:ext>
-            </a:extLst>
-          </p:cNvPr>
-          <p:cNvSpPr txBox="1"/>
+        <p:style>
+          <a:lnRef idx="2">
+            <a:schemeClr val="accent1">
+              <a:shade val="50000"/>
+            </a:schemeClr>
+          </a:lnRef>
+          <a:fillRef idx="1">
+            <a:schemeClr val="accent1"/>
+          </a:fillRef>
+          <a:effectRef idx="0">
+            <a:schemeClr val="accent1"/>
+          </a:effectRef>
+          <a:fontRef idx="minor">
+            <a:schemeClr val="lt1"/>
+          </a:fontRef>
+        </p:style>
+        <p:txBody>
+          <a:bodyPr rtlCol="0" anchor="ctr"/>
+          <a:lstStyle/>
+          <a:p>
+            <a:pPr algn="ctr"/>
+            <a:r>
+              <a:rPr lang="fr-FR" sz="1200" dirty="0"/>
+              <a:t>1</a:t>
+            </a:r>
+            <a:r>
+              <a:rPr lang="fr-FR" sz="1200" baseline="30000" dirty="0"/>
+              <a:t>er</a:t>
+            </a:r>
+            <a:r>
+              <a:rPr lang="fr-FR" sz="1200" dirty="0"/>
+              <a:t> partie du processus </a:t>
+            </a:r>
+          </a:p>
+        </p:txBody>
+      </p:sp>
+      <p:sp>
+        <p:nvSpPr>
+          <p:cNvPr id="38" name="Rectangle : coins arrondis 37">
+            <a:extLst>
+              <a:ext uri="{FF2B5EF4-FFF2-40B4-BE49-F238E27FC236}">
+                <a16:creationId xmlns:a16="http://schemas.microsoft.com/office/drawing/2014/main" id="{C38FAC73-62D7-3942-98A9-5255F4083727}"/>
+              </a:ext>
+            </a:extLst>
+          </p:cNvPr>
+          <p:cNvSpPr/>
           <p:nvPr/>
         </p:nvSpPr>
         <p:spPr>
           <a:xfrm>
-            <a:off x="246102" y="4247480"/>
-            <a:ext cx="3094212" cy="2308324"/>
-          </a:xfrm>
-          <a:prstGeom prst="rect">
+            <a:off x="8523443" y="6549079"/>
+            <a:ext cx="2134903" cy="232759"/>
+          </a:xfrm>
+          <a:prstGeom prst="roundRect">
             <a:avLst/>
           </a:prstGeom>
           <a:solidFill>
-            <a:schemeClr val="accent6">
-              <a:lumMod val="60000"/>
-              <a:lumOff val="40000"/>
-            </a:schemeClr>
+            <a:srgbClr val="ED8E8C"/>
           </a:solidFill>
           <a:ln>
             <a:noFill/>
           </a:ln>
         </p:spPr>
-        <p:txBody>
-          <a:bodyPr wrap="square" rtlCol="0">
-            <a:spAutoFit/>
-          </a:bodyPr>
-          <a:lstStyle/>
-          <a:p>
-            <a:pPr marL="285750" indent="-285750">
-              <a:buFont typeface="Arial" panose="020B0604020202020204" pitchFamily="34" charset="0"/>
-              <a:buChar char="•"/>
-            </a:pPr>
-            <a:r>
-              <a:rPr lang="fr-FR" dirty="0"/>
-              <a:t>Notification livraison en cours (si mode choisi).</a:t>
-            </a:r>
-          </a:p>
-          <a:p>
-            <a:pPr marL="285750" indent="-285750">
-              <a:buFont typeface="Arial" panose="020B0604020202020204" pitchFamily="34" charset="0"/>
-              <a:buChar char="•"/>
-            </a:pPr>
-            <a:r>
-              <a:rPr lang="fr-FR" dirty="0"/>
-              <a:t>Retrait de la commande sur place.</a:t>
-            </a:r>
-          </a:p>
-          <a:p>
-            <a:pPr marL="285750" indent="-285750">
-              <a:buFont typeface="Arial" panose="020B0604020202020204" pitchFamily="34" charset="0"/>
-              <a:buChar char="•"/>
-            </a:pPr>
-            <a:r>
-              <a:rPr lang="fr-FR" dirty="0"/>
-              <a:t>Confirmation de livraison.</a:t>
-            </a:r>
-          </a:p>
-          <a:p>
-            <a:pPr marL="285750" indent="-285750">
-              <a:buFont typeface="Arial" panose="020B0604020202020204" pitchFamily="34" charset="0"/>
-              <a:buChar char="•"/>
-            </a:pPr>
-            <a:r>
-              <a:rPr lang="fr-FR" dirty="0"/>
-              <a:t>Enregistrement dans l’historique des commandes du client.</a:t>
-            </a:r>
-          </a:p>
-        </p:txBody>
-      </p:sp>
-      <p:cxnSp>
-        <p:nvCxnSpPr>
-          <p:cNvPr id="40" name="Connecteur droit avec flèche 39">
-            <a:extLst>
-              <a:ext uri="{FF2B5EF4-FFF2-40B4-BE49-F238E27FC236}">
-                <a16:creationId xmlns:a16="http://schemas.microsoft.com/office/drawing/2014/main" id="{F5906FE5-CD00-6940-95B0-689598F3BCFD}"/>
-              </a:ext>
-            </a:extLst>
-          </p:cNvPr>
-          <p:cNvCxnSpPr>
-            <a:cxnSpLocks/>
-          </p:cNvCxnSpPr>
-          <p:nvPr/>
-        </p:nvCxnSpPr>
-        <p:spPr>
-          <a:xfrm>
-            <a:off x="5918885" y="434916"/>
-            <a:ext cx="0" cy="285523"/>
-          </a:xfrm>
-          <a:prstGeom prst="straightConnector1">
-            <a:avLst/>
-          </a:prstGeom>
-          <a:ln w="28575">
-            <a:solidFill>
-              <a:schemeClr val="tx1"/>
-            </a:solidFill>
-            <a:tailEnd type="triangle"/>
-          </a:ln>
-        </p:spPr>
         <p:style>
-          <a:lnRef idx="1">
-            <a:schemeClr val="accent1"/>
+          <a:lnRef idx="2">
+            <a:schemeClr val="accent1">
+              <a:shade val="50000"/>
+            </a:schemeClr>
           </a:lnRef>
-          <a:fillRef idx="0">
+          <a:fillRef idx="1">
             <a:schemeClr val="accent1"/>
           </a:fillRef>
           <a:effectRef idx="0">
             <a:schemeClr val="accent1"/>
           </a:effectRef>
           <a:fontRef idx="minor">
-            <a:schemeClr val="tx1"/>
+            <a:schemeClr val="lt1"/>
           </a:fontRef>
         </p:style>
-      </p:cxnSp>
-      <p:sp>
-        <p:nvSpPr>
-          <p:cNvPr id="39" name="Rectangle 38">
-            <a:extLst>
-              <a:ext uri="{FF2B5EF4-FFF2-40B4-BE49-F238E27FC236}">
-                <a16:creationId xmlns:a16="http://schemas.microsoft.com/office/drawing/2014/main" id="{FB6F5581-FBAB-BC4C-845D-34D12DEF85F6}"/>
+        <p:txBody>
+          <a:bodyPr rtlCol="0" anchor="ctr"/>
+          <a:lstStyle/>
+          <a:p>
+            <a:pPr algn="ctr"/>
+            <a:r>
+              <a:rPr lang="fr-FR" sz="1200" dirty="0"/>
+              <a:t>2eme partie de processus</a:t>
+            </a:r>
+          </a:p>
+        </p:txBody>
+      </p:sp>
+      <p:sp>
+        <p:nvSpPr>
+          <p:cNvPr id="21" name="Rectangle : coins arrondis 20">
+            <a:extLst>
+              <a:ext uri="{FF2B5EF4-FFF2-40B4-BE49-F238E27FC236}">
+                <a16:creationId xmlns:a16="http://schemas.microsoft.com/office/drawing/2014/main" id="{6627197E-2356-9242-A12D-C5B5B77A1EE4}"/>
               </a:ext>
             </a:extLst>
           </p:cNvPr>
@@ -4798,36 +6980,115 @@
         </p:nvSpPr>
         <p:spPr>
           <a:xfrm>
-            <a:off x="3765731" y="115632"/>
-            <a:ext cx="4757713" cy="369332"/>
-          </a:xfrm>
-          <a:prstGeom prst="rect">
+            <a:off x="4188941" y="6559255"/>
+            <a:ext cx="1624798" cy="193287"/>
+          </a:xfrm>
+          <a:prstGeom prst="roundRect">
             <a:avLst/>
           </a:prstGeom>
           <a:solidFill>
-            <a:schemeClr val="accent6">
-              <a:lumMod val="60000"/>
-              <a:lumOff val="40000"/>
-            </a:schemeClr>
+            <a:srgbClr val="FF9F0A"/>
           </a:solidFill>
           <a:ln>
             <a:noFill/>
           </a:ln>
         </p:spPr>
-        <p:txBody>
-          <a:bodyPr wrap="none">
-            <a:spAutoFit/>
-          </a:bodyPr>
-          <a:lstStyle/>
-          <a:p>
-            <a:pPr marL="285750" indent="-285750">
-              <a:buFont typeface="Arial" panose="020B0604020202020204" pitchFamily="34" charset="0"/>
-              <a:buChar char="•"/>
-            </a:pPr>
-            <a:r>
-              <a:rPr lang="fr-FR" dirty="0"/>
-              <a:t>Notification client commande en préparation.</a:t>
-            </a:r>
+        <p:style>
+          <a:lnRef idx="2">
+            <a:schemeClr val="accent1">
+              <a:shade val="50000"/>
+            </a:schemeClr>
+          </a:lnRef>
+          <a:fillRef idx="1">
+            <a:schemeClr val="accent1"/>
+          </a:fillRef>
+          <a:effectRef idx="0">
+            <a:schemeClr val="accent1"/>
+          </a:effectRef>
+          <a:fontRef idx="minor">
+            <a:schemeClr val="lt1"/>
+          </a:fontRef>
+        </p:style>
+        <p:txBody>
+          <a:bodyPr rtlCol="0" anchor="ctr"/>
+          <a:lstStyle/>
+          <a:p>
+            <a:pPr algn="ctr"/>
+            <a:endParaRPr lang="fr-FR" sz="1200" dirty="0"/>
+          </a:p>
+          <a:p>
+            <a:pPr algn="ctr"/>
+            <a:r>
+              <a:rPr lang="fr-FR" sz="1200" dirty="0"/>
+              <a:t>Vigilance annulation</a:t>
+            </a:r>
+          </a:p>
+          <a:p>
+            <a:pPr algn="ctr"/>
+            <a:endParaRPr lang="fr-FR" sz="1200" dirty="0"/>
+          </a:p>
+        </p:txBody>
+      </p:sp>
+      <p:sp>
+        <p:nvSpPr>
+          <p:cNvPr id="41" name="Rectangle : coins arrondis 40">
+            <a:extLst>
+              <a:ext uri="{FF2B5EF4-FFF2-40B4-BE49-F238E27FC236}">
+                <a16:creationId xmlns:a16="http://schemas.microsoft.com/office/drawing/2014/main" id="{53849F62-BDDC-F34B-84FA-593BD20E18FC}"/>
+              </a:ext>
+            </a:extLst>
+          </p:cNvPr>
+          <p:cNvSpPr/>
+          <p:nvPr/>
+        </p:nvSpPr>
+        <p:spPr>
+          <a:xfrm>
+            <a:off x="2490980" y="6549081"/>
+            <a:ext cx="1624798" cy="193287"/>
+          </a:xfrm>
+          <a:prstGeom prst="roundRect">
+            <a:avLst/>
+          </a:prstGeom>
+          <a:solidFill>
+            <a:srgbClr val="0A84FF"/>
+          </a:solidFill>
+          <a:ln>
+            <a:noFill/>
+          </a:ln>
+        </p:spPr>
+        <p:style>
+          <a:lnRef idx="2">
+            <a:schemeClr val="accent1">
+              <a:shade val="50000"/>
+            </a:schemeClr>
+          </a:lnRef>
+          <a:fillRef idx="1">
+            <a:schemeClr val="accent1"/>
+          </a:fillRef>
+          <a:effectRef idx="0">
+            <a:schemeClr val="accent1"/>
+          </a:effectRef>
+          <a:fontRef idx="minor">
+            <a:schemeClr val="lt1"/>
+          </a:fontRef>
+        </p:style>
+        <p:txBody>
+          <a:bodyPr rtlCol="0" anchor="ctr"/>
+          <a:lstStyle/>
+          <a:p>
+            <a:pPr algn="ctr"/>
+            <a:endParaRPr lang="fr-FR" sz="1200" dirty="0"/>
+          </a:p>
+          <a:p>
+            <a:pPr algn="ctr"/>
+            <a:r>
+              <a:rPr lang="fr-FR" sz="1200" dirty="0"/>
+              <a:t>Acteurs primaires</a:t>
+            </a:r>
+          </a:p>
+          <a:p>
+            <a:pPr algn="ctr"/>
+            <a:endParaRPr lang="fr-FR" sz="1200" dirty="0"/>
           </a:p>
         </p:txBody>
       </p:sp>
@@ -4847,6 +7108,14 @@
 <file path=ppt/slides/slide3.xml><?xml version="1.0" encoding="utf-8"?>
 <p:sld xmlns:a="http://schemas.openxmlformats.org/drawingml/2006/main" xmlns:r="http://schemas.openxmlformats.org/officeDocument/2006/relationships" xmlns:p="http://schemas.openxmlformats.org/presentationml/2006/main">
   <p:cSld>
+    <p:bg>
+      <p:bgPr>
+        <a:solidFill>
+          <a:schemeClr val="bg1"/>
+        </a:solidFill>
+        <a:effectLst/>
+      </p:bgPr>
+    </p:bg>
     <p:spTree>
       <p:nvGrpSpPr>
         <p:cNvPr id="1" name=""/>
@@ -4863,51 +7132,583 @@
       </p:grpSpPr>
       <p:sp>
         <p:nvSpPr>
-          <p:cNvPr id="2" name="Titre 1">
-            <a:extLst>
-              <a:ext uri="{FF2B5EF4-FFF2-40B4-BE49-F238E27FC236}">
-                <a16:creationId xmlns:a16="http://schemas.microsoft.com/office/drawing/2014/main" id="{2822AC2C-B47A-E34F-8946-DB6776AB0CAD}"/>
+          <p:cNvPr id="34" name="Rectangle 30">
+            <a:extLst>
+              <a:ext uri="{FF2B5EF4-FFF2-40B4-BE49-F238E27FC236}">
+                <a16:creationId xmlns:a16="http://schemas.microsoft.com/office/drawing/2014/main" id="{F3060C83-F051-4F0E-ABAD-AA0DFC48B218}"/>
+              </a:ext>
+              <a:ext uri="{C183D7F6-B498-43B3-948B-1728B52AA6E4}">
+                <adec:decorative xmlns:adec="http://schemas.microsoft.com/office/drawing/2017/decorative" val="1"/>
               </a:ext>
             </a:extLst>
           </p:cNvPr>
           <p:cNvSpPr>
-            <a:spLocks noGrp="1"/>
+            <a:spLocks noGrp="1" noRot="1" noChangeAspect="1" noMove="1" noResize="1" noEditPoints="1" noAdjustHandles="1" noChangeArrowheads="1" noChangeShapeType="1" noTextEdit="1"/>
           </p:cNvSpPr>
           <p:nvPr>
-            <p:ph type="title"/>
+            <p:extLst>
+              <p:ext uri="{386F3935-93C4-4BCD-93E2-E3B085C9AB24}">
+                <p16:designElem xmlns:p16="http://schemas.microsoft.com/office/powerpoint/2015/main" val="1"/>
+              </p:ext>
+            </p:extLst>
           </p:nvPr>
         </p:nvSpPr>
-        <p:spPr/>
-        <p:txBody>
-          <a:bodyPr/>
-          <a:lstStyle/>
-          <a:p>
-            <a:endParaRPr lang="fr-FR"/>
-          </a:p>
-        </p:txBody>
-      </p:sp>
-      <p:sp>
-        <p:nvSpPr>
-          <p:cNvPr id="3" name="Espace réservé du contenu 2">
-            <a:extLst>
-              <a:ext uri="{FF2B5EF4-FFF2-40B4-BE49-F238E27FC236}">
-                <a16:creationId xmlns:a16="http://schemas.microsoft.com/office/drawing/2014/main" id="{A51A32AF-6FA0-564B-9D22-A468CCC3EB59}"/>
+        <p:spPr>
+          <a:xfrm>
+            <a:off x="0" y="0"/>
+            <a:ext cx="12192000" cy="6858000"/>
+          </a:xfrm>
+          <a:prstGeom prst="rect">
+            <a:avLst/>
+          </a:prstGeom>
+          <a:solidFill>
+            <a:schemeClr val="bg1"/>
+          </a:solidFill>
+          <a:ln>
+            <a:noFill/>
+          </a:ln>
+        </p:spPr>
+        <p:style>
+          <a:lnRef idx="2">
+            <a:schemeClr val="accent1">
+              <a:shade val="50000"/>
+            </a:schemeClr>
+          </a:lnRef>
+          <a:fillRef idx="1">
+            <a:schemeClr val="accent1"/>
+          </a:fillRef>
+          <a:effectRef idx="0">
+            <a:schemeClr val="accent1"/>
+          </a:effectRef>
+          <a:fontRef idx="minor">
+            <a:schemeClr val="lt1"/>
+          </a:fontRef>
+        </p:style>
+        <p:txBody>
+          <a:bodyPr rtlCol="0" anchor="ctr"/>
+          <a:lstStyle/>
+          <a:p>
+            <a:pPr algn="ctr"/>
+            <a:endParaRPr lang="en-US" dirty="0"/>
+          </a:p>
+        </p:txBody>
+      </p:sp>
+      <p:sp>
+        <p:nvSpPr>
+          <p:cNvPr id="33" name="Freeform: Shape 32">
+            <a:extLst>
+              <a:ext uri="{FF2B5EF4-FFF2-40B4-BE49-F238E27FC236}">
+                <a16:creationId xmlns:a16="http://schemas.microsoft.com/office/drawing/2014/main" id="{83C98ABE-055B-441F-B07E-44F97F083C39}"/>
+              </a:ext>
+              <a:ext uri="{C183D7F6-B498-43B3-948B-1728B52AA6E4}">
+                <adec:decorative xmlns:adec="http://schemas.microsoft.com/office/drawing/2017/decorative" val="1"/>
               </a:ext>
             </a:extLst>
           </p:cNvPr>
           <p:cNvSpPr>
-            <a:spLocks noGrp="1"/>
+            <a:spLocks noGrp="1" noRot="1" noChangeAspect="1" noMove="1" noResize="1" noEditPoints="1" noAdjustHandles="1" noChangeArrowheads="1" noChangeShapeType="1" noTextEdit="1"/>
           </p:cNvSpPr>
           <p:nvPr>
-            <p:ph idx="1"/>
+            <p:extLst>
+              <p:ext uri="{386F3935-93C4-4BCD-93E2-E3B085C9AB24}">
+                <p16:designElem xmlns:p16="http://schemas.microsoft.com/office/powerpoint/2015/main" val="1"/>
+              </p:ext>
+            </p:extLst>
           </p:nvPr>
         </p:nvSpPr>
-        <p:spPr/>
-        <p:txBody>
-          <a:bodyPr/>
-          <a:lstStyle/>
-          <a:p>
-            <a:endParaRPr lang="fr-FR"/>
+        <p:spPr>
+          <a:xfrm rot="18900000" flipH="1">
+            <a:off x="-376156" y="-253670"/>
+            <a:ext cx="1827638" cy="1376989"/>
+          </a:xfrm>
+          <a:custGeom>
+            <a:avLst/>
+            <a:gdLst>
+              <a:gd name="connsiteX0" fmla="*/ 0 w 1827638"/>
+              <a:gd name="connsiteY0" fmla="*/ 987379 h 1376989"/>
+              <a:gd name="connsiteX1" fmla="*/ 987379 w 1827638"/>
+              <a:gd name="connsiteY1" fmla="*/ 0 h 1376989"/>
+              <a:gd name="connsiteX2" fmla="*/ 1827638 w 1827638"/>
+              <a:gd name="connsiteY2" fmla="*/ 840260 h 1376989"/>
+              <a:gd name="connsiteX3" fmla="*/ 1827638 w 1827638"/>
+              <a:gd name="connsiteY3" fmla="*/ 1376989 h 1376989"/>
+              <a:gd name="connsiteX4" fmla="*/ 0 w 1827638"/>
+              <a:gd name="connsiteY4" fmla="*/ 1376989 h 1376989"/>
+            </a:gdLst>
+            <a:ahLst/>
+            <a:cxnLst>
+              <a:cxn ang="0">
+                <a:pos x="connsiteX0" y="connsiteY0"/>
+              </a:cxn>
+              <a:cxn ang="0">
+                <a:pos x="connsiteX1" y="connsiteY1"/>
+              </a:cxn>
+              <a:cxn ang="0">
+                <a:pos x="connsiteX2" y="connsiteY2"/>
+              </a:cxn>
+              <a:cxn ang="0">
+                <a:pos x="connsiteX3" y="connsiteY3"/>
+              </a:cxn>
+              <a:cxn ang="0">
+                <a:pos x="connsiteX4" y="connsiteY4"/>
+              </a:cxn>
+            </a:cxnLst>
+            <a:rect l="l" t="t" r="r" b="b"/>
+            <a:pathLst>
+              <a:path w="1827638" h="1376989">
+                <a:moveTo>
+                  <a:pt x="0" y="987379"/>
+                </a:moveTo>
+                <a:lnTo>
+                  <a:pt x="987379" y="0"/>
+                </a:lnTo>
+                <a:lnTo>
+                  <a:pt x="1827638" y="840260"/>
+                </a:lnTo>
+                <a:lnTo>
+                  <a:pt x="1827638" y="1376989"/>
+                </a:lnTo>
+                <a:lnTo>
+                  <a:pt x="0" y="1376989"/>
+                </a:lnTo>
+                <a:close/>
+              </a:path>
+            </a:pathLst>
+          </a:custGeom>
+          <a:solidFill>
+            <a:schemeClr val="accent1">
+              <a:alpha val="30000"/>
+            </a:schemeClr>
+          </a:solidFill>
+          <a:ln>
+            <a:noFill/>
+          </a:ln>
+        </p:spPr>
+        <p:style>
+          <a:lnRef idx="2">
+            <a:schemeClr val="accent1">
+              <a:shade val="50000"/>
+            </a:schemeClr>
+          </a:lnRef>
+          <a:fillRef idx="1">
+            <a:schemeClr val="accent1"/>
+          </a:fillRef>
+          <a:effectRef idx="0">
+            <a:schemeClr val="accent1"/>
+          </a:effectRef>
+          <a:fontRef idx="minor">
+            <a:schemeClr val="lt1"/>
+          </a:fontRef>
+        </p:style>
+        <p:txBody>
+          <a:bodyPr rtlCol="0" anchor="ctr"/>
+          <a:lstStyle/>
+          <a:p>
+            <a:pPr algn="ctr"/>
+            <a:endParaRPr lang="en-US" dirty="0"/>
+          </a:p>
+        </p:txBody>
+      </p:sp>
+      <p:sp>
+        <p:nvSpPr>
+          <p:cNvPr id="35" name="Rectangle 34">
+            <a:extLst>
+              <a:ext uri="{FF2B5EF4-FFF2-40B4-BE49-F238E27FC236}">
+                <a16:creationId xmlns:a16="http://schemas.microsoft.com/office/drawing/2014/main" id="{29FDB030-9B49-4CED-8CCD-4D99382388AC}"/>
+              </a:ext>
+              <a:ext uri="{C183D7F6-B498-43B3-948B-1728B52AA6E4}">
+                <adec:decorative xmlns:adec="http://schemas.microsoft.com/office/drawing/2017/decorative" val="1"/>
+              </a:ext>
+            </a:extLst>
+          </p:cNvPr>
+          <p:cNvSpPr>
+            <a:spLocks noGrp="1" noRot="1" noChangeAspect="1" noMove="1" noResize="1" noEditPoints="1" noAdjustHandles="1" noChangeArrowheads="1" noChangeShapeType="1" noTextEdit="1"/>
+          </p:cNvSpPr>
+          <p:nvPr>
+            <p:extLst>
+              <p:ext uri="{386F3935-93C4-4BCD-93E2-E3B085C9AB24}">
+                <p16:designElem xmlns:p16="http://schemas.microsoft.com/office/powerpoint/2015/main" val="1"/>
+              </p:ext>
+            </p:extLst>
+          </p:nvPr>
+        </p:nvSpPr>
+        <p:spPr>
+          <a:xfrm rot="18900000" flipH="1">
+            <a:off x="891641" y="422146"/>
+            <a:ext cx="645368" cy="645368"/>
+          </a:xfrm>
+          <a:prstGeom prst="rect">
+            <a:avLst/>
+          </a:prstGeom>
+          <a:solidFill>
+            <a:schemeClr val="accent1">
+              <a:alpha val="30000"/>
+            </a:schemeClr>
+          </a:solidFill>
+          <a:ln>
+            <a:noFill/>
+          </a:ln>
+        </p:spPr>
+        <p:style>
+          <a:lnRef idx="2">
+            <a:schemeClr val="accent1">
+              <a:shade val="50000"/>
+            </a:schemeClr>
+          </a:lnRef>
+          <a:fillRef idx="1">
+            <a:schemeClr val="accent1"/>
+          </a:fillRef>
+          <a:effectRef idx="0">
+            <a:schemeClr val="accent1"/>
+          </a:effectRef>
+          <a:fontRef idx="minor">
+            <a:schemeClr val="lt1"/>
+          </a:fontRef>
+        </p:style>
+        <p:txBody>
+          <a:bodyPr rtlCol="0" anchor="ctr"/>
+          <a:lstStyle/>
+          <a:p>
+            <a:pPr algn="ctr"/>
+            <a:endParaRPr lang="en-US" dirty="0"/>
+          </a:p>
+        </p:txBody>
+      </p:sp>
+      <p:sp>
+        <p:nvSpPr>
+          <p:cNvPr id="37" name="Rectangle 36">
+            <a:extLst>
+              <a:ext uri="{FF2B5EF4-FFF2-40B4-BE49-F238E27FC236}">
+                <a16:creationId xmlns:a16="http://schemas.microsoft.com/office/drawing/2014/main" id="{3783CA14-24A1-485C-8B30-D6A5D87987AD}"/>
+              </a:ext>
+              <a:ext uri="{C183D7F6-B498-43B3-948B-1728B52AA6E4}">
+                <adec:decorative xmlns:adec="http://schemas.microsoft.com/office/drawing/2017/decorative" val="1"/>
+              </a:ext>
+            </a:extLst>
+          </p:cNvPr>
+          <p:cNvSpPr>
+            <a:spLocks noGrp="1" noRot="1" noChangeAspect="1" noMove="1" noResize="1" noEditPoints="1" noAdjustHandles="1" noChangeArrowheads="1" noChangeShapeType="1" noTextEdit="1"/>
+          </p:cNvSpPr>
+          <p:nvPr>
+            <p:extLst>
+              <p:ext uri="{386F3935-93C4-4BCD-93E2-E3B085C9AB24}">
+                <p16:designElem xmlns:p16="http://schemas.microsoft.com/office/powerpoint/2015/main" val="1"/>
+              </p:ext>
+            </p:extLst>
+          </p:nvPr>
+        </p:nvSpPr>
+        <p:spPr>
+          <a:xfrm rot="18900000" flipH="1">
+            <a:off x="10043482" y="655140"/>
+            <a:ext cx="687472" cy="687472"/>
+          </a:xfrm>
+          <a:prstGeom prst="rect">
+            <a:avLst/>
+          </a:prstGeom>
+          <a:solidFill>
+            <a:schemeClr val="accent4">
+              <a:alpha val="30000"/>
+            </a:schemeClr>
+          </a:solidFill>
+          <a:ln>
+            <a:noFill/>
+          </a:ln>
+        </p:spPr>
+        <p:style>
+          <a:lnRef idx="2">
+            <a:schemeClr val="accent1">
+              <a:shade val="50000"/>
+            </a:schemeClr>
+          </a:lnRef>
+          <a:fillRef idx="1">
+            <a:schemeClr val="accent1"/>
+          </a:fillRef>
+          <a:effectRef idx="0">
+            <a:schemeClr val="accent1"/>
+          </a:effectRef>
+          <a:fontRef idx="minor">
+            <a:schemeClr val="lt1"/>
+          </a:fontRef>
+        </p:style>
+        <p:txBody>
+          <a:bodyPr rtlCol="0" anchor="ctr"/>
+          <a:lstStyle/>
+          <a:p>
+            <a:pPr algn="ctr"/>
+            <a:endParaRPr lang="en-US" dirty="0"/>
+          </a:p>
+        </p:txBody>
+      </p:sp>
+      <p:sp>
+        <p:nvSpPr>
+          <p:cNvPr id="39" name="Freeform: Shape 38">
+            <a:extLst>
+              <a:ext uri="{FF2B5EF4-FFF2-40B4-BE49-F238E27FC236}">
+                <a16:creationId xmlns:a16="http://schemas.microsoft.com/office/drawing/2014/main" id="{9A97C86A-04D6-40F7-AE84-31AB43E6A846}"/>
+              </a:ext>
+              <a:ext uri="{C183D7F6-B498-43B3-948B-1728B52AA6E4}">
+                <adec:decorative xmlns:adec="http://schemas.microsoft.com/office/drawing/2017/decorative" val="1"/>
+              </a:ext>
+            </a:extLst>
+          </p:cNvPr>
+          <p:cNvSpPr>
+            <a:spLocks noGrp="1" noRot="1" noChangeAspect="1" noMove="1" noResize="1" noEditPoints="1" noAdjustHandles="1" noChangeArrowheads="1" noChangeShapeType="1" noTextEdit="1"/>
+          </p:cNvSpPr>
+          <p:nvPr>
+            <p:extLst>
+              <p:ext uri="{386F3935-93C4-4BCD-93E2-E3B085C9AB24}">
+                <p16:designElem xmlns:p16="http://schemas.microsoft.com/office/powerpoint/2015/main" val="1"/>
+              </p:ext>
+            </p:extLst>
+          </p:nvPr>
+        </p:nvSpPr>
+        <p:spPr>
+          <a:xfrm rot="10800000" flipH="1">
+            <a:off x="9356643" y="0"/>
+            <a:ext cx="2835357" cy="1480837"/>
+          </a:xfrm>
+          <a:custGeom>
+            <a:avLst/>
+            <a:gdLst>
+              <a:gd name="connsiteX0" fmla="*/ 2835357 w 2835357"/>
+              <a:gd name="connsiteY0" fmla="*/ 1480837 h 1480837"/>
+              <a:gd name="connsiteX1" fmla="*/ 0 w 2835357"/>
+              <a:gd name="connsiteY1" fmla="*/ 1480837 h 1480837"/>
+              <a:gd name="connsiteX2" fmla="*/ 1552727 w 2835357"/>
+              <a:gd name="connsiteY2" fmla="*/ 0 h 1480837"/>
+              <a:gd name="connsiteX3" fmla="*/ 2835357 w 2835357"/>
+              <a:gd name="connsiteY3" fmla="*/ 1223245 h 1480837"/>
+            </a:gdLst>
+            <a:ahLst/>
+            <a:cxnLst>
+              <a:cxn ang="0">
+                <a:pos x="connsiteX0" y="connsiteY0"/>
+              </a:cxn>
+              <a:cxn ang="0">
+                <a:pos x="connsiteX1" y="connsiteY1"/>
+              </a:cxn>
+              <a:cxn ang="0">
+                <a:pos x="connsiteX2" y="connsiteY2"/>
+              </a:cxn>
+              <a:cxn ang="0">
+                <a:pos x="connsiteX3" y="connsiteY3"/>
+              </a:cxn>
+            </a:cxnLst>
+            <a:rect l="l" t="t" r="r" b="b"/>
+            <a:pathLst>
+              <a:path w="2835357" h="1480837">
+                <a:moveTo>
+                  <a:pt x="2835357" y="1480837"/>
+                </a:moveTo>
+                <a:lnTo>
+                  <a:pt x="0" y="1480837"/>
+                </a:lnTo>
+                <a:lnTo>
+                  <a:pt x="1552727" y="0"/>
+                </a:lnTo>
+                <a:lnTo>
+                  <a:pt x="2835357" y="1223245"/>
+                </a:lnTo>
+                <a:close/>
+              </a:path>
+            </a:pathLst>
+          </a:custGeom>
+          <a:solidFill>
+            <a:schemeClr val="accent4">
+              <a:alpha val="30000"/>
+            </a:schemeClr>
+          </a:solidFill>
+          <a:ln>
+            <a:noFill/>
+          </a:ln>
+        </p:spPr>
+        <p:style>
+          <a:lnRef idx="2">
+            <a:schemeClr val="accent1">
+              <a:shade val="50000"/>
+            </a:schemeClr>
+          </a:lnRef>
+          <a:fillRef idx="1">
+            <a:schemeClr val="accent1"/>
+          </a:fillRef>
+          <a:effectRef idx="0">
+            <a:schemeClr val="accent1"/>
+          </a:effectRef>
+          <a:fontRef idx="minor">
+            <a:schemeClr val="lt1"/>
+          </a:fontRef>
+        </p:style>
+        <p:txBody>
+          <a:bodyPr wrap="square" rtlCol="0" anchor="ctr">
+            <a:noAutofit/>
+          </a:bodyPr>
+          <a:lstStyle/>
+          <a:p>
+            <a:pPr algn="ctr"/>
+            <a:endParaRPr lang="en-US" dirty="0"/>
+          </a:p>
+        </p:txBody>
+      </p:sp>
+      <p:sp>
+        <p:nvSpPr>
+          <p:cNvPr id="41" name="Isosceles Triangle 40">
+            <a:extLst>
+              <a:ext uri="{FF2B5EF4-FFF2-40B4-BE49-F238E27FC236}">
+                <a16:creationId xmlns:a16="http://schemas.microsoft.com/office/drawing/2014/main" id="{FF9F2414-84E8-453E-B1F3-389FDE8192D9}"/>
+              </a:ext>
+              <a:ext uri="{C183D7F6-B498-43B3-948B-1728B52AA6E4}">
+                <adec:decorative xmlns:adec="http://schemas.microsoft.com/office/drawing/2017/decorative" val="1"/>
+              </a:ext>
+            </a:extLst>
+          </p:cNvPr>
+          <p:cNvSpPr>
+            <a:spLocks noGrp="1" noRot="1" noChangeAspect="1" noMove="1" noResize="1" noEditPoints="1" noAdjustHandles="1" noChangeArrowheads="1" noChangeShapeType="1" noTextEdit="1"/>
+          </p:cNvSpPr>
+          <p:nvPr>
+            <p:extLst>
+              <p:ext uri="{386F3935-93C4-4BCD-93E2-E3B085C9AB24}">
+                <p16:designElem xmlns:p16="http://schemas.microsoft.com/office/powerpoint/2015/main" val="1"/>
+              </p:ext>
+            </p:extLst>
+          </p:nvPr>
+        </p:nvSpPr>
+        <p:spPr>
+          <a:xfrm flipH="1">
+            <a:off x="7976344" y="6115501"/>
+            <a:ext cx="1494513" cy="742499"/>
+          </a:xfrm>
+          <a:prstGeom prst="triangle">
+            <a:avLst/>
+          </a:prstGeom>
+          <a:solidFill>
+            <a:schemeClr val="accent1">
+              <a:alpha val="30000"/>
+            </a:schemeClr>
+          </a:solidFill>
+          <a:ln>
+            <a:noFill/>
+          </a:ln>
+        </p:spPr>
+        <p:style>
+          <a:lnRef idx="2">
+            <a:schemeClr val="accent1">
+              <a:shade val="50000"/>
+            </a:schemeClr>
+          </a:lnRef>
+          <a:fillRef idx="1">
+            <a:schemeClr val="accent1"/>
+          </a:fillRef>
+          <a:effectRef idx="0">
+            <a:schemeClr val="accent1"/>
+          </a:effectRef>
+          <a:fontRef idx="minor">
+            <a:schemeClr val="lt1"/>
+          </a:fontRef>
+        </p:style>
+        <p:txBody>
+          <a:bodyPr rtlCol="0" anchor="ctr"/>
+          <a:lstStyle/>
+          <a:p>
+            <a:pPr algn="ctr"/>
+            <a:endParaRPr lang="en-US" dirty="0"/>
+          </a:p>
+        </p:txBody>
+      </p:sp>
+      <p:pic>
+        <p:nvPicPr>
+          <p:cNvPr id="4" name="Image 3" descr="Une image contenant texte&#10;&#10;Description générée automatiquement">
+            <a:extLst>
+              <a:ext uri="{FF2B5EF4-FFF2-40B4-BE49-F238E27FC236}">
+                <a16:creationId xmlns:a16="http://schemas.microsoft.com/office/drawing/2014/main" id="{90E2670E-D677-F84A-85E5-51AF29456FCA}"/>
+              </a:ext>
+            </a:extLst>
+          </p:cNvPr>
+          <p:cNvPicPr>
+            <a:picLocks noChangeAspect="1"/>
+          </p:cNvPicPr>
+          <p:nvPr/>
+        </p:nvPicPr>
+        <p:blipFill>
+          <a:blip r:embed="rId2"/>
+          <a:stretch>
+            <a:fillRect/>
+          </a:stretch>
+        </p:blipFill>
+        <p:spPr>
+          <a:xfrm>
+            <a:off x="2331767" y="643467"/>
+            <a:ext cx="7528465" cy="5571065"/>
+          </a:xfrm>
+          <a:prstGeom prst="rect">
+            <a:avLst/>
+          </a:prstGeom>
+          <a:ln>
+            <a:noFill/>
+          </a:ln>
+        </p:spPr>
+      </p:pic>
+      <p:sp>
+        <p:nvSpPr>
+          <p:cNvPr id="43" name="Isosceles Triangle 42">
+            <a:extLst>
+              <a:ext uri="{FF2B5EF4-FFF2-40B4-BE49-F238E27FC236}">
+                <a16:creationId xmlns:a16="http://schemas.microsoft.com/office/drawing/2014/main" id="{3ECA69A1-7536-43AC-85EF-C7106179F5ED}"/>
+              </a:ext>
+              <a:ext uri="{C183D7F6-B498-43B3-948B-1728B52AA6E4}">
+                <adec:decorative xmlns:adec="http://schemas.microsoft.com/office/drawing/2017/decorative" val="1"/>
+              </a:ext>
+            </a:extLst>
+          </p:cNvPr>
+          <p:cNvSpPr>
+            <a:spLocks noGrp="1" noRot="1" noChangeAspect="1" noMove="1" noResize="1" noEditPoints="1" noAdjustHandles="1" noChangeArrowheads="1" noChangeShapeType="1" noTextEdit="1"/>
+          </p:cNvSpPr>
+          <p:nvPr>
+            <p:extLst>
+              <p:ext uri="{386F3935-93C4-4BCD-93E2-E3B085C9AB24}">
+                <p16:designElem xmlns:p16="http://schemas.microsoft.com/office/powerpoint/2015/main" val="1"/>
+              </p:ext>
+            </p:extLst>
+          </p:nvPr>
+        </p:nvSpPr>
+        <p:spPr>
+          <a:xfrm flipH="1">
+            <a:off x="7604080" y="6453143"/>
+            <a:ext cx="814903" cy="404857"/>
+          </a:xfrm>
+          <a:prstGeom prst="triangle">
+            <a:avLst/>
+          </a:prstGeom>
+          <a:solidFill>
+            <a:schemeClr val="accent1">
+              <a:alpha val="30000"/>
+            </a:schemeClr>
+          </a:solidFill>
+          <a:ln>
+            <a:noFill/>
+          </a:ln>
+        </p:spPr>
+        <p:style>
+          <a:lnRef idx="2">
+            <a:schemeClr val="accent1">
+              <a:shade val="50000"/>
+            </a:schemeClr>
+          </a:lnRef>
+          <a:fillRef idx="1">
+            <a:schemeClr val="accent1"/>
+          </a:fillRef>
+          <a:effectRef idx="0">
+            <a:schemeClr val="accent1"/>
+          </a:effectRef>
+          <a:fontRef idx="minor">
+            <a:schemeClr val="lt1"/>
+          </a:fontRef>
+        </p:style>
+        <p:txBody>
+          <a:bodyPr rtlCol="0" anchor="ctr"/>
+          <a:lstStyle/>
+          <a:p>
+            <a:pPr algn="ctr"/>
+            <a:endParaRPr lang="en-US" dirty="0"/>
           </a:p>
         </p:txBody>
       </p:sp>

--- a/persona et shéma de fonctionnement ecommerce.pptx
+++ b/persona et shéma de fonctionnement ecommerce.pptx
@@ -8,6 +8,8 @@
     <p:sldId id="256" r:id="rId2"/>
     <p:sldId id="257" r:id="rId3"/>
     <p:sldId id="258" r:id="rId4"/>
+    <p:sldId id="259" r:id="rId5"/>
+    <p:sldId id="260" r:id="rId6"/>
   </p:sldIdLst>
   <p:sldSz cx="12192000" cy="6858000"/>
   <p:notesSz cx="6858000" cy="9144000"/>
@@ -7108,14 +7110,6 @@
 <file path=ppt/slides/slide3.xml><?xml version="1.0" encoding="utf-8"?>
 <p:sld xmlns:a="http://schemas.openxmlformats.org/drawingml/2006/main" xmlns:r="http://schemas.openxmlformats.org/officeDocument/2006/relationships" xmlns:p="http://schemas.openxmlformats.org/presentationml/2006/main">
   <p:cSld>
-    <p:bg>
-      <p:bgPr>
-        <a:solidFill>
-          <a:schemeClr val="bg1"/>
-        </a:solidFill>
-        <a:effectLst/>
-      </p:bgPr>
-    </p:bg>
     <p:spTree>
       <p:nvGrpSpPr>
         <p:cNvPr id="1" name=""/>
@@ -7132,41 +7126,48 @@
       </p:grpSpPr>
       <p:sp>
         <p:nvSpPr>
-          <p:cNvPr id="34" name="Rectangle 30">
-            <a:extLst>
-              <a:ext uri="{FF2B5EF4-FFF2-40B4-BE49-F238E27FC236}">
-                <a16:creationId xmlns:a16="http://schemas.microsoft.com/office/drawing/2014/main" id="{F3060C83-F051-4F0E-ABAD-AA0DFC48B218}"/>
-              </a:ext>
-              <a:ext uri="{C183D7F6-B498-43B3-948B-1728B52AA6E4}">
-                <adec:decorative xmlns:adec="http://schemas.microsoft.com/office/drawing/2017/decorative" val="1"/>
-              </a:ext>
-            </a:extLst>
-          </p:cNvPr>
-          <p:cNvSpPr>
-            <a:spLocks noGrp="1" noRot="1" noChangeAspect="1" noMove="1" noResize="1" noEditPoints="1" noAdjustHandles="1" noChangeArrowheads="1" noChangeShapeType="1" noTextEdit="1"/>
-          </p:cNvSpPr>
-          <p:nvPr>
-            <p:extLst>
-              <p:ext uri="{386F3935-93C4-4BCD-93E2-E3B085C9AB24}">
-                <p16:designElem xmlns:p16="http://schemas.microsoft.com/office/powerpoint/2015/main" val="1"/>
-              </p:ext>
-            </p:extLst>
-          </p:nvPr>
-        </p:nvSpPr>
-        <p:spPr>
-          <a:xfrm>
-            <a:off x="0" y="0"/>
-            <a:ext cx="12192000" cy="6858000"/>
-          </a:xfrm>
-          <a:prstGeom prst="rect">
-            <a:avLst/>
-          </a:prstGeom>
-          <a:solidFill>
-            <a:schemeClr val="bg1"/>
-          </a:solidFill>
-          <a:ln>
-            <a:noFill/>
-          </a:ln>
+          <p:cNvPr id="4" name="Rectangle : coins arrondis 3">
+            <a:extLst>
+              <a:ext uri="{FF2B5EF4-FFF2-40B4-BE49-F238E27FC236}">
+                <a16:creationId xmlns:a16="http://schemas.microsoft.com/office/drawing/2014/main" id="{7FD3C7B3-8339-F947-B45B-A9689739DE3C}"/>
+              </a:ext>
+            </a:extLst>
+          </p:cNvPr>
+          <p:cNvSpPr/>
+          <p:nvPr/>
+        </p:nvSpPr>
+        <p:spPr>
+          <a:xfrm>
+            <a:off x="-200025" y="-200025"/>
+            <a:ext cx="12630150" cy="1328738"/>
+          </a:xfrm>
+          <a:prstGeom prst="roundRect">
+            <a:avLst/>
+          </a:prstGeom>
+          <a:gradFill flip="none" rotWithShape="1">
+            <a:gsLst>
+              <a:gs pos="0">
+                <a:srgbClr val="FF9F0A">
+                  <a:shade val="30000"/>
+                  <a:satMod val="115000"/>
+                </a:srgbClr>
+              </a:gs>
+              <a:gs pos="50000">
+                <a:srgbClr val="FF9F0A">
+                  <a:shade val="67500"/>
+                  <a:satMod val="115000"/>
+                </a:srgbClr>
+              </a:gs>
+              <a:gs pos="100000">
+                <a:srgbClr val="FF9F0A">
+                  <a:shade val="100000"/>
+                  <a:satMod val="115000"/>
+                </a:srgbClr>
+              </a:gs>
+            </a:gsLst>
+            <a:lin ang="0" scaled="1"/>
+            <a:tileRect/>
+          </a:gradFill>
         </p:spPr>
         <p:style>
           <a:lnRef idx="2">
@@ -7188,97 +7189,49 @@
           <a:bodyPr rtlCol="0" anchor="ctr"/>
           <a:lstStyle/>
           <a:p>
-            <a:pPr algn="ctr"/>
-            <a:endParaRPr lang="en-US" dirty="0"/>
-          </a:p>
-        </p:txBody>
-      </p:sp>
-      <p:sp>
-        <p:nvSpPr>
-          <p:cNvPr id="33" name="Freeform: Shape 32">
-            <a:extLst>
-              <a:ext uri="{FF2B5EF4-FFF2-40B4-BE49-F238E27FC236}">
-                <a16:creationId xmlns:a16="http://schemas.microsoft.com/office/drawing/2014/main" id="{83C98ABE-055B-441F-B07E-44F97F083C39}"/>
-              </a:ext>
-              <a:ext uri="{C183D7F6-B498-43B3-948B-1728B52AA6E4}">
-                <adec:decorative xmlns:adec="http://schemas.microsoft.com/office/drawing/2017/decorative" val="1"/>
-              </a:ext>
-            </a:extLst>
-          </p:cNvPr>
-          <p:cNvSpPr>
-            <a:spLocks noGrp="1" noRot="1" noChangeAspect="1" noMove="1" noResize="1" noEditPoints="1" noAdjustHandles="1" noChangeArrowheads="1" noChangeShapeType="1" noTextEdit="1"/>
-          </p:cNvSpPr>
-          <p:nvPr>
-            <p:extLst>
-              <p:ext uri="{386F3935-93C4-4BCD-93E2-E3B085C9AB24}">
-                <p16:designElem xmlns:p16="http://schemas.microsoft.com/office/powerpoint/2015/main" val="1"/>
-              </p:ext>
-            </p:extLst>
-          </p:nvPr>
-        </p:nvSpPr>
-        <p:spPr>
-          <a:xfrm rot="18900000" flipH="1">
-            <a:off x="-376156" y="-253670"/>
-            <a:ext cx="1827638" cy="1376989"/>
-          </a:xfrm>
-          <a:custGeom>
-            <a:avLst/>
-            <a:gdLst>
-              <a:gd name="connsiteX0" fmla="*/ 0 w 1827638"/>
-              <a:gd name="connsiteY0" fmla="*/ 987379 h 1376989"/>
-              <a:gd name="connsiteX1" fmla="*/ 987379 w 1827638"/>
-              <a:gd name="connsiteY1" fmla="*/ 0 h 1376989"/>
-              <a:gd name="connsiteX2" fmla="*/ 1827638 w 1827638"/>
-              <a:gd name="connsiteY2" fmla="*/ 840260 h 1376989"/>
-              <a:gd name="connsiteX3" fmla="*/ 1827638 w 1827638"/>
-              <a:gd name="connsiteY3" fmla="*/ 1376989 h 1376989"/>
-              <a:gd name="connsiteX4" fmla="*/ 0 w 1827638"/>
-              <a:gd name="connsiteY4" fmla="*/ 1376989 h 1376989"/>
-            </a:gdLst>
-            <a:ahLst/>
-            <a:cxnLst>
-              <a:cxn ang="0">
-                <a:pos x="connsiteX0" y="connsiteY0"/>
-              </a:cxn>
-              <a:cxn ang="0">
-                <a:pos x="connsiteX1" y="connsiteY1"/>
-              </a:cxn>
-              <a:cxn ang="0">
-                <a:pos x="connsiteX2" y="connsiteY2"/>
-              </a:cxn>
-              <a:cxn ang="0">
-                <a:pos x="connsiteX3" y="connsiteY3"/>
-              </a:cxn>
-              <a:cxn ang="0">
-                <a:pos x="connsiteX4" y="connsiteY4"/>
-              </a:cxn>
-            </a:cxnLst>
-            <a:rect l="l" t="t" r="r" b="b"/>
-            <a:pathLst>
-              <a:path w="1827638" h="1376989">
-                <a:moveTo>
-                  <a:pt x="0" y="987379"/>
-                </a:moveTo>
-                <a:lnTo>
-                  <a:pt x="987379" y="0"/>
-                </a:lnTo>
-                <a:lnTo>
-                  <a:pt x="1827638" y="840260"/>
-                </a:lnTo>
-                <a:lnTo>
-                  <a:pt x="1827638" y="1376989"/>
-                </a:lnTo>
-                <a:lnTo>
-                  <a:pt x="0" y="1376989"/>
-                </a:lnTo>
-                <a:close/>
-              </a:path>
-            </a:pathLst>
-          </a:custGeom>
+            <a:r>
+              <a:rPr lang="fr-FR" dirty="0"/>
+              <a:t>           </a:t>
+            </a:r>
+          </a:p>
+          <a:p>
+            <a:r>
+              <a:rPr lang="fr-FR" sz="4800" dirty="0">
+                <a:latin typeface="Amasis MT Pro" panose="02040504050005020304" pitchFamily="18" charset="77"/>
+              </a:rPr>
+              <a:t>    Samira </a:t>
+            </a:r>
+            <a:r>
+              <a:rPr lang="fr-FR" sz="4800" b="1" dirty="0">
+                <a:latin typeface="Amasis MT Pro" panose="02040504050005020304" pitchFamily="18" charset="77"/>
+              </a:rPr>
+              <a:t>TAIEB</a:t>
+            </a:r>
+          </a:p>
+        </p:txBody>
+      </p:sp>
+      <p:sp>
+        <p:nvSpPr>
+          <p:cNvPr id="5" name="Rectangle : coins arrondis 4">
+            <a:extLst>
+              <a:ext uri="{FF2B5EF4-FFF2-40B4-BE49-F238E27FC236}">
+                <a16:creationId xmlns:a16="http://schemas.microsoft.com/office/drawing/2014/main" id="{93C67438-E900-344E-99E6-C5A0B098DA35}"/>
+              </a:ext>
+            </a:extLst>
+          </p:cNvPr>
+          <p:cNvSpPr/>
+          <p:nvPr/>
+        </p:nvSpPr>
+        <p:spPr>
+          <a:xfrm>
+            <a:off x="151967" y="5518270"/>
+            <a:ext cx="3422822" cy="1214861"/>
+          </a:xfrm>
+          <a:prstGeom prst="roundRect">
+            <a:avLst/>
+          </a:prstGeom>
           <a:solidFill>
-            <a:schemeClr val="accent1">
-              <a:alpha val="30000"/>
-            </a:schemeClr>
+            <a:srgbClr val="FCC568"/>
           </a:solidFill>
           <a:ln>
             <a:noFill/>
@@ -7305,45 +7258,37 @@
           <a:lstStyle/>
           <a:p>
             <a:pPr algn="ctr"/>
-            <a:endParaRPr lang="en-US" dirty="0"/>
-          </a:p>
-        </p:txBody>
-      </p:sp>
-      <p:sp>
-        <p:nvSpPr>
-          <p:cNvPr id="35" name="Rectangle 34">
-            <a:extLst>
-              <a:ext uri="{FF2B5EF4-FFF2-40B4-BE49-F238E27FC236}">
-                <a16:creationId xmlns:a16="http://schemas.microsoft.com/office/drawing/2014/main" id="{29FDB030-9B49-4CED-8CCD-4D99382388AC}"/>
-              </a:ext>
-              <a:ext uri="{C183D7F6-B498-43B3-948B-1728B52AA6E4}">
-                <adec:decorative xmlns:adec="http://schemas.microsoft.com/office/drawing/2017/decorative" val="1"/>
-              </a:ext>
-            </a:extLst>
-          </p:cNvPr>
-          <p:cNvSpPr>
-            <a:spLocks noGrp="1" noRot="1" noChangeAspect="1" noMove="1" noResize="1" noEditPoints="1" noAdjustHandles="1" noChangeArrowheads="1" noChangeShapeType="1" noTextEdit="1"/>
-          </p:cNvSpPr>
-          <p:nvPr>
-            <p:extLst>
-              <p:ext uri="{386F3935-93C4-4BCD-93E2-E3B085C9AB24}">
-                <p16:designElem xmlns:p16="http://schemas.microsoft.com/office/powerpoint/2015/main" val="1"/>
-              </p:ext>
-            </p:extLst>
-          </p:nvPr>
-        </p:nvSpPr>
-        <p:spPr>
-          <a:xfrm rot="18900000" flipH="1">
-            <a:off x="891641" y="422146"/>
-            <a:ext cx="645368" cy="645368"/>
-          </a:xfrm>
-          <a:prstGeom prst="rect">
+            <a:r>
+              <a:rPr lang="fr-FR" i="1" dirty="0">
+                <a:latin typeface="Amasis MT Pro" panose="02040504050005020304" pitchFamily="18" charset="77"/>
+              </a:rPr>
+              <a:t>« Ce que j’aime par-dessus tout, c’est les soirées détente avec un bon repas et film entre amis »</a:t>
+            </a:r>
+          </a:p>
+        </p:txBody>
+      </p:sp>
+      <p:sp>
+        <p:nvSpPr>
+          <p:cNvPr id="6" name="Rectangle : coins arrondis 5">
+            <a:extLst>
+              <a:ext uri="{FF2B5EF4-FFF2-40B4-BE49-F238E27FC236}">
+                <a16:creationId xmlns:a16="http://schemas.microsoft.com/office/drawing/2014/main" id="{E8104DE9-E716-A842-9EBB-C2F212CF5D66}"/>
+              </a:ext>
+            </a:extLst>
+          </p:cNvPr>
+          <p:cNvSpPr/>
+          <p:nvPr/>
+        </p:nvSpPr>
+        <p:spPr>
+          <a:xfrm>
+            <a:off x="4281955" y="3495542"/>
+            <a:ext cx="3699996" cy="3237590"/>
+          </a:xfrm>
+          <a:prstGeom prst="roundRect">
             <a:avLst/>
           </a:prstGeom>
           <a:solidFill>
-            <a:schemeClr val="accent1">
-              <a:alpha val="30000"/>
-            </a:schemeClr>
+            <a:srgbClr val="FCC568"/>
           </a:solidFill>
           <a:ln>
             <a:noFill/>
@@ -7370,49 +7315,221 @@
           <a:lstStyle/>
           <a:p>
             <a:pPr algn="ctr"/>
-            <a:endParaRPr lang="en-US" dirty="0"/>
-          </a:p>
-        </p:txBody>
-      </p:sp>
-      <p:sp>
-        <p:nvSpPr>
-          <p:cNvPr id="37" name="Rectangle 36">
-            <a:extLst>
-              <a:ext uri="{FF2B5EF4-FFF2-40B4-BE49-F238E27FC236}">
-                <a16:creationId xmlns:a16="http://schemas.microsoft.com/office/drawing/2014/main" id="{3783CA14-24A1-485C-8B30-D6A5D87987AD}"/>
-              </a:ext>
-              <a:ext uri="{C183D7F6-B498-43B3-948B-1728B52AA6E4}">
-                <adec:decorative xmlns:adec="http://schemas.microsoft.com/office/drawing/2017/decorative" val="1"/>
-              </a:ext>
-            </a:extLst>
-          </p:cNvPr>
-          <p:cNvSpPr>
-            <a:spLocks noGrp="1" noRot="1" noChangeAspect="1" noMove="1" noResize="1" noEditPoints="1" noAdjustHandles="1" noChangeArrowheads="1" noChangeShapeType="1" noTextEdit="1"/>
-          </p:cNvSpPr>
-          <p:nvPr>
-            <p:extLst>
-              <p:ext uri="{386F3935-93C4-4BCD-93E2-E3B085C9AB24}">
-                <p16:designElem xmlns:p16="http://schemas.microsoft.com/office/powerpoint/2015/main" val="1"/>
-              </p:ext>
-            </p:extLst>
-          </p:nvPr>
-        </p:nvSpPr>
-        <p:spPr>
-          <a:xfrm rot="18900000" flipH="1">
-            <a:off x="10043482" y="655140"/>
-            <a:ext cx="687472" cy="687472"/>
+            <a:r>
+              <a:rPr lang="fr-FR" sz="1600" dirty="0">
+                <a:latin typeface="Amasis MT Pro" panose="02040504050005020304" pitchFamily="18" charset="77"/>
+              </a:rPr>
+              <a:t>Samira est étudiante en UI UX Design en alternance. Elle passe une grande partie de son temps sur son ordinateur pour des projets ou bien pour ses cours, elle aime la facilité pour bien manger, elle commande 2 à 3 fois semaines des pizzas et aimerait gérer ses commandes sans quitter son écran. Elle aime aussi les bons plans et utilise Too Good To Go pour manger bien et pas cher pour une étudiante. </a:t>
+            </a:r>
+          </a:p>
+        </p:txBody>
+      </p:sp>
+      <p:sp>
+        <p:nvSpPr>
+          <p:cNvPr id="7" name="ZoneTexte 6">
+            <a:extLst>
+              <a:ext uri="{FF2B5EF4-FFF2-40B4-BE49-F238E27FC236}">
+                <a16:creationId xmlns:a16="http://schemas.microsoft.com/office/drawing/2014/main" id="{AD62BED2-5AF9-0844-B463-5963EE1BE42C}"/>
+              </a:ext>
+            </a:extLst>
+          </p:cNvPr>
+          <p:cNvSpPr txBox="1"/>
+          <p:nvPr/>
+        </p:nvSpPr>
+        <p:spPr>
+          <a:xfrm>
+            <a:off x="585418" y="1155908"/>
+            <a:ext cx="2304448" cy="3046988"/>
           </a:xfrm>
           <a:prstGeom prst="rect">
             <a:avLst/>
           </a:prstGeom>
+          <a:noFill/>
+        </p:spPr>
+        <p:txBody>
+          <a:bodyPr wrap="square" numCol="2" rtlCol="0">
+            <a:spAutoFit/>
+          </a:bodyPr>
+          <a:lstStyle/>
+          <a:p>
+            <a:r>
+              <a:rPr lang="fr-FR" sz="1600" b="1" dirty="0">
+                <a:solidFill>
+                  <a:srgbClr val="FFA80D"/>
+                </a:solidFill>
+                <a:latin typeface="Amasis MT Pro" panose="02040504050005020304" pitchFamily="18" charset="77"/>
+              </a:rPr>
+              <a:t>Age</a:t>
+            </a:r>
+          </a:p>
+          <a:p>
+            <a:r>
+              <a:rPr lang="fr-FR" sz="1600" b="1" dirty="0">
+                <a:solidFill>
+                  <a:srgbClr val="FFA80D"/>
+                </a:solidFill>
+                <a:latin typeface="Amasis MT Pro" panose="02040504050005020304" pitchFamily="18" charset="77"/>
+              </a:rPr>
+              <a:t>Métier </a:t>
+            </a:r>
+          </a:p>
+          <a:p>
+            <a:r>
+              <a:rPr lang="fr-FR" sz="1600" b="1" dirty="0">
+                <a:solidFill>
+                  <a:srgbClr val="FFA80D"/>
+                </a:solidFill>
+                <a:latin typeface="Amasis MT Pro" panose="02040504050005020304" pitchFamily="18" charset="77"/>
+              </a:rPr>
+              <a:t>Salaire </a:t>
+            </a:r>
+          </a:p>
+          <a:p>
+            <a:r>
+              <a:rPr lang="fr-FR" sz="1600" b="1" dirty="0">
+                <a:solidFill>
+                  <a:srgbClr val="FFA80D"/>
+                </a:solidFill>
+                <a:latin typeface="Amasis MT Pro" panose="02040504050005020304" pitchFamily="18" charset="77"/>
+              </a:rPr>
+              <a:t>Situation</a:t>
+            </a:r>
+          </a:p>
+          <a:p>
+            <a:r>
+              <a:rPr lang="fr-FR" sz="1600" b="1" dirty="0">
+                <a:solidFill>
+                  <a:srgbClr val="FFA80D"/>
+                </a:solidFill>
+                <a:latin typeface="Amasis MT Pro" panose="02040504050005020304" pitchFamily="18" charset="77"/>
+              </a:rPr>
+              <a:t>Ville </a:t>
+            </a:r>
+          </a:p>
+          <a:p>
+            <a:r>
+              <a:rPr lang="fr-FR" sz="1600" b="1" dirty="0">
+                <a:solidFill>
+                  <a:srgbClr val="FFA80D"/>
+                </a:solidFill>
+                <a:latin typeface="Amasis MT Pro" panose="02040504050005020304" pitchFamily="18" charset="77"/>
+              </a:rPr>
+              <a:t>Caractère</a:t>
+            </a:r>
+          </a:p>
+          <a:p>
+            <a:endParaRPr lang="fr-FR" sz="1600" dirty="0">
+              <a:latin typeface="Amasis MT Pro" panose="02040504050005020304" pitchFamily="18" charset="77"/>
+            </a:endParaRPr>
+          </a:p>
+          <a:p>
+            <a:endParaRPr lang="fr-FR" sz="1600" dirty="0">
+              <a:latin typeface="Amasis MT Pro" panose="02040504050005020304" pitchFamily="18" charset="77"/>
+            </a:endParaRPr>
+          </a:p>
+          <a:p>
+            <a:endParaRPr lang="fr-FR" sz="1600" dirty="0">
+              <a:latin typeface="Amasis MT Pro" panose="02040504050005020304" pitchFamily="18" charset="77"/>
+            </a:endParaRPr>
+          </a:p>
+          <a:p>
+            <a:endParaRPr lang="fr-FR" sz="1600" dirty="0">
+              <a:latin typeface="Amasis MT Pro" panose="02040504050005020304" pitchFamily="18" charset="77"/>
+            </a:endParaRPr>
+          </a:p>
+          <a:p>
+            <a:endParaRPr lang="fr-FR" sz="1600" dirty="0">
+              <a:latin typeface="Amasis MT Pro" panose="02040504050005020304" pitchFamily="18" charset="77"/>
+            </a:endParaRPr>
+          </a:p>
+          <a:p>
+            <a:endParaRPr lang="fr-FR" sz="1600" dirty="0">
+              <a:latin typeface="Amasis MT Pro" panose="02040504050005020304" pitchFamily="18" charset="77"/>
+            </a:endParaRPr>
+          </a:p>
+          <a:p>
+            <a:r>
+              <a:rPr lang="fr-FR" sz="1600" dirty="0">
+                <a:latin typeface="Amasis MT Pro" panose="02040504050005020304" pitchFamily="18" charset="77"/>
+              </a:rPr>
+              <a:t>19 ans </a:t>
+            </a:r>
+          </a:p>
+          <a:p>
+            <a:r>
+              <a:rPr lang="fr-FR" sz="1600" dirty="0">
+                <a:latin typeface="Amasis MT Pro" panose="02040504050005020304" pitchFamily="18" charset="77"/>
+              </a:rPr>
+              <a:t>Etudiante</a:t>
+            </a:r>
+          </a:p>
+          <a:p>
+            <a:r>
+              <a:rPr lang="fr-FR" sz="1600" dirty="0">
+                <a:latin typeface="Amasis MT Pro" panose="02040504050005020304" pitchFamily="18" charset="77"/>
+              </a:rPr>
+              <a:t>820 €</a:t>
+            </a:r>
+          </a:p>
+          <a:p>
+            <a:r>
+              <a:rPr lang="fr-FR" sz="1600" dirty="0">
+                <a:latin typeface="Amasis MT Pro" panose="02040504050005020304" pitchFamily="18" charset="77"/>
+              </a:rPr>
+              <a:t>Célibataire</a:t>
+            </a:r>
+          </a:p>
+          <a:p>
+            <a:r>
+              <a:rPr lang="fr-FR" sz="1600" dirty="0">
+                <a:latin typeface="Amasis MT Pro" panose="02040504050005020304" pitchFamily="18" charset="77"/>
+              </a:rPr>
+              <a:t>Colombe</a:t>
+            </a:r>
+          </a:p>
+          <a:p>
+            <a:r>
+              <a:rPr lang="fr-FR" sz="1600" dirty="0">
+                <a:latin typeface="Amasis MT Pro" panose="02040504050005020304" pitchFamily="18" charset="77"/>
+              </a:rPr>
+              <a:t>Epicurieuse </a:t>
+            </a:r>
+          </a:p>
+        </p:txBody>
+      </p:sp>
+      <p:sp>
+        <p:nvSpPr>
+          <p:cNvPr id="8" name="Rectangle : coins arrondis 7">
+            <a:extLst>
+              <a:ext uri="{FF2B5EF4-FFF2-40B4-BE49-F238E27FC236}">
+                <a16:creationId xmlns:a16="http://schemas.microsoft.com/office/drawing/2014/main" id="{2754A1BB-2756-ED4C-B64E-E85ECAB52E8C}"/>
+              </a:ext>
+            </a:extLst>
+          </p:cNvPr>
+          <p:cNvSpPr/>
+          <p:nvPr/>
+        </p:nvSpPr>
+        <p:spPr>
+          <a:xfrm>
+            <a:off x="82727" y="2791899"/>
+            <a:ext cx="1301037" cy="382736"/>
+          </a:xfrm>
+          <a:prstGeom prst="roundRect">
+            <a:avLst/>
+          </a:prstGeom>
           <a:solidFill>
-            <a:schemeClr val="accent4">
-              <a:alpha val="30000"/>
-            </a:schemeClr>
+            <a:srgbClr val="FF9F0A"/>
           </a:solidFill>
           <a:ln>
             <a:noFill/>
           </a:ln>
+          <a:effectLst>
+            <a:outerShdw blurRad="50800" dist="133572" dir="2700000" algn="tl" rotWithShape="0">
+              <a:prstClr val="black">
+                <a:alpha val="40000"/>
+              </a:prstClr>
+            </a:outerShdw>
+          </a:effectLst>
         </p:spPr>
         <p:style>
           <a:lnRef idx="2">
@@ -7435,92 +7552,48 @@
           <a:lstStyle/>
           <a:p>
             <a:pPr algn="ctr"/>
-            <a:endParaRPr lang="en-US" dirty="0"/>
-          </a:p>
-        </p:txBody>
-      </p:sp>
-      <p:sp>
-        <p:nvSpPr>
-          <p:cNvPr id="39" name="Freeform: Shape 38">
-            <a:extLst>
-              <a:ext uri="{FF2B5EF4-FFF2-40B4-BE49-F238E27FC236}">
-                <a16:creationId xmlns:a16="http://schemas.microsoft.com/office/drawing/2014/main" id="{9A97C86A-04D6-40F7-AE84-31AB43E6A846}"/>
-              </a:ext>
-              <a:ext uri="{C183D7F6-B498-43B3-948B-1728B52AA6E4}">
-                <adec:decorative xmlns:adec="http://schemas.microsoft.com/office/drawing/2017/decorative" val="1"/>
-              </a:ext>
-            </a:extLst>
-          </p:cNvPr>
-          <p:cNvSpPr>
-            <a:spLocks noGrp="1" noRot="1" noChangeAspect="1" noMove="1" noResize="1" noEditPoints="1" noAdjustHandles="1" noChangeArrowheads="1" noChangeShapeType="1" noTextEdit="1"/>
-          </p:cNvSpPr>
-          <p:nvPr>
-            <p:extLst>
-              <p:ext uri="{386F3935-93C4-4BCD-93E2-E3B085C9AB24}">
-                <p16:designElem xmlns:p16="http://schemas.microsoft.com/office/powerpoint/2015/main" val="1"/>
-              </p:ext>
-            </p:extLst>
-          </p:nvPr>
-        </p:nvSpPr>
-        <p:spPr>
-          <a:xfrm rot="10800000" flipH="1">
-            <a:off x="9356643" y="0"/>
-            <a:ext cx="2835357" cy="1480837"/>
-          </a:xfrm>
-          <a:custGeom>
-            <a:avLst/>
-            <a:gdLst>
-              <a:gd name="connsiteX0" fmla="*/ 2835357 w 2835357"/>
-              <a:gd name="connsiteY0" fmla="*/ 1480837 h 1480837"/>
-              <a:gd name="connsiteX1" fmla="*/ 0 w 2835357"/>
-              <a:gd name="connsiteY1" fmla="*/ 1480837 h 1480837"/>
-              <a:gd name="connsiteX2" fmla="*/ 1552727 w 2835357"/>
-              <a:gd name="connsiteY2" fmla="*/ 0 h 1480837"/>
-              <a:gd name="connsiteX3" fmla="*/ 2835357 w 2835357"/>
-              <a:gd name="connsiteY3" fmla="*/ 1223245 h 1480837"/>
-            </a:gdLst>
-            <a:ahLst/>
-            <a:cxnLst>
-              <a:cxn ang="0">
-                <a:pos x="connsiteX0" y="connsiteY0"/>
-              </a:cxn>
-              <a:cxn ang="0">
-                <a:pos x="connsiteX1" y="connsiteY1"/>
-              </a:cxn>
-              <a:cxn ang="0">
-                <a:pos x="connsiteX2" y="connsiteY2"/>
-              </a:cxn>
-              <a:cxn ang="0">
-                <a:pos x="connsiteX3" y="connsiteY3"/>
-              </a:cxn>
-            </a:cxnLst>
-            <a:rect l="l" t="t" r="r" b="b"/>
-            <a:pathLst>
-              <a:path w="2835357" h="1480837">
-                <a:moveTo>
-                  <a:pt x="2835357" y="1480837"/>
-                </a:moveTo>
-                <a:lnTo>
-                  <a:pt x="0" y="1480837"/>
-                </a:lnTo>
-                <a:lnTo>
-                  <a:pt x="1552727" y="0"/>
-                </a:lnTo>
-                <a:lnTo>
-                  <a:pt x="2835357" y="1223245"/>
-                </a:lnTo>
-                <a:close/>
-              </a:path>
-            </a:pathLst>
-          </a:custGeom>
+            <a:r>
+              <a:rPr lang="fr-FR" dirty="0">
+                <a:latin typeface="Amasis MT Pro" panose="02040504050005020304" pitchFamily="18" charset="77"/>
+              </a:rPr>
+              <a:t> Marrante</a:t>
+            </a:r>
+          </a:p>
+        </p:txBody>
+      </p:sp>
+      <p:sp>
+        <p:nvSpPr>
+          <p:cNvPr id="9" name="Rectangle : coins arrondis 8">
+            <a:extLst>
+              <a:ext uri="{FF2B5EF4-FFF2-40B4-BE49-F238E27FC236}">
+                <a16:creationId xmlns:a16="http://schemas.microsoft.com/office/drawing/2014/main" id="{387D033B-2652-E347-8555-4C9FFF3209AB}"/>
+              </a:ext>
+            </a:extLst>
+          </p:cNvPr>
+          <p:cNvSpPr/>
+          <p:nvPr/>
+        </p:nvSpPr>
+        <p:spPr>
+          <a:xfrm>
+            <a:off x="1464257" y="2822337"/>
+            <a:ext cx="1107772" cy="352297"/>
+          </a:xfrm>
+          <a:prstGeom prst="roundRect">
+            <a:avLst/>
+          </a:prstGeom>
           <a:solidFill>
-            <a:schemeClr val="accent4">
-              <a:alpha val="30000"/>
-            </a:schemeClr>
+            <a:srgbClr val="FF9F0A"/>
           </a:solidFill>
           <a:ln>
             <a:noFill/>
           </a:ln>
+          <a:effectLst>
+            <a:outerShdw blurRad="50800" dist="133572" dir="2700000" algn="tl" rotWithShape="0">
+              <a:prstClr val="black">
+                <a:alpha val="40000"/>
+              </a:prstClr>
+            </a:outerShdw>
+          </a:effectLst>
         </p:spPr>
         <p:style>
           <a:lnRef idx="2">
@@ -7539,55 +7612,52 @@
           </a:fontRef>
         </p:style>
         <p:txBody>
-          <a:bodyPr wrap="square" rtlCol="0" anchor="ctr">
-            <a:noAutofit/>
-          </a:bodyPr>
+          <a:bodyPr rtlCol="0" anchor="ctr"/>
           <a:lstStyle/>
           <a:p>
             <a:pPr algn="ctr"/>
-            <a:endParaRPr lang="en-US" dirty="0"/>
-          </a:p>
-        </p:txBody>
-      </p:sp>
-      <p:sp>
-        <p:nvSpPr>
-          <p:cNvPr id="41" name="Isosceles Triangle 40">
-            <a:extLst>
-              <a:ext uri="{FF2B5EF4-FFF2-40B4-BE49-F238E27FC236}">
-                <a16:creationId xmlns:a16="http://schemas.microsoft.com/office/drawing/2014/main" id="{FF9F2414-84E8-453E-B1F3-389FDE8192D9}"/>
-              </a:ext>
-              <a:ext uri="{C183D7F6-B498-43B3-948B-1728B52AA6E4}">
-                <adec:decorative xmlns:adec="http://schemas.microsoft.com/office/drawing/2017/decorative" val="1"/>
-              </a:ext>
-            </a:extLst>
-          </p:cNvPr>
-          <p:cNvSpPr>
-            <a:spLocks noGrp="1" noRot="1" noChangeAspect="1" noMove="1" noResize="1" noEditPoints="1" noAdjustHandles="1" noChangeArrowheads="1" noChangeShapeType="1" noTextEdit="1"/>
-          </p:cNvSpPr>
-          <p:nvPr>
-            <p:extLst>
-              <p:ext uri="{386F3935-93C4-4BCD-93E2-E3B085C9AB24}">
-                <p16:designElem xmlns:p16="http://schemas.microsoft.com/office/powerpoint/2015/main" val="1"/>
-              </p:ext>
-            </p:extLst>
-          </p:nvPr>
-        </p:nvSpPr>
-        <p:spPr>
-          <a:xfrm flipH="1">
-            <a:off x="7976344" y="6115501"/>
-            <a:ext cx="1494513" cy="742499"/>
-          </a:xfrm>
-          <a:prstGeom prst="triangle">
+            <a:r>
+              <a:rPr lang="fr-FR" dirty="0">
+                <a:latin typeface="Amasis MT Pro" panose="02040504050005020304" pitchFamily="18" charset="77"/>
+              </a:rPr>
+              <a:t>Sociable</a:t>
+            </a:r>
+          </a:p>
+        </p:txBody>
+      </p:sp>
+      <p:sp>
+        <p:nvSpPr>
+          <p:cNvPr id="10" name="Rectangle : coins arrondis 9">
+            <a:extLst>
+              <a:ext uri="{FF2B5EF4-FFF2-40B4-BE49-F238E27FC236}">
+                <a16:creationId xmlns:a16="http://schemas.microsoft.com/office/drawing/2014/main" id="{3CB3F2C9-CDC3-154B-AD76-228DFA854149}"/>
+              </a:ext>
+            </a:extLst>
+          </p:cNvPr>
+          <p:cNvSpPr/>
+          <p:nvPr/>
+        </p:nvSpPr>
+        <p:spPr>
+          <a:xfrm>
+            <a:off x="2652522" y="2805958"/>
+            <a:ext cx="1107772" cy="352297"/>
+          </a:xfrm>
+          <a:prstGeom prst="roundRect">
             <a:avLst/>
           </a:prstGeom>
           <a:solidFill>
-            <a:schemeClr val="accent1">
-              <a:alpha val="30000"/>
-            </a:schemeClr>
+            <a:srgbClr val="FF9F0A"/>
           </a:solidFill>
           <a:ln>
             <a:noFill/>
           </a:ln>
+          <a:effectLst>
+            <a:outerShdw blurRad="50800" dist="133572" dir="2700000" algn="tl" rotWithShape="0">
+              <a:prstClr val="black">
+                <a:alpha val="40000"/>
+              </a:prstClr>
+            </a:outerShdw>
+          </a:effectLst>
         </p:spPr>
         <p:style>
           <a:lnRef idx="2">
@@ -7610,16 +7680,3619 @@
           <a:lstStyle/>
           <a:p>
             <a:pPr algn="ctr"/>
-            <a:endParaRPr lang="en-US" dirty="0"/>
+            <a:r>
+              <a:rPr lang="fr-FR" dirty="0">
+                <a:latin typeface="Amasis MT Pro" panose="02040504050005020304" pitchFamily="18" charset="77"/>
+              </a:rPr>
+              <a:t>Sportif</a:t>
+            </a:r>
+          </a:p>
+        </p:txBody>
+      </p:sp>
+      <p:sp>
+        <p:nvSpPr>
+          <p:cNvPr id="12" name="ZoneTexte 11">
+            <a:extLst>
+              <a:ext uri="{FF2B5EF4-FFF2-40B4-BE49-F238E27FC236}">
+                <a16:creationId xmlns:a16="http://schemas.microsoft.com/office/drawing/2014/main" id="{0A68FEB9-72ED-2544-9135-75982B36E9D5}"/>
+              </a:ext>
+            </a:extLst>
+          </p:cNvPr>
+          <p:cNvSpPr txBox="1"/>
+          <p:nvPr/>
+        </p:nvSpPr>
+        <p:spPr>
+          <a:xfrm>
+            <a:off x="4186260" y="1203839"/>
+            <a:ext cx="2007281" cy="369332"/>
+          </a:xfrm>
+          <a:prstGeom prst="rect">
+            <a:avLst/>
+          </a:prstGeom>
+          <a:noFill/>
+        </p:spPr>
+        <p:txBody>
+          <a:bodyPr wrap="none" rtlCol="0">
+            <a:spAutoFit/>
+          </a:bodyPr>
+          <a:lstStyle/>
+          <a:p>
+            <a:r>
+              <a:rPr lang="fr-FR" dirty="0">
+                <a:solidFill>
+                  <a:srgbClr val="FFA80D"/>
+                </a:solidFill>
+                <a:latin typeface="Amasis MT Pro Medium" panose="02040504050005020304" pitchFamily="18" charset="77"/>
+              </a:rPr>
+              <a:t>Centre d’intérêt : </a:t>
+            </a:r>
+          </a:p>
+        </p:txBody>
+      </p:sp>
+      <p:sp>
+        <p:nvSpPr>
+          <p:cNvPr id="13" name="Rectangle : coins arrondis 12">
+            <a:extLst>
+              <a:ext uri="{FF2B5EF4-FFF2-40B4-BE49-F238E27FC236}">
+                <a16:creationId xmlns:a16="http://schemas.microsoft.com/office/drawing/2014/main" id="{12B6C364-0DE8-B643-8257-169442E413C5}"/>
+              </a:ext>
+            </a:extLst>
+          </p:cNvPr>
+          <p:cNvSpPr/>
+          <p:nvPr/>
+        </p:nvSpPr>
+        <p:spPr>
+          <a:xfrm>
+            <a:off x="4281955" y="1675519"/>
+            <a:ext cx="1846861" cy="354031"/>
+          </a:xfrm>
+          <a:prstGeom prst="roundRect">
+            <a:avLst/>
+          </a:prstGeom>
+          <a:solidFill>
+            <a:srgbClr val="FF9F0A"/>
+          </a:solidFill>
+          <a:ln>
+            <a:noFill/>
+          </a:ln>
+          <a:effectLst>
+            <a:outerShdw blurRad="50800" dist="162917" dir="2700000" algn="tl" rotWithShape="0">
+              <a:prstClr val="black">
+                <a:alpha val="40000"/>
+              </a:prstClr>
+            </a:outerShdw>
+          </a:effectLst>
+        </p:spPr>
+        <p:style>
+          <a:lnRef idx="2">
+            <a:schemeClr val="accent1">
+              <a:shade val="50000"/>
+            </a:schemeClr>
+          </a:lnRef>
+          <a:fillRef idx="1">
+            <a:schemeClr val="accent1"/>
+          </a:fillRef>
+          <a:effectRef idx="0">
+            <a:schemeClr val="accent1"/>
+          </a:effectRef>
+          <a:fontRef idx="minor">
+            <a:schemeClr val="lt1"/>
+          </a:fontRef>
+        </p:style>
+        <p:txBody>
+          <a:bodyPr rtlCol="0" anchor="ctr"/>
+          <a:lstStyle/>
+          <a:p>
+            <a:pPr algn="ctr"/>
+            <a:r>
+              <a:rPr lang="fr-FR" dirty="0">
+                <a:latin typeface="Amasis MT Pro" panose="02040504050005020304" pitchFamily="18" charset="77"/>
+              </a:rPr>
+              <a:t>Détente </a:t>
+            </a:r>
+          </a:p>
+        </p:txBody>
+      </p:sp>
+      <p:sp>
+        <p:nvSpPr>
+          <p:cNvPr id="14" name="Rectangle : coins arrondis 13">
+            <a:extLst>
+              <a:ext uri="{FF2B5EF4-FFF2-40B4-BE49-F238E27FC236}">
+                <a16:creationId xmlns:a16="http://schemas.microsoft.com/office/drawing/2014/main" id="{31512957-EEDB-184F-AE3D-0C5E71AA7F2C}"/>
+              </a:ext>
+            </a:extLst>
+          </p:cNvPr>
+          <p:cNvSpPr/>
+          <p:nvPr/>
+        </p:nvSpPr>
+        <p:spPr>
+          <a:xfrm>
+            <a:off x="6000480" y="2205739"/>
+            <a:ext cx="1533813" cy="354031"/>
+          </a:xfrm>
+          <a:prstGeom prst="roundRect">
+            <a:avLst/>
+          </a:prstGeom>
+          <a:solidFill>
+            <a:srgbClr val="FF9F0A"/>
+          </a:solidFill>
+          <a:ln>
+            <a:noFill/>
+          </a:ln>
+          <a:effectLst>
+            <a:outerShdw blurRad="50800" dist="162917" dir="2700000" algn="tl" rotWithShape="0">
+              <a:prstClr val="black">
+                <a:alpha val="40000"/>
+              </a:prstClr>
+            </a:outerShdw>
+          </a:effectLst>
+        </p:spPr>
+        <p:style>
+          <a:lnRef idx="2">
+            <a:schemeClr val="accent1">
+              <a:shade val="50000"/>
+            </a:schemeClr>
+          </a:lnRef>
+          <a:fillRef idx="1">
+            <a:schemeClr val="accent1"/>
+          </a:fillRef>
+          <a:effectRef idx="0">
+            <a:schemeClr val="accent1"/>
+          </a:effectRef>
+          <a:fontRef idx="minor">
+            <a:schemeClr val="lt1"/>
+          </a:fontRef>
+        </p:style>
+        <p:txBody>
+          <a:bodyPr rtlCol="0" anchor="ctr"/>
+          <a:lstStyle/>
+          <a:p>
+            <a:pPr algn="ctr"/>
+            <a:r>
+              <a:rPr lang="fr-FR" dirty="0">
+                <a:latin typeface="Amasis MT Pro" panose="02040504050005020304" pitchFamily="18" charset="77"/>
+              </a:rPr>
+              <a:t>Gastronomie</a:t>
+            </a:r>
+          </a:p>
+        </p:txBody>
+      </p:sp>
+      <p:sp>
+        <p:nvSpPr>
+          <p:cNvPr id="15" name="Rectangle : coins arrondis 14">
+            <a:extLst>
+              <a:ext uri="{FF2B5EF4-FFF2-40B4-BE49-F238E27FC236}">
+                <a16:creationId xmlns:a16="http://schemas.microsoft.com/office/drawing/2014/main" id="{1106693B-0163-AB4E-9057-85ADC25632BE}"/>
+              </a:ext>
+            </a:extLst>
+          </p:cNvPr>
+          <p:cNvSpPr/>
+          <p:nvPr/>
+        </p:nvSpPr>
+        <p:spPr>
+          <a:xfrm>
+            <a:off x="4297997" y="2846784"/>
+            <a:ext cx="1846861" cy="352297"/>
+          </a:xfrm>
+          <a:prstGeom prst="roundRect">
+            <a:avLst/>
+          </a:prstGeom>
+          <a:solidFill>
+            <a:srgbClr val="FF9F0A"/>
+          </a:solidFill>
+          <a:ln>
+            <a:noFill/>
+          </a:ln>
+          <a:effectLst>
+            <a:outerShdw blurRad="50800" dist="162917" dir="2700000" algn="tl" rotWithShape="0">
+              <a:prstClr val="black">
+                <a:alpha val="40000"/>
+              </a:prstClr>
+            </a:outerShdw>
+          </a:effectLst>
+        </p:spPr>
+        <p:style>
+          <a:lnRef idx="2">
+            <a:schemeClr val="accent1">
+              <a:shade val="50000"/>
+            </a:schemeClr>
+          </a:lnRef>
+          <a:fillRef idx="1">
+            <a:schemeClr val="accent1"/>
+          </a:fillRef>
+          <a:effectRef idx="0">
+            <a:schemeClr val="accent1"/>
+          </a:effectRef>
+          <a:fontRef idx="minor">
+            <a:schemeClr val="lt1"/>
+          </a:fontRef>
+        </p:style>
+        <p:txBody>
+          <a:bodyPr rtlCol="0" anchor="ctr"/>
+          <a:lstStyle/>
+          <a:p>
+            <a:pPr algn="ctr"/>
+            <a:r>
+              <a:rPr lang="fr-FR" dirty="0">
+                <a:latin typeface="Amasis MT Pro" panose="02040504050005020304" pitchFamily="18" charset="77"/>
+              </a:rPr>
+              <a:t>Culture</a:t>
+            </a:r>
+          </a:p>
+        </p:txBody>
+      </p:sp>
+      <p:sp>
+        <p:nvSpPr>
+          <p:cNvPr id="16" name="Rectangle : coins arrondis 15">
+            <a:extLst>
+              <a:ext uri="{FF2B5EF4-FFF2-40B4-BE49-F238E27FC236}">
+                <a16:creationId xmlns:a16="http://schemas.microsoft.com/office/drawing/2014/main" id="{E7F015CB-46CD-0E4B-9879-B141C2FDB97C}"/>
+              </a:ext>
+            </a:extLst>
+          </p:cNvPr>
+          <p:cNvSpPr/>
+          <p:nvPr/>
+        </p:nvSpPr>
+        <p:spPr>
+          <a:xfrm>
+            <a:off x="4297997" y="2205739"/>
+            <a:ext cx="1432836" cy="354031"/>
+          </a:xfrm>
+          <a:prstGeom prst="roundRect">
+            <a:avLst/>
+          </a:prstGeom>
+          <a:solidFill>
+            <a:srgbClr val="FF9F0A"/>
+          </a:solidFill>
+          <a:ln>
+            <a:noFill/>
+          </a:ln>
+          <a:effectLst>
+            <a:outerShdw blurRad="50800" dist="162917" dir="2700000" algn="tl" rotWithShape="0">
+              <a:prstClr val="black">
+                <a:alpha val="40000"/>
+              </a:prstClr>
+            </a:outerShdw>
+          </a:effectLst>
+        </p:spPr>
+        <p:style>
+          <a:lnRef idx="2">
+            <a:schemeClr val="accent1">
+              <a:shade val="50000"/>
+            </a:schemeClr>
+          </a:lnRef>
+          <a:fillRef idx="1">
+            <a:schemeClr val="accent1"/>
+          </a:fillRef>
+          <a:effectRef idx="0">
+            <a:schemeClr val="accent1"/>
+          </a:effectRef>
+          <a:fontRef idx="minor">
+            <a:schemeClr val="lt1"/>
+          </a:fontRef>
+        </p:style>
+        <p:txBody>
+          <a:bodyPr rtlCol="0" anchor="ctr"/>
+          <a:lstStyle/>
+          <a:p>
+            <a:pPr algn="ctr"/>
+            <a:r>
+              <a:rPr lang="fr-FR" dirty="0">
+                <a:latin typeface="Amasis MT Pro" panose="02040504050005020304" pitchFamily="18" charset="77"/>
+              </a:rPr>
+              <a:t>Amis </a:t>
+            </a:r>
+          </a:p>
+        </p:txBody>
+      </p:sp>
+      <p:sp>
+        <p:nvSpPr>
+          <p:cNvPr id="17" name="ZoneTexte 16">
+            <a:extLst>
+              <a:ext uri="{FF2B5EF4-FFF2-40B4-BE49-F238E27FC236}">
+                <a16:creationId xmlns:a16="http://schemas.microsoft.com/office/drawing/2014/main" id="{1CAD19B7-DDAB-4946-A540-1686EF34F05A}"/>
+              </a:ext>
+            </a:extLst>
+          </p:cNvPr>
+          <p:cNvSpPr txBox="1"/>
+          <p:nvPr/>
+        </p:nvSpPr>
+        <p:spPr>
+          <a:xfrm>
+            <a:off x="8486007" y="1302617"/>
+            <a:ext cx="1186543" cy="369332"/>
+          </a:xfrm>
+          <a:prstGeom prst="rect">
+            <a:avLst/>
+          </a:prstGeom>
+          <a:noFill/>
+        </p:spPr>
+        <p:txBody>
+          <a:bodyPr wrap="none" rtlCol="0">
+            <a:spAutoFit/>
+          </a:bodyPr>
+          <a:lstStyle/>
+          <a:p>
+            <a:r>
+              <a:rPr lang="fr-FR" dirty="0">
+                <a:solidFill>
+                  <a:srgbClr val="FFA80D"/>
+                </a:solidFill>
+                <a:latin typeface="Amasis MT Pro Medium" panose="02040504050005020304" pitchFamily="18" charset="77"/>
+              </a:rPr>
+              <a:t>Attentes</a:t>
+            </a:r>
+            <a:r>
+              <a:rPr lang="fr-FR" dirty="0">
+                <a:solidFill>
+                  <a:schemeClr val="accent6">
+                    <a:lumMod val="50000"/>
+                  </a:schemeClr>
+                </a:solidFill>
+                <a:latin typeface="Amasis MT Pro Medium" panose="02040504050005020304" pitchFamily="18" charset="77"/>
+              </a:rPr>
+              <a:t>: </a:t>
+            </a:r>
+          </a:p>
+        </p:txBody>
+      </p:sp>
+      <p:sp>
+        <p:nvSpPr>
+          <p:cNvPr id="18" name="ZoneTexte 17">
+            <a:extLst>
+              <a:ext uri="{FF2B5EF4-FFF2-40B4-BE49-F238E27FC236}">
+                <a16:creationId xmlns:a16="http://schemas.microsoft.com/office/drawing/2014/main" id="{585A4C3D-00AD-4C4B-9691-6E0958CE47FC}"/>
+              </a:ext>
+            </a:extLst>
+          </p:cNvPr>
+          <p:cNvSpPr txBox="1"/>
+          <p:nvPr/>
+        </p:nvSpPr>
+        <p:spPr>
+          <a:xfrm>
+            <a:off x="8486007" y="3310876"/>
+            <a:ext cx="1568827" cy="369332"/>
+          </a:xfrm>
+          <a:prstGeom prst="rect">
+            <a:avLst/>
+          </a:prstGeom>
+          <a:noFill/>
+        </p:spPr>
+        <p:txBody>
+          <a:bodyPr wrap="none" rtlCol="0">
+            <a:spAutoFit/>
+          </a:bodyPr>
+          <a:lstStyle/>
+          <a:p>
+            <a:r>
+              <a:rPr lang="fr-FR" dirty="0">
+                <a:solidFill>
+                  <a:srgbClr val="FFA80D"/>
+                </a:solidFill>
+                <a:latin typeface="Amasis MT Pro Medium" panose="02040504050005020304" pitchFamily="18" charset="77"/>
+              </a:rPr>
+              <a:t>Technologie</a:t>
+            </a:r>
+            <a:r>
+              <a:rPr lang="fr-FR" dirty="0">
+                <a:solidFill>
+                  <a:schemeClr val="accent6">
+                    <a:lumMod val="50000"/>
+                  </a:schemeClr>
+                </a:solidFill>
+                <a:latin typeface="Amasis MT Pro Medium" panose="02040504050005020304" pitchFamily="18" charset="77"/>
+              </a:rPr>
+              <a:t>: </a:t>
+            </a:r>
+          </a:p>
+        </p:txBody>
+      </p:sp>
+      <p:sp>
+        <p:nvSpPr>
+          <p:cNvPr id="19" name="ZoneTexte 18">
+            <a:extLst>
+              <a:ext uri="{FF2B5EF4-FFF2-40B4-BE49-F238E27FC236}">
+                <a16:creationId xmlns:a16="http://schemas.microsoft.com/office/drawing/2014/main" id="{56418361-2552-3546-8BC3-B732DCEA0D61}"/>
+              </a:ext>
+            </a:extLst>
+          </p:cNvPr>
+          <p:cNvSpPr txBox="1"/>
+          <p:nvPr/>
+        </p:nvSpPr>
+        <p:spPr>
+          <a:xfrm>
+            <a:off x="8559163" y="5475167"/>
+            <a:ext cx="2582635" cy="369332"/>
+          </a:xfrm>
+          <a:prstGeom prst="rect">
+            <a:avLst/>
+          </a:prstGeom>
+          <a:noFill/>
+        </p:spPr>
+        <p:txBody>
+          <a:bodyPr wrap="square" rtlCol="0">
+            <a:spAutoFit/>
+          </a:bodyPr>
+          <a:lstStyle/>
+          <a:p>
+            <a:r>
+              <a:rPr lang="fr-FR" dirty="0">
+                <a:solidFill>
+                  <a:srgbClr val="FFA80D"/>
+                </a:solidFill>
+                <a:latin typeface="Amasis MT Pro Medium" panose="02040504050005020304" pitchFamily="18" charset="77"/>
+              </a:rPr>
+              <a:t>Applications utilisées:  </a:t>
+            </a:r>
+          </a:p>
+        </p:txBody>
+      </p:sp>
+      <p:sp>
+        <p:nvSpPr>
+          <p:cNvPr id="20" name="ZoneTexte 19">
+            <a:extLst>
+              <a:ext uri="{FF2B5EF4-FFF2-40B4-BE49-F238E27FC236}">
+                <a16:creationId xmlns:a16="http://schemas.microsoft.com/office/drawing/2014/main" id="{36315A29-FBFC-8D46-9A84-FA9BC30DD9A9}"/>
+              </a:ext>
+            </a:extLst>
+          </p:cNvPr>
+          <p:cNvSpPr txBox="1"/>
+          <p:nvPr/>
+        </p:nvSpPr>
+        <p:spPr>
+          <a:xfrm>
+            <a:off x="8486007" y="1633091"/>
+            <a:ext cx="907493" cy="307777"/>
+          </a:xfrm>
+          <a:prstGeom prst="rect">
+            <a:avLst/>
+          </a:prstGeom>
+          <a:noFill/>
+        </p:spPr>
+        <p:txBody>
+          <a:bodyPr wrap="none" rtlCol="0">
+            <a:spAutoFit/>
+          </a:bodyPr>
+          <a:lstStyle/>
+          <a:p>
+            <a:r>
+              <a:rPr lang="fr-FR" sz="1400" dirty="0">
+                <a:solidFill>
+                  <a:schemeClr val="bg2">
+                    <a:lumMod val="25000"/>
+                  </a:schemeClr>
+                </a:solidFill>
+                <a:latin typeface="Amasis MT Pro Medium" panose="02040504050005020304" pitchFamily="18" charset="77"/>
+              </a:rPr>
+              <a:t>Rapidité </a:t>
+            </a:r>
+          </a:p>
+        </p:txBody>
+      </p:sp>
+      <p:sp>
+        <p:nvSpPr>
+          <p:cNvPr id="21" name="ZoneTexte 20">
+            <a:extLst>
+              <a:ext uri="{FF2B5EF4-FFF2-40B4-BE49-F238E27FC236}">
+                <a16:creationId xmlns:a16="http://schemas.microsoft.com/office/drawing/2014/main" id="{28C02226-47B2-5243-A87F-9C824CD7CA88}"/>
+              </a:ext>
+            </a:extLst>
+          </p:cNvPr>
+          <p:cNvSpPr txBox="1"/>
+          <p:nvPr/>
+        </p:nvSpPr>
+        <p:spPr>
+          <a:xfrm>
+            <a:off x="8486007" y="2356615"/>
+            <a:ext cx="953531" cy="307777"/>
+          </a:xfrm>
+          <a:prstGeom prst="rect">
+            <a:avLst/>
+          </a:prstGeom>
+          <a:noFill/>
+        </p:spPr>
+        <p:txBody>
+          <a:bodyPr wrap="none" rtlCol="0">
+            <a:spAutoFit/>
+          </a:bodyPr>
+          <a:lstStyle/>
+          <a:p>
+            <a:r>
+              <a:rPr lang="fr-FR" sz="1400" dirty="0">
+                <a:solidFill>
+                  <a:schemeClr val="bg2">
+                    <a:lumMod val="25000"/>
+                  </a:schemeClr>
+                </a:solidFill>
+                <a:latin typeface="Amasis MT Pro Medium" panose="02040504050005020304" pitchFamily="18" charset="77"/>
+              </a:rPr>
+              <a:t>Efficacité</a:t>
+            </a:r>
+          </a:p>
+        </p:txBody>
+      </p:sp>
+      <p:sp>
+        <p:nvSpPr>
+          <p:cNvPr id="22" name="Rectangle : coins arrondis 21">
+            <a:extLst>
+              <a:ext uri="{FF2B5EF4-FFF2-40B4-BE49-F238E27FC236}">
+                <a16:creationId xmlns:a16="http://schemas.microsoft.com/office/drawing/2014/main" id="{1BF423FA-2732-F048-A3EA-E43BE2F73812}"/>
+              </a:ext>
+            </a:extLst>
+          </p:cNvPr>
+          <p:cNvSpPr/>
+          <p:nvPr/>
+        </p:nvSpPr>
+        <p:spPr>
+          <a:xfrm>
+            <a:off x="8542272" y="1949931"/>
+            <a:ext cx="3128478" cy="353204"/>
+          </a:xfrm>
+          <a:prstGeom prst="roundRect">
+            <a:avLst/>
+          </a:prstGeom>
+          <a:solidFill>
+            <a:schemeClr val="bg1">
+              <a:lumMod val="65000"/>
+            </a:schemeClr>
+          </a:solidFill>
+          <a:ln>
+            <a:noFill/>
+          </a:ln>
+        </p:spPr>
+        <p:style>
+          <a:lnRef idx="2">
+            <a:schemeClr val="accent1">
+              <a:shade val="50000"/>
+            </a:schemeClr>
+          </a:lnRef>
+          <a:fillRef idx="1">
+            <a:schemeClr val="accent1"/>
+          </a:fillRef>
+          <a:effectRef idx="0">
+            <a:schemeClr val="accent1"/>
+          </a:effectRef>
+          <a:fontRef idx="minor">
+            <a:schemeClr val="lt1"/>
+          </a:fontRef>
+        </p:style>
+        <p:txBody>
+          <a:bodyPr rtlCol="0" anchor="ctr"/>
+          <a:lstStyle/>
+          <a:p>
+            <a:pPr algn="ctr"/>
+            <a:endParaRPr lang="fr-FR" dirty="0"/>
+          </a:p>
+        </p:txBody>
+      </p:sp>
+      <p:sp>
+        <p:nvSpPr>
+          <p:cNvPr id="23" name="Rectangle : coins arrondis 22">
+            <a:extLst>
+              <a:ext uri="{FF2B5EF4-FFF2-40B4-BE49-F238E27FC236}">
+                <a16:creationId xmlns:a16="http://schemas.microsoft.com/office/drawing/2014/main" id="{532454C2-3CFD-2F4A-8639-B444C46206CE}"/>
+              </a:ext>
+            </a:extLst>
+          </p:cNvPr>
+          <p:cNvSpPr/>
+          <p:nvPr/>
+        </p:nvSpPr>
+        <p:spPr>
+          <a:xfrm>
+            <a:off x="9912110" y="1960388"/>
+            <a:ext cx="521076" cy="341473"/>
+          </a:xfrm>
+          <a:prstGeom prst="roundRect">
+            <a:avLst/>
+          </a:prstGeom>
+          <a:solidFill>
+            <a:srgbClr val="FF9F0A"/>
+          </a:solidFill>
+          <a:ln>
+            <a:noFill/>
+          </a:ln>
+        </p:spPr>
+        <p:style>
+          <a:lnRef idx="2">
+            <a:schemeClr val="accent1">
+              <a:shade val="50000"/>
+            </a:schemeClr>
+          </a:lnRef>
+          <a:fillRef idx="1">
+            <a:schemeClr val="accent1"/>
+          </a:fillRef>
+          <a:effectRef idx="0">
+            <a:schemeClr val="accent1"/>
+          </a:effectRef>
+          <a:fontRef idx="minor">
+            <a:schemeClr val="lt1"/>
+          </a:fontRef>
+        </p:style>
+        <p:txBody>
+          <a:bodyPr rtlCol="0" anchor="ctr"/>
+          <a:lstStyle/>
+          <a:p>
+            <a:pPr algn="ctr"/>
+            <a:endParaRPr lang="fr-FR" dirty="0"/>
+          </a:p>
+        </p:txBody>
+      </p:sp>
+      <p:sp>
+        <p:nvSpPr>
+          <p:cNvPr id="24" name="Rectangle : coins arrondis 23">
+            <a:extLst>
+              <a:ext uri="{FF2B5EF4-FFF2-40B4-BE49-F238E27FC236}">
+                <a16:creationId xmlns:a16="http://schemas.microsoft.com/office/drawing/2014/main" id="{E84750EA-A3F5-1248-977D-2A372307106B}"/>
+              </a:ext>
+            </a:extLst>
+          </p:cNvPr>
+          <p:cNvSpPr/>
+          <p:nvPr/>
+        </p:nvSpPr>
+        <p:spPr>
+          <a:xfrm>
+            <a:off x="8542272" y="2679402"/>
+            <a:ext cx="3128478" cy="353204"/>
+          </a:xfrm>
+          <a:prstGeom prst="roundRect">
+            <a:avLst/>
+          </a:prstGeom>
+          <a:solidFill>
+            <a:schemeClr val="bg1">
+              <a:lumMod val="65000"/>
+            </a:schemeClr>
+          </a:solidFill>
+          <a:ln>
+            <a:noFill/>
+          </a:ln>
+        </p:spPr>
+        <p:style>
+          <a:lnRef idx="2">
+            <a:schemeClr val="accent1">
+              <a:shade val="50000"/>
+            </a:schemeClr>
+          </a:lnRef>
+          <a:fillRef idx="1">
+            <a:schemeClr val="accent1"/>
+          </a:fillRef>
+          <a:effectRef idx="0">
+            <a:schemeClr val="accent1"/>
+          </a:effectRef>
+          <a:fontRef idx="minor">
+            <a:schemeClr val="lt1"/>
+          </a:fontRef>
+        </p:style>
+        <p:txBody>
+          <a:bodyPr rtlCol="0" anchor="ctr"/>
+          <a:lstStyle/>
+          <a:p>
+            <a:pPr algn="ctr"/>
+            <a:endParaRPr lang="fr-FR" dirty="0"/>
+          </a:p>
+        </p:txBody>
+      </p:sp>
+      <p:sp>
+        <p:nvSpPr>
+          <p:cNvPr id="25" name="Rectangle : coins arrondis 24">
+            <a:extLst>
+              <a:ext uri="{FF2B5EF4-FFF2-40B4-BE49-F238E27FC236}">
+                <a16:creationId xmlns:a16="http://schemas.microsoft.com/office/drawing/2014/main" id="{E059E7D7-360B-5C43-B59C-DDAA77C9FFF0}"/>
+              </a:ext>
+            </a:extLst>
+          </p:cNvPr>
+          <p:cNvSpPr/>
+          <p:nvPr/>
+        </p:nvSpPr>
+        <p:spPr>
+          <a:xfrm>
+            <a:off x="11141358" y="2691132"/>
+            <a:ext cx="521076" cy="341473"/>
+          </a:xfrm>
+          <a:prstGeom prst="roundRect">
+            <a:avLst/>
+          </a:prstGeom>
+          <a:solidFill>
+            <a:srgbClr val="FF9F0A"/>
+          </a:solidFill>
+          <a:ln>
+            <a:noFill/>
+          </a:ln>
+        </p:spPr>
+        <p:style>
+          <a:lnRef idx="2">
+            <a:schemeClr val="accent1">
+              <a:shade val="50000"/>
+            </a:schemeClr>
+          </a:lnRef>
+          <a:fillRef idx="1">
+            <a:schemeClr val="accent1"/>
+          </a:fillRef>
+          <a:effectRef idx="0">
+            <a:schemeClr val="accent1"/>
+          </a:effectRef>
+          <a:fontRef idx="minor">
+            <a:schemeClr val="lt1"/>
+          </a:fontRef>
+        </p:style>
+        <p:txBody>
+          <a:bodyPr rtlCol="0" anchor="ctr"/>
+          <a:lstStyle/>
+          <a:p>
+            <a:pPr algn="ctr"/>
+            <a:endParaRPr lang="fr-FR" dirty="0"/>
+          </a:p>
+        </p:txBody>
+      </p:sp>
+      <p:sp>
+        <p:nvSpPr>
+          <p:cNvPr id="26" name="ZoneTexte 25">
+            <a:extLst>
+              <a:ext uri="{FF2B5EF4-FFF2-40B4-BE49-F238E27FC236}">
+                <a16:creationId xmlns:a16="http://schemas.microsoft.com/office/drawing/2014/main" id="{80C933E4-95F4-504E-9606-13C514E1F2FA}"/>
+              </a:ext>
+            </a:extLst>
+          </p:cNvPr>
+          <p:cNvSpPr txBox="1"/>
+          <p:nvPr/>
+        </p:nvSpPr>
+        <p:spPr>
+          <a:xfrm>
+            <a:off x="11261559" y="2646952"/>
+            <a:ext cx="300082" cy="369332"/>
+          </a:xfrm>
+          <a:prstGeom prst="rect">
+            <a:avLst/>
+          </a:prstGeom>
+          <a:noFill/>
+        </p:spPr>
+        <p:txBody>
+          <a:bodyPr wrap="none" rtlCol="0">
+            <a:spAutoFit/>
+          </a:bodyPr>
+          <a:lstStyle/>
+          <a:p>
+            <a:r>
+              <a:rPr lang="fr-FR" dirty="0"/>
+              <a:t>+</a:t>
+            </a:r>
+          </a:p>
+        </p:txBody>
+      </p:sp>
+      <p:sp>
+        <p:nvSpPr>
+          <p:cNvPr id="27" name="ZoneTexte 26">
+            <a:extLst>
+              <a:ext uri="{FF2B5EF4-FFF2-40B4-BE49-F238E27FC236}">
+                <a16:creationId xmlns:a16="http://schemas.microsoft.com/office/drawing/2014/main" id="{828928BA-F66D-3E44-993E-DCBFCA9402D9}"/>
+              </a:ext>
+            </a:extLst>
+          </p:cNvPr>
+          <p:cNvSpPr txBox="1"/>
+          <p:nvPr/>
+        </p:nvSpPr>
+        <p:spPr>
+          <a:xfrm>
+            <a:off x="8583225" y="2679476"/>
+            <a:ext cx="255198" cy="369332"/>
+          </a:xfrm>
+          <a:prstGeom prst="rect">
+            <a:avLst/>
+          </a:prstGeom>
+          <a:noFill/>
+        </p:spPr>
+        <p:txBody>
+          <a:bodyPr wrap="none" rtlCol="0">
+            <a:spAutoFit/>
+          </a:bodyPr>
+          <a:lstStyle/>
+          <a:p>
+            <a:r>
+              <a:rPr lang="fr-FR" dirty="0"/>
+              <a:t>-</a:t>
+            </a:r>
+          </a:p>
+        </p:txBody>
+      </p:sp>
+      <p:sp>
+        <p:nvSpPr>
+          <p:cNvPr id="28" name="ZoneTexte 27">
+            <a:extLst>
+              <a:ext uri="{FF2B5EF4-FFF2-40B4-BE49-F238E27FC236}">
+                <a16:creationId xmlns:a16="http://schemas.microsoft.com/office/drawing/2014/main" id="{72D64272-4EF2-1B42-9836-CA176B751DAD}"/>
+              </a:ext>
+            </a:extLst>
+          </p:cNvPr>
+          <p:cNvSpPr txBox="1"/>
+          <p:nvPr/>
+        </p:nvSpPr>
+        <p:spPr>
+          <a:xfrm>
+            <a:off x="11349791" y="1933080"/>
+            <a:ext cx="300082" cy="369332"/>
+          </a:xfrm>
+          <a:prstGeom prst="rect">
+            <a:avLst/>
+          </a:prstGeom>
+          <a:noFill/>
+        </p:spPr>
+        <p:txBody>
+          <a:bodyPr wrap="none" rtlCol="0">
+            <a:spAutoFit/>
+          </a:bodyPr>
+          <a:lstStyle/>
+          <a:p>
+            <a:r>
+              <a:rPr lang="fr-FR" dirty="0"/>
+              <a:t>+</a:t>
+            </a:r>
+          </a:p>
+        </p:txBody>
+      </p:sp>
+      <p:sp>
+        <p:nvSpPr>
+          <p:cNvPr id="29" name="ZoneTexte 28">
+            <a:extLst>
+              <a:ext uri="{FF2B5EF4-FFF2-40B4-BE49-F238E27FC236}">
+                <a16:creationId xmlns:a16="http://schemas.microsoft.com/office/drawing/2014/main" id="{CE38135A-9939-1A45-AAA7-C8A96369651A}"/>
+              </a:ext>
+            </a:extLst>
+          </p:cNvPr>
+          <p:cNvSpPr txBox="1"/>
+          <p:nvPr/>
+        </p:nvSpPr>
+        <p:spPr>
+          <a:xfrm>
+            <a:off x="8559163" y="1933522"/>
+            <a:ext cx="255198" cy="369332"/>
+          </a:xfrm>
+          <a:prstGeom prst="rect">
+            <a:avLst/>
+          </a:prstGeom>
+          <a:noFill/>
+        </p:spPr>
+        <p:txBody>
+          <a:bodyPr wrap="none" rtlCol="0">
+            <a:spAutoFit/>
+          </a:bodyPr>
+          <a:lstStyle/>
+          <a:p>
+            <a:r>
+              <a:rPr lang="fr-FR" dirty="0"/>
+              <a:t>-</a:t>
+            </a:r>
+          </a:p>
+        </p:txBody>
+      </p:sp>
+      <p:sp>
+        <p:nvSpPr>
+          <p:cNvPr id="30" name="ZoneTexte 29">
+            <a:extLst>
+              <a:ext uri="{FF2B5EF4-FFF2-40B4-BE49-F238E27FC236}">
+                <a16:creationId xmlns:a16="http://schemas.microsoft.com/office/drawing/2014/main" id="{C268DE08-B270-0649-870B-4A6FAC3EE9E3}"/>
+              </a:ext>
+            </a:extLst>
+          </p:cNvPr>
+          <p:cNvSpPr txBox="1"/>
+          <p:nvPr/>
+        </p:nvSpPr>
+        <p:spPr>
+          <a:xfrm>
+            <a:off x="8534133" y="3632687"/>
+            <a:ext cx="886268" cy="307777"/>
+          </a:xfrm>
+          <a:prstGeom prst="rect">
+            <a:avLst/>
+          </a:prstGeom>
+          <a:noFill/>
+        </p:spPr>
+        <p:txBody>
+          <a:bodyPr wrap="none" rtlCol="0">
+            <a:spAutoFit/>
+          </a:bodyPr>
+          <a:lstStyle/>
+          <a:p>
+            <a:r>
+              <a:rPr lang="fr-FR" sz="1400" dirty="0">
+                <a:solidFill>
+                  <a:schemeClr val="bg2">
+                    <a:lumMod val="25000"/>
+                  </a:schemeClr>
+                </a:solidFill>
+                <a:latin typeface="Amasis MT Pro Medium" panose="02040504050005020304" pitchFamily="18" charset="77"/>
+              </a:rPr>
+              <a:t>Internet </a:t>
+            </a:r>
+          </a:p>
+        </p:txBody>
+      </p:sp>
+      <p:sp>
+        <p:nvSpPr>
+          <p:cNvPr id="31" name="ZoneTexte 30">
+            <a:extLst>
+              <a:ext uri="{FF2B5EF4-FFF2-40B4-BE49-F238E27FC236}">
+                <a16:creationId xmlns:a16="http://schemas.microsoft.com/office/drawing/2014/main" id="{4D30F8E6-C8B4-4C46-8EB7-26C133812BC0}"/>
+              </a:ext>
+            </a:extLst>
+          </p:cNvPr>
+          <p:cNvSpPr txBox="1"/>
+          <p:nvPr/>
+        </p:nvSpPr>
+        <p:spPr>
+          <a:xfrm>
+            <a:off x="8553861" y="4155380"/>
+            <a:ext cx="1170513" cy="307777"/>
+          </a:xfrm>
+          <a:prstGeom prst="rect">
+            <a:avLst/>
+          </a:prstGeom>
+          <a:noFill/>
+        </p:spPr>
+        <p:txBody>
+          <a:bodyPr wrap="none" rtlCol="0">
+            <a:spAutoFit/>
+          </a:bodyPr>
+          <a:lstStyle/>
+          <a:p>
+            <a:r>
+              <a:rPr lang="fr-FR" sz="1400" dirty="0">
+                <a:solidFill>
+                  <a:schemeClr val="bg2">
+                    <a:lumMod val="25000"/>
+                  </a:schemeClr>
+                </a:solidFill>
+                <a:latin typeface="Amasis MT Pro Medium" panose="02040504050005020304" pitchFamily="18" charset="77"/>
+              </a:rPr>
+              <a:t>App Mobile </a:t>
+            </a:r>
+          </a:p>
+        </p:txBody>
+      </p:sp>
+      <p:sp>
+        <p:nvSpPr>
+          <p:cNvPr id="32" name="ZoneTexte 31">
+            <a:extLst>
+              <a:ext uri="{FF2B5EF4-FFF2-40B4-BE49-F238E27FC236}">
+                <a16:creationId xmlns:a16="http://schemas.microsoft.com/office/drawing/2014/main" id="{5F2741DD-C597-9D4C-B96C-D81CD3CC3D9A}"/>
+              </a:ext>
+            </a:extLst>
+          </p:cNvPr>
+          <p:cNvSpPr txBox="1"/>
+          <p:nvPr/>
+        </p:nvSpPr>
+        <p:spPr>
+          <a:xfrm>
+            <a:off x="8526230" y="4750925"/>
+            <a:ext cx="1574470" cy="307777"/>
+          </a:xfrm>
+          <a:prstGeom prst="rect">
+            <a:avLst/>
+          </a:prstGeom>
+          <a:noFill/>
+        </p:spPr>
+        <p:txBody>
+          <a:bodyPr wrap="none" rtlCol="0">
+            <a:spAutoFit/>
+          </a:bodyPr>
+          <a:lstStyle/>
+          <a:p>
+            <a:r>
+              <a:rPr lang="fr-FR" sz="1400" dirty="0">
+                <a:solidFill>
+                  <a:schemeClr val="bg2">
+                    <a:lumMod val="25000"/>
+                  </a:schemeClr>
+                </a:solidFill>
+                <a:latin typeface="Amasis MT Pro Medium" panose="02040504050005020304" pitchFamily="18" charset="77"/>
+              </a:rPr>
+              <a:t>Réseaux sociaux </a:t>
+            </a:r>
+          </a:p>
+        </p:txBody>
+      </p:sp>
+      <p:sp>
+        <p:nvSpPr>
+          <p:cNvPr id="33" name="Rectangle : coins arrondis 32">
+            <a:extLst>
+              <a:ext uri="{FF2B5EF4-FFF2-40B4-BE49-F238E27FC236}">
+                <a16:creationId xmlns:a16="http://schemas.microsoft.com/office/drawing/2014/main" id="{209CC974-3C38-B84C-97E7-5531C11A68A9}"/>
+              </a:ext>
+            </a:extLst>
+          </p:cNvPr>
+          <p:cNvSpPr/>
+          <p:nvPr/>
+        </p:nvSpPr>
+        <p:spPr>
+          <a:xfrm>
+            <a:off x="8552503" y="3957818"/>
+            <a:ext cx="3128478" cy="277162"/>
+          </a:xfrm>
+          <a:prstGeom prst="roundRect">
+            <a:avLst/>
+          </a:prstGeom>
+          <a:solidFill>
+            <a:schemeClr val="bg1">
+              <a:lumMod val="85000"/>
+            </a:schemeClr>
+          </a:solidFill>
+          <a:ln>
+            <a:noFill/>
+          </a:ln>
+        </p:spPr>
+        <p:style>
+          <a:lnRef idx="2">
+            <a:schemeClr val="accent1">
+              <a:shade val="50000"/>
+            </a:schemeClr>
+          </a:lnRef>
+          <a:fillRef idx="1">
+            <a:schemeClr val="accent1"/>
+          </a:fillRef>
+          <a:effectRef idx="0">
+            <a:schemeClr val="accent1"/>
+          </a:effectRef>
+          <a:fontRef idx="minor">
+            <a:schemeClr val="lt1"/>
+          </a:fontRef>
+        </p:style>
+        <p:txBody>
+          <a:bodyPr rtlCol="0" anchor="ctr"/>
+          <a:lstStyle/>
+          <a:p>
+            <a:pPr algn="ctr"/>
+            <a:endParaRPr lang="fr-FR" dirty="0"/>
+          </a:p>
+        </p:txBody>
+      </p:sp>
+      <p:sp>
+        <p:nvSpPr>
+          <p:cNvPr id="34" name="Rectangle : coins arrondis 33">
+            <a:extLst>
+              <a:ext uri="{FF2B5EF4-FFF2-40B4-BE49-F238E27FC236}">
+                <a16:creationId xmlns:a16="http://schemas.microsoft.com/office/drawing/2014/main" id="{B5B9EABB-61B0-F045-943F-097AA1EACFDD}"/>
+              </a:ext>
+            </a:extLst>
+          </p:cNvPr>
+          <p:cNvSpPr/>
+          <p:nvPr/>
+        </p:nvSpPr>
+        <p:spPr>
+          <a:xfrm>
+            <a:off x="8559163" y="3920541"/>
+            <a:ext cx="3128478" cy="297768"/>
+          </a:xfrm>
+          <a:prstGeom prst="roundRect">
+            <a:avLst/>
+          </a:prstGeom>
+          <a:solidFill>
+            <a:srgbClr val="FCC568"/>
+          </a:solidFill>
+          <a:ln>
+            <a:noFill/>
+          </a:ln>
+        </p:spPr>
+        <p:style>
+          <a:lnRef idx="2">
+            <a:schemeClr val="accent1">
+              <a:shade val="50000"/>
+            </a:schemeClr>
+          </a:lnRef>
+          <a:fillRef idx="1">
+            <a:schemeClr val="accent1"/>
+          </a:fillRef>
+          <a:effectRef idx="0">
+            <a:schemeClr val="accent1"/>
+          </a:effectRef>
+          <a:fontRef idx="minor">
+            <a:schemeClr val="lt1"/>
+          </a:fontRef>
+        </p:style>
+        <p:txBody>
+          <a:bodyPr rtlCol="0" anchor="ctr"/>
+          <a:lstStyle/>
+          <a:p>
+            <a:pPr algn="ctr"/>
+            <a:endParaRPr lang="fr-FR" dirty="0"/>
+          </a:p>
+        </p:txBody>
+      </p:sp>
+      <p:sp>
+        <p:nvSpPr>
+          <p:cNvPr id="35" name="Rectangle : coins arrondis 34">
+            <a:extLst>
+              <a:ext uri="{FF2B5EF4-FFF2-40B4-BE49-F238E27FC236}">
+                <a16:creationId xmlns:a16="http://schemas.microsoft.com/office/drawing/2014/main" id="{4FA469D1-090A-1D46-84B3-615EF7E9D556}"/>
+              </a:ext>
+            </a:extLst>
+          </p:cNvPr>
+          <p:cNvSpPr/>
+          <p:nvPr/>
+        </p:nvSpPr>
+        <p:spPr>
+          <a:xfrm>
+            <a:off x="8576565" y="4494338"/>
+            <a:ext cx="3128478" cy="277162"/>
+          </a:xfrm>
+          <a:prstGeom prst="roundRect">
+            <a:avLst/>
+          </a:prstGeom>
+          <a:solidFill>
+            <a:schemeClr val="bg1">
+              <a:lumMod val="85000"/>
+            </a:schemeClr>
+          </a:solidFill>
+          <a:ln>
+            <a:noFill/>
+          </a:ln>
+        </p:spPr>
+        <p:style>
+          <a:lnRef idx="2">
+            <a:schemeClr val="accent1">
+              <a:shade val="50000"/>
+            </a:schemeClr>
+          </a:lnRef>
+          <a:fillRef idx="1">
+            <a:schemeClr val="accent1"/>
+          </a:fillRef>
+          <a:effectRef idx="0">
+            <a:schemeClr val="accent1"/>
+          </a:effectRef>
+          <a:fontRef idx="minor">
+            <a:schemeClr val="lt1"/>
+          </a:fontRef>
+        </p:style>
+        <p:txBody>
+          <a:bodyPr rtlCol="0" anchor="ctr"/>
+          <a:lstStyle/>
+          <a:p>
+            <a:pPr algn="ctr"/>
+            <a:endParaRPr lang="fr-FR" dirty="0"/>
+          </a:p>
+        </p:txBody>
+      </p:sp>
+      <p:sp>
+        <p:nvSpPr>
+          <p:cNvPr id="36" name="Rectangle : coins arrondis 35">
+            <a:extLst>
+              <a:ext uri="{FF2B5EF4-FFF2-40B4-BE49-F238E27FC236}">
+                <a16:creationId xmlns:a16="http://schemas.microsoft.com/office/drawing/2014/main" id="{4C265C9E-BC72-014F-B705-F7CE276E2664}"/>
+              </a:ext>
+            </a:extLst>
+          </p:cNvPr>
+          <p:cNvSpPr/>
+          <p:nvPr/>
+        </p:nvSpPr>
+        <p:spPr>
+          <a:xfrm>
+            <a:off x="8583225" y="4489144"/>
+            <a:ext cx="3128478" cy="277161"/>
+          </a:xfrm>
+          <a:prstGeom prst="roundRect">
+            <a:avLst/>
+          </a:prstGeom>
+          <a:solidFill>
+            <a:srgbClr val="FCC568"/>
+          </a:solidFill>
+          <a:ln>
+            <a:noFill/>
+          </a:ln>
+        </p:spPr>
+        <p:style>
+          <a:lnRef idx="2">
+            <a:schemeClr val="accent1">
+              <a:shade val="50000"/>
+            </a:schemeClr>
+          </a:lnRef>
+          <a:fillRef idx="1">
+            <a:schemeClr val="accent1"/>
+          </a:fillRef>
+          <a:effectRef idx="0">
+            <a:schemeClr val="accent1"/>
+          </a:effectRef>
+          <a:fontRef idx="minor">
+            <a:schemeClr val="lt1"/>
+          </a:fontRef>
+        </p:style>
+        <p:txBody>
+          <a:bodyPr rtlCol="0" anchor="ctr"/>
+          <a:lstStyle/>
+          <a:p>
+            <a:pPr algn="ctr"/>
+            <a:endParaRPr lang="fr-FR" dirty="0"/>
+          </a:p>
+        </p:txBody>
+      </p:sp>
+      <p:sp>
+        <p:nvSpPr>
+          <p:cNvPr id="37" name="Rectangle : coins arrondis 36">
+            <a:extLst>
+              <a:ext uri="{FF2B5EF4-FFF2-40B4-BE49-F238E27FC236}">
+                <a16:creationId xmlns:a16="http://schemas.microsoft.com/office/drawing/2014/main" id="{FFB6DC6A-CF67-6241-B778-42D182A4C61D}"/>
+              </a:ext>
+            </a:extLst>
+          </p:cNvPr>
+          <p:cNvSpPr/>
+          <p:nvPr/>
+        </p:nvSpPr>
+        <p:spPr>
+          <a:xfrm>
+            <a:off x="8583225" y="5032164"/>
+            <a:ext cx="3128478" cy="277162"/>
+          </a:xfrm>
+          <a:prstGeom prst="roundRect">
+            <a:avLst/>
+          </a:prstGeom>
+          <a:solidFill>
+            <a:schemeClr val="bg1">
+              <a:lumMod val="85000"/>
+            </a:schemeClr>
+          </a:solidFill>
+          <a:ln>
+            <a:noFill/>
+          </a:ln>
+        </p:spPr>
+        <p:style>
+          <a:lnRef idx="2">
+            <a:schemeClr val="accent1">
+              <a:shade val="50000"/>
+            </a:schemeClr>
+          </a:lnRef>
+          <a:fillRef idx="1">
+            <a:schemeClr val="accent1"/>
+          </a:fillRef>
+          <a:effectRef idx="0">
+            <a:schemeClr val="accent1"/>
+          </a:effectRef>
+          <a:fontRef idx="minor">
+            <a:schemeClr val="lt1"/>
+          </a:fontRef>
+        </p:style>
+        <p:txBody>
+          <a:bodyPr rtlCol="0" anchor="ctr"/>
+          <a:lstStyle/>
+          <a:p>
+            <a:pPr algn="ctr"/>
+            <a:endParaRPr lang="fr-FR" dirty="0"/>
+          </a:p>
+        </p:txBody>
+      </p:sp>
+      <p:sp>
+        <p:nvSpPr>
+          <p:cNvPr id="38" name="Rectangle : coins arrondis 37">
+            <a:extLst>
+              <a:ext uri="{FF2B5EF4-FFF2-40B4-BE49-F238E27FC236}">
+                <a16:creationId xmlns:a16="http://schemas.microsoft.com/office/drawing/2014/main" id="{360B4077-A078-E945-8DF6-5C46008896AD}"/>
+              </a:ext>
+            </a:extLst>
+          </p:cNvPr>
+          <p:cNvSpPr/>
+          <p:nvPr/>
+        </p:nvSpPr>
+        <p:spPr>
+          <a:xfrm>
+            <a:off x="8589885" y="5026970"/>
+            <a:ext cx="3115158" cy="282355"/>
+          </a:xfrm>
+          <a:prstGeom prst="roundRect">
+            <a:avLst/>
+          </a:prstGeom>
+          <a:solidFill>
+            <a:srgbClr val="FCC568"/>
+          </a:solidFill>
+          <a:ln>
+            <a:noFill/>
+          </a:ln>
+        </p:spPr>
+        <p:style>
+          <a:lnRef idx="2">
+            <a:schemeClr val="accent1">
+              <a:shade val="50000"/>
+            </a:schemeClr>
+          </a:lnRef>
+          <a:fillRef idx="1">
+            <a:schemeClr val="accent1"/>
+          </a:fillRef>
+          <a:effectRef idx="0">
+            <a:schemeClr val="accent1"/>
+          </a:effectRef>
+          <a:fontRef idx="minor">
+            <a:schemeClr val="lt1"/>
+          </a:fontRef>
+        </p:style>
+        <p:txBody>
+          <a:bodyPr rtlCol="0" anchor="ctr"/>
+          <a:lstStyle/>
+          <a:p>
+            <a:pPr algn="ctr"/>
+            <a:endParaRPr lang="fr-FR" dirty="0"/>
+          </a:p>
+        </p:txBody>
+      </p:sp>
+      <p:sp>
+        <p:nvSpPr>
+          <p:cNvPr id="39" name="ZoneTexte 38">
+            <a:extLst>
+              <a:ext uri="{FF2B5EF4-FFF2-40B4-BE49-F238E27FC236}">
+                <a16:creationId xmlns:a16="http://schemas.microsoft.com/office/drawing/2014/main" id="{57B9D6E4-12DE-2C44-80C9-4F2B6CF179E3}"/>
+              </a:ext>
+            </a:extLst>
+          </p:cNvPr>
+          <p:cNvSpPr txBox="1"/>
+          <p:nvPr/>
+        </p:nvSpPr>
+        <p:spPr>
+          <a:xfrm>
+            <a:off x="10567667" y="5779903"/>
+            <a:ext cx="1018227" cy="369332"/>
+          </a:xfrm>
+          <a:prstGeom prst="rect">
+            <a:avLst/>
+          </a:prstGeom>
+          <a:noFill/>
+          <a:effectLst>
+            <a:outerShdw blurRad="50800" dist="50800" dir="2700000" algn="tl" rotWithShape="0">
+              <a:prstClr val="black">
+                <a:alpha val="27759"/>
+              </a:prstClr>
+            </a:outerShdw>
+          </a:effectLst>
+        </p:spPr>
+        <p:txBody>
+          <a:bodyPr wrap="none" rtlCol="0">
+            <a:spAutoFit/>
+          </a:bodyPr>
+          <a:lstStyle/>
+          <a:p>
+            <a:r>
+              <a:rPr lang="fr-FR" i="1" dirty="0">
+                <a:solidFill>
+                  <a:srgbClr val="FFA80D"/>
+                </a:solidFill>
+                <a:latin typeface="Amasis MT Pro Medium" panose="02040504050005020304" pitchFamily="18" charset="77"/>
+              </a:rPr>
+              <a:t>Delivroo</a:t>
+            </a:r>
+          </a:p>
+        </p:txBody>
+      </p:sp>
+      <p:sp>
+        <p:nvSpPr>
+          <p:cNvPr id="40" name="ZoneTexte 39">
+            <a:extLst>
+              <a:ext uri="{FF2B5EF4-FFF2-40B4-BE49-F238E27FC236}">
+                <a16:creationId xmlns:a16="http://schemas.microsoft.com/office/drawing/2014/main" id="{3699B726-1D61-9446-A6D5-4DB5CC4BB64E}"/>
+              </a:ext>
+            </a:extLst>
+          </p:cNvPr>
+          <p:cNvSpPr txBox="1"/>
+          <p:nvPr/>
+        </p:nvSpPr>
+        <p:spPr>
+          <a:xfrm>
+            <a:off x="9111355" y="6215080"/>
+            <a:ext cx="1080680" cy="369332"/>
+          </a:xfrm>
+          <a:prstGeom prst="rect">
+            <a:avLst/>
+          </a:prstGeom>
+          <a:noFill/>
+          <a:effectLst>
+            <a:outerShdw blurRad="50800" dist="50800" dir="2700000" algn="tl" rotWithShape="0">
+              <a:prstClr val="black">
+                <a:alpha val="27759"/>
+              </a:prstClr>
+            </a:outerShdw>
+          </a:effectLst>
+        </p:spPr>
+        <p:txBody>
+          <a:bodyPr wrap="none" rtlCol="0">
+            <a:spAutoFit/>
+          </a:bodyPr>
+          <a:lstStyle/>
+          <a:p>
+            <a:r>
+              <a:rPr lang="fr-FR" i="1" dirty="0">
+                <a:solidFill>
+                  <a:srgbClr val="FFA80D"/>
+                </a:solidFill>
+                <a:latin typeface="Amasis MT Pro Medium" panose="02040504050005020304" pitchFamily="18" charset="77"/>
+              </a:rPr>
+              <a:t>UberEats</a:t>
+            </a:r>
+          </a:p>
+        </p:txBody>
+      </p:sp>
+      <p:sp>
+        <p:nvSpPr>
+          <p:cNvPr id="41" name="ZoneTexte 40">
+            <a:extLst>
+              <a:ext uri="{FF2B5EF4-FFF2-40B4-BE49-F238E27FC236}">
+                <a16:creationId xmlns:a16="http://schemas.microsoft.com/office/drawing/2014/main" id="{16F03AD7-98A0-BF4D-BB68-580BF8B1CC09}"/>
+              </a:ext>
+            </a:extLst>
+          </p:cNvPr>
+          <p:cNvSpPr txBox="1"/>
+          <p:nvPr/>
+        </p:nvSpPr>
+        <p:spPr>
+          <a:xfrm>
+            <a:off x="10498703" y="6154428"/>
+            <a:ext cx="917174" cy="369332"/>
+          </a:xfrm>
+          <a:prstGeom prst="rect">
+            <a:avLst/>
+          </a:prstGeom>
+          <a:noFill/>
+          <a:effectLst>
+            <a:outerShdw blurRad="50800" dist="50800" dir="2700000" algn="tl" rotWithShape="0">
+              <a:prstClr val="black">
+                <a:alpha val="27759"/>
+              </a:prstClr>
+            </a:outerShdw>
+          </a:effectLst>
+        </p:spPr>
+        <p:txBody>
+          <a:bodyPr wrap="none" rtlCol="0">
+            <a:spAutoFit/>
+          </a:bodyPr>
+          <a:lstStyle/>
+          <a:p>
+            <a:r>
+              <a:rPr lang="fr-FR" i="1" dirty="0">
+                <a:solidFill>
+                  <a:srgbClr val="FFA80D"/>
+                </a:solidFill>
+                <a:latin typeface="Amasis MT Pro Medium" panose="02040504050005020304" pitchFamily="18" charset="77"/>
+              </a:rPr>
+              <a:t>JustEat</a:t>
+            </a:r>
           </a:p>
         </p:txBody>
       </p:sp>
       <p:pic>
         <p:nvPicPr>
-          <p:cNvPr id="4" name="Image 3" descr="Une image contenant texte&#10;&#10;Description générée automatiquement">
-            <a:extLst>
-              <a:ext uri="{FF2B5EF4-FFF2-40B4-BE49-F238E27FC236}">
-                <a16:creationId xmlns:a16="http://schemas.microsoft.com/office/drawing/2014/main" id="{90E2670E-D677-F84A-85E5-51AF29456FCA}"/>
+          <p:cNvPr id="43" name="Image 42" descr="Une image contenant personne, ciel, extérieur, jaune&#10;&#10;Description générée automatiquement">
+            <a:extLst>
+              <a:ext uri="{FF2B5EF4-FFF2-40B4-BE49-F238E27FC236}">
+                <a16:creationId xmlns:a16="http://schemas.microsoft.com/office/drawing/2014/main" id="{E70E6920-C565-1543-AA05-D1DA7EF48CEE}"/>
+              </a:ext>
+            </a:extLst>
+          </p:cNvPr>
+          <p:cNvPicPr>
+            <a:picLocks noChangeAspect="1"/>
+          </p:cNvPicPr>
+          <p:nvPr/>
+        </p:nvPicPr>
+        <p:blipFill rotWithShape="1">
+          <a:blip r:embed="rId2"/>
+          <a:srcRect l="8967" r="14786" b="5819"/>
+          <a:stretch/>
+        </p:blipFill>
+        <p:spPr>
+          <a:xfrm>
+            <a:off x="585417" y="3316254"/>
+            <a:ext cx="2500945" cy="2110787"/>
+          </a:xfrm>
+          <a:prstGeom prst="rect">
+            <a:avLst/>
+          </a:prstGeom>
+          <a:ln w="57150">
+            <a:solidFill>
+              <a:srgbClr val="FF9F0A"/>
+            </a:solidFill>
+          </a:ln>
+        </p:spPr>
+      </p:pic>
+      <p:sp>
+        <p:nvSpPr>
+          <p:cNvPr id="44" name="ZoneTexte 43">
+            <a:extLst>
+              <a:ext uri="{FF2B5EF4-FFF2-40B4-BE49-F238E27FC236}">
+                <a16:creationId xmlns:a16="http://schemas.microsoft.com/office/drawing/2014/main" id="{4A5A221E-F518-694D-90A2-1082AA3A312C}"/>
+              </a:ext>
+            </a:extLst>
+          </p:cNvPr>
+          <p:cNvSpPr txBox="1"/>
+          <p:nvPr/>
+        </p:nvSpPr>
+        <p:spPr>
+          <a:xfrm>
+            <a:off x="8569553" y="5812201"/>
+            <a:ext cx="2208954" cy="369332"/>
+          </a:xfrm>
+          <a:prstGeom prst="rect">
+            <a:avLst/>
+          </a:prstGeom>
+          <a:noFill/>
+          <a:effectLst>
+            <a:outerShdw blurRad="50800" dist="50800" dir="2700000" algn="tl" rotWithShape="0">
+              <a:prstClr val="black">
+                <a:alpha val="27759"/>
+              </a:prstClr>
+            </a:outerShdw>
+          </a:effectLst>
+        </p:spPr>
+        <p:txBody>
+          <a:bodyPr wrap="square" rtlCol="0">
+            <a:spAutoFit/>
+          </a:bodyPr>
+          <a:lstStyle/>
+          <a:p>
+            <a:r>
+              <a:rPr lang="fr-FR" i="1" dirty="0">
+                <a:solidFill>
+                  <a:srgbClr val="FFA80D"/>
+                </a:solidFill>
+                <a:latin typeface="Amasis MT Pro Medium" panose="02040504050005020304" pitchFamily="18" charset="77"/>
+              </a:rPr>
+              <a:t>Too Good To Go </a:t>
+            </a:r>
+          </a:p>
+        </p:txBody>
+      </p:sp>
+    </p:spTree>
+    <p:extLst>
+      <p:ext uri="{BB962C8B-B14F-4D97-AF65-F5344CB8AC3E}">
+        <p14:creationId xmlns:p14="http://schemas.microsoft.com/office/powerpoint/2010/main" val="4043074625"/>
+      </p:ext>
+    </p:extLst>
+  </p:cSld>
+  <p:clrMapOvr>
+    <a:masterClrMapping/>
+  </p:clrMapOvr>
+</p:sld>
+</file>
+
+<file path=ppt/slides/slide4.xml><?xml version="1.0" encoding="utf-8"?>
+<p:sld xmlns:a="http://schemas.openxmlformats.org/drawingml/2006/main" xmlns:r="http://schemas.openxmlformats.org/officeDocument/2006/relationships" xmlns:p="http://schemas.openxmlformats.org/presentationml/2006/main">
+  <p:cSld>
+    <p:spTree>
+      <p:nvGrpSpPr>
+        <p:cNvPr id="1" name=""/>
+        <p:cNvGrpSpPr/>
+        <p:nvPr/>
+      </p:nvGrpSpPr>
+      <p:grpSpPr>
+        <a:xfrm>
+          <a:off x="0" y="0"/>
+          <a:ext cx="0" cy="0"/>
+          <a:chOff x="0" y="0"/>
+          <a:chExt cx="0" cy="0"/>
+        </a:xfrm>
+      </p:grpSpPr>
+      <p:sp>
+        <p:nvSpPr>
+          <p:cNvPr id="43" name="Rectangle : coins arrondis 42">
+            <a:extLst>
+              <a:ext uri="{FF2B5EF4-FFF2-40B4-BE49-F238E27FC236}">
+                <a16:creationId xmlns:a16="http://schemas.microsoft.com/office/drawing/2014/main" id="{E68D64A7-B4A3-5044-BE10-FC009D6E1EF3}"/>
+              </a:ext>
+            </a:extLst>
+          </p:cNvPr>
+          <p:cNvSpPr/>
+          <p:nvPr/>
+        </p:nvSpPr>
+        <p:spPr>
+          <a:xfrm>
+            <a:off x="-200025" y="-200025"/>
+            <a:ext cx="12630150" cy="1328738"/>
+          </a:xfrm>
+          <a:prstGeom prst="roundRect">
+            <a:avLst/>
+          </a:prstGeom>
+          <a:gradFill flip="none" rotWithShape="1">
+            <a:gsLst>
+              <a:gs pos="0">
+                <a:srgbClr val="FF9F0A">
+                  <a:shade val="30000"/>
+                  <a:satMod val="115000"/>
+                </a:srgbClr>
+              </a:gs>
+              <a:gs pos="50000">
+                <a:srgbClr val="FF9F0A">
+                  <a:shade val="67500"/>
+                  <a:satMod val="115000"/>
+                </a:srgbClr>
+              </a:gs>
+              <a:gs pos="100000">
+                <a:srgbClr val="FF9F0A">
+                  <a:shade val="100000"/>
+                  <a:satMod val="115000"/>
+                </a:srgbClr>
+              </a:gs>
+            </a:gsLst>
+            <a:lin ang="0" scaled="1"/>
+            <a:tileRect/>
+          </a:gradFill>
+        </p:spPr>
+        <p:style>
+          <a:lnRef idx="2">
+            <a:schemeClr val="accent1">
+              <a:shade val="50000"/>
+            </a:schemeClr>
+          </a:lnRef>
+          <a:fillRef idx="1">
+            <a:schemeClr val="accent1"/>
+          </a:fillRef>
+          <a:effectRef idx="0">
+            <a:schemeClr val="accent1"/>
+          </a:effectRef>
+          <a:fontRef idx="minor">
+            <a:schemeClr val="lt1"/>
+          </a:fontRef>
+        </p:style>
+        <p:txBody>
+          <a:bodyPr rtlCol="0" anchor="ctr"/>
+          <a:lstStyle/>
+          <a:p>
+            <a:r>
+              <a:rPr lang="fr-FR" dirty="0"/>
+              <a:t>           </a:t>
+            </a:r>
+          </a:p>
+          <a:p>
+            <a:r>
+              <a:rPr lang="fr-FR" sz="4800" dirty="0">
+                <a:latin typeface="Amasis MT Pro" panose="02040504050005020304" pitchFamily="18" charset="77"/>
+              </a:rPr>
+              <a:t>    Erika </a:t>
+            </a:r>
+            <a:r>
+              <a:rPr lang="fr-FR" sz="4800" b="1" dirty="0">
+                <a:latin typeface="Amasis MT Pro" panose="02040504050005020304" pitchFamily="18" charset="77"/>
+              </a:rPr>
+              <a:t>NINOS DA SILVA</a:t>
+            </a:r>
+          </a:p>
+        </p:txBody>
+      </p:sp>
+      <p:sp>
+        <p:nvSpPr>
+          <p:cNvPr id="44" name="Rectangle : coins arrondis 43">
+            <a:extLst>
+              <a:ext uri="{FF2B5EF4-FFF2-40B4-BE49-F238E27FC236}">
+                <a16:creationId xmlns:a16="http://schemas.microsoft.com/office/drawing/2014/main" id="{00E62D38-BF44-924D-92E2-94A5E6C4C9EA}"/>
+              </a:ext>
+            </a:extLst>
+          </p:cNvPr>
+          <p:cNvSpPr/>
+          <p:nvPr/>
+        </p:nvSpPr>
+        <p:spPr>
+          <a:xfrm>
+            <a:off x="151967" y="5518270"/>
+            <a:ext cx="3422822" cy="1214861"/>
+          </a:xfrm>
+          <a:prstGeom prst="roundRect">
+            <a:avLst/>
+          </a:prstGeom>
+          <a:solidFill>
+            <a:srgbClr val="FCC568"/>
+          </a:solidFill>
+          <a:ln>
+            <a:noFill/>
+          </a:ln>
+        </p:spPr>
+        <p:style>
+          <a:lnRef idx="2">
+            <a:schemeClr val="accent1">
+              <a:shade val="50000"/>
+            </a:schemeClr>
+          </a:lnRef>
+          <a:fillRef idx="1">
+            <a:schemeClr val="accent1"/>
+          </a:fillRef>
+          <a:effectRef idx="0">
+            <a:schemeClr val="accent1"/>
+          </a:effectRef>
+          <a:fontRef idx="minor">
+            <a:schemeClr val="lt1"/>
+          </a:fontRef>
+        </p:style>
+        <p:txBody>
+          <a:bodyPr rtlCol="0" anchor="ctr"/>
+          <a:lstStyle/>
+          <a:p>
+            <a:pPr algn="ctr"/>
+            <a:r>
+              <a:rPr lang="fr-FR" i="1" dirty="0">
+                <a:latin typeface="Amasis MT Pro" panose="02040504050005020304" pitchFamily="18" charset="77"/>
+              </a:rPr>
+              <a:t>« J’aime profiter des soirées où les seules choses à choisir c’est le film en famille et les pizzas»</a:t>
+            </a:r>
+          </a:p>
+        </p:txBody>
+      </p:sp>
+      <p:sp>
+        <p:nvSpPr>
+          <p:cNvPr id="45" name="Rectangle : coins arrondis 44">
+            <a:extLst>
+              <a:ext uri="{FF2B5EF4-FFF2-40B4-BE49-F238E27FC236}">
+                <a16:creationId xmlns:a16="http://schemas.microsoft.com/office/drawing/2014/main" id="{6E589754-DEA3-8B4E-99B9-8265488DE3E6}"/>
+              </a:ext>
+            </a:extLst>
+          </p:cNvPr>
+          <p:cNvSpPr/>
+          <p:nvPr/>
+        </p:nvSpPr>
+        <p:spPr>
+          <a:xfrm>
+            <a:off x="4281955" y="3495542"/>
+            <a:ext cx="3699996" cy="3237590"/>
+          </a:xfrm>
+          <a:prstGeom prst="roundRect">
+            <a:avLst/>
+          </a:prstGeom>
+          <a:solidFill>
+            <a:srgbClr val="FCC568"/>
+          </a:solidFill>
+          <a:ln>
+            <a:noFill/>
+          </a:ln>
+        </p:spPr>
+        <p:style>
+          <a:lnRef idx="2">
+            <a:schemeClr val="accent1">
+              <a:shade val="50000"/>
+            </a:schemeClr>
+          </a:lnRef>
+          <a:fillRef idx="1">
+            <a:schemeClr val="accent1"/>
+          </a:fillRef>
+          <a:effectRef idx="0">
+            <a:schemeClr val="accent1"/>
+          </a:effectRef>
+          <a:fontRef idx="minor">
+            <a:schemeClr val="lt1"/>
+          </a:fontRef>
+        </p:style>
+        <p:txBody>
+          <a:bodyPr rtlCol="0" anchor="ctr"/>
+          <a:lstStyle/>
+          <a:p>
+            <a:pPr algn="ctr"/>
+            <a:r>
+              <a:rPr lang="fr-FR" sz="1600" dirty="0">
+                <a:latin typeface="Amasis MT Pro" panose="02040504050005020304" pitchFamily="18" charset="77"/>
+              </a:rPr>
+              <a:t>Erika est une chef de projet digital quand elle ne gère pas son équipe sur de gros projet, elle passe du temps avec sa famille. Son mari et elle aiment commander des pizzas 2 fois par semaine pour profiter de leur soirée avec leurs enfants. Erika appelle le plus souvent pour commander sa pizza pour commander en fonction des gouts de chacun et venir la chercher en famille comme un petit rituel. </a:t>
+            </a:r>
+          </a:p>
+        </p:txBody>
+      </p:sp>
+      <p:sp>
+        <p:nvSpPr>
+          <p:cNvPr id="46" name="ZoneTexte 45">
+            <a:extLst>
+              <a:ext uri="{FF2B5EF4-FFF2-40B4-BE49-F238E27FC236}">
+                <a16:creationId xmlns:a16="http://schemas.microsoft.com/office/drawing/2014/main" id="{49C6F77D-7548-D34D-9C9E-B027864F8808}"/>
+              </a:ext>
+            </a:extLst>
+          </p:cNvPr>
+          <p:cNvSpPr txBox="1"/>
+          <p:nvPr/>
+        </p:nvSpPr>
+        <p:spPr>
+          <a:xfrm>
+            <a:off x="392912" y="1171950"/>
+            <a:ext cx="3390591" cy="3046988"/>
+          </a:xfrm>
+          <a:prstGeom prst="rect">
+            <a:avLst/>
+          </a:prstGeom>
+          <a:noFill/>
+        </p:spPr>
+        <p:txBody>
+          <a:bodyPr wrap="square" numCol="2" rtlCol="0">
+            <a:spAutoFit/>
+          </a:bodyPr>
+          <a:lstStyle/>
+          <a:p>
+            <a:r>
+              <a:rPr lang="fr-FR" sz="1600" b="1" dirty="0">
+                <a:solidFill>
+                  <a:srgbClr val="FFA80D"/>
+                </a:solidFill>
+                <a:latin typeface="Amasis MT Pro" panose="02040504050005020304" pitchFamily="18" charset="77"/>
+              </a:rPr>
+              <a:t>Age</a:t>
+            </a:r>
+          </a:p>
+          <a:p>
+            <a:r>
+              <a:rPr lang="fr-FR" sz="1600" b="1" dirty="0">
+                <a:solidFill>
+                  <a:srgbClr val="FFA80D"/>
+                </a:solidFill>
+                <a:latin typeface="Amasis MT Pro" panose="02040504050005020304" pitchFamily="18" charset="77"/>
+              </a:rPr>
+              <a:t>Métier </a:t>
+            </a:r>
+          </a:p>
+          <a:p>
+            <a:r>
+              <a:rPr lang="fr-FR" sz="1600" b="1" dirty="0">
+                <a:solidFill>
+                  <a:srgbClr val="FFA80D"/>
+                </a:solidFill>
+                <a:latin typeface="Amasis MT Pro" panose="02040504050005020304" pitchFamily="18" charset="77"/>
+              </a:rPr>
+              <a:t>Salaire </a:t>
+            </a:r>
+          </a:p>
+          <a:p>
+            <a:r>
+              <a:rPr lang="fr-FR" sz="1600" b="1" dirty="0">
+                <a:solidFill>
+                  <a:srgbClr val="FFA80D"/>
+                </a:solidFill>
+                <a:latin typeface="Amasis MT Pro" panose="02040504050005020304" pitchFamily="18" charset="77"/>
+              </a:rPr>
+              <a:t>Situation</a:t>
+            </a:r>
+          </a:p>
+          <a:p>
+            <a:r>
+              <a:rPr lang="fr-FR" sz="1600" b="1" dirty="0">
+                <a:solidFill>
+                  <a:srgbClr val="FFA80D"/>
+                </a:solidFill>
+                <a:latin typeface="Amasis MT Pro" panose="02040504050005020304" pitchFamily="18" charset="77"/>
+              </a:rPr>
+              <a:t>Ville </a:t>
+            </a:r>
+          </a:p>
+          <a:p>
+            <a:r>
+              <a:rPr lang="fr-FR" sz="1600" b="1" dirty="0">
+                <a:solidFill>
+                  <a:srgbClr val="FFA80D"/>
+                </a:solidFill>
+                <a:latin typeface="Amasis MT Pro" panose="02040504050005020304" pitchFamily="18" charset="77"/>
+              </a:rPr>
+              <a:t>Caractère</a:t>
+            </a:r>
+          </a:p>
+          <a:p>
+            <a:endParaRPr lang="fr-FR" sz="1600" dirty="0">
+              <a:latin typeface="Amasis MT Pro" panose="02040504050005020304" pitchFamily="18" charset="77"/>
+            </a:endParaRPr>
+          </a:p>
+          <a:p>
+            <a:endParaRPr lang="fr-FR" sz="1600" dirty="0">
+              <a:latin typeface="Amasis MT Pro" panose="02040504050005020304" pitchFamily="18" charset="77"/>
+            </a:endParaRPr>
+          </a:p>
+          <a:p>
+            <a:endParaRPr lang="fr-FR" sz="1600" dirty="0">
+              <a:latin typeface="Amasis MT Pro" panose="02040504050005020304" pitchFamily="18" charset="77"/>
+            </a:endParaRPr>
+          </a:p>
+          <a:p>
+            <a:endParaRPr lang="fr-FR" sz="1600" dirty="0">
+              <a:latin typeface="Amasis MT Pro" panose="02040504050005020304" pitchFamily="18" charset="77"/>
+            </a:endParaRPr>
+          </a:p>
+          <a:p>
+            <a:endParaRPr lang="fr-FR" sz="1600" dirty="0">
+              <a:latin typeface="Amasis MT Pro" panose="02040504050005020304" pitchFamily="18" charset="77"/>
+            </a:endParaRPr>
+          </a:p>
+          <a:p>
+            <a:endParaRPr lang="fr-FR" sz="1600" dirty="0">
+              <a:latin typeface="Amasis MT Pro" panose="02040504050005020304" pitchFamily="18" charset="77"/>
+            </a:endParaRPr>
+          </a:p>
+          <a:p>
+            <a:r>
+              <a:rPr lang="fr-FR" sz="1600" dirty="0">
+                <a:latin typeface="Amasis MT Pro" panose="02040504050005020304" pitchFamily="18" charset="77"/>
+              </a:rPr>
+              <a:t>38 ans  </a:t>
+            </a:r>
+          </a:p>
+          <a:p>
+            <a:r>
+              <a:rPr lang="fr-FR" sz="1600" dirty="0">
+                <a:latin typeface="Amasis MT Pro" panose="02040504050005020304" pitchFamily="18" charset="77"/>
+              </a:rPr>
+              <a:t>Chef de projet</a:t>
+            </a:r>
+          </a:p>
+          <a:p>
+            <a:r>
+              <a:rPr lang="fr-FR" dirty="0"/>
+              <a:t>2 506 €</a:t>
+            </a:r>
+            <a:r>
+              <a:rPr lang="fr-FR" sz="1600" dirty="0">
+                <a:latin typeface="Amasis MT Pro" panose="02040504050005020304" pitchFamily="18" charset="77"/>
+              </a:rPr>
+              <a:t> </a:t>
+            </a:r>
+          </a:p>
+          <a:p>
+            <a:r>
+              <a:rPr lang="fr-FR" sz="1600" dirty="0">
+                <a:latin typeface="Amasis MT Pro" panose="02040504050005020304" pitchFamily="18" charset="77"/>
+              </a:rPr>
+              <a:t>Mariée/2 enfants</a:t>
+            </a:r>
+          </a:p>
+          <a:p>
+            <a:r>
+              <a:rPr lang="fr-FR" sz="1600" dirty="0">
+                <a:latin typeface="Amasis MT Pro" panose="02040504050005020304" pitchFamily="18" charset="77"/>
+              </a:rPr>
+              <a:t>Asnières sur Seine</a:t>
+            </a:r>
+          </a:p>
+          <a:p>
+            <a:r>
+              <a:rPr lang="fr-FR" sz="1600" dirty="0">
+                <a:latin typeface="Amasis MT Pro" panose="02040504050005020304" pitchFamily="18" charset="77"/>
+              </a:rPr>
+              <a:t>Déterminée </a:t>
+            </a:r>
+          </a:p>
+        </p:txBody>
+      </p:sp>
+      <p:sp>
+        <p:nvSpPr>
+          <p:cNvPr id="47" name="Rectangle : coins arrondis 46">
+            <a:extLst>
+              <a:ext uri="{FF2B5EF4-FFF2-40B4-BE49-F238E27FC236}">
+                <a16:creationId xmlns:a16="http://schemas.microsoft.com/office/drawing/2014/main" id="{4763EAE1-492B-9046-A1D5-0DA87AC03B7D}"/>
+              </a:ext>
+            </a:extLst>
+          </p:cNvPr>
+          <p:cNvSpPr/>
+          <p:nvPr/>
+        </p:nvSpPr>
+        <p:spPr>
+          <a:xfrm>
+            <a:off x="82727" y="2791899"/>
+            <a:ext cx="1301037" cy="382736"/>
+          </a:xfrm>
+          <a:prstGeom prst="roundRect">
+            <a:avLst/>
+          </a:prstGeom>
+          <a:solidFill>
+            <a:srgbClr val="FF9F0A"/>
+          </a:solidFill>
+          <a:ln>
+            <a:noFill/>
+          </a:ln>
+          <a:effectLst>
+            <a:outerShdw blurRad="50800" dist="133572" dir="2700000" algn="tl" rotWithShape="0">
+              <a:prstClr val="black">
+                <a:alpha val="40000"/>
+              </a:prstClr>
+            </a:outerShdw>
+          </a:effectLst>
+        </p:spPr>
+        <p:style>
+          <a:lnRef idx="2">
+            <a:schemeClr val="accent1">
+              <a:shade val="50000"/>
+            </a:schemeClr>
+          </a:lnRef>
+          <a:fillRef idx="1">
+            <a:schemeClr val="accent1"/>
+          </a:fillRef>
+          <a:effectRef idx="0">
+            <a:schemeClr val="accent1"/>
+          </a:effectRef>
+          <a:fontRef idx="minor">
+            <a:schemeClr val="lt1"/>
+          </a:fontRef>
+        </p:style>
+        <p:txBody>
+          <a:bodyPr rtlCol="0" anchor="ctr"/>
+          <a:lstStyle/>
+          <a:p>
+            <a:pPr algn="ctr"/>
+            <a:r>
+              <a:rPr lang="fr-FR" dirty="0">
+                <a:latin typeface="Amasis MT Pro" panose="02040504050005020304" pitchFamily="18" charset="77"/>
+              </a:rPr>
+              <a:t> Débordée</a:t>
+            </a:r>
+          </a:p>
+        </p:txBody>
+      </p:sp>
+      <p:sp>
+        <p:nvSpPr>
+          <p:cNvPr id="48" name="Rectangle : coins arrondis 47">
+            <a:extLst>
+              <a:ext uri="{FF2B5EF4-FFF2-40B4-BE49-F238E27FC236}">
+                <a16:creationId xmlns:a16="http://schemas.microsoft.com/office/drawing/2014/main" id="{28DD54B2-DF41-AC47-87C3-8F0FB4E6B353}"/>
+              </a:ext>
+            </a:extLst>
+          </p:cNvPr>
+          <p:cNvSpPr/>
+          <p:nvPr/>
+        </p:nvSpPr>
+        <p:spPr>
+          <a:xfrm>
+            <a:off x="1464257" y="2822337"/>
+            <a:ext cx="1301036" cy="376744"/>
+          </a:xfrm>
+          <a:prstGeom prst="roundRect">
+            <a:avLst/>
+          </a:prstGeom>
+          <a:solidFill>
+            <a:srgbClr val="FF9F0A"/>
+          </a:solidFill>
+          <a:ln>
+            <a:noFill/>
+          </a:ln>
+          <a:effectLst>
+            <a:outerShdw blurRad="50800" dist="133572" dir="2700000" algn="tl" rotWithShape="0">
+              <a:prstClr val="black">
+                <a:alpha val="40000"/>
+              </a:prstClr>
+            </a:outerShdw>
+          </a:effectLst>
+        </p:spPr>
+        <p:style>
+          <a:lnRef idx="2">
+            <a:schemeClr val="accent1">
+              <a:shade val="50000"/>
+            </a:schemeClr>
+          </a:lnRef>
+          <a:fillRef idx="1">
+            <a:schemeClr val="accent1"/>
+          </a:fillRef>
+          <a:effectRef idx="0">
+            <a:schemeClr val="accent1"/>
+          </a:effectRef>
+          <a:fontRef idx="minor">
+            <a:schemeClr val="lt1"/>
+          </a:fontRef>
+        </p:style>
+        <p:txBody>
+          <a:bodyPr rtlCol="0" anchor="ctr"/>
+          <a:lstStyle/>
+          <a:p>
+            <a:pPr algn="ctr"/>
+            <a:r>
+              <a:rPr lang="fr-FR" dirty="0">
+                <a:latin typeface="Amasis MT Pro" panose="02040504050005020304" pitchFamily="18" charset="77"/>
+              </a:rPr>
+              <a:t>Optimiste</a:t>
+            </a:r>
+          </a:p>
+        </p:txBody>
+      </p:sp>
+      <p:sp>
+        <p:nvSpPr>
+          <p:cNvPr id="49" name="Rectangle : coins arrondis 48">
+            <a:extLst>
+              <a:ext uri="{FF2B5EF4-FFF2-40B4-BE49-F238E27FC236}">
+                <a16:creationId xmlns:a16="http://schemas.microsoft.com/office/drawing/2014/main" id="{F71D97EC-D83F-774E-B4D0-F4E88774BD0B}"/>
+              </a:ext>
+            </a:extLst>
+          </p:cNvPr>
+          <p:cNvSpPr/>
+          <p:nvPr/>
+        </p:nvSpPr>
+        <p:spPr>
+          <a:xfrm>
+            <a:off x="2845026" y="2838042"/>
+            <a:ext cx="1107772" cy="352297"/>
+          </a:xfrm>
+          <a:prstGeom prst="roundRect">
+            <a:avLst/>
+          </a:prstGeom>
+          <a:solidFill>
+            <a:srgbClr val="FF9F0A"/>
+          </a:solidFill>
+          <a:ln>
+            <a:noFill/>
+          </a:ln>
+          <a:effectLst>
+            <a:outerShdw blurRad="50800" dist="133572" dir="2700000" algn="tl" rotWithShape="0">
+              <a:prstClr val="black">
+                <a:alpha val="40000"/>
+              </a:prstClr>
+            </a:outerShdw>
+          </a:effectLst>
+        </p:spPr>
+        <p:style>
+          <a:lnRef idx="2">
+            <a:schemeClr val="accent1">
+              <a:shade val="50000"/>
+            </a:schemeClr>
+          </a:lnRef>
+          <a:fillRef idx="1">
+            <a:schemeClr val="accent1"/>
+          </a:fillRef>
+          <a:effectRef idx="0">
+            <a:schemeClr val="accent1"/>
+          </a:effectRef>
+          <a:fontRef idx="minor">
+            <a:schemeClr val="lt1"/>
+          </a:fontRef>
+        </p:style>
+        <p:txBody>
+          <a:bodyPr rtlCol="0" anchor="ctr"/>
+          <a:lstStyle/>
+          <a:p>
+            <a:pPr algn="ctr"/>
+            <a:r>
+              <a:rPr lang="fr-FR" dirty="0">
+                <a:latin typeface="Amasis MT Pro" panose="02040504050005020304" pitchFamily="18" charset="77"/>
+              </a:rPr>
+              <a:t>Sportif</a:t>
+            </a:r>
+          </a:p>
+        </p:txBody>
+      </p:sp>
+      <p:sp>
+        <p:nvSpPr>
+          <p:cNvPr id="50" name="ZoneTexte 49">
+            <a:extLst>
+              <a:ext uri="{FF2B5EF4-FFF2-40B4-BE49-F238E27FC236}">
+                <a16:creationId xmlns:a16="http://schemas.microsoft.com/office/drawing/2014/main" id="{68B09DB7-BC18-CB45-82CA-6700EB8BBA07}"/>
+              </a:ext>
+            </a:extLst>
+          </p:cNvPr>
+          <p:cNvSpPr txBox="1"/>
+          <p:nvPr/>
+        </p:nvSpPr>
+        <p:spPr>
+          <a:xfrm>
+            <a:off x="4186260" y="1203839"/>
+            <a:ext cx="2007281" cy="369332"/>
+          </a:xfrm>
+          <a:prstGeom prst="rect">
+            <a:avLst/>
+          </a:prstGeom>
+          <a:noFill/>
+        </p:spPr>
+        <p:txBody>
+          <a:bodyPr wrap="none" rtlCol="0">
+            <a:spAutoFit/>
+          </a:bodyPr>
+          <a:lstStyle/>
+          <a:p>
+            <a:r>
+              <a:rPr lang="fr-FR" dirty="0">
+                <a:solidFill>
+                  <a:srgbClr val="FFA80D"/>
+                </a:solidFill>
+                <a:latin typeface="Amasis MT Pro Medium" panose="02040504050005020304" pitchFamily="18" charset="77"/>
+              </a:rPr>
+              <a:t>Centre d’intérêt : </a:t>
+            </a:r>
+          </a:p>
+        </p:txBody>
+      </p:sp>
+      <p:sp>
+        <p:nvSpPr>
+          <p:cNvPr id="51" name="Rectangle : coins arrondis 50">
+            <a:extLst>
+              <a:ext uri="{FF2B5EF4-FFF2-40B4-BE49-F238E27FC236}">
+                <a16:creationId xmlns:a16="http://schemas.microsoft.com/office/drawing/2014/main" id="{EB1156A1-51F4-BD48-B792-73CA59A0C6F3}"/>
+              </a:ext>
+            </a:extLst>
+          </p:cNvPr>
+          <p:cNvSpPr/>
+          <p:nvPr/>
+        </p:nvSpPr>
+        <p:spPr>
+          <a:xfrm>
+            <a:off x="4281955" y="1675519"/>
+            <a:ext cx="1846861" cy="354031"/>
+          </a:xfrm>
+          <a:prstGeom prst="roundRect">
+            <a:avLst/>
+          </a:prstGeom>
+          <a:solidFill>
+            <a:srgbClr val="FF9F0A"/>
+          </a:solidFill>
+          <a:ln>
+            <a:noFill/>
+          </a:ln>
+          <a:effectLst>
+            <a:outerShdw blurRad="50800" dist="162917" dir="2700000" algn="tl" rotWithShape="0">
+              <a:prstClr val="black">
+                <a:alpha val="40000"/>
+              </a:prstClr>
+            </a:outerShdw>
+          </a:effectLst>
+        </p:spPr>
+        <p:style>
+          <a:lnRef idx="2">
+            <a:schemeClr val="accent1">
+              <a:shade val="50000"/>
+            </a:schemeClr>
+          </a:lnRef>
+          <a:fillRef idx="1">
+            <a:schemeClr val="accent1"/>
+          </a:fillRef>
+          <a:effectRef idx="0">
+            <a:schemeClr val="accent1"/>
+          </a:effectRef>
+          <a:fontRef idx="minor">
+            <a:schemeClr val="lt1"/>
+          </a:fontRef>
+        </p:style>
+        <p:txBody>
+          <a:bodyPr rtlCol="0" anchor="ctr"/>
+          <a:lstStyle/>
+          <a:p>
+            <a:pPr algn="ctr"/>
+            <a:r>
+              <a:rPr lang="fr-FR" dirty="0">
+                <a:latin typeface="Amasis MT Pro" panose="02040504050005020304" pitchFamily="18" charset="77"/>
+              </a:rPr>
+              <a:t>Culture</a:t>
+            </a:r>
+          </a:p>
+        </p:txBody>
+      </p:sp>
+      <p:sp>
+        <p:nvSpPr>
+          <p:cNvPr id="52" name="Rectangle : coins arrondis 51">
+            <a:extLst>
+              <a:ext uri="{FF2B5EF4-FFF2-40B4-BE49-F238E27FC236}">
+                <a16:creationId xmlns:a16="http://schemas.microsoft.com/office/drawing/2014/main" id="{67FF349B-5A14-B341-9C9F-E695A7A0A237}"/>
+              </a:ext>
+            </a:extLst>
+          </p:cNvPr>
+          <p:cNvSpPr/>
+          <p:nvPr/>
+        </p:nvSpPr>
+        <p:spPr>
+          <a:xfrm>
+            <a:off x="6000480" y="2205739"/>
+            <a:ext cx="1533813" cy="354031"/>
+          </a:xfrm>
+          <a:prstGeom prst="roundRect">
+            <a:avLst/>
+          </a:prstGeom>
+          <a:solidFill>
+            <a:srgbClr val="FF9F0A"/>
+          </a:solidFill>
+          <a:ln>
+            <a:noFill/>
+          </a:ln>
+          <a:effectLst>
+            <a:outerShdw blurRad="50800" dist="162917" dir="2700000" algn="tl" rotWithShape="0">
+              <a:prstClr val="black">
+                <a:alpha val="40000"/>
+              </a:prstClr>
+            </a:outerShdw>
+          </a:effectLst>
+        </p:spPr>
+        <p:style>
+          <a:lnRef idx="2">
+            <a:schemeClr val="accent1">
+              <a:shade val="50000"/>
+            </a:schemeClr>
+          </a:lnRef>
+          <a:fillRef idx="1">
+            <a:schemeClr val="accent1"/>
+          </a:fillRef>
+          <a:effectRef idx="0">
+            <a:schemeClr val="accent1"/>
+          </a:effectRef>
+          <a:fontRef idx="minor">
+            <a:schemeClr val="lt1"/>
+          </a:fontRef>
+        </p:style>
+        <p:txBody>
+          <a:bodyPr rtlCol="0" anchor="ctr"/>
+          <a:lstStyle/>
+          <a:p>
+            <a:pPr algn="ctr"/>
+            <a:r>
+              <a:rPr lang="fr-FR" dirty="0">
+                <a:latin typeface="Amasis MT Pro" panose="02040504050005020304" pitchFamily="18" charset="77"/>
+              </a:rPr>
+              <a:t>Gastronomie</a:t>
+            </a:r>
+          </a:p>
+        </p:txBody>
+      </p:sp>
+      <p:sp>
+        <p:nvSpPr>
+          <p:cNvPr id="53" name="Rectangle : coins arrondis 52">
+            <a:extLst>
+              <a:ext uri="{FF2B5EF4-FFF2-40B4-BE49-F238E27FC236}">
+                <a16:creationId xmlns:a16="http://schemas.microsoft.com/office/drawing/2014/main" id="{7B1E5E89-C005-674B-973C-77DE725912BD}"/>
+              </a:ext>
+            </a:extLst>
+          </p:cNvPr>
+          <p:cNvSpPr/>
+          <p:nvPr/>
+        </p:nvSpPr>
+        <p:spPr>
+          <a:xfrm>
+            <a:off x="4297997" y="2846784"/>
+            <a:ext cx="1846861" cy="352297"/>
+          </a:xfrm>
+          <a:prstGeom prst="roundRect">
+            <a:avLst/>
+          </a:prstGeom>
+          <a:solidFill>
+            <a:srgbClr val="FF9F0A"/>
+          </a:solidFill>
+          <a:ln>
+            <a:noFill/>
+          </a:ln>
+          <a:effectLst>
+            <a:outerShdw blurRad="50800" dist="162917" dir="2700000" algn="tl" rotWithShape="0">
+              <a:prstClr val="black">
+                <a:alpha val="40000"/>
+              </a:prstClr>
+            </a:outerShdw>
+          </a:effectLst>
+        </p:spPr>
+        <p:style>
+          <a:lnRef idx="2">
+            <a:schemeClr val="accent1">
+              <a:shade val="50000"/>
+            </a:schemeClr>
+          </a:lnRef>
+          <a:fillRef idx="1">
+            <a:schemeClr val="accent1"/>
+          </a:fillRef>
+          <a:effectRef idx="0">
+            <a:schemeClr val="accent1"/>
+          </a:effectRef>
+          <a:fontRef idx="minor">
+            <a:schemeClr val="lt1"/>
+          </a:fontRef>
+        </p:style>
+        <p:txBody>
+          <a:bodyPr rtlCol="0" anchor="ctr"/>
+          <a:lstStyle/>
+          <a:p>
+            <a:pPr algn="ctr"/>
+            <a:r>
+              <a:rPr lang="fr-FR" dirty="0">
+                <a:latin typeface="Amasis MT Pro" panose="02040504050005020304" pitchFamily="18" charset="77"/>
+              </a:rPr>
+              <a:t>Amis</a:t>
+            </a:r>
+          </a:p>
+        </p:txBody>
+      </p:sp>
+      <p:sp>
+        <p:nvSpPr>
+          <p:cNvPr id="54" name="Rectangle : coins arrondis 53">
+            <a:extLst>
+              <a:ext uri="{FF2B5EF4-FFF2-40B4-BE49-F238E27FC236}">
+                <a16:creationId xmlns:a16="http://schemas.microsoft.com/office/drawing/2014/main" id="{3C0B8945-DC69-784E-B677-042AFA0F7901}"/>
+              </a:ext>
+            </a:extLst>
+          </p:cNvPr>
+          <p:cNvSpPr/>
+          <p:nvPr/>
+        </p:nvSpPr>
+        <p:spPr>
+          <a:xfrm>
+            <a:off x="4297997" y="2205739"/>
+            <a:ext cx="1432836" cy="354031"/>
+          </a:xfrm>
+          <a:prstGeom prst="roundRect">
+            <a:avLst/>
+          </a:prstGeom>
+          <a:solidFill>
+            <a:srgbClr val="FF9F0A"/>
+          </a:solidFill>
+          <a:ln>
+            <a:noFill/>
+          </a:ln>
+          <a:effectLst>
+            <a:outerShdw blurRad="50800" dist="162917" dir="2700000" algn="tl" rotWithShape="0">
+              <a:prstClr val="black">
+                <a:alpha val="40000"/>
+              </a:prstClr>
+            </a:outerShdw>
+          </a:effectLst>
+        </p:spPr>
+        <p:style>
+          <a:lnRef idx="2">
+            <a:schemeClr val="accent1">
+              <a:shade val="50000"/>
+            </a:schemeClr>
+          </a:lnRef>
+          <a:fillRef idx="1">
+            <a:schemeClr val="accent1"/>
+          </a:fillRef>
+          <a:effectRef idx="0">
+            <a:schemeClr val="accent1"/>
+          </a:effectRef>
+          <a:fontRef idx="minor">
+            <a:schemeClr val="lt1"/>
+          </a:fontRef>
+        </p:style>
+        <p:txBody>
+          <a:bodyPr rtlCol="0" anchor="ctr"/>
+          <a:lstStyle/>
+          <a:p>
+            <a:pPr algn="ctr"/>
+            <a:r>
+              <a:rPr lang="fr-FR" dirty="0">
+                <a:latin typeface="Amasis MT Pro" panose="02040504050005020304" pitchFamily="18" charset="77"/>
+              </a:rPr>
+              <a:t>Famille </a:t>
+            </a:r>
+          </a:p>
+        </p:txBody>
+      </p:sp>
+      <p:sp>
+        <p:nvSpPr>
+          <p:cNvPr id="55" name="ZoneTexte 54">
+            <a:extLst>
+              <a:ext uri="{FF2B5EF4-FFF2-40B4-BE49-F238E27FC236}">
+                <a16:creationId xmlns:a16="http://schemas.microsoft.com/office/drawing/2014/main" id="{9DFC728A-C9C9-2C40-9966-C92E58F99EAC}"/>
+              </a:ext>
+            </a:extLst>
+          </p:cNvPr>
+          <p:cNvSpPr txBox="1"/>
+          <p:nvPr/>
+        </p:nvSpPr>
+        <p:spPr>
+          <a:xfrm>
+            <a:off x="8486007" y="1302617"/>
+            <a:ext cx="1186543" cy="369332"/>
+          </a:xfrm>
+          <a:prstGeom prst="rect">
+            <a:avLst/>
+          </a:prstGeom>
+          <a:noFill/>
+        </p:spPr>
+        <p:txBody>
+          <a:bodyPr wrap="none" rtlCol="0">
+            <a:spAutoFit/>
+          </a:bodyPr>
+          <a:lstStyle/>
+          <a:p>
+            <a:r>
+              <a:rPr lang="fr-FR" dirty="0">
+                <a:solidFill>
+                  <a:srgbClr val="FFA80D"/>
+                </a:solidFill>
+                <a:latin typeface="Amasis MT Pro Medium" panose="02040504050005020304" pitchFamily="18" charset="77"/>
+              </a:rPr>
+              <a:t>Attentes</a:t>
+            </a:r>
+            <a:r>
+              <a:rPr lang="fr-FR" dirty="0">
+                <a:solidFill>
+                  <a:schemeClr val="accent6">
+                    <a:lumMod val="50000"/>
+                  </a:schemeClr>
+                </a:solidFill>
+                <a:latin typeface="Amasis MT Pro Medium" panose="02040504050005020304" pitchFamily="18" charset="77"/>
+              </a:rPr>
+              <a:t>: </a:t>
+            </a:r>
+          </a:p>
+        </p:txBody>
+      </p:sp>
+      <p:sp>
+        <p:nvSpPr>
+          <p:cNvPr id="56" name="ZoneTexte 55">
+            <a:extLst>
+              <a:ext uri="{FF2B5EF4-FFF2-40B4-BE49-F238E27FC236}">
+                <a16:creationId xmlns:a16="http://schemas.microsoft.com/office/drawing/2014/main" id="{0B0668FE-7079-304F-843B-B82DC371FACE}"/>
+              </a:ext>
+            </a:extLst>
+          </p:cNvPr>
+          <p:cNvSpPr txBox="1"/>
+          <p:nvPr/>
+        </p:nvSpPr>
+        <p:spPr>
+          <a:xfrm>
+            <a:off x="8486007" y="3310876"/>
+            <a:ext cx="1568827" cy="369332"/>
+          </a:xfrm>
+          <a:prstGeom prst="rect">
+            <a:avLst/>
+          </a:prstGeom>
+          <a:noFill/>
+        </p:spPr>
+        <p:txBody>
+          <a:bodyPr wrap="none" rtlCol="0">
+            <a:spAutoFit/>
+          </a:bodyPr>
+          <a:lstStyle/>
+          <a:p>
+            <a:r>
+              <a:rPr lang="fr-FR" dirty="0">
+                <a:solidFill>
+                  <a:srgbClr val="FFA80D"/>
+                </a:solidFill>
+                <a:latin typeface="Amasis MT Pro Medium" panose="02040504050005020304" pitchFamily="18" charset="77"/>
+              </a:rPr>
+              <a:t>Technologie</a:t>
+            </a:r>
+            <a:r>
+              <a:rPr lang="fr-FR" dirty="0">
+                <a:solidFill>
+                  <a:schemeClr val="accent6">
+                    <a:lumMod val="50000"/>
+                  </a:schemeClr>
+                </a:solidFill>
+                <a:latin typeface="Amasis MT Pro Medium" panose="02040504050005020304" pitchFamily="18" charset="77"/>
+              </a:rPr>
+              <a:t>: </a:t>
+            </a:r>
+          </a:p>
+        </p:txBody>
+      </p:sp>
+      <p:sp>
+        <p:nvSpPr>
+          <p:cNvPr id="57" name="ZoneTexte 56">
+            <a:extLst>
+              <a:ext uri="{FF2B5EF4-FFF2-40B4-BE49-F238E27FC236}">
+                <a16:creationId xmlns:a16="http://schemas.microsoft.com/office/drawing/2014/main" id="{57A20FDB-7EE0-9249-A2DA-6A7CC8BF1041}"/>
+              </a:ext>
+            </a:extLst>
+          </p:cNvPr>
+          <p:cNvSpPr txBox="1"/>
+          <p:nvPr/>
+        </p:nvSpPr>
+        <p:spPr>
+          <a:xfrm>
+            <a:off x="8559163" y="5475167"/>
+            <a:ext cx="2582635" cy="369332"/>
+          </a:xfrm>
+          <a:prstGeom prst="rect">
+            <a:avLst/>
+          </a:prstGeom>
+          <a:noFill/>
+        </p:spPr>
+        <p:txBody>
+          <a:bodyPr wrap="square" rtlCol="0">
+            <a:spAutoFit/>
+          </a:bodyPr>
+          <a:lstStyle/>
+          <a:p>
+            <a:r>
+              <a:rPr lang="fr-FR" dirty="0">
+                <a:solidFill>
+                  <a:srgbClr val="FFA80D"/>
+                </a:solidFill>
+                <a:latin typeface="Amasis MT Pro Medium" panose="02040504050005020304" pitchFamily="18" charset="77"/>
+              </a:rPr>
+              <a:t>Applications utilisées:  </a:t>
+            </a:r>
+          </a:p>
+        </p:txBody>
+      </p:sp>
+      <p:sp>
+        <p:nvSpPr>
+          <p:cNvPr id="58" name="ZoneTexte 57">
+            <a:extLst>
+              <a:ext uri="{FF2B5EF4-FFF2-40B4-BE49-F238E27FC236}">
+                <a16:creationId xmlns:a16="http://schemas.microsoft.com/office/drawing/2014/main" id="{99C97108-8194-6D46-AC07-D6C9A2A119A1}"/>
+              </a:ext>
+            </a:extLst>
+          </p:cNvPr>
+          <p:cNvSpPr txBox="1"/>
+          <p:nvPr/>
+        </p:nvSpPr>
+        <p:spPr>
+          <a:xfrm>
+            <a:off x="8486007" y="1633091"/>
+            <a:ext cx="907493" cy="307777"/>
+          </a:xfrm>
+          <a:prstGeom prst="rect">
+            <a:avLst/>
+          </a:prstGeom>
+          <a:noFill/>
+        </p:spPr>
+        <p:txBody>
+          <a:bodyPr wrap="none" rtlCol="0">
+            <a:spAutoFit/>
+          </a:bodyPr>
+          <a:lstStyle/>
+          <a:p>
+            <a:r>
+              <a:rPr lang="fr-FR" sz="1400" dirty="0">
+                <a:solidFill>
+                  <a:schemeClr val="bg2">
+                    <a:lumMod val="25000"/>
+                  </a:schemeClr>
+                </a:solidFill>
+                <a:latin typeface="Amasis MT Pro Medium" panose="02040504050005020304" pitchFamily="18" charset="77"/>
+              </a:rPr>
+              <a:t>Rapidité </a:t>
+            </a:r>
+          </a:p>
+        </p:txBody>
+      </p:sp>
+      <p:sp>
+        <p:nvSpPr>
+          <p:cNvPr id="59" name="ZoneTexte 58">
+            <a:extLst>
+              <a:ext uri="{FF2B5EF4-FFF2-40B4-BE49-F238E27FC236}">
+                <a16:creationId xmlns:a16="http://schemas.microsoft.com/office/drawing/2014/main" id="{84248353-058B-E649-8160-A977A26155B4}"/>
+              </a:ext>
+            </a:extLst>
+          </p:cNvPr>
+          <p:cNvSpPr txBox="1"/>
+          <p:nvPr/>
+        </p:nvSpPr>
+        <p:spPr>
+          <a:xfrm>
+            <a:off x="8486007" y="2356615"/>
+            <a:ext cx="953531" cy="307777"/>
+          </a:xfrm>
+          <a:prstGeom prst="rect">
+            <a:avLst/>
+          </a:prstGeom>
+          <a:noFill/>
+        </p:spPr>
+        <p:txBody>
+          <a:bodyPr wrap="none" rtlCol="0">
+            <a:spAutoFit/>
+          </a:bodyPr>
+          <a:lstStyle/>
+          <a:p>
+            <a:r>
+              <a:rPr lang="fr-FR" sz="1400" dirty="0">
+                <a:solidFill>
+                  <a:schemeClr val="bg2">
+                    <a:lumMod val="25000"/>
+                  </a:schemeClr>
+                </a:solidFill>
+                <a:latin typeface="Amasis MT Pro Medium" panose="02040504050005020304" pitchFamily="18" charset="77"/>
+              </a:rPr>
+              <a:t>Efficacité</a:t>
+            </a:r>
+          </a:p>
+        </p:txBody>
+      </p:sp>
+      <p:sp>
+        <p:nvSpPr>
+          <p:cNvPr id="60" name="Rectangle : coins arrondis 59">
+            <a:extLst>
+              <a:ext uri="{FF2B5EF4-FFF2-40B4-BE49-F238E27FC236}">
+                <a16:creationId xmlns:a16="http://schemas.microsoft.com/office/drawing/2014/main" id="{78D0390C-6539-8449-B347-09FFFFF7C039}"/>
+              </a:ext>
+            </a:extLst>
+          </p:cNvPr>
+          <p:cNvSpPr/>
+          <p:nvPr/>
+        </p:nvSpPr>
+        <p:spPr>
+          <a:xfrm>
+            <a:off x="8542272" y="1949931"/>
+            <a:ext cx="3128478" cy="353204"/>
+          </a:xfrm>
+          <a:prstGeom prst="roundRect">
+            <a:avLst/>
+          </a:prstGeom>
+          <a:solidFill>
+            <a:schemeClr val="bg1">
+              <a:lumMod val="65000"/>
+            </a:schemeClr>
+          </a:solidFill>
+          <a:ln>
+            <a:noFill/>
+          </a:ln>
+        </p:spPr>
+        <p:style>
+          <a:lnRef idx="2">
+            <a:schemeClr val="accent1">
+              <a:shade val="50000"/>
+            </a:schemeClr>
+          </a:lnRef>
+          <a:fillRef idx="1">
+            <a:schemeClr val="accent1"/>
+          </a:fillRef>
+          <a:effectRef idx="0">
+            <a:schemeClr val="accent1"/>
+          </a:effectRef>
+          <a:fontRef idx="minor">
+            <a:schemeClr val="lt1"/>
+          </a:fontRef>
+        </p:style>
+        <p:txBody>
+          <a:bodyPr rtlCol="0" anchor="ctr"/>
+          <a:lstStyle/>
+          <a:p>
+            <a:pPr algn="ctr"/>
+            <a:endParaRPr lang="fr-FR" dirty="0"/>
+          </a:p>
+        </p:txBody>
+      </p:sp>
+      <p:sp>
+        <p:nvSpPr>
+          <p:cNvPr id="61" name="Rectangle : coins arrondis 60">
+            <a:extLst>
+              <a:ext uri="{FF2B5EF4-FFF2-40B4-BE49-F238E27FC236}">
+                <a16:creationId xmlns:a16="http://schemas.microsoft.com/office/drawing/2014/main" id="{5FB8E15B-500D-9046-AD95-D3206D045487}"/>
+              </a:ext>
+            </a:extLst>
+          </p:cNvPr>
+          <p:cNvSpPr/>
+          <p:nvPr/>
+        </p:nvSpPr>
+        <p:spPr>
+          <a:xfrm>
+            <a:off x="10522768" y="1960386"/>
+            <a:ext cx="521076" cy="341473"/>
+          </a:xfrm>
+          <a:prstGeom prst="roundRect">
+            <a:avLst/>
+          </a:prstGeom>
+          <a:solidFill>
+            <a:srgbClr val="FF9F0A"/>
+          </a:solidFill>
+          <a:ln>
+            <a:noFill/>
+          </a:ln>
+        </p:spPr>
+        <p:style>
+          <a:lnRef idx="2">
+            <a:schemeClr val="accent1">
+              <a:shade val="50000"/>
+            </a:schemeClr>
+          </a:lnRef>
+          <a:fillRef idx="1">
+            <a:schemeClr val="accent1"/>
+          </a:fillRef>
+          <a:effectRef idx="0">
+            <a:schemeClr val="accent1"/>
+          </a:effectRef>
+          <a:fontRef idx="minor">
+            <a:schemeClr val="lt1"/>
+          </a:fontRef>
+        </p:style>
+        <p:txBody>
+          <a:bodyPr rtlCol="0" anchor="ctr"/>
+          <a:lstStyle/>
+          <a:p>
+            <a:pPr algn="ctr"/>
+            <a:endParaRPr lang="fr-FR" dirty="0"/>
+          </a:p>
+        </p:txBody>
+      </p:sp>
+      <p:sp>
+        <p:nvSpPr>
+          <p:cNvPr id="62" name="Rectangle : coins arrondis 61">
+            <a:extLst>
+              <a:ext uri="{FF2B5EF4-FFF2-40B4-BE49-F238E27FC236}">
+                <a16:creationId xmlns:a16="http://schemas.microsoft.com/office/drawing/2014/main" id="{4821CF9F-34C9-AB49-A56A-82DCB5360BFB}"/>
+              </a:ext>
+            </a:extLst>
+          </p:cNvPr>
+          <p:cNvSpPr/>
+          <p:nvPr/>
+        </p:nvSpPr>
+        <p:spPr>
+          <a:xfrm>
+            <a:off x="8542272" y="2679402"/>
+            <a:ext cx="3128478" cy="353204"/>
+          </a:xfrm>
+          <a:prstGeom prst="roundRect">
+            <a:avLst/>
+          </a:prstGeom>
+          <a:solidFill>
+            <a:schemeClr val="bg1">
+              <a:lumMod val="65000"/>
+            </a:schemeClr>
+          </a:solidFill>
+          <a:ln>
+            <a:noFill/>
+          </a:ln>
+        </p:spPr>
+        <p:style>
+          <a:lnRef idx="2">
+            <a:schemeClr val="accent1">
+              <a:shade val="50000"/>
+            </a:schemeClr>
+          </a:lnRef>
+          <a:fillRef idx="1">
+            <a:schemeClr val="accent1"/>
+          </a:fillRef>
+          <a:effectRef idx="0">
+            <a:schemeClr val="accent1"/>
+          </a:effectRef>
+          <a:fontRef idx="minor">
+            <a:schemeClr val="lt1"/>
+          </a:fontRef>
+        </p:style>
+        <p:txBody>
+          <a:bodyPr rtlCol="0" anchor="ctr"/>
+          <a:lstStyle/>
+          <a:p>
+            <a:pPr algn="ctr"/>
+            <a:endParaRPr lang="fr-FR" dirty="0"/>
+          </a:p>
+        </p:txBody>
+      </p:sp>
+      <p:sp>
+        <p:nvSpPr>
+          <p:cNvPr id="63" name="Rectangle : coins arrondis 62">
+            <a:extLst>
+              <a:ext uri="{FF2B5EF4-FFF2-40B4-BE49-F238E27FC236}">
+                <a16:creationId xmlns:a16="http://schemas.microsoft.com/office/drawing/2014/main" id="{98847410-EF8F-1B4E-B74F-C4648912E1BC}"/>
+              </a:ext>
+            </a:extLst>
+          </p:cNvPr>
+          <p:cNvSpPr/>
+          <p:nvPr/>
+        </p:nvSpPr>
+        <p:spPr>
+          <a:xfrm>
+            <a:off x="11141358" y="2691132"/>
+            <a:ext cx="521076" cy="341473"/>
+          </a:xfrm>
+          <a:prstGeom prst="roundRect">
+            <a:avLst/>
+          </a:prstGeom>
+          <a:solidFill>
+            <a:srgbClr val="FF9F0A"/>
+          </a:solidFill>
+          <a:ln>
+            <a:noFill/>
+          </a:ln>
+        </p:spPr>
+        <p:style>
+          <a:lnRef idx="2">
+            <a:schemeClr val="accent1">
+              <a:shade val="50000"/>
+            </a:schemeClr>
+          </a:lnRef>
+          <a:fillRef idx="1">
+            <a:schemeClr val="accent1"/>
+          </a:fillRef>
+          <a:effectRef idx="0">
+            <a:schemeClr val="accent1"/>
+          </a:effectRef>
+          <a:fontRef idx="minor">
+            <a:schemeClr val="lt1"/>
+          </a:fontRef>
+        </p:style>
+        <p:txBody>
+          <a:bodyPr rtlCol="0" anchor="ctr"/>
+          <a:lstStyle/>
+          <a:p>
+            <a:pPr algn="ctr"/>
+            <a:endParaRPr lang="fr-FR" dirty="0"/>
+          </a:p>
+        </p:txBody>
+      </p:sp>
+      <p:sp>
+        <p:nvSpPr>
+          <p:cNvPr id="64" name="ZoneTexte 63">
+            <a:extLst>
+              <a:ext uri="{FF2B5EF4-FFF2-40B4-BE49-F238E27FC236}">
+                <a16:creationId xmlns:a16="http://schemas.microsoft.com/office/drawing/2014/main" id="{6F76D995-B09B-164B-B8A8-5CA8E6FC8150}"/>
+              </a:ext>
+            </a:extLst>
+          </p:cNvPr>
+          <p:cNvSpPr txBox="1"/>
+          <p:nvPr/>
+        </p:nvSpPr>
+        <p:spPr>
+          <a:xfrm>
+            <a:off x="11261559" y="2646952"/>
+            <a:ext cx="300082" cy="369332"/>
+          </a:xfrm>
+          <a:prstGeom prst="rect">
+            <a:avLst/>
+          </a:prstGeom>
+          <a:noFill/>
+        </p:spPr>
+        <p:txBody>
+          <a:bodyPr wrap="none" rtlCol="0">
+            <a:spAutoFit/>
+          </a:bodyPr>
+          <a:lstStyle/>
+          <a:p>
+            <a:r>
+              <a:rPr lang="fr-FR" dirty="0"/>
+              <a:t>+</a:t>
+            </a:r>
+          </a:p>
+        </p:txBody>
+      </p:sp>
+      <p:sp>
+        <p:nvSpPr>
+          <p:cNvPr id="65" name="ZoneTexte 64">
+            <a:extLst>
+              <a:ext uri="{FF2B5EF4-FFF2-40B4-BE49-F238E27FC236}">
+                <a16:creationId xmlns:a16="http://schemas.microsoft.com/office/drawing/2014/main" id="{181099F3-28DD-0447-B979-7E3661113F27}"/>
+              </a:ext>
+            </a:extLst>
+          </p:cNvPr>
+          <p:cNvSpPr txBox="1"/>
+          <p:nvPr/>
+        </p:nvSpPr>
+        <p:spPr>
+          <a:xfrm>
+            <a:off x="8583225" y="2679476"/>
+            <a:ext cx="255198" cy="369332"/>
+          </a:xfrm>
+          <a:prstGeom prst="rect">
+            <a:avLst/>
+          </a:prstGeom>
+          <a:noFill/>
+        </p:spPr>
+        <p:txBody>
+          <a:bodyPr wrap="none" rtlCol="0">
+            <a:spAutoFit/>
+          </a:bodyPr>
+          <a:lstStyle/>
+          <a:p>
+            <a:r>
+              <a:rPr lang="fr-FR" dirty="0"/>
+              <a:t>-</a:t>
+            </a:r>
+          </a:p>
+        </p:txBody>
+      </p:sp>
+      <p:sp>
+        <p:nvSpPr>
+          <p:cNvPr id="66" name="ZoneTexte 65">
+            <a:extLst>
+              <a:ext uri="{FF2B5EF4-FFF2-40B4-BE49-F238E27FC236}">
+                <a16:creationId xmlns:a16="http://schemas.microsoft.com/office/drawing/2014/main" id="{CE8362C9-1B83-A748-A234-52B5DBF69B2E}"/>
+              </a:ext>
+            </a:extLst>
+          </p:cNvPr>
+          <p:cNvSpPr txBox="1"/>
+          <p:nvPr/>
+        </p:nvSpPr>
+        <p:spPr>
+          <a:xfrm>
+            <a:off x="11349791" y="1933080"/>
+            <a:ext cx="300082" cy="369332"/>
+          </a:xfrm>
+          <a:prstGeom prst="rect">
+            <a:avLst/>
+          </a:prstGeom>
+          <a:noFill/>
+        </p:spPr>
+        <p:txBody>
+          <a:bodyPr wrap="none" rtlCol="0">
+            <a:spAutoFit/>
+          </a:bodyPr>
+          <a:lstStyle/>
+          <a:p>
+            <a:r>
+              <a:rPr lang="fr-FR" dirty="0"/>
+              <a:t>+</a:t>
+            </a:r>
+          </a:p>
+        </p:txBody>
+      </p:sp>
+      <p:sp>
+        <p:nvSpPr>
+          <p:cNvPr id="67" name="ZoneTexte 66">
+            <a:extLst>
+              <a:ext uri="{FF2B5EF4-FFF2-40B4-BE49-F238E27FC236}">
+                <a16:creationId xmlns:a16="http://schemas.microsoft.com/office/drawing/2014/main" id="{FA7CBA58-E9AB-3947-AEC3-95C27FC8C983}"/>
+              </a:ext>
+            </a:extLst>
+          </p:cNvPr>
+          <p:cNvSpPr txBox="1"/>
+          <p:nvPr/>
+        </p:nvSpPr>
+        <p:spPr>
+          <a:xfrm>
+            <a:off x="8559163" y="1933522"/>
+            <a:ext cx="255198" cy="369332"/>
+          </a:xfrm>
+          <a:prstGeom prst="rect">
+            <a:avLst/>
+          </a:prstGeom>
+          <a:noFill/>
+        </p:spPr>
+        <p:txBody>
+          <a:bodyPr wrap="none" rtlCol="0">
+            <a:spAutoFit/>
+          </a:bodyPr>
+          <a:lstStyle/>
+          <a:p>
+            <a:r>
+              <a:rPr lang="fr-FR" dirty="0"/>
+              <a:t>-</a:t>
+            </a:r>
+          </a:p>
+        </p:txBody>
+      </p:sp>
+      <p:sp>
+        <p:nvSpPr>
+          <p:cNvPr id="68" name="ZoneTexte 67">
+            <a:extLst>
+              <a:ext uri="{FF2B5EF4-FFF2-40B4-BE49-F238E27FC236}">
+                <a16:creationId xmlns:a16="http://schemas.microsoft.com/office/drawing/2014/main" id="{B88E8487-A708-4747-BE33-AFAA92D4A6E8}"/>
+              </a:ext>
+            </a:extLst>
+          </p:cNvPr>
+          <p:cNvSpPr txBox="1"/>
+          <p:nvPr/>
+        </p:nvSpPr>
+        <p:spPr>
+          <a:xfrm>
+            <a:off x="8534133" y="3632687"/>
+            <a:ext cx="886268" cy="307777"/>
+          </a:xfrm>
+          <a:prstGeom prst="rect">
+            <a:avLst/>
+          </a:prstGeom>
+          <a:noFill/>
+        </p:spPr>
+        <p:txBody>
+          <a:bodyPr wrap="none" rtlCol="0">
+            <a:spAutoFit/>
+          </a:bodyPr>
+          <a:lstStyle/>
+          <a:p>
+            <a:r>
+              <a:rPr lang="fr-FR" sz="1400" dirty="0">
+                <a:solidFill>
+                  <a:schemeClr val="bg2">
+                    <a:lumMod val="25000"/>
+                  </a:schemeClr>
+                </a:solidFill>
+                <a:latin typeface="Amasis MT Pro Medium" panose="02040504050005020304" pitchFamily="18" charset="77"/>
+              </a:rPr>
+              <a:t>Internet </a:t>
+            </a:r>
+          </a:p>
+        </p:txBody>
+      </p:sp>
+      <p:sp>
+        <p:nvSpPr>
+          <p:cNvPr id="69" name="ZoneTexte 68">
+            <a:extLst>
+              <a:ext uri="{FF2B5EF4-FFF2-40B4-BE49-F238E27FC236}">
+                <a16:creationId xmlns:a16="http://schemas.microsoft.com/office/drawing/2014/main" id="{EA9CB556-9AAE-454C-9887-D6E4D00D78BB}"/>
+              </a:ext>
+            </a:extLst>
+          </p:cNvPr>
+          <p:cNvSpPr txBox="1"/>
+          <p:nvPr/>
+        </p:nvSpPr>
+        <p:spPr>
+          <a:xfrm>
+            <a:off x="8553861" y="4155380"/>
+            <a:ext cx="1170513" cy="307777"/>
+          </a:xfrm>
+          <a:prstGeom prst="rect">
+            <a:avLst/>
+          </a:prstGeom>
+          <a:noFill/>
+        </p:spPr>
+        <p:txBody>
+          <a:bodyPr wrap="none" rtlCol="0">
+            <a:spAutoFit/>
+          </a:bodyPr>
+          <a:lstStyle/>
+          <a:p>
+            <a:r>
+              <a:rPr lang="fr-FR" sz="1400" dirty="0">
+                <a:solidFill>
+                  <a:schemeClr val="bg2">
+                    <a:lumMod val="25000"/>
+                  </a:schemeClr>
+                </a:solidFill>
+                <a:latin typeface="Amasis MT Pro Medium" panose="02040504050005020304" pitchFamily="18" charset="77"/>
+              </a:rPr>
+              <a:t>App Mobile </a:t>
+            </a:r>
+          </a:p>
+        </p:txBody>
+      </p:sp>
+      <p:sp>
+        <p:nvSpPr>
+          <p:cNvPr id="70" name="ZoneTexte 69">
+            <a:extLst>
+              <a:ext uri="{FF2B5EF4-FFF2-40B4-BE49-F238E27FC236}">
+                <a16:creationId xmlns:a16="http://schemas.microsoft.com/office/drawing/2014/main" id="{146298FF-FCBA-9C48-B2DC-EB60828377F3}"/>
+              </a:ext>
+            </a:extLst>
+          </p:cNvPr>
+          <p:cNvSpPr txBox="1"/>
+          <p:nvPr/>
+        </p:nvSpPr>
+        <p:spPr>
+          <a:xfrm>
+            <a:off x="8526230" y="4750925"/>
+            <a:ext cx="1574470" cy="307777"/>
+          </a:xfrm>
+          <a:prstGeom prst="rect">
+            <a:avLst/>
+          </a:prstGeom>
+          <a:noFill/>
+        </p:spPr>
+        <p:txBody>
+          <a:bodyPr wrap="none" rtlCol="0">
+            <a:spAutoFit/>
+          </a:bodyPr>
+          <a:lstStyle/>
+          <a:p>
+            <a:r>
+              <a:rPr lang="fr-FR" sz="1400" dirty="0">
+                <a:solidFill>
+                  <a:schemeClr val="bg2">
+                    <a:lumMod val="25000"/>
+                  </a:schemeClr>
+                </a:solidFill>
+                <a:latin typeface="Amasis MT Pro Medium" panose="02040504050005020304" pitchFamily="18" charset="77"/>
+              </a:rPr>
+              <a:t>Réseaux sociaux </a:t>
+            </a:r>
+          </a:p>
+        </p:txBody>
+      </p:sp>
+      <p:sp>
+        <p:nvSpPr>
+          <p:cNvPr id="71" name="Rectangle : coins arrondis 70">
+            <a:extLst>
+              <a:ext uri="{FF2B5EF4-FFF2-40B4-BE49-F238E27FC236}">
+                <a16:creationId xmlns:a16="http://schemas.microsoft.com/office/drawing/2014/main" id="{6A48723B-A916-474D-9F06-84E5FAC0295A}"/>
+              </a:ext>
+            </a:extLst>
+          </p:cNvPr>
+          <p:cNvSpPr/>
+          <p:nvPr/>
+        </p:nvSpPr>
+        <p:spPr>
+          <a:xfrm>
+            <a:off x="8552503" y="3957818"/>
+            <a:ext cx="3128478" cy="277162"/>
+          </a:xfrm>
+          <a:prstGeom prst="roundRect">
+            <a:avLst/>
+          </a:prstGeom>
+          <a:solidFill>
+            <a:schemeClr val="bg1">
+              <a:lumMod val="85000"/>
+            </a:schemeClr>
+          </a:solidFill>
+          <a:ln>
+            <a:noFill/>
+          </a:ln>
+        </p:spPr>
+        <p:style>
+          <a:lnRef idx="2">
+            <a:schemeClr val="accent1">
+              <a:shade val="50000"/>
+            </a:schemeClr>
+          </a:lnRef>
+          <a:fillRef idx="1">
+            <a:schemeClr val="accent1"/>
+          </a:fillRef>
+          <a:effectRef idx="0">
+            <a:schemeClr val="accent1"/>
+          </a:effectRef>
+          <a:fontRef idx="minor">
+            <a:schemeClr val="lt1"/>
+          </a:fontRef>
+        </p:style>
+        <p:txBody>
+          <a:bodyPr rtlCol="0" anchor="ctr"/>
+          <a:lstStyle/>
+          <a:p>
+            <a:pPr algn="ctr"/>
+            <a:endParaRPr lang="fr-FR" dirty="0"/>
+          </a:p>
+        </p:txBody>
+      </p:sp>
+      <p:sp>
+        <p:nvSpPr>
+          <p:cNvPr id="72" name="Rectangle : coins arrondis 71">
+            <a:extLst>
+              <a:ext uri="{FF2B5EF4-FFF2-40B4-BE49-F238E27FC236}">
+                <a16:creationId xmlns:a16="http://schemas.microsoft.com/office/drawing/2014/main" id="{165A4DC1-BF47-3A49-94D4-566C8091C922}"/>
+              </a:ext>
+            </a:extLst>
+          </p:cNvPr>
+          <p:cNvSpPr/>
+          <p:nvPr/>
+        </p:nvSpPr>
+        <p:spPr>
+          <a:xfrm>
+            <a:off x="8559163" y="3967976"/>
+            <a:ext cx="3090710" cy="250098"/>
+          </a:xfrm>
+          <a:prstGeom prst="roundRect">
+            <a:avLst/>
+          </a:prstGeom>
+          <a:solidFill>
+            <a:srgbClr val="FCC568"/>
+          </a:solidFill>
+          <a:ln>
+            <a:noFill/>
+          </a:ln>
+        </p:spPr>
+        <p:style>
+          <a:lnRef idx="2">
+            <a:schemeClr val="accent1">
+              <a:shade val="50000"/>
+            </a:schemeClr>
+          </a:lnRef>
+          <a:fillRef idx="1">
+            <a:schemeClr val="accent1"/>
+          </a:fillRef>
+          <a:effectRef idx="0">
+            <a:schemeClr val="accent1"/>
+          </a:effectRef>
+          <a:fontRef idx="minor">
+            <a:schemeClr val="lt1"/>
+          </a:fontRef>
+        </p:style>
+        <p:txBody>
+          <a:bodyPr rtlCol="0" anchor="ctr"/>
+          <a:lstStyle/>
+          <a:p>
+            <a:pPr algn="ctr"/>
+            <a:endParaRPr lang="fr-FR" dirty="0"/>
+          </a:p>
+        </p:txBody>
+      </p:sp>
+      <p:sp>
+        <p:nvSpPr>
+          <p:cNvPr id="73" name="Rectangle : coins arrondis 72">
+            <a:extLst>
+              <a:ext uri="{FF2B5EF4-FFF2-40B4-BE49-F238E27FC236}">
+                <a16:creationId xmlns:a16="http://schemas.microsoft.com/office/drawing/2014/main" id="{683E2EF5-4CE8-CE45-936F-F4659B184037}"/>
+              </a:ext>
+            </a:extLst>
+          </p:cNvPr>
+          <p:cNvSpPr/>
+          <p:nvPr/>
+        </p:nvSpPr>
+        <p:spPr>
+          <a:xfrm>
+            <a:off x="8576565" y="4494338"/>
+            <a:ext cx="3128478" cy="277162"/>
+          </a:xfrm>
+          <a:prstGeom prst="roundRect">
+            <a:avLst/>
+          </a:prstGeom>
+          <a:solidFill>
+            <a:schemeClr val="bg1">
+              <a:lumMod val="85000"/>
+            </a:schemeClr>
+          </a:solidFill>
+          <a:ln>
+            <a:noFill/>
+          </a:ln>
+        </p:spPr>
+        <p:style>
+          <a:lnRef idx="2">
+            <a:schemeClr val="accent1">
+              <a:shade val="50000"/>
+            </a:schemeClr>
+          </a:lnRef>
+          <a:fillRef idx="1">
+            <a:schemeClr val="accent1"/>
+          </a:fillRef>
+          <a:effectRef idx="0">
+            <a:schemeClr val="accent1"/>
+          </a:effectRef>
+          <a:fontRef idx="minor">
+            <a:schemeClr val="lt1"/>
+          </a:fontRef>
+        </p:style>
+        <p:txBody>
+          <a:bodyPr rtlCol="0" anchor="ctr"/>
+          <a:lstStyle/>
+          <a:p>
+            <a:pPr algn="ctr"/>
+            <a:endParaRPr lang="fr-FR" dirty="0"/>
+          </a:p>
+        </p:txBody>
+      </p:sp>
+      <p:sp>
+        <p:nvSpPr>
+          <p:cNvPr id="74" name="Rectangle : coins arrondis 73">
+            <a:extLst>
+              <a:ext uri="{FF2B5EF4-FFF2-40B4-BE49-F238E27FC236}">
+                <a16:creationId xmlns:a16="http://schemas.microsoft.com/office/drawing/2014/main" id="{4B8647EA-5E27-FE46-B531-75A19373B32E}"/>
+              </a:ext>
+            </a:extLst>
+          </p:cNvPr>
+          <p:cNvSpPr/>
+          <p:nvPr/>
+        </p:nvSpPr>
+        <p:spPr>
+          <a:xfrm>
+            <a:off x="8583224" y="4489144"/>
+            <a:ext cx="3079209" cy="261781"/>
+          </a:xfrm>
+          <a:prstGeom prst="roundRect">
+            <a:avLst/>
+          </a:prstGeom>
+          <a:solidFill>
+            <a:srgbClr val="FCC568"/>
+          </a:solidFill>
+          <a:ln>
+            <a:noFill/>
+          </a:ln>
+        </p:spPr>
+        <p:style>
+          <a:lnRef idx="2">
+            <a:schemeClr val="accent1">
+              <a:shade val="50000"/>
+            </a:schemeClr>
+          </a:lnRef>
+          <a:fillRef idx="1">
+            <a:schemeClr val="accent1"/>
+          </a:fillRef>
+          <a:effectRef idx="0">
+            <a:schemeClr val="accent1"/>
+          </a:effectRef>
+          <a:fontRef idx="minor">
+            <a:schemeClr val="lt1"/>
+          </a:fontRef>
+        </p:style>
+        <p:txBody>
+          <a:bodyPr rtlCol="0" anchor="ctr"/>
+          <a:lstStyle/>
+          <a:p>
+            <a:pPr algn="ctr"/>
+            <a:endParaRPr lang="fr-FR" dirty="0"/>
+          </a:p>
+        </p:txBody>
+      </p:sp>
+      <p:sp>
+        <p:nvSpPr>
+          <p:cNvPr id="75" name="Rectangle : coins arrondis 74">
+            <a:extLst>
+              <a:ext uri="{FF2B5EF4-FFF2-40B4-BE49-F238E27FC236}">
+                <a16:creationId xmlns:a16="http://schemas.microsoft.com/office/drawing/2014/main" id="{C9906979-B12B-5D4F-8DC2-6560F837360F}"/>
+              </a:ext>
+            </a:extLst>
+          </p:cNvPr>
+          <p:cNvSpPr/>
+          <p:nvPr/>
+        </p:nvSpPr>
+        <p:spPr>
+          <a:xfrm>
+            <a:off x="8583225" y="5032164"/>
+            <a:ext cx="3128478" cy="277162"/>
+          </a:xfrm>
+          <a:prstGeom prst="roundRect">
+            <a:avLst/>
+          </a:prstGeom>
+          <a:solidFill>
+            <a:schemeClr val="bg1">
+              <a:lumMod val="85000"/>
+            </a:schemeClr>
+          </a:solidFill>
+          <a:ln>
+            <a:noFill/>
+          </a:ln>
+        </p:spPr>
+        <p:style>
+          <a:lnRef idx="2">
+            <a:schemeClr val="accent1">
+              <a:shade val="50000"/>
+            </a:schemeClr>
+          </a:lnRef>
+          <a:fillRef idx="1">
+            <a:schemeClr val="accent1"/>
+          </a:fillRef>
+          <a:effectRef idx="0">
+            <a:schemeClr val="accent1"/>
+          </a:effectRef>
+          <a:fontRef idx="minor">
+            <a:schemeClr val="lt1"/>
+          </a:fontRef>
+        </p:style>
+        <p:txBody>
+          <a:bodyPr rtlCol="0" anchor="ctr"/>
+          <a:lstStyle/>
+          <a:p>
+            <a:pPr algn="ctr"/>
+            <a:endParaRPr lang="fr-FR" dirty="0"/>
+          </a:p>
+        </p:txBody>
+      </p:sp>
+      <p:sp>
+        <p:nvSpPr>
+          <p:cNvPr id="76" name="Rectangle : coins arrondis 75">
+            <a:extLst>
+              <a:ext uri="{FF2B5EF4-FFF2-40B4-BE49-F238E27FC236}">
+                <a16:creationId xmlns:a16="http://schemas.microsoft.com/office/drawing/2014/main" id="{E19F418C-779B-1C4E-9376-333602027C2C}"/>
+              </a:ext>
+            </a:extLst>
+          </p:cNvPr>
+          <p:cNvSpPr/>
+          <p:nvPr/>
+        </p:nvSpPr>
+        <p:spPr>
+          <a:xfrm>
+            <a:off x="8589885" y="5026971"/>
+            <a:ext cx="2112089" cy="270644"/>
+          </a:xfrm>
+          <a:prstGeom prst="roundRect">
+            <a:avLst/>
+          </a:prstGeom>
+          <a:solidFill>
+            <a:srgbClr val="FCC568"/>
+          </a:solidFill>
+          <a:ln>
+            <a:noFill/>
+          </a:ln>
+        </p:spPr>
+        <p:style>
+          <a:lnRef idx="2">
+            <a:schemeClr val="accent1">
+              <a:shade val="50000"/>
+            </a:schemeClr>
+          </a:lnRef>
+          <a:fillRef idx="1">
+            <a:schemeClr val="accent1"/>
+          </a:fillRef>
+          <a:effectRef idx="0">
+            <a:schemeClr val="accent1"/>
+          </a:effectRef>
+          <a:fontRef idx="minor">
+            <a:schemeClr val="lt1"/>
+          </a:fontRef>
+        </p:style>
+        <p:txBody>
+          <a:bodyPr rtlCol="0" anchor="ctr"/>
+          <a:lstStyle/>
+          <a:p>
+            <a:pPr algn="ctr"/>
+            <a:endParaRPr lang="fr-FR" dirty="0"/>
+          </a:p>
+        </p:txBody>
+      </p:sp>
+      <p:sp>
+        <p:nvSpPr>
+          <p:cNvPr id="77" name="ZoneTexte 76">
+            <a:extLst>
+              <a:ext uri="{FF2B5EF4-FFF2-40B4-BE49-F238E27FC236}">
+                <a16:creationId xmlns:a16="http://schemas.microsoft.com/office/drawing/2014/main" id="{BC04A42D-A9FD-B845-BA16-1284BC882475}"/>
+              </a:ext>
+            </a:extLst>
+          </p:cNvPr>
+          <p:cNvSpPr txBox="1"/>
+          <p:nvPr/>
+        </p:nvSpPr>
+        <p:spPr>
+          <a:xfrm>
+            <a:off x="9850480" y="5825674"/>
+            <a:ext cx="1018227" cy="369332"/>
+          </a:xfrm>
+          <a:prstGeom prst="rect">
+            <a:avLst/>
+          </a:prstGeom>
+          <a:noFill/>
+          <a:effectLst>
+            <a:outerShdw blurRad="50800" dist="50800" dir="2700000" algn="tl" rotWithShape="0">
+              <a:prstClr val="black">
+                <a:alpha val="27759"/>
+              </a:prstClr>
+            </a:outerShdw>
+          </a:effectLst>
+        </p:spPr>
+        <p:txBody>
+          <a:bodyPr wrap="none" rtlCol="0">
+            <a:spAutoFit/>
+          </a:bodyPr>
+          <a:lstStyle/>
+          <a:p>
+            <a:r>
+              <a:rPr lang="fr-FR" i="1" dirty="0">
+                <a:solidFill>
+                  <a:srgbClr val="FFA80D"/>
+                </a:solidFill>
+                <a:latin typeface="Amasis MT Pro Medium" panose="02040504050005020304" pitchFamily="18" charset="77"/>
+              </a:rPr>
+              <a:t>Delivroo</a:t>
+            </a:r>
+          </a:p>
+        </p:txBody>
+      </p:sp>
+      <p:sp>
+        <p:nvSpPr>
+          <p:cNvPr id="78" name="ZoneTexte 77">
+            <a:extLst>
+              <a:ext uri="{FF2B5EF4-FFF2-40B4-BE49-F238E27FC236}">
+                <a16:creationId xmlns:a16="http://schemas.microsoft.com/office/drawing/2014/main" id="{3A34A3D9-3BE8-1E45-8FCB-1555ACDF3544}"/>
+              </a:ext>
+            </a:extLst>
+          </p:cNvPr>
+          <p:cNvSpPr txBox="1"/>
+          <p:nvPr/>
+        </p:nvSpPr>
+        <p:spPr>
+          <a:xfrm>
+            <a:off x="9111355" y="6215080"/>
+            <a:ext cx="1080680" cy="369332"/>
+          </a:xfrm>
+          <a:prstGeom prst="rect">
+            <a:avLst/>
+          </a:prstGeom>
+          <a:noFill/>
+          <a:effectLst>
+            <a:outerShdw blurRad="50800" dist="50800" dir="2700000" algn="tl" rotWithShape="0">
+              <a:prstClr val="black">
+                <a:alpha val="27759"/>
+              </a:prstClr>
+            </a:outerShdw>
+          </a:effectLst>
+        </p:spPr>
+        <p:txBody>
+          <a:bodyPr wrap="none" rtlCol="0">
+            <a:spAutoFit/>
+          </a:bodyPr>
+          <a:lstStyle/>
+          <a:p>
+            <a:r>
+              <a:rPr lang="fr-FR" i="1" dirty="0">
+                <a:solidFill>
+                  <a:srgbClr val="FFA80D"/>
+                </a:solidFill>
+                <a:latin typeface="Amasis MT Pro Medium" panose="02040504050005020304" pitchFamily="18" charset="77"/>
+              </a:rPr>
+              <a:t>UberEats</a:t>
+            </a:r>
+          </a:p>
+        </p:txBody>
+      </p:sp>
+      <p:sp>
+        <p:nvSpPr>
+          <p:cNvPr id="79" name="ZoneTexte 78">
+            <a:extLst>
+              <a:ext uri="{FF2B5EF4-FFF2-40B4-BE49-F238E27FC236}">
+                <a16:creationId xmlns:a16="http://schemas.microsoft.com/office/drawing/2014/main" id="{5299F704-04BE-2949-8DF2-DAA45FD8BA55}"/>
+              </a:ext>
+            </a:extLst>
+          </p:cNvPr>
+          <p:cNvSpPr txBox="1"/>
+          <p:nvPr/>
+        </p:nvSpPr>
+        <p:spPr>
+          <a:xfrm>
+            <a:off x="10498703" y="6154428"/>
+            <a:ext cx="917174" cy="369332"/>
+          </a:xfrm>
+          <a:prstGeom prst="rect">
+            <a:avLst/>
+          </a:prstGeom>
+          <a:noFill/>
+          <a:effectLst>
+            <a:outerShdw blurRad="50800" dist="50800" dir="2700000" algn="tl" rotWithShape="0">
+              <a:prstClr val="black">
+                <a:alpha val="27759"/>
+              </a:prstClr>
+            </a:outerShdw>
+          </a:effectLst>
+        </p:spPr>
+        <p:txBody>
+          <a:bodyPr wrap="none" rtlCol="0">
+            <a:spAutoFit/>
+          </a:bodyPr>
+          <a:lstStyle/>
+          <a:p>
+            <a:r>
+              <a:rPr lang="fr-FR" i="1" dirty="0">
+                <a:solidFill>
+                  <a:srgbClr val="FFA80D"/>
+                </a:solidFill>
+                <a:latin typeface="Amasis MT Pro Medium" panose="02040504050005020304" pitchFamily="18" charset="77"/>
+              </a:rPr>
+              <a:t>JustEat</a:t>
+            </a:r>
+          </a:p>
+        </p:txBody>
+      </p:sp>
+      <p:pic>
+        <p:nvPicPr>
+          <p:cNvPr id="83" name="Image 82" descr="Une image contenant personne, intérieur&#10;&#10;Description générée automatiquement">
+            <a:extLst>
+              <a:ext uri="{FF2B5EF4-FFF2-40B4-BE49-F238E27FC236}">
+                <a16:creationId xmlns:a16="http://schemas.microsoft.com/office/drawing/2014/main" id="{256CD1B5-C10D-A547-9D03-780FB6F3AEE2}"/>
               </a:ext>
             </a:extLst>
           </p:cNvPr>
@@ -7636,56 +11309,93 @@
         </p:blipFill>
         <p:spPr>
           <a:xfrm>
-            <a:off x="2331767" y="643467"/>
-            <a:ext cx="7528465" cy="5571065"/>
+            <a:off x="461522" y="3354847"/>
+            <a:ext cx="2787281" cy="2062588"/>
           </a:xfrm>
           <a:prstGeom prst="rect">
             <a:avLst/>
           </a:prstGeom>
-          <a:ln>
-            <a:noFill/>
+          <a:ln w="57150">
+            <a:solidFill>
+              <a:srgbClr val="FF9F0A"/>
+            </a:solidFill>
           </a:ln>
         </p:spPr>
       </p:pic>
-      <p:sp>
-        <p:nvSpPr>
-          <p:cNvPr id="43" name="Isosceles Triangle 42">
-            <a:extLst>
-              <a:ext uri="{FF2B5EF4-FFF2-40B4-BE49-F238E27FC236}">
-                <a16:creationId xmlns:a16="http://schemas.microsoft.com/office/drawing/2014/main" id="{3ECA69A1-7536-43AC-85EF-C7106179F5ED}"/>
-              </a:ext>
-              <a:ext uri="{C183D7F6-B498-43B3-948B-1728B52AA6E4}">
-                <adec:decorative xmlns:adec="http://schemas.microsoft.com/office/drawing/2017/decorative" val="1"/>
-              </a:ext>
-            </a:extLst>
-          </p:cNvPr>
-          <p:cNvSpPr>
-            <a:spLocks noGrp="1" noRot="1" noChangeAspect="1" noMove="1" noResize="1" noEditPoints="1" noAdjustHandles="1" noChangeArrowheads="1" noChangeShapeType="1" noTextEdit="1"/>
-          </p:cNvSpPr>
-          <p:nvPr>
-            <p:extLst>
-              <p:ext uri="{386F3935-93C4-4BCD-93E2-E3B085C9AB24}">
-                <p16:designElem xmlns:p16="http://schemas.microsoft.com/office/powerpoint/2015/main" val="1"/>
-              </p:ext>
-            </p:extLst>
-          </p:nvPr>
-        </p:nvSpPr>
-        <p:spPr>
-          <a:xfrm flipH="1">
-            <a:off x="7604080" y="6453143"/>
-            <a:ext cx="814903" cy="404857"/>
-          </a:xfrm>
-          <a:prstGeom prst="triangle">
-            <a:avLst/>
-          </a:prstGeom>
-          <a:solidFill>
-            <a:schemeClr val="accent1">
-              <a:alpha val="30000"/>
-            </a:schemeClr>
-          </a:solidFill>
-          <a:ln>
-            <a:noFill/>
-          </a:ln>
+    </p:spTree>
+    <p:extLst>
+      <p:ext uri="{BB962C8B-B14F-4D97-AF65-F5344CB8AC3E}">
+        <p14:creationId xmlns:p14="http://schemas.microsoft.com/office/powerpoint/2010/main" val="1399877978"/>
+      </p:ext>
+    </p:extLst>
+  </p:cSld>
+  <p:clrMapOvr>
+    <a:masterClrMapping/>
+  </p:clrMapOvr>
+</p:sld>
+</file>
+
+<file path=ppt/slides/slide5.xml><?xml version="1.0" encoding="utf-8"?>
+<p:sld xmlns:a="http://schemas.openxmlformats.org/drawingml/2006/main" xmlns:r="http://schemas.openxmlformats.org/officeDocument/2006/relationships" xmlns:p="http://schemas.openxmlformats.org/presentationml/2006/main">
+  <p:cSld>
+    <p:spTree>
+      <p:nvGrpSpPr>
+        <p:cNvPr id="1" name=""/>
+        <p:cNvGrpSpPr/>
+        <p:nvPr/>
+      </p:nvGrpSpPr>
+      <p:grpSpPr>
+        <a:xfrm>
+          <a:off x="0" y="0"/>
+          <a:ext cx="0" cy="0"/>
+          <a:chOff x="0" y="0"/>
+          <a:chExt cx="0" cy="0"/>
+        </a:xfrm>
+      </p:grpSpPr>
+      <p:sp>
+        <p:nvSpPr>
+          <p:cNvPr id="4" name="Rectangle : coins arrondis 3">
+            <a:extLst>
+              <a:ext uri="{FF2B5EF4-FFF2-40B4-BE49-F238E27FC236}">
+                <a16:creationId xmlns:a16="http://schemas.microsoft.com/office/drawing/2014/main" id="{3D777594-AC23-DF44-A13E-866C73B6AABA}"/>
+              </a:ext>
+            </a:extLst>
+          </p:cNvPr>
+          <p:cNvSpPr/>
+          <p:nvPr/>
+        </p:nvSpPr>
+        <p:spPr>
+          <a:xfrm>
+            <a:off x="-200025" y="-200025"/>
+            <a:ext cx="12630150" cy="1328738"/>
+          </a:xfrm>
+          <a:prstGeom prst="roundRect">
+            <a:avLst/>
+          </a:prstGeom>
+          <a:gradFill flip="none" rotWithShape="1">
+            <a:gsLst>
+              <a:gs pos="0">
+                <a:srgbClr val="FF9F0A">
+                  <a:shade val="30000"/>
+                  <a:satMod val="115000"/>
+                </a:srgbClr>
+              </a:gs>
+              <a:gs pos="50000">
+                <a:srgbClr val="FF9F0A">
+                  <a:shade val="67500"/>
+                  <a:satMod val="115000"/>
+                </a:srgbClr>
+              </a:gs>
+              <a:gs pos="100000">
+                <a:srgbClr val="FF9F0A">
+                  <a:shade val="100000"/>
+                  <a:satMod val="115000"/>
+                </a:srgbClr>
+              </a:gs>
+            </a:gsLst>
+            <a:lin ang="0" scaled="1"/>
+            <a:tileRect/>
+          </a:gradFill>
         </p:spPr>
         <p:style>
           <a:lnRef idx="2">
@@ -7707,15 +11417,2002 @@
           <a:bodyPr rtlCol="0" anchor="ctr"/>
           <a:lstStyle/>
           <a:p>
+            <a:r>
+              <a:rPr lang="fr-FR" dirty="0"/>
+              <a:t>           </a:t>
+            </a:r>
+          </a:p>
+          <a:p>
+            <a:r>
+              <a:rPr lang="fr-FR" sz="4800" dirty="0">
+                <a:latin typeface="Amasis MT Pro" panose="02040504050005020304" pitchFamily="18" charset="77"/>
+              </a:rPr>
+              <a:t>    Antoine MOBANGO</a:t>
+            </a:r>
+            <a:endParaRPr lang="fr-FR" sz="4800" b="1" dirty="0">
+              <a:latin typeface="Amasis MT Pro" panose="02040504050005020304" pitchFamily="18" charset="77"/>
+            </a:endParaRPr>
+          </a:p>
+        </p:txBody>
+      </p:sp>
+      <p:sp>
+        <p:nvSpPr>
+          <p:cNvPr id="5" name="Rectangle : coins arrondis 4">
+            <a:extLst>
+              <a:ext uri="{FF2B5EF4-FFF2-40B4-BE49-F238E27FC236}">
+                <a16:creationId xmlns:a16="http://schemas.microsoft.com/office/drawing/2014/main" id="{C1850E5B-FC8F-6C48-874A-A7994B003ED5}"/>
+              </a:ext>
+            </a:extLst>
+          </p:cNvPr>
+          <p:cNvSpPr/>
+          <p:nvPr/>
+        </p:nvSpPr>
+        <p:spPr>
+          <a:xfrm>
+            <a:off x="151967" y="5518270"/>
+            <a:ext cx="3422822" cy="1214861"/>
+          </a:xfrm>
+          <a:prstGeom prst="roundRect">
+            <a:avLst/>
+          </a:prstGeom>
+          <a:solidFill>
+            <a:srgbClr val="FCC568"/>
+          </a:solidFill>
+          <a:ln>
+            <a:noFill/>
+          </a:ln>
+        </p:spPr>
+        <p:style>
+          <a:lnRef idx="2">
+            <a:schemeClr val="accent1">
+              <a:shade val="50000"/>
+            </a:schemeClr>
+          </a:lnRef>
+          <a:fillRef idx="1">
+            <a:schemeClr val="accent1"/>
+          </a:fillRef>
+          <a:effectRef idx="0">
+            <a:schemeClr val="accent1"/>
+          </a:effectRef>
+          <a:fontRef idx="minor">
+            <a:schemeClr val="lt1"/>
+          </a:fontRef>
+        </p:style>
+        <p:txBody>
+          <a:bodyPr rtlCol="0" anchor="ctr"/>
+          <a:lstStyle/>
+          <a:p>
             <a:pPr algn="ctr"/>
-            <a:endParaRPr lang="en-US" dirty="0"/>
-          </a:p>
-        </p:txBody>
-      </p:sp>
+            <a:r>
+              <a:rPr lang="fr-FR" i="1" dirty="0">
+                <a:latin typeface="Amasis MT Pro" panose="02040504050005020304" pitchFamily="18" charset="77"/>
+              </a:rPr>
+              <a:t>« J’aime me commander un plat de savoir que je l’aurais dans les temps et complet»</a:t>
+            </a:r>
+          </a:p>
+        </p:txBody>
+      </p:sp>
+      <p:sp>
+        <p:nvSpPr>
+          <p:cNvPr id="6" name="Rectangle : coins arrondis 5">
+            <a:extLst>
+              <a:ext uri="{FF2B5EF4-FFF2-40B4-BE49-F238E27FC236}">
+                <a16:creationId xmlns:a16="http://schemas.microsoft.com/office/drawing/2014/main" id="{A6FAD473-73C4-3544-9B22-1BA06C33711F}"/>
+              </a:ext>
+            </a:extLst>
+          </p:cNvPr>
+          <p:cNvSpPr/>
+          <p:nvPr/>
+        </p:nvSpPr>
+        <p:spPr>
+          <a:xfrm>
+            <a:off x="4281955" y="3495542"/>
+            <a:ext cx="3699996" cy="3237590"/>
+          </a:xfrm>
+          <a:prstGeom prst="roundRect">
+            <a:avLst/>
+          </a:prstGeom>
+          <a:solidFill>
+            <a:srgbClr val="FCC568"/>
+          </a:solidFill>
+          <a:ln>
+            <a:noFill/>
+          </a:ln>
+        </p:spPr>
+        <p:style>
+          <a:lnRef idx="2">
+            <a:schemeClr val="accent1">
+              <a:shade val="50000"/>
+            </a:schemeClr>
+          </a:lnRef>
+          <a:fillRef idx="1">
+            <a:schemeClr val="accent1"/>
+          </a:fillRef>
+          <a:effectRef idx="0">
+            <a:schemeClr val="accent1"/>
+          </a:effectRef>
+          <a:fontRef idx="minor">
+            <a:schemeClr val="lt1"/>
+          </a:fontRef>
+        </p:style>
+        <p:txBody>
+          <a:bodyPr rtlCol="0" anchor="ctr"/>
+          <a:lstStyle/>
+          <a:p>
+            <a:pPr algn="ctr"/>
+            <a:r>
+              <a:rPr lang="fr-FR" sz="1600" dirty="0">
+                <a:latin typeface="Amasis MT Pro" panose="02040504050005020304" pitchFamily="18" charset="77"/>
+              </a:rPr>
+              <a:t>Antoine est directeur marketing donc entre deux réunions il mange souvent le midi sur le pouce et commande souvent sur les applications spécialisées. Il aimerait un service de pizzeria son péché mignon qui respecte bien la commande et qui notifie à chaque étape de la préparation à la livraison. Souvent déçu par le temps pris mais aussi des commandes incomplètes. </a:t>
+            </a:r>
+          </a:p>
+        </p:txBody>
+      </p:sp>
+      <p:sp>
+        <p:nvSpPr>
+          <p:cNvPr id="7" name="ZoneTexte 6">
+            <a:extLst>
+              <a:ext uri="{FF2B5EF4-FFF2-40B4-BE49-F238E27FC236}">
+                <a16:creationId xmlns:a16="http://schemas.microsoft.com/office/drawing/2014/main" id="{AB817D93-49D6-D743-B9D0-3A8C8A44CAEF}"/>
+              </a:ext>
+            </a:extLst>
+          </p:cNvPr>
+          <p:cNvSpPr txBox="1"/>
+          <p:nvPr/>
+        </p:nvSpPr>
+        <p:spPr>
+          <a:xfrm>
+            <a:off x="151967" y="1203839"/>
+            <a:ext cx="4034709" cy="3046988"/>
+          </a:xfrm>
+          <a:prstGeom prst="rect">
+            <a:avLst/>
+          </a:prstGeom>
+          <a:noFill/>
+        </p:spPr>
+        <p:txBody>
+          <a:bodyPr wrap="square" numCol="2" rtlCol="0">
+            <a:spAutoFit/>
+          </a:bodyPr>
+          <a:lstStyle/>
+          <a:p>
+            <a:r>
+              <a:rPr lang="fr-FR" sz="1600" b="1" dirty="0">
+                <a:solidFill>
+                  <a:srgbClr val="FFA80D"/>
+                </a:solidFill>
+                <a:latin typeface="Amasis MT Pro" panose="02040504050005020304" pitchFamily="18" charset="77"/>
+              </a:rPr>
+              <a:t>Age</a:t>
+            </a:r>
+          </a:p>
+          <a:p>
+            <a:r>
+              <a:rPr lang="fr-FR" sz="1600" b="1" dirty="0">
+                <a:solidFill>
+                  <a:srgbClr val="FFA80D"/>
+                </a:solidFill>
+                <a:latin typeface="Amasis MT Pro" panose="02040504050005020304" pitchFamily="18" charset="77"/>
+              </a:rPr>
+              <a:t>Métier </a:t>
+            </a:r>
+          </a:p>
+          <a:p>
+            <a:r>
+              <a:rPr lang="fr-FR" sz="1600" b="1" dirty="0">
+                <a:solidFill>
+                  <a:srgbClr val="FFA80D"/>
+                </a:solidFill>
+                <a:latin typeface="Amasis MT Pro" panose="02040504050005020304" pitchFamily="18" charset="77"/>
+              </a:rPr>
+              <a:t>Salaire </a:t>
+            </a:r>
+          </a:p>
+          <a:p>
+            <a:r>
+              <a:rPr lang="fr-FR" sz="1600" b="1" dirty="0">
+                <a:solidFill>
+                  <a:srgbClr val="FFA80D"/>
+                </a:solidFill>
+                <a:latin typeface="Amasis MT Pro" panose="02040504050005020304" pitchFamily="18" charset="77"/>
+              </a:rPr>
+              <a:t>Situation</a:t>
+            </a:r>
+          </a:p>
+          <a:p>
+            <a:r>
+              <a:rPr lang="fr-FR" sz="1600" b="1" dirty="0">
+                <a:solidFill>
+                  <a:srgbClr val="FFA80D"/>
+                </a:solidFill>
+                <a:latin typeface="Amasis MT Pro" panose="02040504050005020304" pitchFamily="18" charset="77"/>
+              </a:rPr>
+              <a:t>Ville </a:t>
+            </a:r>
+          </a:p>
+          <a:p>
+            <a:r>
+              <a:rPr lang="fr-FR" sz="1600" b="1" dirty="0">
+                <a:solidFill>
+                  <a:srgbClr val="FFA80D"/>
+                </a:solidFill>
+                <a:latin typeface="Amasis MT Pro" panose="02040504050005020304" pitchFamily="18" charset="77"/>
+              </a:rPr>
+              <a:t>Caractère</a:t>
+            </a:r>
+          </a:p>
+          <a:p>
+            <a:endParaRPr lang="fr-FR" sz="1600" dirty="0">
+              <a:latin typeface="Amasis MT Pro" panose="02040504050005020304" pitchFamily="18" charset="77"/>
+            </a:endParaRPr>
+          </a:p>
+          <a:p>
+            <a:endParaRPr lang="fr-FR" sz="1600" dirty="0">
+              <a:latin typeface="Amasis MT Pro" panose="02040504050005020304" pitchFamily="18" charset="77"/>
+            </a:endParaRPr>
+          </a:p>
+          <a:p>
+            <a:endParaRPr lang="fr-FR" sz="1600" dirty="0">
+              <a:latin typeface="Amasis MT Pro" panose="02040504050005020304" pitchFamily="18" charset="77"/>
+            </a:endParaRPr>
+          </a:p>
+          <a:p>
+            <a:endParaRPr lang="fr-FR" sz="1600" dirty="0">
+              <a:latin typeface="Amasis MT Pro" panose="02040504050005020304" pitchFamily="18" charset="77"/>
+            </a:endParaRPr>
+          </a:p>
+          <a:p>
+            <a:endParaRPr lang="fr-FR" sz="1600" dirty="0">
+              <a:latin typeface="Amasis MT Pro" panose="02040504050005020304" pitchFamily="18" charset="77"/>
+            </a:endParaRPr>
+          </a:p>
+          <a:p>
+            <a:endParaRPr lang="fr-FR" sz="1600" dirty="0">
+              <a:latin typeface="Amasis MT Pro" panose="02040504050005020304" pitchFamily="18" charset="77"/>
+            </a:endParaRPr>
+          </a:p>
+          <a:p>
+            <a:r>
+              <a:rPr lang="fr-FR" sz="1600" dirty="0">
+                <a:latin typeface="Amasis MT Pro" panose="02040504050005020304" pitchFamily="18" charset="77"/>
+              </a:rPr>
+              <a:t>54 ans  </a:t>
+            </a:r>
+          </a:p>
+          <a:p>
+            <a:r>
+              <a:rPr lang="fr-FR" dirty="0"/>
+              <a:t>Directeur marketing</a:t>
+            </a:r>
+          </a:p>
+          <a:p>
+            <a:r>
+              <a:rPr lang="fr-FR" dirty="0"/>
+              <a:t>2 506 €</a:t>
+            </a:r>
+            <a:r>
+              <a:rPr lang="fr-FR" sz="1600" dirty="0">
+                <a:latin typeface="Amasis MT Pro" panose="02040504050005020304" pitchFamily="18" charset="77"/>
+              </a:rPr>
+              <a:t> </a:t>
+            </a:r>
+          </a:p>
+          <a:p>
+            <a:r>
+              <a:rPr lang="fr-FR" sz="1600" dirty="0">
+                <a:latin typeface="Amasis MT Pro" panose="02040504050005020304" pitchFamily="18" charset="77"/>
+              </a:rPr>
+              <a:t>Marié/4 enfants</a:t>
+            </a:r>
+          </a:p>
+          <a:p>
+            <a:r>
+              <a:rPr lang="fr-FR" sz="1600" dirty="0">
+                <a:latin typeface="Amasis MT Pro" panose="02040504050005020304" pitchFamily="18" charset="77"/>
+              </a:rPr>
+              <a:t>Puteaux</a:t>
+            </a:r>
+          </a:p>
+          <a:p>
+            <a:r>
+              <a:rPr lang="fr-FR" sz="1600" dirty="0">
+                <a:latin typeface="Amasis MT Pro" panose="02040504050005020304" pitchFamily="18" charset="77"/>
+              </a:rPr>
+              <a:t>Déterminée </a:t>
+            </a:r>
+          </a:p>
+        </p:txBody>
+      </p:sp>
+      <p:sp>
+        <p:nvSpPr>
+          <p:cNvPr id="8" name="Rectangle : coins arrondis 7">
+            <a:extLst>
+              <a:ext uri="{FF2B5EF4-FFF2-40B4-BE49-F238E27FC236}">
+                <a16:creationId xmlns:a16="http://schemas.microsoft.com/office/drawing/2014/main" id="{E0C6DC78-DD2B-AE42-AFA8-3F2652B00EAC}"/>
+              </a:ext>
+            </a:extLst>
+          </p:cNvPr>
+          <p:cNvSpPr/>
+          <p:nvPr/>
+        </p:nvSpPr>
+        <p:spPr>
+          <a:xfrm>
+            <a:off x="82727" y="2791899"/>
+            <a:ext cx="1301037" cy="382736"/>
+          </a:xfrm>
+          <a:prstGeom prst="roundRect">
+            <a:avLst/>
+          </a:prstGeom>
+          <a:solidFill>
+            <a:srgbClr val="FF9F0A"/>
+          </a:solidFill>
+          <a:ln>
+            <a:noFill/>
+          </a:ln>
+          <a:effectLst>
+            <a:outerShdw blurRad="50800" dist="133572" dir="2700000" algn="tl" rotWithShape="0">
+              <a:prstClr val="black">
+                <a:alpha val="40000"/>
+              </a:prstClr>
+            </a:outerShdw>
+          </a:effectLst>
+        </p:spPr>
+        <p:style>
+          <a:lnRef idx="2">
+            <a:schemeClr val="accent1">
+              <a:shade val="50000"/>
+            </a:schemeClr>
+          </a:lnRef>
+          <a:fillRef idx="1">
+            <a:schemeClr val="accent1"/>
+          </a:fillRef>
+          <a:effectRef idx="0">
+            <a:schemeClr val="accent1"/>
+          </a:effectRef>
+          <a:fontRef idx="minor">
+            <a:schemeClr val="lt1"/>
+          </a:fontRef>
+        </p:style>
+        <p:txBody>
+          <a:bodyPr rtlCol="0" anchor="ctr"/>
+          <a:lstStyle/>
+          <a:p>
+            <a:pPr algn="ctr"/>
+            <a:r>
+              <a:rPr lang="fr-FR" dirty="0">
+                <a:latin typeface="Amasis MT Pro" panose="02040504050005020304" pitchFamily="18" charset="77"/>
+              </a:rPr>
+              <a:t> Débordée</a:t>
+            </a:r>
+          </a:p>
+        </p:txBody>
+      </p:sp>
+      <p:sp>
+        <p:nvSpPr>
+          <p:cNvPr id="9" name="Rectangle : coins arrondis 8">
+            <a:extLst>
+              <a:ext uri="{FF2B5EF4-FFF2-40B4-BE49-F238E27FC236}">
+                <a16:creationId xmlns:a16="http://schemas.microsoft.com/office/drawing/2014/main" id="{E0F07A4A-3B75-3E43-B226-A214ED9EA3EF}"/>
+              </a:ext>
+            </a:extLst>
+          </p:cNvPr>
+          <p:cNvSpPr/>
+          <p:nvPr/>
+        </p:nvSpPr>
+        <p:spPr>
+          <a:xfrm>
+            <a:off x="1464257" y="2822337"/>
+            <a:ext cx="1301036" cy="376744"/>
+          </a:xfrm>
+          <a:prstGeom prst="roundRect">
+            <a:avLst/>
+          </a:prstGeom>
+          <a:solidFill>
+            <a:srgbClr val="FF9F0A"/>
+          </a:solidFill>
+          <a:ln>
+            <a:noFill/>
+          </a:ln>
+          <a:effectLst>
+            <a:outerShdw blurRad="50800" dist="133572" dir="2700000" algn="tl" rotWithShape="0">
+              <a:prstClr val="black">
+                <a:alpha val="40000"/>
+              </a:prstClr>
+            </a:outerShdw>
+          </a:effectLst>
+        </p:spPr>
+        <p:style>
+          <a:lnRef idx="2">
+            <a:schemeClr val="accent1">
+              <a:shade val="50000"/>
+            </a:schemeClr>
+          </a:lnRef>
+          <a:fillRef idx="1">
+            <a:schemeClr val="accent1"/>
+          </a:fillRef>
+          <a:effectRef idx="0">
+            <a:schemeClr val="accent1"/>
+          </a:effectRef>
+          <a:fontRef idx="minor">
+            <a:schemeClr val="lt1"/>
+          </a:fontRef>
+        </p:style>
+        <p:txBody>
+          <a:bodyPr rtlCol="0" anchor="ctr"/>
+          <a:lstStyle/>
+          <a:p>
+            <a:pPr algn="ctr"/>
+            <a:r>
+              <a:rPr lang="fr-FR" dirty="0">
+                <a:latin typeface="Amasis MT Pro" panose="02040504050005020304" pitchFamily="18" charset="77"/>
+              </a:rPr>
+              <a:t>Pressée</a:t>
+            </a:r>
+          </a:p>
+        </p:txBody>
+      </p:sp>
+      <p:sp>
+        <p:nvSpPr>
+          <p:cNvPr id="10" name="Rectangle : coins arrondis 9">
+            <a:extLst>
+              <a:ext uri="{FF2B5EF4-FFF2-40B4-BE49-F238E27FC236}">
+                <a16:creationId xmlns:a16="http://schemas.microsoft.com/office/drawing/2014/main" id="{D9190B0C-6074-FE41-B805-F39D2DCE732D}"/>
+              </a:ext>
+            </a:extLst>
+          </p:cNvPr>
+          <p:cNvSpPr/>
+          <p:nvPr/>
+        </p:nvSpPr>
+        <p:spPr>
+          <a:xfrm>
+            <a:off x="2845025" y="2838042"/>
+            <a:ext cx="1258025" cy="376744"/>
+          </a:xfrm>
+          <a:prstGeom prst="roundRect">
+            <a:avLst/>
+          </a:prstGeom>
+          <a:solidFill>
+            <a:srgbClr val="FF9F0A"/>
+          </a:solidFill>
+          <a:ln>
+            <a:noFill/>
+          </a:ln>
+          <a:effectLst>
+            <a:outerShdw blurRad="50800" dist="133572" dir="2700000" algn="tl" rotWithShape="0">
+              <a:prstClr val="black">
+                <a:alpha val="40000"/>
+              </a:prstClr>
+            </a:outerShdw>
+          </a:effectLst>
+        </p:spPr>
+        <p:style>
+          <a:lnRef idx="2">
+            <a:schemeClr val="accent1">
+              <a:shade val="50000"/>
+            </a:schemeClr>
+          </a:lnRef>
+          <a:fillRef idx="1">
+            <a:schemeClr val="accent1"/>
+          </a:fillRef>
+          <a:effectRef idx="0">
+            <a:schemeClr val="accent1"/>
+          </a:effectRef>
+          <a:fontRef idx="minor">
+            <a:schemeClr val="lt1"/>
+          </a:fontRef>
+        </p:style>
+        <p:txBody>
+          <a:bodyPr rtlCol="0" anchor="ctr"/>
+          <a:lstStyle/>
+          <a:p>
+            <a:pPr algn="ctr"/>
+            <a:r>
+              <a:rPr lang="fr-FR" dirty="0">
+                <a:latin typeface="Amasis MT Pro" panose="02040504050005020304" pitchFamily="18" charset="77"/>
+              </a:rPr>
+              <a:t>Aventurier</a:t>
+            </a:r>
+          </a:p>
+        </p:txBody>
+      </p:sp>
+      <p:sp>
+        <p:nvSpPr>
+          <p:cNvPr id="11" name="ZoneTexte 10">
+            <a:extLst>
+              <a:ext uri="{FF2B5EF4-FFF2-40B4-BE49-F238E27FC236}">
+                <a16:creationId xmlns:a16="http://schemas.microsoft.com/office/drawing/2014/main" id="{BA9A8FC2-1993-5C46-A3FB-490039D0F499}"/>
+              </a:ext>
+            </a:extLst>
+          </p:cNvPr>
+          <p:cNvSpPr txBox="1"/>
+          <p:nvPr/>
+        </p:nvSpPr>
+        <p:spPr>
+          <a:xfrm>
+            <a:off x="4186260" y="1203839"/>
+            <a:ext cx="2007281" cy="369332"/>
+          </a:xfrm>
+          <a:prstGeom prst="rect">
+            <a:avLst/>
+          </a:prstGeom>
+          <a:noFill/>
+        </p:spPr>
+        <p:txBody>
+          <a:bodyPr wrap="none" rtlCol="0">
+            <a:spAutoFit/>
+          </a:bodyPr>
+          <a:lstStyle/>
+          <a:p>
+            <a:r>
+              <a:rPr lang="fr-FR" dirty="0">
+                <a:solidFill>
+                  <a:srgbClr val="FFA80D"/>
+                </a:solidFill>
+                <a:latin typeface="Amasis MT Pro Medium" panose="02040504050005020304" pitchFamily="18" charset="77"/>
+              </a:rPr>
+              <a:t>Centre d’intérêt : </a:t>
+            </a:r>
+          </a:p>
+        </p:txBody>
+      </p:sp>
+      <p:sp>
+        <p:nvSpPr>
+          <p:cNvPr id="12" name="Rectangle : coins arrondis 11">
+            <a:extLst>
+              <a:ext uri="{FF2B5EF4-FFF2-40B4-BE49-F238E27FC236}">
+                <a16:creationId xmlns:a16="http://schemas.microsoft.com/office/drawing/2014/main" id="{AE308FCB-1D23-9E44-A8CF-5C6C184C3FFE}"/>
+              </a:ext>
+            </a:extLst>
+          </p:cNvPr>
+          <p:cNvSpPr/>
+          <p:nvPr/>
+        </p:nvSpPr>
+        <p:spPr>
+          <a:xfrm>
+            <a:off x="4281955" y="1675519"/>
+            <a:ext cx="1846861" cy="354031"/>
+          </a:xfrm>
+          <a:prstGeom prst="roundRect">
+            <a:avLst/>
+          </a:prstGeom>
+          <a:solidFill>
+            <a:srgbClr val="FF9F0A"/>
+          </a:solidFill>
+          <a:ln>
+            <a:noFill/>
+          </a:ln>
+          <a:effectLst>
+            <a:outerShdw blurRad="50800" dist="162917" dir="2700000" algn="tl" rotWithShape="0">
+              <a:prstClr val="black">
+                <a:alpha val="40000"/>
+              </a:prstClr>
+            </a:outerShdw>
+          </a:effectLst>
+        </p:spPr>
+        <p:style>
+          <a:lnRef idx="2">
+            <a:schemeClr val="accent1">
+              <a:shade val="50000"/>
+            </a:schemeClr>
+          </a:lnRef>
+          <a:fillRef idx="1">
+            <a:schemeClr val="accent1"/>
+          </a:fillRef>
+          <a:effectRef idx="0">
+            <a:schemeClr val="accent1"/>
+          </a:effectRef>
+          <a:fontRef idx="minor">
+            <a:schemeClr val="lt1"/>
+          </a:fontRef>
+        </p:style>
+        <p:txBody>
+          <a:bodyPr rtlCol="0" anchor="ctr"/>
+          <a:lstStyle/>
+          <a:p>
+            <a:pPr algn="ctr"/>
+            <a:r>
+              <a:rPr lang="fr-FR" dirty="0">
+                <a:latin typeface="Amasis MT Pro" panose="02040504050005020304" pitchFamily="18" charset="77"/>
+              </a:rPr>
+              <a:t>Sport</a:t>
+            </a:r>
+          </a:p>
+        </p:txBody>
+      </p:sp>
+      <p:sp>
+        <p:nvSpPr>
+          <p:cNvPr id="13" name="Rectangle : coins arrondis 12">
+            <a:extLst>
+              <a:ext uri="{FF2B5EF4-FFF2-40B4-BE49-F238E27FC236}">
+                <a16:creationId xmlns:a16="http://schemas.microsoft.com/office/drawing/2014/main" id="{C8FB7B41-C698-2D44-A11E-35A69A3648F3}"/>
+              </a:ext>
+            </a:extLst>
+          </p:cNvPr>
+          <p:cNvSpPr/>
+          <p:nvPr/>
+        </p:nvSpPr>
+        <p:spPr>
+          <a:xfrm>
+            <a:off x="6000480" y="2205739"/>
+            <a:ext cx="1533813" cy="354031"/>
+          </a:xfrm>
+          <a:prstGeom prst="roundRect">
+            <a:avLst/>
+          </a:prstGeom>
+          <a:solidFill>
+            <a:srgbClr val="FF9F0A"/>
+          </a:solidFill>
+          <a:ln>
+            <a:noFill/>
+          </a:ln>
+          <a:effectLst>
+            <a:outerShdw blurRad="50800" dist="162917" dir="2700000" algn="tl" rotWithShape="0">
+              <a:prstClr val="black">
+                <a:alpha val="40000"/>
+              </a:prstClr>
+            </a:outerShdw>
+          </a:effectLst>
+        </p:spPr>
+        <p:style>
+          <a:lnRef idx="2">
+            <a:schemeClr val="accent1">
+              <a:shade val="50000"/>
+            </a:schemeClr>
+          </a:lnRef>
+          <a:fillRef idx="1">
+            <a:schemeClr val="accent1"/>
+          </a:fillRef>
+          <a:effectRef idx="0">
+            <a:schemeClr val="accent1"/>
+          </a:effectRef>
+          <a:fontRef idx="minor">
+            <a:schemeClr val="lt1"/>
+          </a:fontRef>
+        </p:style>
+        <p:txBody>
+          <a:bodyPr rtlCol="0" anchor="ctr"/>
+          <a:lstStyle/>
+          <a:p>
+            <a:pPr algn="ctr"/>
+            <a:r>
+              <a:rPr lang="fr-FR" dirty="0">
+                <a:latin typeface="Amasis MT Pro" panose="02040504050005020304" pitchFamily="18" charset="77"/>
+              </a:rPr>
+              <a:t>Gastronomie</a:t>
+            </a:r>
+          </a:p>
+        </p:txBody>
+      </p:sp>
+      <p:sp>
+        <p:nvSpPr>
+          <p:cNvPr id="14" name="Rectangle : coins arrondis 13">
+            <a:extLst>
+              <a:ext uri="{FF2B5EF4-FFF2-40B4-BE49-F238E27FC236}">
+                <a16:creationId xmlns:a16="http://schemas.microsoft.com/office/drawing/2014/main" id="{4E08C5A5-39F7-3348-A71A-0549FBA7619C}"/>
+              </a:ext>
+            </a:extLst>
+          </p:cNvPr>
+          <p:cNvSpPr/>
+          <p:nvPr/>
+        </p:nvSpPr>
+        <p:spPr>
+          <a:xfrm>
+            <a:off x="4297997" y="2766574"/>
+            <a:ext cx="1846861" cy="352297"/>
+          </a:xfrm>
+          <a:prstGeom prst="roundRect">
+            <a:avLst/>
+          </a:prstGeom>
+          <a:solidFill>
+            <a:srgbClr val="FF9F0A"/>
+          </a:solidFill>
+          <a:ln>
+            <a:noFill/>
+          </a:ln>
+          <a:effectLst>
+            <a:outerShdw blurRad="50800" dist="162917" dir="2700000" algn="tl" rotWithShape="0">
+              <a:prstClr val="black">
+                <a:alpha val="40000"/>
+              </a:prstClr>
+            </a:outerShdw>
+          </a:effectLst>
+        </p:spPr>
+        <p:style>
+          <a:lnRef idx="2">
+            <a:schemeClr val="accent1">
+              <a:shade val="50000"/>
+            </a:schemeClr>
+          </a:lnRef>
+          <a:fillRef idx="1">
+            <a:schemeClr val="accent1"/>
+          </a:fillRef>
+          <a:effectRef idx="0">
+            <a:schemeClr val="accent1"/>
+          </a:effectRef>
+          <a:fontRef idx="minor">
+            <a:schemeClr val="lt1"/>
+          </a:fontRef>
+        </p:style>
+        <p:txBody>
+          <a:bodyPr rtlCol="0" anchor="ctr"/>
+          <a:lstStyle/>
+          <a:p>
+            <a:pPr algn="ctr"/>
+            <a:r>
+              <a:rPr lang="fr-FR" dirty="0">
+                <a:latin typeface="Amasis MT Pro" panose="02040504050005020304" pitchFamily="18" charset="77"/>
+              </a:rPr>
+              <a:t>Voyage</a:t>
+            </a:r>
+          </a:p>
+        </p:txBody>
+      </p:sp>
+      <p:sp>
+        <p:nvSpPr>
+          <p:cNvPr id="15" name="Rectangle : coins arrondis 14">
+            <a:extLst>
+              <a:ext uri="{FF2B5EF4-FFF2-40B4-BE49-F238E27FC236}">
+                <a16:creationId xmlns:a16="http://schemas.microsoft.com/office/drawing/2014/main" id="{C201BF58-68F9-0749-B420-0AF8C0F96603}"/>
+              </a:ext>
+            </a:extLst>
+          </p:cNvPr>
+          <p:cNvSpPr/>
+          <p:nvPr/>
+        </p:nvSpPr>
+        <p:spPr>
+          <a:xfrm>
+            <a:off x="4297997" y="2205739"/>
+            <a:ext cx="1432836" cy="354031"/>
+          </a:xfrm>
+          <a:prstGeom prst="roundRect">
+            <a:avLst/>
+          </a:prstGeom>
+          <a:solidFill>
+            <a:srgbClr val="FF9F0A"/>
+          </a:solidFill>
+          <a:ln>
+            <a:noFill/>
+          </a:ln>
+          <a:effectLst>
+            <a:outerShdw blurRad="50800" dist="162917" dir="2700000" algn="tl" rotWithShape="0">
+              <a:prstClr val="black">
+                <a:alpha val="40000"/>
+              </a:prstClr>
+            </a:outerShdw>
+          </a:effectLst>
+        </p:spPr>
+        <p:style>
+          <a:lnRef idx="2">
+            <a:schemeClr val="accent1">
+              <a:shade val="50000"/>
+            </a:schemeClr>
+          </a:lnRef>
+          <a:fillRef idx="1">
+            <a:schemeClr val="accent1"/>
+          </a:fillRef>
+          <a:effectRef idx="0">
+            <a:schemeClr val="accent1"/>
+          </a:effectRef>
+          <a:fontRef idx="minor">
+            <a:schemeClr val="lt1"/>
+          </a:fontRef>
+        </p:style>
+        <p:txBody>
+          <a:bodyPr rtlCol="0" anchor="ctr"/>
+          <a:lstStyle/>
+          <a:p>
+            <a:pPr algn="ctr"/>
+            <a:r>
+              <a:rPr lang="fr-FR" dirty="0">
+                <a:latin typeface="Amasis MT Pro" panose="02040504050005020304" pitchFamily="18" charset="77"/>
+              </a:rPr>
+              <a:t>Famille </a:t>
+            </a:r>
+          </a:p>
+        </p:txBody>
+      </p:sp>
+      <p:sp>
+        <p:nvSpPr>
+          <p:cNvPr id="16" name="ZoneTexte 15">
+            <a:extLst>
+              <a:ext uri="{FF2B5EF4-FFF2-40B4-BE49-F238E27FC236}">
+                <a16:creationId xmlns:a16="http://schemas.microsoft.com/office/drawing/2014/main" id="{765DF58A-4E5E-A046-964D-B94AF08385FB}"/>
+              </a:ext>
+            </a:extLst>
+          </p:cNvPr>
+          <p:cNvSpPr txBox="1"/>
+          <p:nvPr/>
+        </p:nvSpPr>
+        <p:spPr>
+          <a:xfrm>
+            <a:off x="8486007" y="1302617"/>
+            <a:ext cx="1186543" cy="369332"/>
+          </a:xfrm>
+          <a:prstGeom prst="rect">
+            <a:avLst/>
+          </a:prstGeom>
+          <a:noFill/>
+        </p:spPr>
+        <p:txBody>
+          <a:bodyPr wrap="none" rtlCol="0">
+            <a:spAutoFit/>
+          </a:bodyPr>
+          <a:lstStyle/>
+          <a:p>
+            <a:r>
+              <a:rPr lang="fr-FR" dirty="0">
+                <a:solidFill>
+                  <a:srgbClr val="FFA80D"/>
+                </a:solidFill>
+                <a:latin typeface="Amasis MT Pro Medium" panose="02040504050005020304" pitchFamily="18" charset="77"/>
+              </a:rPr>
+              <a:t>Attentes</a:t>
+            </a:r>
+            <a:r>
+              <a:rPr lang="fr-FR" dirty="0">
+                <a:solidFill>
+                  <a:schemeClr val="accent6">
+                    <a:lumMod val="50000"/>
+                  </a:schemeClr>
+                </a:solidFill>
+                <a:latin typeface="Amasis MT Pro Medium" panose="02040504050005020304" pitchFamily="18" charset="77"/>
+              </a:rPr>
+              <a:t>: </a:t>
+            </a:r>
+          </a:p>
+        </p:txBody>
+      </p:sp>
+      <p:sp>
+        <p:nvSpPr>
+          <p:cNvPr id="17" name="ZoneTexte 16">
+            <a:extLst>
+              <a:ext uri="{FF2B5EF4-FFF2-40B4-BE49-F238E27FC236}">
+                <a16:creationId xmlns:a16="http://schemas.microsoft.com/office/drawing/2014/main" id="{FA68676A-214A-724C-B039-8586B508D012}"/>
+              </a:ext>
+            </a:extLst>
+          </p:cNvPr>
+          <p:cNvSpPr txBox="1"/>
+          <p:nvPr/>
+        </p:nvSpPr>
+        <p:spPr>
+          <a:xfrm>
+            <a:off x="8486007" y="3310876"/>
+            <a:ext cx="1568827" cy="369332"/>
+          </a:xfrm>
+          <a:prstGeom prst="rect">
+            <a:avLst/>
+          </a:prstGeom>
+          <a:noFill/>
+        </p:spPr>
+        <p:txBody>
+          <a:bodyPr wrap="none" rtlCol="0">
+            <a:spAutoFit/>
+          </a:bodyPr>
+          <a:lstStyle/>
+          <a:p>
+            <a:r>
+              <a:rPr lang="fr-FR" dirty="0">
+                <a:solidFill>
+                  <a:srgbClr val="FFA80D"/>
+                </a:solidFill>
+                <a:latin typeface="Amasis MT Pro Medium" panose="02040504050005020304" pitchFamily="18" charset="77"/>
+              </a:rPr>
+              <a:t>Technologie</a:t>
+            </a:r>
+            <a:r>
+              <a:rPr lang="fr-FR" dirty="0">
+                <a:solidFill>
+                  <a:schemeClr val="accent6">
+                    <a:lumMod val="50000"/>
+                  </a:schemeClr>
+                </a:solidFill>
+                <a:latin typeface="Amasis MT Pro Medium" panose="02040504050005020304" pitchFamily="18" charset="77"/>
+              </a:rPr>
+              <a:t>: </a:t>
+            </a:r>
+          </a:p>
+        </p:txBody>
+      </p:sp>
+      <p:sp>
+        <p:nvSpPr>
+          <p:cNvPr id="18" name="ZoneTexte 17">
+            <a:extLst>
+              <a:ext uri="{FF2B5EF4-FFF2-40B4-BE49-F238E27FC236}">
+                <a16:creationId xmlns:a16="http://schemas.microsoft.com/office/drawing/2014/main" id="{13F74C81-5E8F-FB41-96F4-C0E6478B770A}"/>
+              </a:ext>
+            </a:extLst>
+          </p:cNvPr>
+          <p:cNvSpPr txBox="1"/>
+          <p:nvPr/>
+        </p:nvSpPr>
+        <p:spPr>
+          <a:xfrm>
+            <a:off x="8559163" y="5475167"/>
+            <a:ext cx="2582635" cy="369332"/>
+          </a:xfrm>
+          <a:prstGeom prst="rect">
+            <a:avLst/>
+          </a:prstGeom>
+          <a:noFill/>
+        </p:spPr>
+        <p:txBody>
+          <a:bodyPr wrap="square" rtlCol="0">
+            <a:spAutoFit/>
+          </a:bodyPr>
+          <a:lstStyle/>
+          <a:p>
+            <a:r>
+              <a:rPr lang="fr-FR" dirty="0">
+                <a:solidFill>
+                  <a:srgbClr val="FFA80D"/>
+                </a:solidFill>
+                <a:latin typeface="Amasis MT Pro Medium" panose="02040504050005020304" pitchFamily="18" charset="77"/>
+              </a:rPr>
+              <a:t>Applications utilisées:  </a:t>
+            </a:r>
+          </a:p>
+        </p:txBody>
+      </p:sp>
+      <p:sp>
+        <p:nvSpPr>
+          <p:cNvPr id="19" name="ZoneTexte 18">
+            <a:extLst>
+              <a:ext uri="{FF2B5EF4-FFF2-40B4-BE49-F238E27FC236}">
+                <a16:creationId xmlns:a16="http://schemas.microsoft.com/office/drawing/2014/main" id="{F100E292-3C69-C34F-A07D-30F25380067D}"/>
+              </a:ext>
+            </a:extLst>
+          </p:cNvPr>
+          <p:cNvSpPr txBox="1"/>
+          <p:nvPr/>
+        </p:nvSpPr>
+        <p:spPr>
+          <a:xfrm>
+            <a:off x="8486007" y="1633091"/>
+            <a:ext cx="907493" cy="307777"/>
+          </a:xfrm>
+          <a:prstGeom prst="rect">
+            <a:avLst/>
+          </a:prstGeom>
+          <a:noFill/>
+        </p:spPr>
+        <p:txBody>
+          <a:bodyPr wrap="none" rtlCol="0">
+            <a:spAutoFit/>
+          </a:bodyPr>
+          <a:lstStyle/>
+          <a:p>
+            <a:r>
+              <a:rPr lang="fr-FR" sz="1400" dirty="0">
+                <a:solidFill>
+                  <a:schemeClr val="bg2">
+                    <a:lumMod val="25000"/>
+                  </a:schemeClr>
+                </a:solidFill>
+                <a:latin typeface="Amasis MT Pro Medium" panose="02040504050005020304" pitchFamily="18" charset="77"/>
+              </a:rPr>
+              <a:t>Rapidité </a:t>
+            </a:r>
+          </a:p>
+        </p:txBody>
+      </p:sp>
+      <p:sp>
+        <p:nvSpPr>
+          <p:cNvPr id="20" name="ZoneTexte 19">
+            <a:extLst>
+              <a:ext uri="{FF2B5EF4-FFF2-40B4-BE49-F238E27FC236}">
+                <a16:creationId xmlns:a16="http://schemas.microsoft.com/office/drawing/2014/main" id="{5B5A6A4F-2BF0-1441-A6E4-3ED43B2E1497}"/>
+              </a:ext>
+            </a:extLst>
+          </p:cNvPr>
+          <p:cNvSpPr txBox="1"/>
+          <p:nvPr/>
+        </p:nvSpPr>
+        <p:spPr>
+          <a:xfrm>
+            <a:off x="8486007" y="2356615"/>
+            <a:ext cx="953531" cy="307777"/>
+          </a:xfrm>
+          <a:prstGeom prst="rect">
+            <a:avLst/>
+          </a:prstGeom>
+          <a:noFill/>
+        </p:spPr>
+        <p:txBody>
+          <a:bodyPr wrap="none" rtlCol="0">
+            <a:spAutoFit/>
+          </a:bodyPr>
+          <a:lstStyle/>
+          <a:p>
+            <a:r>
+              <a:rPr lang="fr-FR" sz="1400" dirty="0">
+                <a:solidFill>
+                  <a:schemeClr val="bg2">
+                    <a:lumMod val="25000"/>
+                  </a:schemeClr>
+                </a:solidFill>
+                <a:latin typeface="Amasis MT Pro Medium" panose="02040504050005020304" pitchFamily="18" charset="77"/>
+              </a:rPr>
+              <a:t>Efficacité</a:t>
+            </a:r>
+          </a:p>
+        </p:txBody>
+      </p:sp>
+      <p:sp>
+        <p:nvSpPr>
+          <p:cNvPr id="21" name="Rectangle : coins arrondis 20">
+            <a:extLst>
+              <a:ext uri="{FF2B5EF4-FFF2-40B4-BE49-F238E27FC236}">
+                <a16:creationId xmlns:a16="http://schemas.microsoft.com/office/drawing/2014/main" id="{383CA91C-7A74-5B4A-903A-BA28E2A886F7}"/>
+              </a:ext>
+            </a:extLst>
+          </p:cNvPr>
+          <p:cNvSpPr/>
+          <p:nvPr/>
+        </p:nvSpPr>
+        <p:spPr>
+          <a:xfrm>
+            <a:off x="8542272" y="1949931"/>
+            <a:ext cx="3128478" cy="353204"/>
+          </a:xfrm>
+          <a:prstGeom prst="roundRect">
+            <a:avLst/>
+          </a:prstGeom>
+          <a:solidFill>
+            <a:schemeClr val="bg1">
+              <a:lumMod val="65000"/>
+            </a:schemeClr>
+          </a:solidFill>
+          <a:ln>
+            <a:noFill/>
+          </a:ln>
+        </p:spPr>
+        <p:style>
+          <a:lnRef idx="2">
+            <a:schemeClr val="accent1">
+              <a:shade val="50000"/>
+            </a:schemeClr>
+          </a:lnRef>
+          <a:fillRef idx="1">
+            <a:schemeClr val="accent1"/>
+          </a:fillRef>
+          <a:effectRef idx="0">
+            <a:schemeClr val="accent1"/>
+          </a:effectRef>
+          <a:fontRef idx="minor">
+            <a:schemeClr val="lt1"/>
+          </a:fontRef>
+        </p:style>
+        <p:txBody>
+          <a:bodyPr rtlCol="0" anchor="ctr"/>
+          <a:lstStyle/>
+          <a:p>
+            <a:pPr algn="ctr"/>
+            <a:endParaRPr lang="fr-FR" dirty="0"/>
+          </a:p>
+        </p:txBody>
+      </p:sp>
+      <p:sp>
+        <p:nvSpPr>
+          <p:cNvPr id="22" name="Rectangle : coins arrondis 21">
+            <a:extLst>
+              <a:ext uri="{FF2B5EF4-FFF2-40B4-BE49-F238E27FC236}">
+                <a16:creationId xmlns:a16="http://schemas.microsoft.com/office/drawing/2014/main" id="{539A2B12-3E06-0B4A-8E8A-6E814F0FB568}"/>
+              </a:ext>
+            </a:extLst>
+          </p:cNvPr>
+          <p:cNvSpPr/>
+          <p:nvPr/>
+        </p:nvSpPr>
+        <p:spPr>
+          <a:xfrm>
+            <a:off x="11128797" y="1960388"/>
+            <a:ext cx="521076" cy="341473"/>
+          </a:xfrm>
+          <a:prstGeom prst="roundRect">
+            <a:avLst/>
+          </a:prstGeom>
+          <a:solidFill>
+            <a:srgbClr val="FF9F0A"/>
+          </a:solidFill>
+          <a:ln>
+            <a:noFill/>
+          </a:ln>
+        </p:spPr>
+        <p:style>
+          <a:lnRef idx="2">
+            <a:schemeClr val="accent1">
+              <a:shade val="50000"/>
+            </a:schemeClr>
+          </a:lnRef>
+          <a:fillRef idx="1">
+            <a:schemeClr val="accent1"/>
+          </a:fillRef>
+          <a:effectRef idx="0">
+            <a:schemeClr val="accent1"/>
+          </a:effectRef>
+          <a:fontRef idx="minor">
+            <a:schemeClr val="lt1"/>
+          </a:fontRef>
+        </p:style>
+        <p:txBody>
+          <a:bodyPr rtlCol="0" anchor="ctr"/>
+          <a:lstStyle/>
+          <a:p>
+            <a:pPr algn="ctr"/>
+            <a:endParaRPr lang="fr-FR" dirty="0"/>
+          </a:p>
+        </p:txBody>
+      </p:sp>
+      <p:sp>
+        <p:nvSpPr>
+          <p:cNvPr id="23" name="Rectangle : coins arrondis 22">
+            <a:extLst>
+              <a:ext uri="{FF2B5EF4-FFF2-40B4-BE49-F238E27FC236}">
+                <a16:creationId xmlns:a16="http://schemas.microsoft.com/office/drawing/2014/main" id="{29782F44-38BC-784F-B8BF-CD3EF492E57E}"/>
+              </a:ext>
+            </a:extLst>
+          </p:cNvPr>
+          <p:cNvSpPr/>
+          <p:nvPr/>
+        </p:nvSpPr>
+        <p:spPr>
+          <a:xfrm>
+            <a:off x="8542272" y="2679402"/>
+            <a:ext cx="3128478" cy="353204"/>
+          </a:xfrm>
+          <a:prstGeom prst="roundRect">
+            <a:avLst/>
+          </a:prstGeom>
+          <a:solidFill>
+            <a:schemeClr val="bg1">
+              <a:lumMod val="65000"/>
+            </a:schemeClr>
+          </a:solidFill>
+          <a:ln>
+            <a:noFill/>
+          </a:ln>
+        </p:spPr>
+        <p:style>
+          <a:lnRef idx="2">
+            <a:schemeClr val="accent1">
+              <a:shade val="50000"/>
+            </a:schemeClr>
+          </a:lnRef>
+          <a:fillRef idx="1">
+            <a:schemeClr val="accent1"/>
+          </a:fillRef>
+          <a:effectRef idx="0">
+            <a:schemeClr val="accent1"/>
+          </a:effectRef>
+          <a:fontRef idx="minor">
+            <a:schemeClr val="lt1"/>
+          </a:fontRef>
+        </p:style>
+        <p:txBody>
+          <a:bodyPr rtlCol="0" anchor="ctr"/>
+          <a:lstStyle/>
+          <a:p>
+            <a:pPr algn="ctr"/>
+            <a:endParaRPr lang="fr-FR" dirty="0"/>
+          </a:p>
+        </p:txBody>
+      </p:sp>
+      <p:sp>
+        <p:nvSpPr>
+          <p:cNvPr id="24" name="Rectangle : coins arrondis 23">
+            <a:extLst>
+              <a:ext uri="{FF2B5EF4-FFF2-40B4-BE49-F238E27FC236}">
+                <a16:creationId xmlns:a16="http://schemas.microsoft.com/office/drawing/2014/main" id="{0AD382A0-9F97-B446-9ECC-C31E80A3D12F}"/>
+              </a:ext>
+            </a:extLst>
+          </p:cNvPr>
+          <p:cNvSpPr/>
+          <p:nvPr/>
+        </p:nvSpPr>
+        <p:spPr>
+          <a:xfrm>
+            <a:off x="11141358" y="2691132"/>
+            <a:ext cx="521076" cy="341473"/>
+          </a:xfrm>
+          <a:prstGeom prst="roundRect">
+            <a:avLst/>
+          </a:prstGeom>
+          <a:solidFill>
+            <a:srgbClr val="FF9F0A"/>
+          </a:solidFill>
+          <a:ln>
+            <a:noFill/>
+          </a:ln>
+        </p:spPr>
+        <p:style>
+          <a:lnRef idx="2">
+            <a:schemeClr val="accent1">
+              <a:shade val="50000"/>
+            </a:schemeClr>
+          </a:lnRef>
+          <a:fillRef idx="1">
+            <a:schemeClr val="accent1"/>
+          </a:fillRef>
+          <a:effectRef idx="0">
+            <a:schemeClr val="accent1"/>
+          </a:effectRef>
+          <a:fontRef idx="minor">
+            <a:schemeClr val="lt1"/>
+          </a:fontRef>
+        </p:style>
+        <p:txBody>
+          <a:bodyPr rtlCol="0" anchor="ctr"/>
+          <a:lstStyle/>
+          <a:p>
+            <a:pPr algn="ctr"/>
+            <a:endParaRPr lang="fr-FR" dirty="0"/>
+          </a:p>
+        </p:txBody>
+      </p:sp>
+      <p:sp>
+        <p:nvSpPr>
+          <p:cNvPr id="25" name="ZoneTexte 24">
+            <a:extLst>
+              <a:ext uri="{FF2B5EF4-FFF2-40B4-BE49-F238E27FC236}">
+                <a16:creationId xmlns:a16="http://schemas.microsoft.com/office/drawing/2014/main" id="{D7E123F7-83F9-1B47-97CD-85352F900873}"/>
+              </a:ext>
+            </a:extLst>
+          </p:cNvPr>
+          <p:cNvSpPr txBox="1"/>
+          <p:nvPr/>
+        </p:nvSpPr>
+        <p:spPr>
+          <a:xfrm>
+            <a:off x="11261559" y="2646952"/>
+            <a:ext cx="300082" cy="369332"/>
+          </a:xfrm>
+          <a:prstGeom prst="rect">
+            <a:avLst/>
+          </a:prstGeom>
+          <a:noFill/>
+        </p:spPr>
+        <p:txBody>
+          <a:bodyPr wrap="none" rtlCol="0">
+            <a:spAutoFit/>
+          </a:bodyPr>
+          <a:lstStyle/>
+          <a:p>
+            <a:r>
+              <a:rPr lang="fr-FR" dirty="0"/>
+              <a:t>+</a:t>
+            </a:r>
+          </a:p>
+        </p:txBody>
+      </p:sp>
+      <p:sp>
+        <p:nvSpPr>
+          <p:cNvPr id="26" name="ZoneTexte 25">
+            <a:extLst>
+              <a:ext uri="{FF2B5EF4-FFF2-40B4-BE49-F238E27FC236}">
+                <a16:creationId xmlns:a16="http://schemas.microsoft.com/office/drawing/2014/main" id="{0D63BBFC-5FD8-6646-850D-559AFCAEE6D9}"/>
+              </a:ext>
+            </a:extLst>
+          </p:cNvPr>
+          <p:cNvSpPr txBox="1"/>
+          <p:nvPr/>
+        </p:nvSpPr>
+        <p:spPr>
+          <a:xfrm>
+            <a:off x="8583225" y="2679476"/>
+            <a:ext cx="255198" cy="369332"/>
+          </a:xfrm>
+          <a:prstGeom prst="rect">
+            <a:avLst/>
+          </a:prstGeom>
+          <a:noFill/>
+        </p:spPr>
+        <p:txBody>
+          <a:bodyPr wrap="none" rtlCol="0">
+            <a:spAutoFit/>
+          </a:bodyPr>
+          <a:lstStyle/>
+          <a:p>
+            <a:r>
+              <a:rPr lang="fr-FR" dirty="0"/>
+              <a:t>-</a:t>
+            </a:r>
+          </a:p>
+        </p:txBody>
+      </p:sp>
+      <p:sp>
+        <p:nvSpPr>
+          <p:cNvPr id="27" name="ZoneTexte 26">
+            <a:extLst>
+              <a:ext uri="{FF2B5EF4-FFF2-40B4-BE49-F238E27FC236}">
+                <a16:creationId xmlns:a16="http://schemas.microsoft.com/office/drawing/2014/main" id="{CE7767DD-6828-B749-B312-A966748F2B96}"/>
+              </a:ext>
+            </a:extLst>
+          </p:cNvPr>
+          <p:cNvSpPr txBox="1"/>
+          <p:nvPr/>
+        </p:nvSpPr>
+        <p:spPr>
+          <a:xfrm>
+            <a:off x="11349791" y="1933080"/>
+            <a:ext cx="300082" cy="369332"/>
+          </a:xfrm>
+          <a:prstGeom prst="rect">
+            <a:avLst/>
+          </a:prstGeom>
+          <a:noFill/>
+        </p:spPr>
+        <p:txBody>
+          <a:bodyPr wrap="none" rtlCol="0">
+            <a:spAutoFit/>
+          </a:bodyPr>
+          <a:lstStyle/>
+          <a:p>
+            <a:r>
+              <a:rPr lang="fr-FR" dirty="0"/>
+              <a:t>+</a:t>
+            </a:r>
+          </a:p>
+        </p:txBody>
+      </p:sp>
+      <p:sp>
+        <p:nvSpPr>
+          <p:cNvPr id="28" name="ZoneTexte 27">
+            <a:extLst>
+              <a:ext uri="{FF2B5EF4-FFF2-40B4-BE49-F238E27FC236}">
+                <a16:creationId xmlns:a16="http://schemas.microsoft.com/office/drawing/2014/main" id="{9B14DDDE-43C9-4E45-97F3-5CE3D83F39AC}"/>
+              </a:ext>
+            </a:extLst>
+          </p:cNvPr>
+          <p:cNvSpPr txBox="1"/>
+          <p:nvPr/>
+        </p:nvSpPr>
+        <p:spPr>
+          <a:xfrm>
+            <a:off x="8559163" y="1933522"/>
+            <a:ext cx="255198" cy="369332"/>
+          </a:xfrm>
+          <a:prstGeom prst="rect">
+            <a:avLst/>
+          </a:prstGeom>
+          <a:noFill/>
+        </p:spPr>
+        <p:txBody>
+          <a:bodyPr wrap="none" rtlCol="0">
+            <a:spAutoFit/>
+          </a:bodyPr>
+          <a:lstStyle/>
+          <a:p>
+            <a:r>
+              <a:rPr lang="fr-FR" dirty="0"/>
+              <a:t>-</a:t>
+            </a:r>
+          </a:p>
+        </p:txBody>
+      </p:sp>
+      <p:sp>
+        <p:nvSpPr>
+          <p:cNvPr id="29" name="ZoneTexte 28">
+            <a:extLst>
+              <a:ext uri="{FF2B5EF4-FFF2-40B4-BE49-F238E27FC236}">
+                <a16:creationId xmlns:a16="http://schemas.microsoft.com/office/drawing/2014/main" id="{881C14C1-AEF5-4541-BB20-33D9F6A1EF46}"/>
+              </a:ext>
+            </a:extLst>
+          </p:cNvPr>
+          <p:cNvSpPr txBox="1"/>
+          <p:nvPr/>
+        </p:nvSpPr>
+        <p:spPr>
+          <a:xfrm>
+            <a:off x="8534133" y="3632687"/>
+            <a:ext cx="886268" cy="307777"/>
+          </a:xfrm>
+          <a:prstGeom prst="rect">
+            <a:avLst/>
+          </a:prstGeom>
+          <a:noFill/>
+        </p:spPr>
+        <p:txBody>
+          <a:bodyPr wrap="none" rtlCol="0">
+            <a:spAutoFit/>
+          </a:bodyPr>
+          <a:lstStyle/>
+          <a:p>
+            <a:r>
+              <a:rPr lang="fr-FR" sz="1400" dirty="0">
+                <a:solidFill>
+                  <a:schemeClr val="bg2">
+                    <a:lumMod val="25000"/>
+                  </a:schemeClr>
+                </a:solidFill>
+                <a:latin typeface="Amasis MT Pro Medium" panose="02040504050005020304" pitchFamily="18" charset="77"/>
+              </a:rPr>
+              <a:t>Internet </a:t>
+            </a:r>
+          </a:p>
+        </p:txBody>
+      </p:sp>
+      <p:sp>
+        <p:nvSpPr>
+          <p:cNvPr id="30" name="ZoneTexte 29">
+            <a:extLst>
+              <a:ext uri="{FF2B5EF4-FFF2-40B4-BE49-F238E27FC236}">
+                <a16:creationId xmlns:a16="http://schemas.microsoft.com/office/drawing/2014/main" id="{8DA71640-3D25-3B46-9A08-C71490E91296}"/>
+              </a:ext>
+            </a:extLst>
+          </p:cNvPr>
+          <p:cNvSpPr txBox="1"/>
+          <p:nvPr/>
+        </p:nvSpPr>
+        <p:spPr>
+          <a:xfrm>
+            <a:off x="8553861" y="4155380"/>
+            <a:ext cx="1170513" cy="307777"/>
+          </a:xfrm>
+          <a:prstGeom prst="rect">
+            <a:avLst/>
+          </a:prstGeom>
+          <a:noFill/>
+        </p:spPr>
+        <p:txBody>
+          <a:bodyPr wrap="none" rtlCol="0">
+            <a:spAutoFit/>
+          </a:bodyPr>
+          <a:lstStyle/>
+          <a:p>
+            <a:r>
+              <a:rPr lang="fr-FR" sz="1400" dirty="0">
+                <a:solidFill>
+                  <a:schemeClr val="bg2">
+                    <a:lumMod val="25000"/>
+                  </a:schemeClr>
+                </a:solidFill>
+                <a:latin typeface="Amasis MT Pro Medium" panose="02040504050005020304" pitchFamily="18" charset="77"/>
+              </a:rPr>
+              <a:t>App Mobile </a:t>
+            </a:r>
+          </a:p>
+        </p:txBody>
+      </p:sp>
+      <p:sp>
+        <p:nvSpPr>
+          <p:cNvPr id="31" name="ZoneTexte 30">
+            <a:extLst>
+              <a:ext uri="{FF2B5EF4-FFF2-40B4-BE49-F238E27FC236}">
+                <a16:creationId xmlns:a16="http://schemas.microsoft.com/office/drawing/2014/main" id="{D8CA6623-1482-B340-94F8-5BE381A1FCCC}"/>
+              </a:ext>
+            </a:extLst>
+          </p:cNvPr>
+          <p:cNvSpPr txBox="1"/>
+          <p:nvPr/>
+        </p:nvSpPr>
+        <p:spPr>
+          <a:xfrm>
+            <a:off x="8526230" y="4750925"/>
+            <a:ext cx="1574470" cy="307777"/>
+          </a:xfrm>
+          <a:prstGeom prst="rect">
+            <a:avLst/>
+          </a:prstGeom>
+          <a:noFill/>
+        </p:spPr>
+        <p:txBody>
+          <a:bodyPr wrap="none" rtlCol="0">
+            <a:spAutoFit/>
+          </a:bodyPr>
+          <a:lstStyle/>
+          <a:p>
+            <a:r>
+              <a:rPr lang="fr-FR" sz="1400" dirty="0">
+                <a:solidFill>
+                  <a:schemeClr val="bg2">
+                    <a:lumMod val="25000"/>
+                  </a:schemeClr>
+                </a:solidFill>
+                <a:latin typeface="Amasis MT Pro Medium" panose="02040504050005020304" pitchFamily="18" charset="77"/>
+              </a:rPr>
+              <a:t>Réseaux sociaux </a:t>
+            </a:r>
+          </a:p>
+        </p:txBody>
+      </p:sp>
+      <p:sp>
+        <p:nvSpPr>
+          <p:cNvPr id="32" name="Rectangle : coins arrondis 31">
+            <a:extLst>
+              <a:ext uri="{FF2B5EF4-FFF2-40B4-BE49-F238E27FC236}">
+                <a16:creationId xmlns:a16="http://schemas.microsoft.com/office/drawing/2014/main" id="{1A0048E1-A6E3-F54F-ADBC-42F3E041D28D}"/>
+              </a:ext>
+            </a:extLst>
+          </p:cNvPr>
+          <p:cNvSpPr/>
+          <p:nvPr/>
+        </p:nvSpPr>
+        <p:spPr>
+          <a:xfrm>
+            <a:off x="8552503" y="3957818"/>
+            <a:ext cx="3128478" cy="277162"/>
+          </a:xfrm>
+          <a:prstGeom prst="roundRect">
+            <a:avLst/>
+          </a:prstGeom>
+          <a:solidFill>
+            <a:schemeClr val="bg1">
+              <a:lumMod val="85000"/>
+            </a:schemeClr>
+          </a:solidFill>
+          <a:ln>
+            <a:noFill/>
+          </a:ln>
+        </p:spPr>
+        <p:style>
+          <a:lnRef idx="2">
+            <a:schemeClr val="accent1">
+              <a:shade val="50000"/>
+            </a:schemeClr>
+          </a:lnRef>
+          <a:fillRef idx="1">
+            <a:schemeClr val="accent1"/>
+          </a:fillRef>
+          <a:effectRef idx="0">
+            <a:schemeClr val="accent1"/>
+          </a:effectRef>
+          <a:fontRef idx="minor">
+            <a:schemeClr val="lt1"/>
+          </a:fontRef>
+        </p:style>
+        <p:txBody>
+          <a:bodyPr rtlCol="0" anchor="ctr"/>
+          <a:lstStyle/>
+          <a:p>
+            <a:pPr algn="ctr"/>
+            <a:endParaRPr lang="fr-FR" dirty="0"/>
+          </a:p>
+        </p:txBody>
+      </p:sp>
+      <p:sp>
+        <p:nvSpPr>
+          <p:cNvPr id="33" name="Rectangle : coins arrondis 32">
+            <a:extLst>
+              <a:ext uri="{FF2B5EF4-FFF2-40B4-BE49-F238E27FC236}">
+                <a16:creationId xmlns:a16="http://schemas.microsoft.com/office/drawing/2014/main" id="{EDFBA2F0-74B9-6A42-8E2E-7F92C2FC8AD6}"/>
+              </a:ext>
+            </a:extLst>
+          </p:cNvPr>
+          <p:cNvSpPr/>
+          <p:nvPr/>
+        </p:nvSpPr>
+        <p:spPr>
+          <a:xfrm>
+            <a:off x="8559163" y="3967976"/>
+            <a:ext cx="3090710" cy="250098"/>
+          </a:xfrm>
+          <a:prstGeom prst="roundRect">
+            <a:avLst/>
+          </a:prstGeom>
+          <a:solidFill>
+            <a:srgbClr val="FCC568"/>
+          </a:solidFill>
+          <a:ln>
+            <a:noFill/>
+          </a:ln>
+        </p:spPr>
+        <p:style>
+          <a:lnRef idx="2">
+            <a:schemeClr val="accent1">
+              <a:shade val="50000"/>
+            </a:schemeClr>
+          </a:lnRef>
+          <a:fillRef idx="1">
+            <a:schemeClr val="accent1"/>
+          </a:fillRef>
+          <a:effectRef idx="0">
+            <a:schemeClr val="accent1"/>
+          </a:effectRef>
+          <a:fontRef idx="minor">
+            <a:schemeClr val="lt1"/>
+          </a:fontRef>
+        </p:style>
+        <p:txBody>
+          <a:bodyPr rtlCol="0" anchor="ctr"/>
+          <a:lstStyle/>
+          <a:p>
+            <a:pPr algn="ctr"/>
+            <a:endParaRPr lang="fr-FR" dirty="0"/>
+          </a:p>
+        </p:txBody>
+      </p:sp>
+      <p:sp>
+        <p:nvSpPr>
+          <p:cNvPr id="34" name="Rectangle : coins arrondis 33">
+            <a:extLst>
+              <a:ext uri="{FF2B5EF4-FFF2-40B4-BE49-F238E27FC236}">
+                <a16:creationId xmlns:a16="http://schemas.microsoft.com/office/drawing/2014/main" id="{7856FD0A-FFB1-944D-9CEE-F7DE112F80F8}"/>
+              </a:ext>
+            </a:extLst>
+          </p:cNvPr>
+          <p:cNvSpPr/>
+          <p:nvPr/>
+        </p:nvSpPr>
+        <p:spPr>
+          <a:xfrm>
+            <a:off x="8576565" y="4494338"/>
+            <a:ext cx="3128478" cy="277162"/>
+          </a:xfrm>
+          <a:prstGeom prst="roundRect">
+            <a:avLst/>
+          </a:prstGeom>
+          <a:solidFill>
+            <a:schemeClr val="bg1">
+              <a:lumMod val="85000"/>
+            </a:schemeClr>
+          </a:solidFill>
+          <a:ln>
+            <a:noFill/>
+          </a:ln>
+        </p:spPr>
+        <p:style>
+          <a:lnRef idx="2">
+            <a:schemeClr val="accent1">
+              <a:shade val="50000"/>
+            </a:schemeClr>
+          </a:lnRef>
+          <a:fillRef idx="1">
+            <a:schemeClr val="accent1"/>
+          </a:fillRef>
+          <a:effectRef idx="0">
+            <a:schemeClr val="accent1"/>
+          </a:effectRef>
+          <a:fontRef idx="minor">
+            <a:schemeClr val="lt1"/>
+          </a:fontRef>
+        </p:style>
+        <p:txBody>
+          <a:bodyPr rtlCol="0" anchor="ctr"/>
+          <a:lstStyle/>
+          <a:p>
+            <a:pPr algn="ctr"/>
+            <a:endParaRPr lang="fr-FR" dirty="0"/>
+          </a:p>
+        </p:txBody>
+      </p:sp>
+      <p:sp>
+        <p:nvSpPr>
+          <p:cNvPr id="35" name="Rectangle : coins arrondis 34">
+            <a:extLst>
+              <a:ext uri="{FF2B5EF4-FFF2-40B4-BE49-F238E27FC236}">
+                <a16:creationId xmlns:a16="http://schemas.microsoft.com/office/drawing/2014/main" id="{9209E25E-D27A-D246-86A9-F8D2B8FF185E}"/>
+              </a:ext>
+            </a:extLst>
+          </p:cNvPr>
+          <p:cNvSpPr/>
+          <p:nvPr/>
+        </p:nvSpPr>
+        <p:spPr>
+          <a:xfrm>
+            <a:off x="8583224" y="4489144"/>
+            <a:ext cx="2558133" cy="261781"/>
+          </a:xfrm>
+          <a:prstGeom prst="roundRect">
+            <a:avLst/>
+          </a:prstGeom>
+          <a:solidFill>
+            <a:srgbClr val="FCC568"/>
+          </a:solidFill>
+          <a:ln>
+            <a:noFill/>
+          </a:ln>
+        </p:spPr>
+        <p:style>
+          <a:lnRef idx="2">
+            <a:schemeClr val="accent1">
+              <a:shade val="50000"/>
+            </a:schemeClr>
+          </a:lnRef>
+          <a:fillRef idx="1">
+            <a:schemeClr val="accent1"/>
+          </a:fillRef>
+          <a:effectRef idx="0">
+            <a:schemeClr val="accent1"/>
+          </a:effectRef>
+          <a:fontRef idx="minor">
+            <a:schemeClr val="lt1"/>
+          </a:fontRef>
+        </p:style>
+        <p:txBody>
+          <a:bodyPr rtlCol="0" anchor="ctr"/>
+          <a:lstStyle/>
+          <a:p>
+            <a:pPr algn="ctr"/>
+            <a:endParaRPr lang="fr-FR" dirty="0"/>
+          </a:p>
+        </p:txBody>
+      </p:sp>
+      <p:sp>
+        <p:nvSpPr>
+          <p:cNvPr id="36" name="Rectangle : coins arrondis 35">
+            <a:extLst>
+              <a:ext uri="{FF2B5EF4-FFF2-40B4-BE49-F238E27FC236}">
+                <a16:creationId xmlns:a16="http://schemas.microsoft.com/office/drawing/2014/main" id="{8D7B90E6-DAC4-CD40-8AEA-618D9F34A2E2}"/>
+              </a:ext>
+            </a:extLst>
+          </p:cNvPr>
+          <p:cNvSpPr/>
+          <p:nvPr/>
+        </p:nvSpPr>
+        <p:spPr>
+          <a:xfrm>
+            <a:off x="8583225" y="5032164"/>
+            <a:ext cx="3128478" cy="277162"/>
+          </a:xfrm>
+          <a:prstGeom prst="roundRect">
+            <a:avLst/>
+          </a:prstGeom>
+          <a:solidFill>
+            <a:schemeClr val="bg1">
+              <a:lumMod val="85000"/>
+            </a:schemeClr>
+          </a:solidFill>
+          <a:ln>
+            <a:noFill/>
+          </a:ln>
+        </p:spPr>
+        <p:style>
+          <a:lnRef idx="2">
+            <a:schemeClr val="accent1">
+              <a:shade val="50000"/>
+            </a:schemeClr>
+          </a:lnRef>
+          <a:fillRef idx="1">
+            <a:schemeClr val="accent1"/>
+          </a:fillRef>
+          <a:effectRef idx="0">
+            <a:schemeClr val="accent1"/>
+          </a:effectRef>
+          <a:fontRef idx="minor">
+            <a:schemeClr val="lt1"/>
+          </a:fontRef>
+        </p:style>
+        <p:txBody>
+          <a:bodyPr rtlCol="0" anchor="ctr"/>
+          <a:lstStyle/>
+          <a:p>
+            <a:pPr algn="ctr"/>
+            <a:endParaRPr lang="fr-FR" dirty="0"/>
+          </a:p>
+        </p:txBody>
+      </p:sp>
+      <p:sp>
+        <p:nvSpPr>
+          <p:cNvPr id="37" name="Rectangle : coins arrondis 36">
+            <a:extLst>
+              <a:ext uri="{FF2B5EF4-FFF2-40B4-BE49-F238E27FC236}">
+                <a16:creationId xmlns:a16="http://schemas.microsoft.com/office/drawing/2014/main" id="{CE9FDE63-552A-5548-8ACA-9F8F3CCB4F21}"/>
+              </a:ext>
+            </a:extLst>
+          </p:cNvPr>
+          <p:cNvSpPr/>
+          <p:nvPr/>
+        </p:nvSpPr>
+        <p:spPr>
+          <a:xfrm>
+            <a:off x="8589885" y="5026971"/>
+            <a:ext cx="3121817" cy="260474"/>
+          </a:xfrm>
+          <a:prstGeom prst="roundRect">
+            <a:avLst/>
+          </a:prstGeom>
+          <a:solidFill>
+            <a:srgbClr val="FCC568"/>
+          </a:solidFill>
+          <a:ln>
+            <a:noFill/>
+          </a:ln>
+        </p:spPr>
+        <p:style>
+          <a:lnRef idx="2">
+            <a:schemeClr val="accent1">
+              <a:shade val="50000"/>
+            </a:schemeClr>
+          </a:lnRef>
+          <a:fillRef idx="1">
+            <a:schemeClr val="accent1"/>
+          </a:fillRef>
+          <a:effectRef idx="0">
+            <a:schemeClr val="accent1"/>
+          </a:effectRef>
+          <a:fontRef idx="minor">
+            <a:schemeClr val="lt1"/>
+          </a:fontRef>
+        </p:style>
+        <p:txBody>
+          <a:bodyPr rtlCol="0" anchor="ctr"/>
+          <a:lstStyle/>
+          <a:p>
+            <a:pPr algn="ctr"/>
+            <a:endParaRPr lang="fr-FR" dirty="0"/>
+          </a:p>
+        </p:txBody>
+      </p:sp>
+      <p:sp>
+        <p:nvSpPr>
+          <p:cNvPr id="38" name="ZoneTexte 37">
+            <a:extLst>
+              <a:ext uri="{FF2B5EF4-FFF2-40B4-BE49-F238E27FC236}">
+                <a16:creationId xmlns:a16="http://schemas.microsoft.com/office/drawing/2014/main" id="{2B2643D5-187D-5747-B7E8-2ED96AC99482}"/>
+              </a:ext>
+            </a:extLst>
+          </p:cNvPr>
+          <p:cNvSpPr txBox="1"/>
+          <p:nvPr/>
+        </p:nvSpPr>
+        <p:spPr>
+          <a:xfrm>
+            <a:off x="9850480" y="5825674"/>
+            <a:ext cx="1018227" cy="369332"/>
+          </a:xfrm>
+          <a:prstGeom prst="rect">
+            <a:avLst/>
+          </a:prstGeom>
+          <a:noFill/>
+          <a:effectLst>
+            <a:outerShdw blurRad="50800" dist="50800" dir="2700000" algn="tl" rotWithShape="0">
+              <a:prstClr val="black">
+                <a:alpha val="27759"/>
+              </a:prstClr>
+            </a:outerShdw>
+          </a:effectLst>
+        </p:spPr>
+        <p:txBody>
+          <a:bodyPr wrap="none" rtlCol="0">
+            <a:spAutoFit/>
+          </a:bodyPr>
+          <a:lstStyle/>
+          <a:p>
+            <a:r>
+              <a:rPr lang="fr-FR" i="1" dirty="0">
+                <a:solidFill>
+                  <a:srgbClr val="FFA80D"/>
+                </a:solidFill>
+                <a:latin typeface="Amasis MT Pro Medium" panose="02040504050005020304" pitchFamily="18" charset="77"/>
+              </a:rPr>
+              <a:t>Delivroo</a:t>
+            </a:r>
+          </a:p>
+        </p:txBody>
+      </p:sp>
+      <p:sp>
+        <p:nvSpPr>
+          <p:cNvPr id="39" name="ZoneTexte 38">
+            <a:extLst>
+              <a:ext uri="{FF2B5EF4-FFF2-40B4-BE49-F238E27FC236}">
+                <a16:creationId xmlns:a16="http://schemas.microsoft.com/office/drawing/2014/main" id="{86FA1E2A-28EB-7D40-AB15-13CA8F5727C2}"/>
+              </a:ext>
+            </a:extLst>
+          </p:cNvPr>
+          <p:cNvSpPr txBox="1"/>
+          <p:nvPr/>
+        </p:nvSpPr>
+        <p:spPr>
+          <a:xfrm>
+            <a:off x="9111355" y="6215080"/>
+            <a:ext cx="1080680" cy="369332"/>
+          </a:xfrm>
+          <a:prstGeom prst="rect">
+            <a:avLst/>
+          </a:prstGeom>
+          <a:noFill/>
+          <a:effectLst>
+            <a:outerShdw blurRad="50800" dist="50800" dir="2700000" algn="tl" rotWithShape="0">
+              <a:prstClr val="black">
+                <a:alpha val="27759"/>
+              </a:prstClr>
+            </a:outerShdw>
+          </a:effectLst>
+        </p:spPr>
+        <p:txBody>
+          <a:bodyPr wrap="none" rtlCol="0">
+            <a:spAutoFit/>
+          </a:bodyPr>
+          <a:lstStyle/>
+          <a:p>
+            <a:r>
+              <a:rPr lang="fr-FR" i="1" dirty="0">
+                <a:solidFill>
+                  <a:srgbClr val="FFA80D"/>
+                </a:solidFill>
+                <a:latin typeface="Amasis MT Pro Medium" panose="02040504050005020304" pitchFamily="18" charset="77"/>
+              </a:rPr>
+              <a:t>UberEats</a:t>
+            </a:r>
+          </a:p>
+        </p:txBody>
+      </p:sp>
+      <p:sp>
+        <p:nvSpPr>
+          <p:cNvPr id="40" name="ZoneTexte 39">
+            <a:extLst>
+              <a:ext uri="{FF2B5EF4-FFF2-40B4-BE49-F238E27FC236}">
+                <a16:creationId xmlns:a16="http://schemas.microsoft.com/office/drawing/2014/main" id="{CD3B5D0E-3243-9E4D-9B38-C2A3C4239847}"/>
+              </a:ext>
+            </a:extLst>
+          </p:cNvPr>
+          <p:cNvSpPr txBox="1"/>
+          <p:nvPr/>
+        </p:nvSpPr>
+        <p:spPr>
+          <a:xfrm>
+            <a:off x="10498703" y="6154428"/>
+            <a:ext cx="917174" cy="369332"/>
+          </a:xfrm>
+          <a:prstGeom prst="rect">
+            <a:avLst/>
+          </a:prstGeom>
+          <a:noFill/>
+          <a:effectLst>
+            <a:outerShdw blurRad="50800" dist="50800" dir="2700000" algn="tl" rotWithShape="0">
+              <a:prstClr val="black">
+                <a:alpha val="27759"/>
+              </a:prstClr>
+            </a:outerShdw>
+          </a:effectLst>
+        </p:spPr>
+        <p:txBody>
+          <a:bodyPr wrap="none" rtlCol="0">
+            <a:spAutoFit/>
+          </a:bodyPr>
+          <a:lstStyle/>
+          <a:p>
+            <a:r>
+              <a:rPr lang="fr-FR" i="1" dirty="0">
+                <a:solidFill>
+                  <a:srgbClr val="FFA80D"/>
+                </a:solidFill>
+                <a:latin typeface="Amasis MT Pro Medium" panose="02040504050005020304" pitchFamily="18" charset="77"/>
+              </a:rPr>
+              <a:t>JustEat</a:t>
+            </a:r>
+          </a:p>
+        </p:txBody>
+      </p:sp>
+      <p:pic>
+        <p:nvPicPr>
+          <p:cNvPr id="43" name="Image 42" descr="Une image contenant personne, homme, intérieur&#10;&#10;Description générée automatiquement">
+            <a:extLst>
+              <a:ext uri="{FF2B5EF4-FFF2-40B4-BE49-F238E27FC236}">
+                <a16:creationId xmlns:a16="http://schemas.microsoft.com/office/drawing/2014/main" id="{DDFE60C0-AE8C-014B-A90F-E88FFF1080A1}"/>
+              </a:ext>
+            </a:extLst>
+          </p:cNvPr>
+          <p:cNvPicPr>
+            <a:picLocks noChangeAspect="1"/>
+          </p:cNvPicPr>
+          <p:nvPr/>
+        </p:nvPicPr>
+        <p:blipFill rotWithShape="1">
+          <a:blip r:embed="rId2"/>
+          <a:srcRect l="19705" t="-1" r="1" b="7631"/>
+          <a:stretch/>
+        </p:blipFill>
+        <p:spPr>
+          <a:xfrm>
+            <a:off x="511019" y="3429000"/>
+            <a:ext cx="2535618" cy="1964266"/>
+          </a:xfrm>
+          <a:prstGeom prst="rect">
+            <a:avLst/>
+          </a:prstGeom>
+          <a:ln w="57150">
+            <a:solidFill>
+              <a:srgbClr val="FF9F0A"/>
+            </a:solidFill>
+          </a:ln>
+        </p:spPr>
+      </p:pic>
     </p:spTree>
     <p:extLst>
       <p:ext uri="{BB962C8B-B14F-4D97-AF65-F5344CB8AC3E}">
-        <p14:creationId xmlns:p14="http://schemas.microsoft.com/office/powerpoint/2010/main" val="1868027253"/>
+        <p14:creationId xmlns:p14="http://schemas.microsoft.com/office/powerpoint/2010/main" val="275149329"/>
       </p:ext>
     </p:extLst>
   </p:cSld>

--- a/persona et shéma de fonctionnement ecommerce.pptx
+++ b/persona et shéma de fonctionnement ecommerce.pptx
@@ -11427,11 +11427,14 @@
               <a:rPr lang="fr-FR" sz="4800" dirty="0">
                 <a:latin typeface="Amasis MT Pro" panose="02040504050005020304" pitchFamily="18" charset="77"/>
               </a:rPr>
-              <a:t>    Antoine MOBANGO</a:t>
-            </a:r>
-            <a:endParaRPr lang="fr-FR" sz="4800" b="1" dirty="0">
-              <a:latin typeface="Amasis MT Pro" panose="02040504050005020304" pitchFamily="18" charset="77"/>
-            </a:endParaRPr>
+              <a:t>    Antoine </a:t>
+            </a:r>
+            <a:r>
+              <a:rPr lang="fr-FR" sz="4800" b="1" dirty="0">
+                <a:latin typeface="Amasis MT Pro" panose="02040504050005020304" pitchFamily="18" charset="77"/>
+              </a:rPr>
+              <a:t>MOBANGO</a:t>
+            </a:r>
           </a:p>
         </p:txBody>
       </p:sp>

--- a/persona et shéma de fonctionnement ecommerce.pptx
+++ b/persona et shéma de fonctionnement ecommerce.pptx
@@ -10,6 +10,7 @@
     <p:sldId id="258" r:id="rId4"/>
     <p:sldId id="259" r:id="rId5"/>
     <p:sldId id="260" r:id="rId6"/>
+    <p:sldId id="261" r:id="rId7"/>
   </p:sldIdLst>
   <p:sldSz cx="12192000" cy="6858000"/>
   <p:notesSz cx="6858000" cy="9144000"/>
@@ -263,7 +264,7 @@
           <a:p>
             <a:fld id="{CC845781-86CD-A944-9445-314D87DFF735}" type="datetimeFigureOut">
               <a:rPr lang="fr-FR" smtClean="0"/>
-              <a:t>07/05/2021</a:t>
+              <a:t>11/05/2021</a:t>
             </a:fld>
             <a:endParaRPr lang="fr-FR" dirty="0"/>
           </a:p>
@@ -461,7 +462,7 @@
           <a:p>
             <a:fld id="{CC845781-86CD-A944-9445-314D87DFF735}" type="datetimeFigureOut">
               <a:rPr lang="fr-FR" smtClean="0"/>
-              <a:t>07/05/2021</a:t>
+              <a:t>11/05/2021</a:t>
             </a:fld>
             <a:endParaRPr lang="fr-FR" dirty="0"/>
           </a:p>
@@ -669,7 +670,7 @@
           <a:p>
             <a:fld id="{CC845781-86CD-A944-9445-314D87DFF735}" type="datetimeFigureOut">
               <a:rPr lang="fr-FR" smtClean="0"/>
-              <a:t>07/05/2021</a:t>
+              <a:t>11/05/2021</a:t>
             </a:fld>
             <a:endParaRPr lang="fr-FR" dirty="0"/>
           </a:p>
@@ -867,7 +868,7 @@
           <a:p>
             <a:fld id="{CC845781-86CD-A944-9445-314D87DFF735}" type="datetimeFigureOut">
               <a:rPr lang="fr-FR" smtClean="0"/>
-              <a:t>07/05/2021</a:t>
+              <a:t>11/05/2021</a:t>
             </a:fld>
             <a:endParaRPr lang="fr-FR" dirty="0"/>
           </a:p>
@@ -1142,7 +1143,7 @@
           <a:p>
             <a:fld id="{CC845781-86CD-A944-9445-314D87DFF735}" type="datetimeFigureOut">
               <a:rPr lang="fr-FR" smtClean="0"/>
-              <a:t>07/05/2021</a:t>
+              <a:t>11/05/2021</a:t>
             </a:fld>
             <a:endParaRPr lang="fr-FR" dirty="0"/>
           </a:p>
@@ -1407,7 +1408,7 @@
           <a:p>
             <a:fld id="{CC845781-86CD-A944-9445-314D87DFF735}" type="datetimeFigureOut">
               <a:rPr lang="fr-FR" smtClean="0"/>
-              <a:t>07/05/2021</a:t>
+              <a:t>11/05/2021</a:t>
             </a:fld>
             <a:endParaRPr lang="fr-FR" dirty="0"/>
           </a:p>
@@ -1819,7 +1820,7 @@
           <a:p>
             <a:fld id="{CC845781-86CD-A944-9445-314D87DFF735}" type="datetimeFigureOut">
               <a:rPr lang="fr-FR" smtClean="0"/>
-              <a:t>07/05/2021</a:t>
+              <a:t>11/05/2021</a:t>
             </a:fld>
             <a:endParaRPr lang="fr-FR" dirty="0"/>
           </a:p>
@@ -1960,7 +1961,7 @@
           <a:p>
             <a:fld id="{CC845781-86CD-A944-9445-314D87DFF735}" type="datetimeFigureOut">
               <a:rPr lang="fr-FR" smtClean="0"/>
-              <a:t>07/05/2021</a:t>
+              <a:t>11/05/2021</a:t>
             </a:fld>
             <a:endParaRPr lang="fr-FR" dirty="0"/>
           </a:p>
@@ -2073,7 +2074,7 @@
           <a:p>
             <a:fld id="{CC845781-86CD-A944-9445-314D87DFF735}" type="datetimeFigureOut">
               <a:rPr lang="fr-FR" smtClean="0"/>
-              <a:t>07/05/2021</a:t>
+              <a:t>11/05/2021</a:t>
             </a:fld>
             <a:endParaRPr lang="fr-FR" dirty="0"/>
           </a:p>
@@ -2384,7 +2385,7 @@
           <a:p>
             <a:fld id="{CC845781-86CD-A944-9445-314D87DFF735}" type="datetimeFigureOut">
               <a:rPr lang="fr-FR" smtClean="0"/>
-              <a:t>07/05/2021</a:t>
+              <a:t>11/05/2021</a:t>
             </a:fld>
             <a:endParaRPr lang="fr-FR" dirty="0"/>
           </a:p>
@@ -2672,7 +2673,7 @@
           <a:p>
             <a:fld id="{CC845781-86CD-A944-9445-314D87DFF735}" type="datetimeFigureOut">
               <a:rPr lang="fr-FR" smtClean="0"/>
-              <a:t>07/05/2021</a:t>
+              <a:t>11/05/2021</a:t>
             </a:fld>
             <a:endParaRPr lang="fr-FR" dirty="0"/>
           </a:p>
@@ -2913,7 +2914,7 @@
           <a:p>
             <a:fld id="{CC845781-86CD-A944-9445-314D87DFF735}" type="datetimeFigureOut">
               <a:rPr lang="fr-FR" smtClean="0"/>
-              <a:t>07/05/2021</a:t>
+              <a:t>11/05/2021</a:t>
             </a:fld>
             <a:endParaRPr lang="fr-FR" dirty="0"/>
           </a:p>
@@ -7094,6 +7095,106 @@
           </a:p>
         </p:txBody>
       </p:sp>
+      <p:sp>
+        <p:nvSpPr>
+          <p:cNvPr id="2" name="Flèche courbée vers la gauche 1">
+            <a:extLst>
+              <a:ext uri="{FF2B5EF4-FFF2-40B4-BE49-F238E27FC236}">
+                <a16:creationId xmlns:a16="http://schemas.microsoft.com/office/drawing/2014/main" id="{F6BC5462-B6AE-3F4C-8729-868116DCA7AA}"/>
+              </a:ext>
+            </a:extLst>
+          </p:cNvPr>
+          <p:cNvSpPr/>
+          <p:nvPr/>
+        </p:nvSpPr>
+        <p:spPr>
+          <a:xfrm rot="10800000" flipH="1">
+            <a:off x="8318652" y="2733098"/>
+            <a:ext cx="479359" cy="1370637"/>
+          </a:xfrm>
+          <a:prstGeom prst="curvedLeftArrow">
+            <a:avLst/>
+          </a:prstGeom>
+        </p:spPr>
+        <p:style>
+          <a:lnRef idx="2">
+            <a:schemeClr val="accent1">
+              <a:shade val="50000"/>
+            </a:schemeClr>
+          </a:lnRef>
+          <a:fillRef idx="1">
+            <a:schemeClr val="accent1"/>
+          </a:fillRef>
+          <a:effectRef idx="0">
+            <a:schemeClr val="accent1"/>
+          </a:effectRef>
+          <a:fontRef idx="minor">
+            <a:schemeClr val="lt1"/>
+          </a:fontRef>
+        </p:style>
+        <p:txBody>
+          <a:bodyPr rtlCol="0" anchor="ctr"/>
+          <a:lstStyle/>
+          <a:p>
+            <a:pPr algn="ctr"/>
+            <a:endParaRPr lang="fr-FR">
+              <a:solidFill>
+                <a:schemeClr val="tx1"/>
+              </a:solidFill>
+            </a:endParaRPr>
+          </a:p>
+        </p:txBody>
+      </p:sp>
+      <p:sp>
+        <p:nvSpPr>
+          <p:cNvPr id="42" name="Flèche courbée vers la gauche 41">
+            <a:extLst>
+              <a:ext uri="{FF2B5EF4-FFF2-40B4-BE49-F238E27FC236}">
+                <a16:creationId xmlns:a16="http://schemas.microsoft.com/office/drawing/2014/main" id="{E364EE9E-4BAD-DF4D-91E7-A4F34DD3067E}"/>
+              </a:ext>
+            </a:extLst>
+          </p:cNvPr>
+          <p:cNvSpPr/>
+          <p:nvPr/>
+        </p:nvSpPr>
+        <p:spPr>
+          <a:xfrm rot="10800000" flipV="1">
+            <a:off x="3458715" y="2704919"/>
+            <a:ext cx="529721" cy="1473784"/>
+          </a:xfrm>
+          <a:prstGeom prst="curvedLeftArrow">
+            <a:avLst/>
+          </a:prstGeom>
+        </p:spPr>
+        <p:style>
+          <a:lnRef idx="2">
+            <a:schemeClr val="accent1">
+              <a:shade val="50000"/>
+            </a:schemeClr>
+          </a:lnRef>
+          <a:fillRef idx="1">
+            <a:schemeClr val="accent1"/>
+          </a:fillRef>
+          <a:effectRef idx="0">
+            <a:schemeClr val="accent1"/>
+          </a:effectRef>
+          <a:fontRef idx="minor">
+            <a:schemeClr val="lt1"/>
+          </a:fontRef>
+        </p:style>
+        <p:txBody>
+          <a:bodyPr rtlCol="0" anchor="ctr"/>
+          <a:lstStyle/>
+          <a:p>
+            <a:pPr algn="ctr"/>
+            <a:endParaRPr lang="fr-FR" dirty="0">
+              <a:solidFill>
+                <a:schemeClr val="tx1"/>
+              </a:solidFill>
+            </a:endParaRPr>
+          </a:p>
+        </p:txBody>
+      </p:sp>
     </p:spTree>
     <p:extLst>
       <p:ext uri="{BB962C8B-B14F-4D97-AF65-F5344CB8AC3E}">
@@ -11547,7 +11648,7 @@
               <a:rPr lang="fr-FR" sz="1600" dirty="0">
                 <a:latin typeface="Amasis MT Pro" panose="02040504050005020304" pitchFamily="18" charset="77"/>
               </a:rPr>
-              <a:t>Antoine est directeur marketing donc entre deux réunions il mange souvent le midi sur le pouce et commande souvent sur les applications spécialisées. Il aimerait un service de pizzeria son péché mignon qui respecte bien la commande et qui notifie à chaque étape de la préparation à la livraison. Souvent déçu par le temps pris mais aussi des commandes incomplètes. </a:t>
+              <a:t>Antoine est directeur marketing donc entre deux réunions il mange souvent le midi sur le pouce et commande souvent sur les applications spécialisées. Il aimerait un service de pizzeria, son péché mignon qui respecte bien la commande et qui notifie à chaque étape de la préparation à la livraison. Souvent déçu par le temps pris mais aussi des commandes incomplètes. </a:t>
             </a:r>
           </a:p>
         </p:txBody>
@@ -11692,7 +11793,7 @@
           <a:p>
             <a:r>
               <a:rPr lang="fr-FR" dirty="0"/>
-              <a:t>2 506 €</a:t>
+              <a:t>4 600 €</a:t>
             </a:r>
             <a:r>
               <a:rPr lang="fr-FR" sz="1600" dirty="0">
@@ -11722,7 +11823,7 @@
               <a:rPr lang="fr-FR" sz="1600" dirty="0">
                 <a:latin typeface="Amasis MT Pro" panose="02040504050005020304" pitchFamily="18" charset="77"/>
               </a:rPr>
-              <a:t>Déterminée </a:t>
+              <a:t> Pointilleux</a:t>
             </a:r>
           </a:p>
         </p:txBody>
@@ -13416,6 +13517,36 @@
     <p:extLst>
       <p:ext uri="{BB962C8B-B14F-4D97-AF65-F5344CB8AC3E}">
         <p14:creationId xmlns:p14="http://schemas.microsoft.com/office/powerpoint/2010/main" val="275149329"/>
+      </p:ext>
+    </p:extLst>
+  </p:cSld>
+  <p:clrMapOvr>
+    <a:masterClrMapping/>
+  </p:clrMapOvr>
+</p:sld>
+</file>
+
+<file path=ppt/slides/slide6.xml><?xml version="1.0" encoding="utf-8"?>
+<p:sld xmlns:a="http://schemas.openxmlformats.org/drawingml/2006/main" xmlns:r="http://schemas.openxmlformats.org/officeDocument/2006/relationships" xmlns:p="http://schemas.openxmlformats.org/presentationml/2006/main">
+  <p:cSld>
+    <p:spTree>
+      <p:nvGrpSpPr>
+        <p:cNvPr id="1" name=""/>
+        <p:cNvGrpSpPr/>
+        <p:nvPr/>
+      </p:nvGrpSpPr>
+      <p:grpSpPr>
+        <a:xfrm>
+          <a:off x="0" y="0"/>
+          <a:ext cx="0" cy="0"/>
+          <a:chOff x="0" y="0"/>
+          <a:chExt cx="0" cy="0"/>
+        </a:xfrm>
+      </p:grpSpPr>
+    </p:spTree>
+    <p:extLst>
+      <p:ext uri="{BB962C8B-B14F-4D97-AF65-F5344CB8AC3E}">
+        <p14:creationId xmlns:p14="http://schemas.microsoft.com/office/powerpoint/2010/main" val="1965581724"/>
       </p:ext>
     </p:extLst>
   </p:cSld>
